--- a/5UML答辩/UML基础I.pptx
+++ b/5UML答辩/UML基础I.pptx
@@ -5,52 +5,52 @@
     <p:sldMasterId id="2147483648" r:id="rId1"/>
   </p:sldMasterIdLst>
   <p:notesMasterIdLst>
-    <p:notesMasterId r:id="rId45"/>
+    <p:notesMasterId r:id="rId4"/>
   </p:notesMasterIdLst>
   <p:sldIdLst>
-    <p:sldId id="256" r:id="rId2"/>
-    <p:sldId id="284" r:id="rId3"/>
-    <p:sldId id="258" r:id="rId4"/>
-    <p:sldId id="263" r:id="rId5"/>
-    <p:sldId id="312" r:id="rId6"/>
-    <p:sldId id="330" r:id="rId7"/>
-    <p:sldId id="264" r:id="rId8"/>
-    <p:sldId id="331" r:id="rId9"/>
-    <p:sldId id="269" r:id="rId10"/>
-    <p:sldId id="415" r:id="rId11"/>
-    <p:sldId id="332" r:id="rId12"/>
-    <p:sldId id="270" r:id="rId13"/>
-    <p:sldId id="271" r:id="rId14"/>
-    <p:sldId id="336" r:id="rId15"/>
-    <p:sldId id="333" r:id="rId16"/>
-    <p:sldId id="414" r:id="rId17"/>
-    <p:sldId id="334" r:id="rId18"/>
-    <p:sldId id="337" r:id="rId19"/>
-    <p:sldId id="335" r:id="rId20"/>
-    <p:sldId id="338" r:id="rId21"/>
-    <p:sldId id="339" r:id="rId22"/>
-    <p:sldId id="392" r:id="rId23"/>
-    <p:sldId id="340" r:id="rId24"/>
-    <p:sldId id="361" r:id="rId25"/>
-    <p:sldId id="362" r:id="rId26"/>
-    <p:sldId id="363" r:id="rId27"/>
-    <p:sldId id="412" r:id="rId28"/>
-    <p:sldId id="341" r:id="rId29"/>
-    <p:sldId id="351" r:id="rId30"/>
-    <p:sldId id="352" r:id="rId31"/>
-    <p:sldId id="353" r:id="rId32"/>
-    <p:sldId id="381" r:id="rId33"/>
-    <p:sldId id="413" r:id="rId34"/>
-    <p:sldId id="342" r:id="rId35"/>
-    <p:sldId id="354" r:id="rId36"/>
-    <p:sldId id="355" r:id="rId37"/>
-    <p:sldId id="356" r:id="rId38"/>
-    <p:sldId id="391" r:id="rId39"/>
-    <p:sldId id="375" r:id="rId40"/>
-    <p:sldId id="377" r:id="rId41"/>
-    <p:sldId id="374" r:id="rId42"/>
-    <p:sldId id="279" r:id="rId43"/>
-    <p:sldId id="280" r:id="rId44"/>
+    <p:sldId id="256" r:id="rId3"/>
+    <p:sldId id="284" r:id="rId5"/>
+    <p:sldId id="258" r:id="rId6"/>
+    <p:sldId id="263" r:id="rId7"/>
+    <p:sldId id="312" r:id="rId8"/>
+    <p:sldId id="330" r:id="rId9"/>
+    <p:sldId id="264" r:id="rId10"/>
+    <p:sldId id="331" r:id="rId11"/>
+    <p:sldId id="269" r:id="rId12"/>
+    <p:sldId id="415" r:id="rId13"/>
+    <p:sldId id="332" r:id="rId14"/>
+    <p:sldId id="270" r:id="rId15"/>
+    <p:sldId id="271" r:id="rId16"/>
+    <p:sldId id="336" r:id="rId17"/>
+    <p:sldId id="333" r:id="rId18"/>
+    <p:sldId id="414" r:id="rId19"/>
+    <p:sldId id="334" r:id="rId20"/>
+    <p:sldId id="337" r:id="rId21"/>
+    <p:sldId id="335" r:id="rId22"/>
+    <p:sldId id="338" r:id="rId23"/>
+    <p:sldId id="339" r:id="rId24"/>
+    <p:sldId id="392" r:id="rId25"/>
+    <p:sldId id="340" r:id="rId26"/>
+    <p:sldId id="361" r:id="rId27"/>
+    <p:sldId id="362" r:id="rId28"/>
+    <p:sldId id="363" r:id="rId29"/>
+    <p:sldId id="412" r:id="rId30"/>
+    <p:sldId id="341" r:id="rId31"/>
+    <p:sldId id="351" r:id="rId32"/>
+    <p:sldId id="352" r:id="rId33"/>
+    <p:sldId id="353" r:id="rId34"/>
+    <p:sldId id="381" r:id="rId35"/>
+    <p:sldId id="413" r:id="rId36"/>
+    <p:sldId id="342" r:id="rId37"/>
+    <p:sldId id="354" r:id="rId38"/>
+    <p:sldId id="355" r:id="rId39"/>
+    <p:sldId id="356" r:id="rId40"/>
+    <p:sldId id="391" r:id="rId41"/>
+    <p:sldId id="375" r:id="rId42"/>
+    <p:sldId id="377" r:id="rId43"/>
+    <p:sldId id="374" r:id="rId44"/>
+    <p:sldId id="279" r:id="rId45"/>
+    <p:sldId id="280" r:id="rId46"/>
   </p:sldIdLst>
   <p:sldSz cx="12192000" cy="6858000"/>
   <p:notesSz cx="6858000" cy="9144000"/>
@@ -234,7 +234,6 @@
           <a:p>
             <a:fld id="{688D8800-4BFF-4416-9148-C9E6947F365D}" type="datetimeFigureOut">
               <a:rPr lang="zh-CN" altLang="en-US" smtClean="0"/>
-              <a:t>2017/11/14</a:t>
             </a:fld>
             <a:endParaRPr lang="zh-CN" altLang="en-US"/>
           </a:p>
@@ -301,6 +300,7 @@
               <a:rPr lang="zh-CN" altLang="en-US" smtClean="0"/>
               <a:t>单击此处编辑母版文本样式</a:t>
             </a:r>
+            <a:endParaRPr lang="zh-CN" altLang="en-US" smtClean="0"/>
           </a:p>
           <a:p>
             <a:pPr lvl="1"/>
@@ -308,6 +308,7 @@
               <a:rPr lang="zh-CN" altLang="en-US" smtClean="0"/>
               <a:t>第二级</a:t>
             </a:r>
+            <a:endParaRPr lang="zh-CN" altLang="en-US" smtClean="0"/>
           </a:p>
           <a:p>
             <a:pPr lvl="2"/>
@@ -315,6 +316,7 @@
               <a:rPr lang="zh-CN" altLang="en-US" smtClean="0"/>
               <a:t>第三级</a:t>
             </a:r>
+            <a:endParaRPr lang="zh-CN" altLang="en-US" smtClean="0"/>
           </a:p>
           <a:p>
             <a:pPr lvl="3"/>
@@ -322,6 +324,7 @@
               <a:rPr lang="zh-CN" altLang="en-US" smtClean="0"/>
               <a:t>第四级</a:t>
             </a:r>
+            <a:endParaRPr lang="zh-CN" altLang="en-US" smtClean="0"/>
           </a:p>
           <a:p>
             <a:pPr lvl="4"/>
@@ -393,18 +396,12 @@
           <a:p>
             <a:fld id="{CA1609EA-4ED7-458E-841A-D6436E22768C}" type="slidenum">
               <a:rPr lang="zh-CN" altLang="en-US" smtClean="0"/>
-              <a:t>‹#›</a:t>
             </a:fld>
             <a:endParaRPr lang="zh-CN" altLang="en-US"/>
           </a:p>
         </p:txBody>
       </p:sp>
     </p:spTree>
-    <p:extLst>
-      <p:ext uri="{BB962C8B-B14F-4D97-AF65-F5344CB8AC3E}">
-        <p14:creationId xmlns:p14="http://schemas.microsoft.com/office/powerpoint/2010/main" val="57588475"/>
-      </p:ext>
-    </p:extLst>
   </p:cSld>
   <p:clrMap bg1="lt1" tx1="dk1" bg2="lt2" tx2="dk2" accent1="accent1" accent2="accent2" accent3="accent3" accent4="accent4" accent5="accent5" accent6="accent6" hlink="hlink" folHlink="folHlink"/>
   <p:notesStyle>
@@ -572,7 +569,6 @@
           <a:p>
             <a:fld id="{CA1609EA-4ED7-458E-841A-D6436E22768C}" type="slidenum">
               <a:rPr lang="zh-CN" altLang="en-US" smtClean="0"/>
-              <a:t>1</a:t>
             </a:fld>
             <a:endParaRPr lang="zh-CN" altLang="en-US"/>
           </a:p>
@@ -656,7 +652,6 @@
           <a:p>
             <a:fld id="{CA1609EA-4ED7-458E-841A-D6436E22768C}" type="slidenum">
               <a:rPr lang="zh-CN" altLang="en-US" smtClean="0"/>
-              <a:t>18</a:t>
             </a:fld>
             <a:endParaRPr lang="zh-CN" altLang="en-US"/>
           </a:p>
@@ -740,7 +735,6 @@
           <a:p>
             <a:fld id="{CA1609EA-4ED7-458E-841A-D6436E22768C}" type="slidenum">
               <a:rPr lang="zh-CN" altLang="en-US" smtClean="0"/>
-              <a:t>23</a:t>
             </a:fld>
             <a:endParaRPr lang="zh-CN" altLang="en-US"/>
           </a:p>
@@ -824,7 +818,6 @@
           <a:p>
             <a:fld id="{CA1609EA-4ED7-458E-841A-D6436E22768C}" type="slidenum">
               <a:rPr lang="zh-CN" altLang="en-US" smtClean="0"/>
-              <a:t>28</a:t>
             </a:fld>
             <a:endParaRPr lang="zh-CN" altLang="en-US"/>
           </a:p>
@@ -908,7 +901,6 @@
           <a:p>
             <a:fld id="{CA1609EA-4ED7-458E-841A-D6436E22768C}" type="slidenum">
               <a:rPr lang="zh-CN" altLang="en-US" smtClean="0"/>
-              <a:t>34</a:t>
             </a:fld>
             <a:endParaRPr lang="zh-CN" altLang="en-US"/>
           </a:p>
@@ -992,7 +984,6 @@
           <a:p>
             <a:fld id="{CA1609EA-4ED7-458E-841A-D6436E22768C}" type="slidenum">
               <a:rPr lang="zh-CN" altLang="en-US" smtClean="0"/>
-              <a:t>39</a:t>
             </a:fld>
             <a:endParaRPr lang="zh-CN" altLang="en-US"/>
           </a:p>
@@ -1076,7 +1067,6 @@
           <a:p>
             <a:fld id="{CA1609EA-4ED7-458E-841A-D6436E22768C}" type="slidenum">
               <a:rPr lang="zh-CN" altLang="en-US" smtClean="0"/>
-              <a:t>41</a:t>
             </a:fld>
             <a:endParaRPr lang="zh-CN" altLang="en-US"/>
           </a:p>
@@ -1160,7 +1150,6 @@
           <a:p>
             <a:fld id="{CA1609EA-4ED7-458E-841A-D6436E22768C}" type="slidenum">
               <a:rPr lang="zh-CN" altLang="en-US" smtClean="0"/>
-              <a:t>42</a:t>
             </a:fld>
             <a:endParaRPr lang="zh-CN" altLang="en-US"/>
           </a:p>
@@ -1413,7 +1402,6 @@
                 <a:latin typeface="Calibri" panose="020F0502020204030204" pitchFamily="34" charset="0"/>
                 <a:ea typeface="宋体" panose="02010600030101010101" pitchFamily="2" charset="-122"/>
               </a:rPr>
-              <a:t>43</a:t>
             </a:fld>
             <a:endParaRPr lang="zh-CN" altLang="en-US" sz="1200">
               <a:latin typeface="Calibri" panose="020F0502020204030204" pitchFamily="34" charset="0"/>
@@ -1500,7 +1488,6 @@
           <a:p>
             <a:fld id="{93AA39BF-A0C1-4329-B52D-A0BC4CCA7601}" type="slidenum">
               <a:rPr lang="zh-CN" altLang="en-US" smtClean="0"/>
-              <a:t>2</a:t>
             </a:fld>
             <a:endParaRPr lang="zh-CN" altLang="en-US"/>
           </a:p>
@@ -1755,7 +1742,6 @@
               <a:rPr lang="zh-CN" altLang="en-US" smtClean="0">
                 <a:latin typeface="Calibri" panose="020F0502020204030204" pitchFamily="34" charset="0"/>
               </a:rPr>
-              <a:t>3</a:t>
             </a:fld>
             <a:endParaRPr lang="zh-CN" altLang="en-US" smtClean="0">
               <a:latin typeface="Calibri" panose="020F0502020204030204" pitchFamily="34" charset="0"/>
@@ -1841,7 +1827,6 @@
           <a:p>
             <a:fld id="{CA1609EA-4ED7-458E-841A-D6436E22768C}" type="slidenum">
               <a:rPr lang="zh-CN" altLang="en-US" smtClean="0"/>
-              <a:t>4</a:t>
             </a:fld>
             <a:endParaRPr lang="zh-CN" altLang="en-US"/>
           </a:p>
@@ -1925,7 +1910,6 @@
           <a:p>
             <a:fld id="{CA1609EA-4ED7-458E-841A-D6436E22768C}" type="slidenum">
               <a:rPr lang="zh-CN" altLang="en-US" smtClean="0"/>
-              <a:t>7</a:t>
             </a:fld>
             <a:endParaRPr lang="zh-CN" altLang="en-US"/>
           </a:p>
@@ -2009,7 +1993,6 @@
           <a:p>
             <a:fld id="{CA1609EA-4ED7-458E-841A-D6436E22768C}" type="slidenum">
               <a:rPr lang="zh-CN" altLang="en-US" smtClean="0"/>
-              <a:t>9</a:t>
             </a:fld>
             <a:endParaRPr lang="zh-CN" altLang="en-US"/>
           </a:p>
@@ -2093,7 +2076,6 @@
           <a:p>
             <a:fld id="{CA1609EA-4ED7-458E-841A-D6436E22768C}" type="slidenum">
               <a:rPr lang="zh-CN" altLang="en-US" smtClean="0"/>
-              <a:t>11</a:t>
             </a:fld>
             <a:endParaRPr lang="zh-CN" altLang="en-US"/>
           </a:p>
@@ -2354,7 +2336,6 @@
             </a:pPr>
             <a:fld id="{301080E2-28CB-4D25-B7ED-EACE66A710AC}" type="slidenum">
               <a:rPr lang="zh-CN" altLang="en-US" smtClean="0"/>
-              <a:t>12</a:t>
             </a:fld>
             <a:endParaRPr lang="en-US" altLang="zh-CN" smtClean="0"/>
           </a:p>
@@ -2615,7 +2596,6 @@
             </a:pPr>
             <a:fld id="{301080E2-28CB-4D25-B7ED-EACE66A710AC}" type="slidenum">
               <a:rPr lang="zh-CN" altLang="en-US" smtClean="0"/>
-              <a:t>13</a:t>
             </a:fld>
             <a:endParaRPr lang="en-US" altLang="zh-CN" smtClean="0"/>
           </a:p>
@@ -3063,7 +3043,6 @@
           <a:p>
             <a:fld id="{DAFC83C4-A236-483F-94E1-16AFA86FAD07}" type="datetimeFigureOut">
               <a:rPr lang="zh-CN" altLang="en-US" smtClean="0"/>
-              <a:t>2017/11/14</a:t>
             </a:fld>
             <a:endParaRPr lang="zh-CN" altLang="en-US"/>
           </a:p>
@@ -3105,7 +3084,6 @@
           <a:p>
             <a:fld id="{651E8863-1879-49C9-9D7E-0C23B4A06F4C}" type="slidenum">
               <a:rPr lang="zh-CN" altLang="en-US" smtClean="0"/>
-              <a:t>‹#›</a:t>
             </a:fld>
             <a:endParaRPr lang="zh-CN" altLang="en-US"/>
           </a:p>
@@ -3201,7 +3179,7 @@
 </file>
 
 <file path=ppt/slideLayouts/slideLayout10.xml><?xml version="1.0" encoding="utf-8"?>
-<p:sldLayout xmlns:a="http://schemas.openxmlformats.org/drawingml/2006/main" xmlns:r="http://schemas.openxmlformats.org/officeDocument/2006/relationships" xmlns:p="http://schemas.openxmlformats.org/presentationml/2006/main" showMasterSp="0" preserve="1" userDrawn="1">
+<p:sldLayout xmlns:a="http://schemas.openxmlformats.org/drawingml/2006/main" xmlns:r="http://schemas.openxmlformats.org/officeDocument/2006/relationships" xmlns:p="http://schemas.openxmlformats.org/presentationml/2006/main" preserve="1" showMasterSp="0" userDrawn="1">
   <p:cSld name="内容">
     <p:spTree>
       <p:nvGrpSpPr>
@@ -3234,7 +3212,6 @@
           <a:p>
             <a:fld id="{1EC61D3F-34E9-4F9D-84A2-72367D9F9A68}" type="datetimeFigureOut">
               <a:rPr lang="zh-CN" altLang="en-US" smtClean="0"/>
-              <a:t>2017/11/14</a:t>
             </a:fld>
             <a:endParaRPr lang="zh-CN" altLang="en-US"/>
           </a:p>
@@ -3276,7 +3253,6 @@
           <a:p>
             <a:fld id="{4254DC01-BD11-43BE-8FE9-19C0CFD26E47}" type="slidenum">
               <a:rPr lang="zh-CN" altLang="en-US" smtClean="0"/>
-              <a:t>‹#›</a:t>
             </a:fld>
             <a:endParaRPr lang="zh-CN" altLang="en-US"/>
           </a:p>
@@ -3355,6 +3331,7 @@
               <a:rPr lang="zh-CN" altLang="en-US" dirty="0" smtClean="0"/>
               <a:t>单击此处编辑母版文本样式</a:t>
             </a:r>
+            <a:endParaRPr lang="zh-CN" altLang="en-US" dirty="0" smtClean="0"/>
           </a:p>
           <a:p>
             <a:pPr lvl="1"/>
@@ -3362,6 +3339,7 @@
               <a:rPr lang="zh-CN" altLang="en-US" dirty="0" smtClean="0"/>
               <a:t>第二级</a:t>
             </a:r>
+            <a:endParaRPr lang="zh-CN" altLang="en-US" dirty="0" smtClean="0"/>
           </a:p>
           <a:p>
             <a:pPr lvl="2"/>
@@ -3369,6 +3347,7 @@
               <a:rPr lang="zh-CN" altLang="en-US" dirty="0" smtClean="0"/>
               <a:t>第三级</a:t>
             </a:r>
+            <a:endParaRPr lang="zh-CN" altLang="en-US" dirty="0" smtClean="0"/>
           </a:p>
           <a:p>
             <a:pPr lvl="3"/>
@@ -3376,6 +3355,7 @@
               <a:rPr lang="zh-CN" altLang="en-US" dirty="0" smtClean="0"/>
               <a:t>第四级</a:t>
             </a:r>
+            <a:endParaRPr lang="zh-CN" altLang="en-US" dirty="0" smtClean="0"/>
           </a:p>
           <a:p>
             <a:pPr lvl="4"/>
@@ -3505,6 +3485,7 @@
               <a:rPr lang="zh-CN" altLang="en-US" smtClean="0"/>
               <a:t>单击此处编辑母版文本样式</a:t>
             </a:r>
+            <a:endParaRPr lang="zh-CN" altLang="en-US" smtClean="0"/>
           </a:p>
           <a:p>
             <a:pPr lvl="1"/>
@@ -3512,6 +3493,7 @@
               <a:rPr lang="zh-CN" altLang="en-US" smtClean="0"/>
               <a:t>第二级</a:t>
             </a:r>
+            <a:endParaRPr lang="zh-CN" altLang="en-US" smtClean="0"/>
           </a:p>
           <a:p>
             <a:pPr lvl="2"/>
@@ -3519,6 +3501,7 @@
               <a:rPr lang="zh-CN" altLang="en-US" smtClean="0"/>
               <a:t>第三级</a:t>
             </a:r>
+            <a:endParaRPr lang="zh-CN" altLang="en-US" smtClean="0"/>
           </a:p>
           <a:p>
             <a:pPr lvl="3"/>
@@ -3526,6 +3509,7 @@
               <a:rPr lang="zh-CN" altLang="en-US" smtClean="0"/>
               <a:t>第四级</a:t>
             </a:r>
+            <a:endParaRPr lang="zh-CN" altLang="en-US" smtClean="0"/>
           </a:p>
           <a:p>
             <a:pPr lvl="4"/>
@@ -3554,7 +3538,6 @@
           <a:p>
             <a:fld id="{DAFC83C4-A236-483F-94E1-16AFA86FAD07}" type="datetimeFigureOut">
               <a:rPr lang="zh-CN" altLang="en-US" smtClean="0"/>
-              <a:t>2017/11/14</a:t>
             </a:fld>
             <a:endParaRPr lang="zh-CN" altLang="en-US"/>
           </a:p>
@@ -3596,7 +3579,6 @@
           <a:p>
             <a:fld id="{651E8863-1879-49C9-9D7E-0C23B4A06F4C}" type="slidenum">
               <a:rPr lang="zh-CN" altLang="en-US" smtClean="0"/>
-              <a:t>‹#›</a:t>
             </a:fld>
             <a:endParaRPr lang="zh-CN" altLang="en-US"/>
           </a:p>
@@ -3690,7 +3672,6 @@
           <a:p>
             <a:fld id="{DAFC83C4-A236-483F-94E1-16AFA86FAD07}" type="datetimeFigureOut">
               <a:rPr lang="zh-CN" altLang="en-US" smtClean="0"/>
-              <a:t>2017/11/14</a:t>
             </a:fld>
             <a:endParaRPr lang="zh-CN" altLang="en-US"/>
           </a:p>
@@ -3812,6 +3793,7 @@
               <a:rPr lang="zh-CN" altLang="en-US" dirty="0" smtClean="0"/>
               <a:t>单击此处编辑母版文本样式</a:t>
             </a:r>
+            <a:endParaRPr lang="zh-CN" altLang="en-US" dirty="0" smtClean="0"/>
           </a:p>
         </p:txBody>
       </p:sp>
@@ -3851,7 +3833,6 @@
           <a:p>
             <a:fld id="{651E8863-1879-49C9-9D7E-0C23B4A06F4C}" type="slidenum">
               <a:rPr lang="zh-CN" altLang="en-US" smtClean="0"/>
-              <a:t>‹#›</a:t>
             </a:fld>
             <a:endParaRPr lang="zh-CN" altLang="en-US"/>
           </a:p>
@@ -3863,7 +3844,7 @@
           <p:cNvSpPr/>
           <p:nvPr userDrawn="1">
             <p:custDataLst>
-              <p:tags r:id="rId1"/>
+              <p:tags r:id="rId2"/>
             </p:custDataLst>
           </p:nvPr>
         </p:nvSpPr>
@@ -4001,7 +3982,7 @@
           <p:cNvCxnSpPr/>
           <p:nvPr userDrawn="1">
             <p:custDataLst>
-              <p:tags r:id="rId2"/>
+              <p:tags r:id="rId3"/>
             </p:custDataLst>
           </p:nvPr>
         </p:nvCxnSpPr>
@@ -4139,6 +4120,7 @@
               <a:rPr lang="zh-CN" altLang="en-US" smtClean="0"/>
               <a:t>单击此处编辑母版文本样式</a:t>
             </a:r>
+            <a:endParaRPr lang="zh-CN" altLang="en-US" smtClean="0"/>
           </a:p>
           <a:p>
             <a:pPr lvl="1"/>
@@ -4146,6 +4128,7 @@
               <a:rPr lang="zh-CN" altLang="en-US" smtClean="0"/>
               <a:t>第二级</a:t>
             </a:r>
+            <a:endParaRPr lang="zh-CN" altLang="en-US" smtClean="0"/>
           </a:p>
           <a:p>
             <a:pPr lvl="2"/>
@@ -4153,6 +4136,7 @@
               <a:rPr lang="zh-CN" altLang="en-US" smtClean="0"/>
               <a:t>第三级</a:t>
             </a:r>
+            <a:endParaRPr lang="zh-CN" altLang="en-US" smtClean="0"/>
           </a:p>
           <a:p>
             <a:pPr lvl="3"/>
@@ -4160,6 +4144,7 @@
               <a:rPr lang="zh-CN" altLang="en-US" smtClean="0"/>
               <a:t>第四级</a:t>
             </a:r>
+            <a:endParaRPr lang="zh-CN" altLang="en-US" smtClean="0"/>
           </a:p>
           <a:p>
             <a:pPr lvl="4"/>
@@ -4196,6 +4181,7 @@
               <a:rPr lang="zh-CN" altLang="en-US" smtClean="0"/>
               <a:t>单击此处编辑母版文本样式</a:t>
             </a:r>
+            <a:endParaRPr lang="zh-CN" altLang="en-US" smtClean="0"/>
           </a:p>
           <a:p>
             <a:pPr lvl="1"/>
@@ -4203,6 +4189,7 @@
               <a:rPr lang="zh-CN" altLang="en-US" smtClean="0"/>
               <a:t>第二级</a:t>
             </a:r>
+            <a:endParaRPr lang="zh-CN" altLang="en-US" smtClean="0"/>
           </a:p>
           <a:p>
             <a:pPr lvl="2"/>
@@ -4210,6 +4197,7 @@
               <a:rPr lang="zh-CN" altLang="en-US" smtClean="0"/>
               <a:t>第三级</a:t>
             </a:r>
+            <a:endParaRPr lang="zh-CN" altLang="en-US" smtClean="0"/>
           </a:p>
           <a:p>
             <a:pPr lvl="3"/>
@@ -4217,6 +4205,7 @@
               <a:rPr lang="zh-CN" altLang="en-US" smtClean="0"/>
               <a:t>第四级</a:t>
             </a:r>
+            <a:endParaRPr lang="zh-CN" altLang="en-US" smtClean="0"/>
           </a:p>
           <a:p>
             <a:pPr lvl="4"/>
@@ -4245,7 +4234,6 @@
           <a:p>
             <a:fld id="{DAFC83C4-A236-483F-94E1-16AFA86FAD07}" type="datetimeFigureOut">
               <a:rPr lang="zh-CN" altLang="en-US" smtClean="0"/>
-              <a:t>2017/11/14</a:t>
             </a:fld>
             <a:endParaRPr lang="zh-CN" altLang="en-US"/>
           </a:p>
@@ -4287,7 +4275,6 @@
           <a:p>
             <a:fld id="{651E8863-1879-49C9-9D7E-0C23B4A06F4C}" type="slidenum">
               <a:rPr lang="zh-CN" altLang="en-US" smtClean="0"/>
-              <a:t>‹#›</a:t>
             </a:fld>
             <a:endParaRPr lang="zh-CN" altLang="en-US"/>
           </a:p>
@@ -4412,6 +4399,7 @@
               <a:rPr lang="zh-CN" altLang="en-US" smtClean="0"/>
               <a:t>单击此处编辑母版文本样式</a:t>
             </a:r>
+            <a:endParaRPr lang="zh-CN" altLang="en-US" smtClean="0"/>
           </a:p>
         </p:txBody>
       </p:sp>
@@ -4440,6 +4428,7 @@
               <a:rPr lang="zh-CN" altLang="en-US" smtClean="0"/>
               <a:t>单击此处编辑母版文本样式</a:t>
             </a:r>
+            <a:endParaRPr lang="zh-CN" altLang="en-US" smtClean="0"/>
           </a:p>
           <a:p>
             <a:pPr lvl="1"/>
@@ -4447,6 +4436,7 @@
               <a:rPr lang="zh-CN" altLang="en-US" smtClean="0"/>
               <a:t>第二级</a:t>
             </a:r>
+            <a:endParaRPr lang="zh-CN" altLang="en-US" smtClean="0"/>
           </a:p>
           <a:p>
             <a:pPr lvl="2"/>
@@ -4454,6 +4444,7 @@
               <a:rPr lang="zh-CN" altLang="en-US" smtClean="0"/>
               <a:t>第三级</a:t>
             </a:r>
+            <a:endParaRPr lang="zh-CN" altLang="en-US" smtClean="0"/>
           </a:p>
           <a:p>
             <a:pPr lvl="3"/>
@@ -4461,6 +4452,7 @@
               <a:rPr lang="zh-CN" altLang="en-US" smtClean="0"/>
               <a:t>第四级</a:t>
             </a:r>
+            <a:endParaRPr lang="zh-CN" altLang="en-US" smtClean="0"/>
           </a:p>
           <a:p>
             <a:pPr lvl="4"/>
@@ -4534,6 +4526,7 @@
               <a:rPr lang="zh-CN" altLang="en-US" smtClean="0"/>
               <a:t>单击此处编辑母版文本样式</a:t>
             </a:r>
+            <a:endParaRPr lang="zh-CN" altLang="en-US" smtClean="0"/>
           </a:p>
         </p:txBody>
       </p:sp>
@@ -4562,6 +4555,7 @@
               <a:rPr lang="zh-CN" altLang="en-US" smtClean="0"/>
               <a:t>单击此处编辑母版文本样式</a:t>
             </a:r>
+            <a:endParaRPr lang="zh-CN" altLang="en-US" smtClean="0"/>
           </a:p>
           <a:p>
             <a:pPr lvl="1"/>
@@ -4569,6 +4563,7 @@
               <a:rPr lang="zh-CN" altLang="en-US" smtClean="0"/>
               <a:t>第二级</a:t>
             </a:r>
+            <a:endParaRPr lang="zh-CN" altLang="en-US" smtClean="0"/>
           </a:p>
           <a:p>
             <a:pPr lvl="2"/>
@@ -4576,6 +4571,7 @@
               <a:rPr lang="zh-CN" altLang="en-US" smtClean="0"/>
               <a:t>第三级</a:t>
             </a:r>
+            <a:endParaRPr lang="zh-CN" altLang="en-US" smtClean="0"/>
           </a:p>
           <a:p>
             <a:pPr lvl="3"/>
@@ -4583,6 +4579,7 @@
               <a:rPr lang="zh-CN" altLang="en-US" smtClean="0"/>
               <a:t>第四级</a:t>
             </a:r>
+            <a:endParaRPr lang="zh-CN" altLang="en-US" smtClean="0"/>
           </a:p>
           <a:p>
             <a:pPr lvl="4"/>
@@ -4611,7 +4608,6 @@
           <a:p>
             <a:fld id="{DAFC83C4-A236-483F-94E1-16AFA86FAD07}" type="datetimeFigureOut">
               <a:rPr lang="zh-CN" altLang="en-US" smtClean="0"/>
-              <a:t>2017/11/14</a:t>
             </a:fld>
             <a:endParaRPr lang="zh-CN" altLang="en-US"/>
           </a:p>
@@ -4653,7 +4649,6 @@
           <a:p>
             <a:fld id="{651E8863-1879-49C9-9D7E-0C23B4A06F4C}" type="slidenum">
               <a:rPr lang="zh-CN" altLang="en-US" smtClean="0"/>
-              <a:t>‹#›</a:t>
             </a:fld>
             <a:endParaRPr lang="zh-CN" altLang="en-US"/>
           </a:p>
@@ -4781,7 +4776,6 @@
           <a:p>
             <a:fld id="{DAFC83C4-A236-483F-94E1-16AFA86FAD07}" type="datetimeFigureOut">
               <a:rPr lang="zh-CN" altLang="en-US" smtClean="0"/>
-              <a:t>2017/11/14</a:t>
             </a:fld>
             <a:endParaRPr lang="zh-CN" altLang="en-US"/>
           </a:p>
@@ -4823,7 +4817,6 @@
           <a:p>
             <a:fld id="{651E8863-1879-49C9-9D7E-0C23B4A06F4C}" type="slidenum">
               <a:rPr lang="zh-CN" altLang="en-US" smtClean="0"/>
-              <a:t>‹#›</a:t>
             </a:fld>
             <a:endParaRPr lang="zh-CN" altLang="en-US"/>
           </a:p>
@@ -4871,7 +4864,6 @@
           <a:p>
             <a:fld id="{DAFC83C4-A236-483F-94E1-16AFA86FAD07}" type="datetimeFigureOut">
               <a:rPr lang="zh-CN" altLang="en-US" smtClean="0"/>
-              <a:t>2017/11/14</a:t>
             </a:fld>
             <a:endParaRPr lang="zh-CN" altLang="en-US"/>
           </a:p>
@@ -4913,7 +4905,6 @@
           <a:p>
             <a:fld id="{651E8863-1879-49C9-9D7E-0C23B4A06F4C}" type="slidenum">
               <a:rPr lang="zh-CN" altLang="en-US" smtClean="0"/>
-              <a:t>‹#›</a:t>
             </a:fld>
             <a:endParaRPr lang="zh-CN" altLang="en-US"/>
           </a:p>
@@ -5151,6 +5142,7 @@
               <a:rPr lang="zh-CN" altLang="en-US" smtClean="0"/>
               <a:t>单击此处编辑母版文本样式</a:t>
             </a:r>
+            <a:endParaRPr lang="zh-CN" altLang="en-US" smtClean="0"/>
           </a:p>
         </p:txBody>
       </p:sp>
@@ -5171,7 +5163,6 @@
           <a:p>
             <a:fld id="{DAFC83C4-A236-483F-94E1-16AFA86FAD07}" type="datetimeFigureOut">
               <a:rPr lang="zh-CN" altLang="en-US" smtClean="0"/>
-              <a:t>2017/11/14</a:t>
             </a:fld>
             <a:endParaRPr lang="zh-CN" altLang="en-US"/>
           </a:p>
@@ -5213,7 +5204,6 @@
           <a:p>
             <a:fld id="{651E8863-1879-49C9-9D7E-0C23B4A06F4C}" type="slidenum">
               <a:rPr lang="zh-CN" altLang="en-US" smtClean="0"/>
-              <a:t>‹#›</a:t>
             </a:fld>
             <a:endParaRPr lang="zh-CN" altLang="en-US"/>
           </a:p>
@@ -5297,6 +5287,7 @@
               <a:rPr lang="zh-CN" altLang="en-US" smtClean="0"/>
               <a:t>单击此处编辑母版文本样式</a:t>
             </a:r>
+            <a:endParaRPr lang="zh-CN" altLang="en-US" smtClean="0"/>
           </a:p>
           <a:p>
             <a:pPr lvl="1"/>
@@ -5304,6 +5295,7 @@
               <a:rPr lang="zh-CN" altLang="en-US" smtClean="0"/>
               <a:t>第二级</a:t>
             </a:r>
+            <a:endParaRPr lang="zh-CN" altLang="en-US" smtClean="0"/>
           </a:p>
           <a:p>
             <a:pPr lvl="2"/>
@@ -5311,6 +5303,7 @@
               <a:rPr lang="zh-CN" altLang="en-US" smtClean="0"/>
               <a:t>第三级</a:t>
             </a:r>
+            <a:endParaRPr lang="zh-CN" altLang="en-US" smtClean="0"/>
           </a:p>
           <a:p>
             <a:pPr lvl="3"/>
@@ -5318,6 +5311,7 @@
               <a:rPr lang="zh-CN" altLang="en-US" smtClean="0"/>
               <a:t>第四级</a:t>
             </a:r>
+            <a:endParaRPr lang="zh-CN" altLang="en-US" smtClean="0"/>
           </a:p>
           <a:p>
             <a:pPr lvl="4"/>
@@ -5346,7 +5340,6 @@
           <a:p>
             <a:fld id="{DAFC83C4-A236-483F-94E1-16AFA86FAD07}" type="datetimeFigureOut">
               <a:rPr lang="zh-CN" altLang="en-US" smtClean="0"/>
-              <a:t>2017/11/14</a:t>
             </a:fld>
             <a:endParaRPr lang="zh-CN" altLang="en-US"/>
           </a:p>
@@ -5388,7 +5381,6 @@
           <a:p>
             <a:fld id="{651E8863-1879-49C9-9D7E-0C23B4A06F4C}" type="slidenum">
               <a:rPr lang="zh-CN" altLang="en-US" smtClean="0"/>
-              <a:t>‹#›</a:t>
             </a:fld>
             <a:endParaRPr lang="zh-CN" altLang="en-US"/>
           </a:p>
@@ -5436,7 +5428,7 @@
           <p:nvPr>
             <p:ph type="title"/>
             <p:custDataLst>
-              <p:tags r:id="rId12"/>
+              <p:tags r:id="rId11"/>
             </p:custDataLst>
           </p:nvPr>
         </p:nvSpPr>
@@ -5472,7 +5464,7 @@
           <p:nvPr>
             <p:ph type="body" idx="1"/>
             <p:custDataLst>
-              <p:tags r:id="rId13"/>
+              <p:tags r:id="rId12"/>
             </p:custDataLst>
           </p:nvPr>
         </p:nvSpPr>
@@ -5496,6 +5488,7 @@
               <a:rPr lang="zh-CN" altLang="en-US" dirty="0" smtClean="0"/>
               <a:t>单击此处编辑母版文本样式</a:t>
             </a:r>
+            <a:endParaRPr lang="zh-CN" altLang="en-US" dirty="0" smtClean="0"/>
           </a:p>
           <a:p>
             <a:pPr lvl="1"/>
@@ -5503,6 +5496,7 @@
               <a:rPr lang="zh-CN" altLang="en-US" dirty="0" smtClean="0"/>
               <a:t>第二级</a:t>
             </a:r>
+            <a:endParaRPr lang="zh-CN" altLang="en-US" dirty="0" smtClean="0"/>
           </a:p>
           <a:p>
             <a:pPr lvl="2"/>
@@ -5510,6 +5504,7 @@
               <a:rPr lang="zh-CN" altLang="en-US" dirty="0" smtClean="0"/>
               <a:t>第三级</a:t>
             </a:r>
+            <a:endParaRPr lang="zh-CN" altLang="en-US" dirty="0" smtClean="0"/>
           </a:p>
           <a:p>
             <a:pPr lvl="3"/>
@@ -5517,6 +5512,7 @@
               <a:rPr lang="zh-CN" altLang="en-US" dirty="0" smtClean="0"/>
               <a:t>第四级</a:t>
             </a:r>
+            <a:endParaRPr lang="zh-CN" altLang="en-US" dirty="0" smtClean="0"/>
           </a:p>
           <a:p>
             <a:pPr lvl="4"/>
@@ -5563,7 +5559,6 @@
           <a:p>
             <a:fld id="{DAFC83C4-A236-483F-94E1-16AFA86FAD07}" type="datetimeFigureOut">
               <a:rPr lang="zh-CN" altLang="en-US" smtClean="0"/>
-              <a:t>2017/11/14</a:t>
             </a:fld>
             <a:endParaRPr lang="zh-CN" altLang="en-US"/>
           </a:p>
@@ -5641,7 +5636,6 @@
           <a:p>
             <a:fld id="{651E8863-1879-49C9-9D7E-0C23B4A06F4C}" type="slidenum">
               <a:rPr lang="zh-CN" altLang="en-US" smtClean="0"/>
-              <a:t>‹#›</a:t>
             </a:fld>
             <a:endParaRPr lang="zh-CN" altLang="en-US"/>
           </a:p>
@@ -6023,7 +6017,7 @@
           <p:nvPr>
             <p:ph type="ctrTitle"/>
             <p:custDataLst>
-              <p:tags r:id="rId2"/>
+              <p:tags r:id="rId1"/>
             </p:custDataLst>
           </p:nvPr>
         </p:nvSpPr>
@@ -6042,6 +6036,7 @@
               <a:rPr lang="zh-CN" altLang="en-US" sz="7200" dirty="0"/>
               <a:t>基础：图的详解</a:t>
             </a:r>
+            <a:endParaRPr lang="zh-CN" altLang="en-US" sz="7200" dirty="0"/>
           </a:p>
         </p:txBody>
       </p:sp>
@@ -6054,7 +6049,7 @@
           <p:nvPr>
             <p:ph type="subTitle" idx="1"/>
             <p:custDataLst>
-              <p:tags r:id="rId3"/>
+              <p:tags r:id="rId2"/>
             </p:custDataLst>
           </p:nvPr>
         </p:nvSpPr>
@@ -6093,7 +6088,7 @@
           <p:nvPr/>
         </p:nvPicPr>
         <p:blipFill>
-          <a:blip r:embed="rId6"/>
+          <a:blip r:embed="rId3"/>
           <a:stretch>
             <a:fillRect/>
           </a:stretch>
@@ -6110,7 +6105,7 @@
       </p:pic>
     </p:spTree>
     <p:custDataLst>
-      <p:tags r:id="rId1"/>
+      <p:tags r:id="rId4"/>
     </p:custDataLst>
   </p:cSld>
   <p:clrMapOvr>
@@ -6164,55 +6159,33 @@
               </a:rPr>
               <a:t>软件工程系列课程教学辅助网站用例图</a:t>
             </a:r>
+            <a:endParaRPr lang="zh-CN" altLang="en-US" sz="4400">
+              <a:sym typeface="+mn-ea"/>
+            </a:endParaRPr>
           </a:p>
         </p:txBody>
       </p:sp>
       <p:pic>
         <p:nvPicPr>
-          <p:cNvPr id="4" name="内容占位符 3"/>
+          <p:cNvPr id="6" name="内容占位符 5"/>
           <p:cNvPicPr>
-            <a:picLocks noGrp="1" noChangeAspect="1"/>
+            <a:picLocks noChangeAspect="1"/>
           </p:cNvPicPr>
           <p:nvPr>
             <p:ph idx="1"/>
           </p:nvPr>
         </p:nvPicPr>
         <p:blipFill>
-          <a:blip r:embed="rId3"/>
-          <a:srcRect r="37901" b="8353"/>
+          <a:blip r:embed="rId1"/>
+          <a:srcRect r="425" b="5045"/>
           <a:stretch>
             <a:fillRect/>
           </a:stretch>
         </p:blipFill>
         <p:spPr>
           <a:xfrm>
-            <a:off x="705485" y="1520825"/>
-            <a:ext cx="4909820" cy="4138295"/>
-          </a:xfrm>
-          <a:prstGeom prst="rect">
-            <a:avLst/>
-          </a:prstGeom>
-        </p:spPr>
-      </p:pic>
-      <p:pic>
-        <p:nvPicPr>
-          <p:cNvPr id="5" name="图片 4"/>
-          <p:cNvPicPr>
-            <a:picLocks noChangeAspect="1"/>
-          </p:cNvPicPr>
-          <p:nvPr/>
-        </p:nvPicPr>
-        <p:blipFill>
-          <a:blip r:embed="rId4"/>
-          <a:srcRect r="27899" b="19196"/>
-          <a:stretch>
-            <a:fillRect/>
-          </a:stretch>
-        </p:blipFill>
-        <p:spPr>
-          <a:xfrm>
-            <a:off x="5615305" y="1520825"/>
-            <a:ext cx="6296660" cy="4137660"/>
+            <a:off x="838200" y="1605915"/>
+            <a:ext cx="9658350" cy="5031740"/>
           </a:xfrm>
           <a:prstGeom prst="rect">
             <a:avLst/>
@@ -6221,7 +6194,7 @@
       </p:pic>
     </p:spTree>
     <p:custDataLst>
-      <p:tags r:id="rId1"/>
+      <p:tags r:id="rId2"/>
     </p:custDataLst>
   </p:cSld>
   <p:clrMapOvr>
@@ -6256,7 +6229,7 @@
           <p:nvPr>
             <p:ph type="title"/>
             <p:custDataLst>
-              <p:tags r:id="rId2"/>
+              <p:tags r:id="rId1"/>
             </p:custDataLst>
           </p:nvPr>
         </p:nvSpPr>
@@ -6275,6 +6248,7 @@
               <a:rPr lang="en-US" altLang="zh-CN" dirty="0"/>
               <a:t>CLASS DIAGRAM</a:t>
             </a:r>
+            <a:endParaRPr lang="en-US" altLang="zh-CN" dirty="0"/>
           </a:p>
         </p:txBody>
       </p:sp>
@@ -6284,7 +6258,7 @@
           <p:cNvSpPr txBox="1"/>
           <p:nvPr>
             <p:custDataLst>
-              <p:tags r:id="rId3"/>
+              <p:tags r:id="rId2"/>
             </p:custDataLst>
           </p:nvPr>
         </p:nvSpPr>
@@ -6317,12 +6291,17 @@
               </a:rPr>
               <a:t>Chapter2</a:t>
             </a:r>
+            <a:endParaRPr lang="en-US" altLang="zh-CN" sz="41040" b="1" dirty="0">
+              <a:solidFill>
+                <a:schemeClr val="accent1"/>
+              </a:solidFill>
+            </a:endParaRPr>
           </a:p>
         </p:txBody>
       </p:sp>
     </p:spTree>
     <p:custDataLst>
-      <p:tags r:id="rId1"/>
+      <p:tags r:id="rId3"/>
     </p:custDataLst>
   </p:cSld>
   <p:clrMapOvr>
@@ -6361,7 +6340,7 @@
           <p:cNvGrpSpPr/>
           <p:nvPr>
             <p:custDataLst>
-              <p:tags r:id="rId2"/>
+              <p:tags r:id="rId1"/>
             </p:custDataLst>
           </p:nvPr>
         </p:nvGrpSpPr>
@@ -6381,12 +6360,12 @@
             </p:cNvPicPr>
             <p:nvPr>
               <p:custDataLst>
-                <p:tags r:id="rId5"/>
+                <p:tags r:id="rId2"/>
               </p:custDataLst>
             </p:nvPr>
           </p:nvPicPr>
           <p:blipFill>
-            <a:blip r:embed="rId11" cstate="print">
+            <a:blip r:embed="rId3" cstate="print">
               <a:duotone>
                 <a:schemeClr val="accent1">
                   <a:shade val="45000"/>
@@ -6422,12 +6401,12 @@
             </p:cNvPicPr>
             <p:nvPr>
               <p:custDataLst>
-                <p:tags r:id="rId6"/>
+                <p:tags r:id="rId4"/>
               </p:custDataLst>
             </p:nvPr>
           </p:nvPicPr>
           <p:blipFill>
-            <a:blip r:embed="rId12" cstate="print">
+            <a:blip r:embed="rId5" cstate="print">
               <a:duotone>
                 <a:schemeClr val="accent1">
                   <a:shade val="45000"/>
@@ -6461,7 +6440,7 @@
             <p:cNvSpPr/>
             <p:nvPr>
               <p:custDataLst>
-                <p:tags r:id="rId7"/>
+                <p:tags r:id="rId6"/>
               </p:custDataLst>
             </p:nvPr>
           </p:nvSpPr>
@@ -6637,7 +6616,7 @@
             <p:cNvSpPr/>
             <p:nvPr>
               <p:custDataLst>
-                <p:tags r:id="rId8"/>
+                <p:tags r:id="rId7"/>
               </p:custDataLst>
             </p:nvPr>
           </p:nvSpPr>
@@ -6817,7 +6796,7 @@
           <p:nvPr>
             <p:ph type="title"/>
             <p:custDataLst>
-              <p:tags r:id="rId3"/>
+              <p:tags r:id="rId8"/>
             </p:custDataLst>
           </p:nvPr>
         </p:nvSpPr>
@@ -6830,6 +6809,7 @@
               <a:rPr lang="zh-CN" altLang="en-US" sz="4400" dirty="0"/>
               <a:t>类图的概述</a:t>
             </a:r>
+            <a:endParaRPr lang="zh-CN" altLang="en-US" sz="4400" dirty="0"/>
           </a:p>
         </p:txBody>
       </p:sp>
@@ -6842,7 +6822,7 @@
           <p:nvPr>
             <p:ph idx="1"/>
             <p:custDataLst>
-              <p:tags r:id="rId4"/>
+              <p:tags r:id="rId9"/>
             </p:custDataLst>
           </p:nvPr>
         </p:nvSpPr>
@@ -6880,6 +6860,11 @@
               </a:rPr>
               <a:t>的静态机制中是重要的组成部分。</a:t>
             </a:r>
+            <a:endParaRPr lang="zh-CN" altLang="en-US" sz="3200" dirty="0">
+              <a:solidFill>
+                <a:schemeClr val="tx1"/>
+              </a:solidFill>
+            </a:endParaRPr>
           </a:p>
         </p:txBody>
       </p:sp>
@@ -6912,12 +6897,15 @@
               </a:rPr>
               <a:t>类图是描述类、接口、协作及它们之间关系的图，用来显示系统中各个类的静态结构。</a:t>
             </a:r>
+            <a:endParaRPr lang="zh-CN" altLang="en-US" sz="3200" dirty="0">
+              <a:sym typeface="+mn-ea"/>
+            </a:endParaRPr>
           </a:p>
         </p:txBody>
       </p:sp>
     </p:spTree>
     <p:custDataLst>
-      <p:tags r:id="rId1"/>
+      <p:tags r:id="rId10"/>
     </p:custDataLst>
   </p:cSld>
   <p:clrMapOvr>
@@ -7103,12 +7091,12 @@
           </p:cNvPicPr>
           <p:nvPr>
             <p:custDataLst>
-              <p:tags r:id="rId3"/>
+              <p:tags r:id="rId1"/>
             </p:custDataLst>
           </p:nvPr>
         </p:nvPicPr>
         <p:blipFill>
-          <a:blip r:embed="rId10" cstate="print">
+          <a:blip r:embed="rId2" cstate="print">
             <a:duotone>
               <a:schemeClr val="accent1">
                 <a:shade val="45000"/>
@@ -7142,7 +7130,7 @@
           <p:cNvSpPr/>
           <p:nvPr>
             <p:custDataLst>
-              <p:tags r:id="rId4"/>
+              <p:tags r:id="rId3"/>
             </p:custDataLst>
           </p:nvPr>
         </p:nvSpPr>
@@ -7321,7 +7309,7 @@
           <p:nvPr>
             <p:ph type="title"/>
             <p:custDataLst>
-              <p:tags r:id="rId5"/>
+              <p:tags r:id="rId4"/>
             </p:custDataLst>
           </p:nvPr>
         </p:nvSpPr>
@@ -7348,12 +7336,12 @@
           </p:cNvPicPr>
           <p:nvPr>
             <p:custDataLst>
-              <p:tags r:id="rId6"/>
+              <p:tags r:id="rId5"/>
             </p:custDataLst>
           </p:nvPr>
         </p:nvPicPr>
         <p:blipFill>
-          <a:blip r:embed="rId10" cstate="print">
+          <a:blip r:embed="rId2" cstate="print">
             <a:duotone>
               <a:schemeClr val="accent1">
                 <a:shade val="45000"/>
@@ -7387,7 +7375,7 @@
           <p:cNvSpPr/>
           <p:nvPr>
             <p:custDataLst>
-              <p:tags r:id="rId7"/>
+              <p:tags r:id="rId6"/>
             </p:custDataLst>
           </p:nvPr>
         </p:nvSpPr>
@@ -7568,7 +7556,7 @@
           </p:nvPr>
         </p:nvPicPr>
         <p:blipFill>
-          <a:blip r:embed="rId11"/>
+          <a:blip r:embed="rId7"/>
           <a:srcRect r="68576" b="31617"/>
           <a:stretch>
             <a:fillRect/>
@@ -7602,12 +7590,12 @@
           <a:graphicData uri="http://schemas.openxmlformats.org/presentationml/2006/ole">
             <mc:AlternateContent xmlns:mc="http://schemas.openxmlformats.org/markup-compatibility/2006">
               <mc:Choice xmlns:v="urn:schemas-microsoft-com:vml" Requires="v">
-                <p:oleObj spid="_x0000_s2055" r:id="rId12" imgW="967740" imgH="487680" progId="Paint.Picture">
+                <p:oleObj spid="_x0000_s2055" name="" r:id="rId8" imgW="967740" imgH="487680" progId="Paint.Picture">
                   <p:embed/>
                 </p:oleObj>
               </mc:Choice>
               <mc:Fallback>
-                <p:oleObj r:id="rId12" imgW="967740" imgH="487680" progId="Paint.Picture">
+                <p:oleObj name="" r:id="rId8" imgW="967740" imgH="487680" progId="Paint.Picture">
                   <p:embed/>
                   <p:pic>
                     <p:nvPicPr>
@@ -7616,7 +7604,7 @@
                       <p:nvPr/>
                     </p:nvPicPr>
                     <p:blipFill>
-                      <a:blip r:embed="rId13"/>
+                      <a:blip r:embed="rId9"/>
                       <a:stretch>
                         <a:fillRect/>
                       </a:stretch>
@@ -7667,6 +7655,7 @@
               <a:rPr lang="zh-CN" altLang="en-US"/>
               <a:t>：类</a:t>
             </a:r>
+            <a:endParaRPr lang="zh-CN" altLang="en-US"/>
           </a:p>
         </p:txBody>
       </p:sp>
@@ -7684,12 +7673,12 @@
           <a:graphicData uri="http://schemas.openxmlformats.org/presentationml/2006/ole">
             <mc:AlternateContent xmlns:mc="http://schemas.openxmlformats.org/markup-compatibility/2006">
               <mc:Choice xmlns:v="urn:schemas-microsoft-com:vml" Requires="v">
-                <p:oleObj spid="_x0000_s2056" r:id="rId14" imgW="998220" imgH="586740" progId="Paint.Picture">
+                <p:oleObj spid="_x0000_s2056" name="" r:id="rId10" imgW="998220" imgH="586740" progId="Paint.Picture">
                   <p:embed/>
                 </p:oleObj>
               </mc:Choice>
               <mc:Fallback>
-                <p:oleObj r:id="rId14" imgW="998220" imgH="586740" progId="Paint.Picture">
+                <p:oleObj name="" r:id="rId10" imgW="998220" imgH="586740" progId="Paint.Picture">
                   <p:embed/>
                   <p:pic>
                     <p:nvPicPr>
@@ -7698,7 +7687,7 @@
                       <p:nvPr/>
                     </p:nvPicPr>
                     <p:blipFill>
-                      <a:blip r:embed="rId15"/>
+                      <a:blip r:embed="rId11"/>
                       <a:stretch>
                         <a:fillRect/>
                       </a:stretch>
@@ -7749,6 +7738,7 @@
               <a:rPr lang="zh-CN" altLang="en-US"/>
               <a:t>：接口</a:t>
             </a:r>
+            <a:endParaRPr lang="zh-CN" altLang="en-US"/>
           </a:p>
         </p:txBody>
       </p:sp>
@@ -7766,12 +7756,12 @@
           <a:graphicData uri="http://schemas.openxmlformats.org/presentationml/2006/ole">
             <mc:AlternateContent xmlns:mc="http://schemas.openxmlformats.org/markup-compatibility/2006">
               <mc:Choice xmlns:v="urn:schemas-microsoft-com:vml" Requires="v">
-                <p:oleObj spid="_x0000_s2057" r:id="rId16" imgW="1188720" imgH="388620" progId="Paint.Picture">
+                <p:oleObj spid="_x0000_s2057" name="" r:id="rId12" imgW="1188720" imgH="388620" progId="Paint.Picture">
                   <p:embed/>
                 </p:oleObj>
               </mc:Choice>
               <mc:Fallback>
-                <p:oleObj r:id="rId16" imgW="1188720" imgH="388620" progId="Paint.Picture">
+                <p:oleObj name="" r:id="rId12" imgW="1188720" imgH="388620" progId="Paint.Picture">
                   <p:embed/>
                   <p:pic>
                     <p:nvPicPr>
@@ -7780,7 +7770,7 @@
                       <p:nvPr/>
                     </p:nvPicPr>
                     <p:blipFill>
-                      <a:blip r:embed="rId17"/>
+                      <a:blip r:embed="rId13"/>
                       <a:stretch>
                         <a:fillRect/>
                       </a:stretch>
@@ -7854,12 +7844,12 @@
           <a:graphicData uri="http://schemas.openxmlformats.org/presentationml/2006/ole">
             <mc:AlternateContent xmlns:mc="http://schemas.openxmlformats.org/markup-compatibility/2006">
               <mc:Choice xmlns:v="urn:schemas-microsoft-com:vml" Requires="v">
-                <p:oleObj spid="_x0000_s2058" r:id="rId18" imgW="822960" imgH="396240" progId="Paint.Picture">
+                <p:oleObj spid="_x0000_s2058" name="" r:id="rId14" imgW="822960" imgH="396240" progId="Paint.Picture">
                   <p:embed/>
                 </p:oleObj>
               </mc:Choice>
               <mc:Fallback>
-                <p:oleObj r:id="rId18" imgW="822960" imgH="396240" progId="Paint.Picture">
+                <p:oleObj name="" r:id="rId14" imgW="822960" imgH="396240" progId="Paint.Picture">
                   <p:embed/>
                   <p:pic>
                     <p:nvPicPr>
@@ -7868,7 +7858,7 @@
                       <p:nvPr/>
                     </p:nvPicPr>
                     <p:blipFill>
-                      <a:blip r:embed="rId19"/>
+                      <a:blip r:embed="rId15"/>
                       <a:stretch>
                         <a:fillRect/>
                       </a:stretch>
@@ -7919,6 +7909,7 @@
               <a:rPr lang="zh-CN" altLang="en-US"/>
               <a:t>实现</a:t>
             </a:r>
+            <a:endParaRPr lang="zh-CN" altLang="en-US"/>
           </a:p>
         </p:txBody>
       </p:sp>
@@ -7936,12 +7927,12 @@
           <a:graphicData uri="http://schemas.openxmlformats.org/presentationml/2006/ole">
             <mc:AlternateContent xmlns:mc="http://schemas.openxmlformats.org/markup-compatibility/2006">
               <mc:Choice xmlns:v="urn:schemas-microsoft-com:vml" Requires="v">
-                <p:oleObj spid="_x0000_s2059" r:id="rId20" imgW="800100" imgH="350520" progId="Paint.Picture">
+                <p:oleObj spid="_x0000_s2059" name="" r:id="rId16" imgW="800100" imgH="350520" progId="Paint.Picture">
                   <p:embed/>
                 </p:oleObj>
               </mc:Choice>
               <mc:Fallback>
-                <p:oleObj r:id="rId20" imgW="800100" imgH="350520" progId="Paint.Picture">
+                <p:oleObj name="" r:id="rId16" imgW="800100" imgH="350520" progId="Paint.Picture">
                   <p:embed/>
                   <p:pic>
                     <p:nvPicPr>
@@ -7950,7 +7941,7 @@
                       <p:nvPr/>
                     </p:nvPicPr>
                     <p:blipFill>
-                      <a:blip r:embed="rId21"/>
+                      <a:blip r:embed="rId17"/>
                       <a:stretch>
                         <a:fillRect/>
                       </a:stretch>
@@ -8024,12 +8015,12 @@
           <a:graphicData uri="http://schemas.openxmlformats.org/presentationml/2006/ole">
             <mc:AlternateContent xmlns:mc="http://schemas.openxmlformats.org/markup-compatibility/2006">
               <mc:Choice xmlns:v="urn:schemas-microsoft-com:vml" Requires="v">
-                <p:oleObj spid="_x0000_s2060" r:id="rId22" imgW="845820" imgH="350520" progId="Paint.Picture">
+                <p:oleObj spid="_x0000_s2060" name="" r:id="rId18" imgW="845820" imgH="350520" progId="Paint.Picture">
                   <p:embed/>
                 </p:oleObj>
               </mc:Choice>
               <mc:Fallback>
-                <p:oleObj r:id="rId22" imgW="845820" imgH="350520" progId="Paint.Picture">
+                <p:oleObj name="" r:id="rId18" imgW="845820" imgH="350520" progId="Paint.Picture">
                   <p:embed/>
                   <p:pic>
                     <p:nvPicPr>
@@ -8038,7 +8029,7 @@
                       <p:nvPr/>
                     </p:nvPicPr>
                     <p:blipFill>
-                      <a:blip r:embed="rId23"/>
+                      <a:blip r:embed="rId19"/>
                       <a:stretch>
                         <a:fillRect/>
                       </a:stretch>
@@ -8100,7 +8091,7 @@
       </p:sp>
     </p:spTree>
     <p:custDataLst>
-      <p:tags r:id="rId2"/>
+      <p:tags r:id="rId20"/>
     </p:custDataLst>
   </p:cSld>
   <p:clrMapOvr>
@@ -8749,6 +8740,11 @@
               </a:rPr>
               <a:t>Attribute：属性</a:t>
             </a:r>
+            <a:endParaRPr lang="en-US" altLang="zh-CN" sz="1800">
+              <a:solidFill>
+                <a:schemeClr val="tx1"/>
+              </a:solidFill>
+            </a:endParaRPr>
           </a:p>
           <a:p>
             <a:pPr marL="0" indent="0">
@@ -8762,6 +8758,11 @@
               </a:rPr>
               <a:t>Operation：操作、行为</a:t>
             </a:r>
+            <a:endParaRPr lang="en-US" altLang="zh-CN" sz="1800">
+              <a:solidFill>
+                <a:schemeClr val="tx1"/>
+              </a:solidFill>
+            </a:endParaRPr>
           </a:p>
         </p:txBody>
       </p:sp>
@@ -8779,12 +8780,12 @@
           <a:graphicData uri="http://schemas.openxmlformats.org/presentationml/2006/ole">
             <mc:AlternateContent xmlns:mc="http://schemas.openxmlformats.org/markup-compatibility/2006">
               <mc:Choice xmlns:v="urn:schemas-microsoft-com:vml" Requires="v">
-                <p:oleObj spid="_x0000_s3078" r:id="rId4" imgW="3246120" imgH="426720" progId="Paint.Picture">
+                <p:oleObj spid="_x0000_s3078" name="" r:id="rId1" imgW="3246120" imgH="426720" progId="Paint.Picture">
                   <p:embed/>
                 </p:oleObj>
               </mc:Choice>
               <mc:Fallback>
-                <p:oleObj r:id="rId4" imgW="3246120" imgH="426720" progId="Paint.Picture">
+                <p:oleObj name="" r:id="rId1" imgW="3246120" imgH="426720" progId="Paint.Picture">
                   <p:embed/>
                   <p:pic>
                     <p:nvPicPr>
@@ -8793,7 +8794,7 @@
                       <p:nvPr/>
                     </p:nvPicPr>
                     <p:blipFill>
-                      <a:blip r:embed="rId5"/>
+                      <a:blip r:embed="rId2"/>
                       <a:stretch>
                         <a:fillRect/>
                       </a:stretch>
@@ -8840,6 +8841,7 @@
               <a:rPr lang="zh-CN" altLang="en-US"/>
               <a:t>公共类型用               表示，私有类型用                  表示，受保护类型用                     表示</a:t>
             </a:r>
+            <a:endParaRPr lang="zh-CN" altLang="en-US"/>
           </a:p>
           <a:p>
             <a:endParaRPr lang="zh-CN" altLang="en-US"/>
@@ -8852,6 +8854,7 @@
               <a:rPr lang="zh-CN" altLang="en-US"/>
               <a:t>实施类型用                  表示。</a:t>
             </a:r>
+            <a:endParaRPr lang="zh-CN" altLang="en-US"/>
           </a:p>
         </p:txBody>
       </p:sp>
@@ -8869,12 +8872,12 @@
           <a:graphicData uri="http://schemas.openxmlformats.org/presentationml/2006/ole">
             <mc:AlternateContent xmlns:mc="http://schemas.openxmlformats.org/markup-compatibility/2006">
               <mc:Choice xmlns:v="urn:schemas-microsoft-com:vml" Requires="v">
-                <p:oleObj spid="_x0000_s3079" r:id="rId6" imgW="190500" imgH="144780" progId="Paint.Picture">
+                <p:oleObj spid="_x0000_s3079" name="" r:id="rId3" imgW="190500" imgH="144780" progId="Paint.Picture">
                   <p:embed/>
                 </p:oleObj>
               </mc:Choice>
               <mc:Fallback>
-                <p:oleObj r:id="rId6" imgW="190500" imgH="144780" progId="Paint.Picture">
+                <p:oleObj name="" r:id="rId3" imgW="190500" imgH="144780" progId="Paint.Picture">
                   <p:embed/>
                   <p:pic>
                     <p:nvPicPr>
@@ -8883,7 +8886,7 @@
                       <p:nvPr/>
                     </p:nvPicPr>
                     <p:blipFill>
-                      <a:blip r:embed="rId7"/>
+                      <a:blip r:embed="rId4"/>
                       <a:stretch>
                         <a:fillRect/>
                       </a:stretch>
@@ -8918,12 +8921,12 @@
           <a:graphicData uri="http://schemas.openxmlformats.org/presentationml/2006/ole">
             <mc:AlternateContent xmlns:mc="http://schemas.openxmlformats.org/markup-compatibility/2006">
               <mc:Choice xmlns:v="urn:schemas-microsoft-com:vml" Requires="v">
-                <p:oleObj spid="_x0000_s3080" r:id="rId8" imgW="167640" imgH="152400" progId="Paint.Picture">
+                <p:oleObj spid="_x0000_s3080" name="" r:id="rId5" imgW="167640" imgH="152400" progId="Paint.Picture">
                   <p:embed/>
                 </p:oleObj>
               </mc:Choice>
               <mc:Fallback>
-                <p:oleObj r:id="rId8" imgW="167640" imgH="152400" progId="Paint.Picture">
+                <p:oleObj name="" r:id="rId5" imgW="167640" imgH="152400" progId="Paint.Picture">
                   <p:embed/>
                   <p:pic>
                     <p:nvPicPr>
@@ -8932,7 +8935,7 @@
                       <p:nvPr/>
                     </p:nvPicPr>
                     <p:blipFill>
-                      <a:blip r:embed="rId9"/>
+                      <a:blip r:embed="rId6"/>
                       <a:stretch>
                         <a:fillRect/>
                       </a:stretch>
@@ -8967,12 +8970,12 @@
           <a:graphicData uri="http://schemas.openxmlformats.org/presentationml/2006/ole">
             <mc:AlternateContent xmlns:mc="http://schemas.openxmlformats.org/markup-compatibility/2006">
               <mc:Choice xmlns:v="urn:schemas-microsoft-com:vml" Requires="v">
-                <p:oleObj spid="_x0000_s3081" r:id="rId10" imgW="175260" imgH="190500" progId="Paint.Picture">
+                <p:oleObj spid="_x0000_s3081" name="" r:id="rId7" imgW="175260" imgH="190500" progId="Paint.Picture">
                   <p:embed/>
                 </p:oleObj>
               </mc:Choice>
               <mc:Fallback>
-                <p:oleObj r:id="rId10" imgW="175260" imgH="190500" progId="Paint.Picture">
+                <p:oleObj name="" r:id="rId7" imgW="175260" imgH="190500" progId="Paint.Picture">
                   <p:embed/>
                   <p:pic>
                     <p:nvPicPr>
@@ -8981,7 +8984,7 @@
                       <p:nvPr/>
                     </p:nvPicPr>
                     <p:blipFill>
-                      <a:blip r:embed="rId11"/>
+                      <a:blip r:embed="rId8"/>
                       <a:stretch>
                         <a:fillRect/>
                       </a:stretch>
@@ -9016,12 +9019,12 @@
           <a:graphicData uri="http://schemas.openxmlformats.org/presentationml/2006/ole">
             <mc:AlternateContent xmlns:mc="http://schemas.openxmlformats.org/markup-compatibility/2006">
               <mc:Choice xmlns:v="urn:schemas-microsoft-com:vml" Requires="v">
-                <p:oleObj spid="_x0000_s3082" r:id="rId12" imgW="198120" imgH="198120" progId="Paint.Picture">
+                <p:oleObj spid="_x0000_s3082" name="" r:id="rId9" imgW="198120" imgH="198120" progId="Paint.Picture">
                   <p:embed/>
                 </p:oleObj>
               </mc:Choice>
               <mc:Fallback>
-                <p:oleObj r:id="rId12" imgW="198120" imgH="198120" progId="Paint.Picture">
+                <p:oleObj name="" r:id="rId9" imgW="198120" imgH="198120" progId="Paint.Picture">
                   <p:embed/>
                   <p:pic>
                     <p:nvPicPr>
@@ -9030,7 +9033,7 @@
                       <p:nvPr/>
                     </p:nvPicPr>
                     <p:blipFill>
-                      <a:blip r:embed="rId13"/>
+                      <a:blip r:embed="rId10"/>
                       <a:stretch>
                         <a:fillRect/>
                       </a:stretch>
@@ -9053,7 +9056,7 @@
       </p:graphicFrame>
     </p:spTree>
     <p:custDataLst>
-      <p:tags r:id="rId2"/>
+      <p:tags r:id="rId11"/>
     </p:custDataLst>
   </p:cSld>
   <p:clrMapOvr>
@@ -9361,6 +9364,9 @@
               </a:rPr>
               <a:t>ATM系统中取款用例的类图</a:t>
             </a:r>
+            <a:endParaRPr lang="zh-CN" altLang="en-US" sz="4400">
+              <a:latin typeface="+mj-ea"/>
+            </a:endParaRPr>
           </a:p>
         </p:txBody>
       </p:sp>
@@ -9382,12 +9388,12 @@
           <a:graphicData uri="http://schemas.openxmlformats.org/presentationml/2006/ole">
             <mc:AlternateContent xmlns:mc="http://schemas.openxmlformats.org/markup-compatibility/2006">
               <mc:Choice xmlns:v="urn:schemas-microsoft-com:vml" Requires="v">
-                <p:oleObj spid="_x0000_s4098" r:id="rId4" imgW="8526780" imgH="4594860" progId="Paint.Picture">
+                <p:oleObj spid="_x0000_s4098" name="" r:id="rId1" imgW="8526780" imgH="4594860" progId="Paint.Picture">
                   <p:embed/>
                 </p:oleObj>
               </mc:Choice>
               <mc:Fallback>
-                <p:oleObj r:id="rId4" imgW="8526780" imgH="4594860" progId="Paint.Picture">
+                <p:oleObj name="" r:id="rId1" imgW="8526780" imgH="4594860" progId="Paint.Picture">
                   <p:embed/>
                   <p:pic>
                     <p:nvPicPr>
@@ -9396,7 +9402,7 @@
                       <p:nvPr/>
                     </p:nvPicPr>
                     <p:blipFill>
-                      <a:blip r:embed="rId5"/>
+                      <a:blip r:embed="rId2"/>
                       <a:stretch>
                         <a:fillRect/>
                       </a:stretch>
@@ -9419,7 +9425,7 @@
       </p:graphicFrame>
     </p:spTree>
     <p:custDataLst>
-      <p:tags r:id="rId2"/>
+      <p:tags r:id="rId3"/>
     </p:custDataLst>
   </p:cSld>
   <p:clrMapOvr>
@@ -9549,30 +9555,32 @@
               </a:rPr>
               <a:t>软件工程系列课程教学辅助网站类图</a:t>
             </a:r>
+            <a:endParaRPr lang="zh-CN" altLang="en-US" sz="4400">
+              <a:sym typeface="+mn-ea"/>
+            </a:endParaRPr>
           </a:p>
         </p:txBody>
       </p:sp>
       <p:pic>
         <p:nvPicPr>
-          <p:cNvPr id="5" name="内容占位符 4"/>
+          <p:cNvPr id="4" name="内容占位符 3"/>
           <p:cNvPicPr>
-            <a:picLocks noGrp="1" noChangeAspect="1"/>
+            <a:picLocks noChangeAspect="1"/>
           </p:cNvPicPr>
           <p:nvPr>
             <p:ph sz="half" idx="1"/>
           </p:nvPr>
         </p:nvPicPr>
         <p:blipFill>
-          <a:blip r:embed="rId3"/>
-          <a:srcRect t="2192" r="358" b="8428"/>
+          <a:blip r:embed="rId1"/>
           <a:stretch>
             <a:fillRect/>
           </a:stretch>
         </p:blipFill>
         <p:spPr>
           <a:xfrm>
-            <a:off x="675005" y="1736090"/>
-            <a:ext cx="9903460" cy="4996815"/>
+            <a:off x="899160" y="1736090"/>
+            <a:ext cx="9754235" cy="5033010"/>
           </a:xfrm>
           <a:prstGeom prst="rect">
             <a:avLst/>
@@ -9581,7 +9589,7 @@
       </p:pic>
     </p:spTree>
     <p:custDataLst>
-      <p:tags r:id="rId1"/>
+      <p:tags r:id="rId2"/>
     </p:custDataLst>
   </p:cSld>
   <p:clrMapOvr>
@@ -9663,6 +9671,11 @@
               </a:rPr>
               <a:t>类是对一组具有相同属性、操作、关系和语义的对象的描述。类是对事物的抽象。而用例是对一组序列动作的描述，系统执行这些动作将对用例的参与者产生可以观察的结果。</a:t>
             </a:r>
+            <a:endParaRPr lang="zh-CN" altLang="en-US" sz="3200" dirty="0">
+              <a:solidFill>
+                <a:schemeClr val="tx1"/>
+              </a:solidFill>
+            </a:endParaRPr>
           </a:p>
         </p:txBody>
       </p:sp>
@@ -9699,6 +9712,14 @@
               </a:rPr>
               <a:t>问题三：依赖与关联有什么区别？</a:t>
             </a:r>
+            <a:endParaRPr lang="zh-CN" altLang="en-US" sz="4400" b="1">
+              <a:solidFill>
+                <a:schemeClr val="accent1"/>
+              </a:solidFill>
+              <a:latin typeface="+mj-lt"/>
+              <a:ea typeface="+mj-ea"/>
+              <a:cs typeface="+mj-cs"/>
+            </a:endParaRPr>
           </a:p>
         </p:txBody>
       </p:sp>
@@ -9729,6 +9750,7 @@
               <a:rPr lang="zh-CN" altLang="en-US" sz="3200" dirty="0"/>
               <a:t>依赖是一种使用关系，它说明了一个事物的变化可能影响到使用它的另一个事物，但反之未必。也就是说，服务的使用者以某种方式依赖于服务的提供者。而关联是一种结构关系，它详述了一个事物的对象与另一个事物的对象相互联系。</a:t>
             </a:r>
+            <a:endParaRPr lang="zh-CN" altLang="en-US" sz="3200" dirty="0"/>
           </a:p>
         </p:txBody>
       </p:sp>
@@ -10038,7 +10060,7 @@
           <p:nvPr>
             <p:ph type="title"/>
             <p:custDataLst>
-              <p:tags r:id="rId2"/>
+              <p:tags r:id="rId1"/>
             </p:custDataLst>
           </p:nvPr>
         </p:nvSpPr>
@@ -10057,6 +10079,7 @@
               <a:rPr lang="en-US" altLang="zh-CN" dirty="0"/>
               <a:t>STATECHART DIAGRAM</a:t>
             </a:r>
+            <a:endParaRPr lang="en-US" altLang="zh-CN" dirty="0"/>
           </a:p>
         </p:txBody>
       </p:sp>
@@ -10066,7 +10089,7 @@
           <p:cNvSpPr txBox="1"/>
           <p:nvPr>
             <p:custDataLst>
-              <p:tags r:id="rId3"/>
+              <p:tags r:id="rId2"/>
             </p:custDataLst>
           </p:nvPr>
         </p:nvSpPr>
@@ -10099,12 +10122,17 @@
               </a:rPr>
               <a:t>Chapter3</a:t>
             </a:r>
+            <a:endParaRPr lang="en-US" altLang="zh-CN" sz="41040" b="1" dirty="0">
+              <a:solidFill>
+                <a:schemeClr val="accent1"/>
+              </a:solidFill>
+            </a:endParaRPr>
           </a:p>
         </p:txBody>
       </p:sp>
     </p:spTree>
     <p:custDataLst>
-      <p:tags r:id="rId1"/>
+      <p:tags r:id="rId3"/>
     </p:custDataLst>
   </p:cSld>
   <p:clrMapOvr>
@@ -10222,6 +10250,11 @@
               </a:rPr>
               <a:t>状态图是系统分析的常用工具之一，通过建立类对象的生存周期模型来描述对象随时间变化的动态行为。</a:t>
             </a:r>
+            <a:endParaRPr lang="zh-CN" altLang="en-US" sz="3200" dirty="0">
+              <a:solidFill>
+                <a:schemeClr val="tx1"/>
+              </a:solidFill>
+            </a:endParaRPr>
           </a:p>
           <a:p>
             <a:pPr marL="0" indent="0">
@@ -10441,12 +10474,12 @@
           </p:cNvPicPr>
           <p:nvPr>
             <p:custDataLst>
-              <p:tags r:id="rId3"/>
+              <p:tags r:id="rId1"/>
             </p:custDataLst>
           </p:nvPr>
         </p:nvPicPr>
         <p:blipFill rotWithShape="1">
-          <a:blip r:embed="rId8">
+          <a:blip r:embed="rId2">
             <a:extLst>
               <a:ext uri="{28A0092B-C50C-407E-A947-70E740481C1C}">
                 <a14:useLocalDpi xmlns:a14="http://schemas.microsoft.com/office/drawing/2010/main" val="0"/>
@@ -10474,7 +10507,7 @@
           <p:cNvSpPr txBox="1"/>
           <p:nvPr>
             <p:custDataLst>
-              <p:tags r:id="rId4"/>
+              <p:tags r:id="rId3"/>
             </p:custDataLst>
           </p:nvPr>
         </p:nvSpPr>
@@ -10505,6 +10538,14 @@
               </a:rPr>
               <a:t>Unified Modeling Language (UML)又称统一建模语言或标准建模语言</a:t>
             </a:r>
+            <a:endParaRPr lang="zh-CN" altLang="en-US" sz="3600" dirty="0">
+              <a:solidFill>
+                <a:schemeClr val="accent1"/>
+              </a:solidFill>
+              <a:latin typeface="+mj-lt"/>
+              <a:ea typeface="+mj-ea"/>
+              <a:cs typeface="+mj-cs"/>
+            </a:endParaRPr>
           </a:p>
         </p:txBody>
       </p:sp>
@@ -10514,7 +10555,7 @@
           <p:cNvSpPr txBox="1"/>
           <p:nvPr>
             <p:custDataLst>
-              <p:tags r:id="rId5"/>
+              <p:tags r:id="rId4"/>
             </p:custDataLst>
           </p:nvPr>
         </p:nvSpPr>
@@ -10552,7 +10593,7 @@
       </p:sp>
     </p:spTree>
     <p:custDataLst>
-      <p:tags r:id="rId2"/>
+      <p:tags r:id="rId5"/>
     </p:custDataLst>
   </p:cSld>
   <p:clrMapOvr>
@@ -10628,12 +10669,12 @@
           <a:graphicData uri="http://schemas.openxmlformats.org/presentationml/2006/ole">
             <mc:AlternateContent xmlns:mc="http://schemas.openxmlformats.org/markup-compatibility/2006">
               <mc:Choice xmlns:v="urn:schemas-microsoft-com:vml" Requires="v">
-                <p:oleObj spid="_x0000_s5126" r:id="rId4" imgW="4495800" imgH="3459480" progId="Paint.Picture">
+                <p:oleObj spid="_x0000_s5126" name="" r:id="rId1" imgW="4495800" imgH="3459480" progId="Paint.Picture">
                   <p:embed/>
                 </p:oleObj>
               </mc:Choice>
               <mc:Fallback>
-                <p:oleObj r:id="rId4" imgW="4495800" imgH="3459480" progId="Paint.Picture">
+                <p:oleObj name="" r:id="rId1" imgW="4495800" imgH="3459480" progId="Paint.Picture">
                   <p:embed/>
                   <p:pic>
                     <p:nvPicPr>
@@ -10642,7 +10683,7 @@
                       <p:nvPr/>
                     </p:nvPicPr>
                     <p:blipFill>
-                      <a:blip r:embed="rId5"/>
+                      <a:blip r:embed="rId2"/>
                       <a:stretch>
                         <a:fillRect/>
                       </a:stretch>
@@ -10677,12 +10718,12 @@
           <a:graphicData uri="http://schemas.openxmlformats.org/presentationml/2006/ole">
             <mc:AlternateContent xmlns:mc="http://schemas.openxmlformats.org/markup-compatibility/2006">
               <mc:Choice xmlns:v="urn:schemas-microsoft-com:vml" Requires="v">
-                <p:oleObj spid="_x0000_s5127" r:id="rId6" imgW="472440" imgH="304800" progId="Paint.Picture">
+                <p:oleObj spid="_x0000_s5127" name="" r:id="rId3" imgW="472440" imgH="304800" progId="Paint.Picture">
                   <p:embed/>
                 </p:oleObj>
               </mc:Choice>
               <mc:Fallback>
-                <p:oleObj r:id="rId6" imgW="472440" imgH="304800" progId="Paint.Picture">
+                <p:oleObj name="" r:id="rId3" imgW="472440" imgH="304800" progId="Paint.Picture">
                   <p:embed/>
                   <p:pic>
                     <p:nvPicPr>
@@ -10691,7 +10732,7 @@
                       <p:nvPr/>
                     </p:nvPicPr>
                     <p:blipFill>
-                      <a:blip r:embed="rId7"/>
+                      <a:blip r:embed="rId4"/>
                       <a:stretch>
                         <a:fillRect/>
                       </a:stretch>
@@ -10742,6 +10783,7 @@
               <a:rPr lang="zh-CN" altLang="en-US"/>
               <a:t>起始状态</a:t>
             </a:r>
+            <a:endParaRPr lang="zh-CN" altLang="en-US"/>
           </a:p>
         </p:txBody>
       </p:sp>
@@ -10759,12 +10801,12 @@
           <a:graphicData uri="http://schemas.openxmlformats.org/presentationml/2006/ole">
             <mc:AlternateContent xmlns:mc="http://schemas.openxmlformats.org/markup-compatibility/2006">
               <mc:Choice xmlns:v="urn:schemas-microsoft-com:vml" Requires="v">
-                <p:oleObj spid="_x0000_s5128" r:id="rId8" imgW="396240" imgH="304800" progId="Paint.Picture">
+                <p:oleObj spid="_x0000_s5128" name="" r:id="rId5" imgW="396240" imgH="304800" progId="Paint.Picture">
                   <p:embed/>
                 </p:oleObj>
               </mc:Choice>
               <mc:Fallback>
-                <p:oleObj r:id="rId8" imgW="396240" imgH="304800" progId="Paint.Picture">
+                <p:oleObj name="" r:id="rId5" imgW="396240" imgH="304800" progId="Paint.Picture">
                   <p:embed/>
                   <p:pic>
                     <p:nvPicPr>
@@ -10773,7 +10815,7 @@
                       <p:nvPr/>
                     </p:nvPicPr>
                     <p:blipFill>
-                      <a:blip r:embed="rId9"/>
+                      <a:blip r:embed="rId6"/>
                       <a:stretch>
                         <a:fillRect/>
                       </a:stretch>
@@ -10824,6 +10866,7 @@
               <a:rPr lang="zh-CN" altLang="en-US"/>
               <a:t>结束状态</a:t>
             </a:r>
+            <a:endParaRPr lang="zh-CN" altLang="en-US"/>
           </a:p>
         </p:txBody>
       </p:sp>
@@ -10841,12 +10884,12 @@
           <a:graphicData uri="http://schemas.openxmlformats.org/presentationml/2006/ole">
             <mc:AlternateContent xmlns:mc="http://schemas.openxmlformats.org/markup-compatibility/2006">
               <mc:Choice xmlns:v="urn:schemas-microsoft-com:vml" Requires="v">
-                <p:oleObj spid="_x0000_s5129" r:id="rId10" imgW="1013460" imgH="495300" progId="Paint.Picture">
+                <p:oleObj spid="_x0000_s5129" name="" r:id="rId7" imgW="1013460" imgH="495300" progId="Paint.Picture">
                   <p:embed/>
                 </p:oleObj>
               </mc:Choice>
               <mc:Fallback>
-                <p:oleObj r:id="rId10" imgW="1013460" imgH="495300" progId="Paint.Picture">
+                <p:oleObj name="" r:id="rId7" imgW="1013460" imgH="495300" progId="Paint.Picture">
                   <p:embed/>
                   <p:pic>
                     <p:nvPicPr>
@@ -10855,7 +10898,7 @@
                       <p:nvPr/>
                     </p:nvPicPr>
                     <p:blipFill>
-                      <a:blip r:embed="rId11"/>
+                      <a:blip r:embed="rId8"/>
                       <a:stretch>
                         <a:fillRect/>
                       </a:stretch>
@@ -10906,6 +10949,7 @@
               <a:rPr lang="zh-CN" altLang="en-US"/>
               <a:t>状态</a:t>
             </a:r>
+            <a:endParaRPr lang="zh-CN" altLang="en-US"/>
           </a:p>
         </p:txBody>
       </p:sp>
@@ -10923,12 +10967,12 @@
           <a:graphicData uri="http://schemas.openxmlformats.org/presentationml/2006/ole">
             <mc:AlternateContent xmlns:mc="http://schemas.openxmlformats.org/markup-compatibility/2006">
               <mc:Choice xmlns:v="urn:schemas-microsoft-com:vml" Requires="v">
-                <p:oleObj spid="_x0000_s5130" r:id="rId12" imgW="1173480" imgH="259080" progId="Paint.Picture">
+                <p:oleObj spid="_x0000_s5130" name="" r:id="rId9" imgW="1173480" imgH="259080" progId="Paint.Picture">
                   <p:embed/>
                 </p:oleObj>
               </mc:Choice>
               <mc:Fallback>
-                <p:oleObj r:id="rId12" imgW="1173480" imgH="259080" progId="Paint.Picture">
+                <p:oleObj name="" r:id="rId9" imgW="1173480" imgH="259080" progId="Paint.Picture">
                   <p:embed/>
                   <p:pic>
                     <p:nvPicPr>
@@ -10937,7 +10981,7 @@
                       <p:nvPr/>
                     </p:nvPicPr>
                     <p:blipFill>
-                      <a:blip r:embed="rId13"/>
+                      <a:blip r:embed="rId10"/>
                       <a:stretch>
                         <a:fillRect/>
                       </a:stretch>
@@ -10988,12 +11032,13 @@
               <a:rPr lang="zh-CN" altLang="en-US"/>
               <a:t>状态转换</a:t>
             </a:r>
+            <a:endParaRPr lang="zh-CN" altLang="en-US"/>
           </a:p>
         </p:txBody>
       </p:sp>
     </p:spTree>
     <p:custDataLst>
-      <p:tags r:id="rId2"/>
+      <p:tags r:id="rId11"/>
     </p:custDataLst>
   </p:cSld>
   <p:clrMapOvr>
@@ -11427,6 +11472,9 @@
               </a:rPr>
               <a:t>培训班状态图</a:t>
             </a:r>
+            <a:endParaRPr lang="zh-CN" altLang="en-US" sz="4400">
+              <a:latin typeface="+mj-ea"/>
+            </a:endParaRPr>
           </a:p>
         </p:txBody>
       </p:sp>
@@ -11448,12 +11496,12 @@
           <a:graphicData uri="http://schemas.openxmlformats.org/presentationml/2006/ole">
             <mc:AlternateContent xmlns:mc="http://schemas.openxmlformats.org/markup-compatibility/2006">
               <mc:Choice xmlns:v="urn:schemas-microsoft-com:vml" Requires="v">
-                <p:oleObj spid="_x0000_s6146" r:id="rId4" imgW="8823960" imgH="3710940" progId="Paint.Picture">
+                <p:oleObj spid="_x0000_s6146" name="" r:id="rId1" imgW="8823960" imgH="3710940" progId="Paint.Picture">
                   <p:embed/>
                 </p:oleObj>
               </mc:Choice>
               <mc:Fallback>
-                <p:oleObj r:id="rId4" imgW="8823960" imgH="3710940" progId="Paint.Picture">
+                <p:oleObj name="" r:id="rId1" imgW="8823960" imgH="3710940" progId="Paint.Picture">
                   <p:embed/>
                   <p:pic>
                     <p:nvPicPr>
@@ -11462,7 +11510,7 @@
                       <p:nvPr/>
                     </p:nvPicPr>
                     <p:blipFill>
-                      <a:blip r:embed="rId5"/>
+                      <a:blip r:embed="rId2"/>
                       <a:stretch>
                         <a:fillRect/>
                       </a:stretch>
@@ -11485,7 +11533,7 @@
       </p:graphicFrame>
     </p:spTree>
     <p:custDataLst>
-      <p:tags r:id="rId2"/>
+      <p:tags r:id="rId3"/>
     </p:custDataLst>
   </p:cSld>
   <p:clrMapOvr>
@@ -11615,6 +11663,9 @@
               </a:rPr>
               <a:t>软件工程系列课程教学辅助网站状态图</a:t>
             </a:r>
+            <a:endParaRPr lang="zh-CN" altLang="en-US" sz="4400">
+              <a:sym typeface="+mn-ea"/>
+            </a:endParaRPr>
           </a:p>
         </p:txBody>
       </p:sp>
@@ -11629,7 +11680,7 @@
           </p:nvPr>
         </p:nvPicPr>
         <p:blipFill>
-          <a:blip r:embed="rId3"/>
+          <a:blip r:embed="rId1"/>
           <a:srcRect r="1244" b="6543"/>
           <a:stretch>
             <a:fillRect/>
@@ -11647,7 +11698,7 @@
       </p:pic>
     </p:spTree>
     <p:custDataLst>
-      <p:tags r:id="rId1"/>
+      <p:tags r:id="rId2"/>
     </p:custDataLst>
   </p:cSld>
   <p:clrMapOvr>
@@ -11682,7 +11733,7 @@
           <p:nvPr>
             <p:ph type="title"/>
             <p:custDataLst>
-              <p:tags r:id="rId2"/>
+              <p:tags r:id="rId1"/>
             </p:custDataLst>
           </p:nvPr>
         </p:nvSpPr>
@@ -11706,6 +11757,7 @@
               <a:rPr lang="en-US" altLang="zh-CN" dirty="0"/>
               <a:t>SEQUENCE DIAGRAM</a:t>
             </a:r>
+            <a:endParaRPr lang="en-US" altLang="zh-CN" dirty="0"/>
           </a:p>
         </p:txBody>
       </p:sp>
@@ -11715,7 +11767,7 @@
           <p:cNvSpPr txBox="1"/>
           <p:nvPr>
             <p:custDataLst>
-              <p:tags r:id="rId3"/>
+              <p:tags r:id="rId2"/>
             </p:custDataLst>
           </p:nvPr>
         </p:nvSpPr>
@@ -11748,12 +11800,17 @@
               </a:rPr>
               <a:t>Chapter4</a:t>
             </a:r>
+            <a:endParaRPr lang="en-US" altLang="zh-CN" sz="41040" b="1" dirty="0">
+              <a:solidFill>
+                <a:schemeClr val="accent1"/>
+              </a:solidFill>
+            </a:endParaRPr>
           </a:p>
         </p:txBody>
       </p:sp>
     </p:spTree>
     <p:custDataLst>
-      <p:tags r:id="rId1"/>
+      <p:tags r:id="rId3"/>
     </p:custDataLst>
   </p:cSld>
   <p:clrMapOvr>
@@ -11807,6 +11864,9 @@
               </a:rPr>
               <a:t>顺序图的概述</a:t>
             </a:r>
+            <a:endParaRPr lang="zh-CN" altLang="en-US" sz="4400">
+              <a:latin typeface="+mj-ea"/>
+            </a:endParaRPr>
           </a:p>
         </p:txBody>
       </p:sp>
@@ -11838,6 +11898,11 @@
               </a:rPr>
               <a:t>顺序图是强调消息时间顺序的交互图，描述了对象之间传送消息的时间顺序，用于表示用例中的行为顺序。</a:t>
             </a:r>
+            <a:endParaRPr lang="zh-CN" altLang="en-US" sz="3200" dirty="0">
+              <a:solidFill>
+                <a:schemeClr val="tx1"/>
+              </a:solidFill>
+            </a:endParaRPr>
           </a:p>
           <a:p>
             <a:endParaRPr lang="zh-CN" altLang="en-US" sz="3200" dirty="0">
@@ -11855,6 +11920,11 @@
               </a:rPr>
               <a:t>顺序图将交互关系表示为一个二维图。</a:t>
             </a:r>
+            <a:endParaRPr lang="zh-CN" altLang="en-US" sz="3200" dirty="0">
+              <a:solidFill>
+                <a:schemeClr val="tx1"/>
+              </a:solidFill>
+            </a:endParaRPr>
           </a:p>
           <a:p>
             <a:endParaRPr lang="zh-CN" altLang="en-US" sz="3200" dirty="0">
@@ -11872,6 +11942,11 @@
               </a:rPr>
               <a:t>横向轴代表了在协作中各独立对象的类元角色。纵向轴是时间轴，时间沿竖线向下延伸。</a:t>
             </a:r>
+            <a:endParaRPr lang="zh-CN" altLang="en-US" sz="3200" dirty="0">
+              <a:solidFill>
+                <a:schemeClr val="tx1"/>
+              </a:solidFill>
+            </a:endParaRPr>
           </a:p>
         </p:txBody>
       </p:sp>
@@ -12101,6 +12176,9 @@
               </a:rPr>
               <a:t>顺序图的创建和名词解释</a:t>
             </a:r>
+            <a:endParaRPr lang="zh-CN" altLang="en-US" sz="4400">
+              <a:latin typeface="+mj-ea"/>
+            </a:endParaRPr>
           </a:p>
         </p:txBody>
       </p:sp>
@@ -12118,12 +12196,12 @@
           <a:graphicData uri="http://schemas.openxmlformats.org/presentationml/2006/ole">
             <mc:AlternateContent xmlns:mc="http://schemas.openxmlformats.org/markup-compatibility/2006">
               <mc:Choice xmlns:v="urn:schemas-microsoft-com:vml" Requires="v">
-                <p:oleObj spid="_x0000_s7175" r:id="rId4" imgW="4792980" imgH="3688080" progId="Paint.Picture">
+                <p:oleObj spid="_x0000_s7175" name="" r:id="rId1" imgW="4792980" imgH="3688080" progId="Paint.Picture">
                   <p:embed/>
                 </p:oleObj>
               </mc:Choice>
               <mc:Fallback>
-                <p:oleObj r:id="rId4" imgW="4792980" imgH="3688080" progId="Paint.Picture">
+                <p:oleObj name="" r:id="rId1" imgW="4792980" imgH="3688080" progId="Paint.Picture">
                   <p:embed/>
                   <p:pic>
                     <p:nvPicPr>
@@ -12132,7 +12210,7 @@
                       <p:nvPr/>
                     </p:nvPicPr>
                     <p:blipFill>
-                      <a:blip r:embed="rId5"/>
+                      <a:blip r:embed="rId2"/>
                       <a:stretch>
                         <a:fillRect/>
                       </a:stretch>
@@ -12167,12 +12245,12 @@
           <a:graphicData uri="http://schemas.openxmlformats.org/presentationml/2006/ole">
             <mc:AlternateContent xmlns:mc="http://schemas.openxmlformats.org/markup-compatibility/2006">
               <mc:Choice xmlns:v="urn:schemas-microsoft-com:vml" Requires="v">
-                <p:oleObj spid="_x0000_s7176" r:id="rId6" imgW="1607820" imgH="1196340" progId="Paint.Picture">
+                <p:oleObj spid="_x0000_s7176" name="" r:id="rId3" imgW="1607820" imgH="1196340" progId="Paint.Picture">
                   <p:embed/>
                 </p:oleObj>
               </mc:Choice>
               <mc:Fallback>
-                <p:oleObj r:id="rId6" imgW="1607820" imgH="1196340" progId="Paint.Picture">
+                <p:oleObj name="" r:id="rId3" imgW="1607820" imgH="1196340" progId="Paint.Picture">
                   <p:embed/>
                   <p:pic>
                     <p:nvPicPr>
@@ -12181,7 +12259,7 @@
                       <p:nvPr/>
                     </p:nvPicPr>
                     <p:blipFill>
-                      <a:blip r:embed="rId7"/>
+                      <a:blip r:embed="rId4"/>
                       <a:stretch>
                         <a:fillRect/>
                       </a:stretch>
@@ -12246,12 +12324,12 @@
           <a:graphicData uri="http://schemas.openxmlformats.org/presentationml/2006/ole">
             <mc:AlternateContent xmlns:mc="http://schemas.openxmlformats.org/markup-compatibility/2006">
               <mc:Choice xmlns:v="urn:schemas-microsoft-com:vml" Requires="v">
-                <p:oleObj spid="_x0000_s7177" r:id="rId8" imgW="1386840" imgH="266700" progId="Paint.Picture">
+                <p:oleObj spid="_x0000_s7177" name="" r:id="rId5" imgW="1386840" imgH="266700" progId="Paint.Picture">
                   <p:embed/>
                 </p:oleObj>
               </mc:Choice>
               <mc:Fallback>
-                <p:oleObj r:id="rId8" imgW="1386840" imgH="266700" progId="Paint.Picture">
+                <p:oleObj name="" r:id="rId5" imgW="1386840" imgH="266700" progId="Paint.Picture">
                   <p:embed/>
                   <p:pic>
                     <p:nvPicPr>
@@ -12260,7 +12338,7 @@
                       <p:nvPr/>
                     </p:nvPicPr>
                     <p:blipFill>
-                      <a:blip r:embed="rId9"/>
+                      <a:blip r:embed="rId6"/>
                       <a:stretch>
                         <a:fillRect/>
                       </a:stretch>
@@ -12315,6 +12393,9 @@
               </a:rPr>
               <a:t>返回消息</a:t>
             </a:r>
+            <a:endParaRPr lang="zh-CN" altLang="en-US" sz="3200">
+              <a:latin typeface="+mn-ea"/>
+            </a:endParaRPr>
           </a:p>
         </p:txBody>
       </p:sp>
@@ -12332,12 +12413,12 @@
           <a:graphicData uri="http://schemas.openxmlformats.org/presentationml/2006/ole">
             <mc:AlternateContent xmlns:mc="http://schemas.openxmlformats.org/markup-compatibility/2006">
               <mc:Choice xmlns:v="urn:schemas-microsoft-com:vml" Requires="v">
-                <p:oleObj spid="_x0000_s7178" r:id="rId10" imgW="1051560" imgH="731520" progId="Paint.Picture">
+                <p:oleObj spid="_x0000_s7178" name="" r:id="rId7" imgW="1051560" imgH="731520" progId="Paint.Picture">
                   <p:embed/>
                 </p:oleObj>
               </mc:Choice>
               <mc:Fallback>
-                <p:oleObj r:id="rId10" imgW="1051560" imgH="731520" progId="Paint.Picture">
+                <p:oleObj name="" r:id="rId7" imgW="1051560" imgH="731520" progId="Paint.Picture">
                   <p:embed/>
                   <p:pic>
                     <p:nvPicPr>
@@ -12346,7 +12427,7 @@
                       <p:nvPr/>
                     </p:nvPicPr>
                     <p:blipFill>
-                      <a:blip r:embed="rId11"/>
+                      <a:blip r:embed="rId8"/>
                       <a:stretch>
                         <a:fillRect/>
                       </a:stretch>
@@ -12401,6 +12482,9 @@
               </a:rPr>
               <a:t>自关联消息</a:t>
             </a:r>
+            <a:endParaRPr lang="zh-CN" altLang="en-US" sz="3200">
+              <a:latin typeface="+mn-ea"/>
+            </a:endParaRPr>
           </a:p>
         </p:txBody>
       </p:sp>
@@ -12418,12 +12502,12 @@
           <a:graphicData uri="http://schemas.openxmlformats.org/presentationml/2006/ole">
             <mc:AlternateContent xmlns:mc="http://schemas.openxmlformats.org/markup-compatibility/2006">
               <mc:Choice xmlns:v="urn:schemas-microsoft-com:vml" Requires="v">
-                <p:oleObj spid="_x0000_s7179" r:id="rId12" imgW="1546860" imgH="365760" progId="Paint.Picture">
+                <p:oleObj spid="_x0000_s7179" name="" r:id="rId9" imgW="1546860" imgH="365760" progId="Paint.Picture">
                   <p:embed/>
                 </p:oleObj>
               </mc:Choice>
               <mc:Fallback>
-                <p:oleObj r:id="rId12" imgW="1546860" imgH="365760" progId="Paint.Picture">
+                <p:oleObj name="" r:id="rId9" imgW="1546860" imgH="365760" progId="Paint.Picture">
                   <p:embed/>
                   <p:pic>
                     <p:nvPicPr>
@@ -12432,7 +12516,7 @@
                       <p:nvPr/>
                     </p:nvPicPr>
                     <p:blipFill>
-                      <a:blip r:embed="rId13"/>
+                      <a:blip r:embed="rId10"/>
                       <a:stretch>
                         <a:fillRect/>
                       </a:stretch>
@@ -12487,6 +12571,9 @@
               </a:rPr>
               <a:t>对象消息</a:t>
             </a:r>
+            <a:endParaRPr lang="zh-CN" altLang="en-US" sz="3200">
+              <a:latin typeface="+mn-ea"/>
+            </a:endParaRPr>
           </a:p>
         </p:txBody>
       </p:sp>
@@ -12504,12 +12591,12 @@
           <a:graphicData uri="http://schemas.openxmlformats.org/presentationml/2006/ole">
             <mc:AlternateContent xmlns:mc="http://schemas.openxmlformats.org/markup-compatibility/2006">
               <mc:Choice xmlns:v="urn:schemas-microsoft-com:vml" Requires="v">
-                <p:oleObj spid="_x0000_s7180" r:id="rId14" imgW="480060" imgH="403860" progId="Paint.Picture">
+                <p:oleObj spid="_x0000_s7180" name="" r:id="rId11" imgW="480060" imgH="403860" progId="Paint.Picture">
                   <p:embed/>
                 </p:oleObj>
               </mc:Choice>
               <mc:Fallback>
-                <p:oleObj r:id="rId14" imgW="480060" imgH="403860" progId="Paint.Picture">
+                <p:oleObj name="" r:id="rId11" imgW="480060" imgH="403860" progId="Paint.Picture">
                   <p:embed/>
                   <p:pic>
                     <p:nvPicPr>
@@ -12518,7 +12605,7 @@
                       <p:nvPr/>
                     </p:nvPicPr>
                     <p:blipFill>
-                      <a:blip r:embed="rId15"/>
+                      <a:blip r:embed="rId12"/>
                       <a:stretch>
                         <a:fillRect/>
                       </a:stretch>
@@ -12567,6 +12654,9 @@
               </a:rPr>
               <a:t>Destruction Marker</a:t>
             </a:r>
+            <a:endParaRPr lang="en-US" altLang="zh-CN" sz="3200">
+              <a:latin typeface="+mn-ea"/>
+            </a:endParaRPr>
           </a:p>
           <a:p>
             <a:r>
@@ -12575,12 +12665,15 @@
               </a:rPr>
               <a:t>撤销标记</a:t>
             </a:r>
+            <a:endParaRPr lang="zh-CN" altLang="en-US" sz="3200">
+              <a:latin typeface="+mn-ea"/>
+            </a:endParaRPr>
           </a:p>
         </p:txBody>
       </p:sp>
     </p:spTree>
     <p:custDataLst>
-      <p:tags r:id="rId2"/>
+      <p:tags r:id="rId13"/>
     </p:custDataLst>
   </p:cSld>
   <p:clrMapOvr>
@@ -13103,6 +13196,9 @@
               </a:rPr>
               <a:t>管理员处理借书顺序图</a:t>
             </a:r>
+            <a:endParaRPr lang="zh-CN" altLang="en-US" sz="4400">
+              <a:latin typeface="+mj-ea"/>
+            </a:endParaRPr>
           </a:p>
         </p:txBody>
       </p:sp>
@@ -13120,12 +13216,12 @@
           <a:graphicData uri="http://schemas.openxmlformats.org/presentationml/2006/ole">
             <mc:AlternateContent xmlns:mc="http://schemas.openxmlformats.org/markup-compatibility/2006">
               <mc:Choice xmlns:v="urn:schemas-microsoft-com:vml" Requires="v">
-                <p:oleObj spid="_x0000_s8194" r:id="rId4" imgW="11430000" imgH="5852160" progId="Paint.Picture">
+                <p:oleObj spid="_x0000_s8194" name="" r:id="rId1" imgW="11430000" imgH="5852160" progId="Paint.Picture">
                   <p:embed/>
                 </p:oleObj>
               </mc:Choice>
               <mc:Fallback>
-                <p:oleObj r:id="rId4" imgW="11430000" imgH="5852160" progId="Paint.Picture">
+                <p:oleObj name="" r:id="rId1" imgW="11430000" imgH="5852160" progId="Paint.Picture">
                   <p:embed/>
                   <p:pic>
                     <p:nvPicPr>
@@ -13134,7 +13230,7 @@
                       <p:nvPr/>
                     </p:nvPicPr>
                     <p:blipFill>
-                      <a:blip r:embed="rId5"/>
+                      <a:blip r:embed="rId2"/>
                       <a:stretch>
                         <a:fillRect/>
                       </a:stretch>
@@ -13157,7 +13253,7 @@
       </p:graphicFrame>
     </p:spTree>
     <p:custDataLst>
-      <p:tags r:id="rId2"/>
+      <p:tags r:id="rId3"/>
     </p:custDataLst>
   </p:cSld>
   <p:clrMapOvr>
@@ -13211,6 +13307,9 @@
               </a:rPr>
               <a:t>软件工程系列课程教学辅助网站顺序图</a:t>
             </a:r>
+            <a:endParaRPr lang="zh-CN" altLang="en-US" sz="4400">
+              <a:sym typeface="+mn-ea"/>
+            </a:endParaRPr>
           </a:p>
         </p:txBody>
       </p:sp>
@@ -13225,7 +13324,7 @@
           </p:nvPr>
         </p:nvPicPr>
         <p:blipFill>
-          <a:blip r:embed="rId3"/>
+          <a:blip r:embed="rId1"/>
           <a:stretch>
             <a:fillRect/>
           </a:stretch>
@@ -13249,7 +13348,7 @@
           <p:nvPr/>
         </p:nvPicPr>
         <p:blipFill>
-          <a:blip r:embed="rId4"/>
+          <a:blip r:embed="rId2"/>
           <a:stretch>
             <a:fillRect/>
           </a:stretch>
@@ -13266,7 +13365,7 @@
       </p:pic>
     </p:spTree>
     <p:custDataLst>
-      <p:tags r:id="rId1"/>
+      <p:tags r:id="rId3"/>
     </p:custDataLst>
   </p:cSld>
   <p:clrMapOvr>
@@ -13301,7 +13400,7 @@
           <p:nvPr>
             <p:ph type="title"/>
             <p:custDataLst>
-              <p:tags r:id="rId2"/>
+              <p:tags r:id="rId1"/>
             </p:custDataLst>
           </p:nvPr>
         </p:nvSpPr>
@@ -13325,6 +13424,7 @@
               <a:rPr lang="en-US" altLang="zh-CN" dirty="0"/>
               <a:t>COLLABORATION DIAGRAM</a:t>
             </a:r>
+            <a:endParaRPr lang="en-US" altLang="zh-CN" dirty="0"/>
           </a:p>
         </p:txBody>
       </p:sp>
@@ -13334,7 +13434,7 @@
           <p:cNvSpPr txBox="1"/>
           <p:nvPr>
             <p:custDataLst>
-              <p:tags r:id="rId3"/>
+              <p:tags r:id="rId2"/>
             </p:custDataLst>
           </p:nvPr>
         </p:nvSpPr>
@@ -13367,12 +13467,17 @@
               </a:rPr>
               <a:t>Chapter5</a:t>
             </a:r>
+            <a:endParaRPr lang="en-US" altLang="zh-CN" sz="41040" b="1" dirty="0">
+              <a:solidFill>
+                <a:schemeClr val="accent1"/>
+              </a:solidFill>
+            </a:endParaRPr>
           </a:p>
         </p:txBody>
       </p:sp>
     </p:spTree>
     <p:custDataLst>
-      <p:tags r:id="rId1"/>
+      <p:tags r:id="rId3"/>
     </p:custDataLst>
   </p:cSld>
   <p:clrMapOvr>
@@ -13426,6 +13531,9 @@
               </a:rPr>
               <a:t>协作图的概述</a:t>
             </a:r>
+            <a:endParaRPr lang="zh-CN" altLang="en-US" sz="4400">
+              <a:latin typeface="+mj-ea"/>
+            </a:endParaRPr>
           </a:p>
         </p:txBody>
       </p:sp>
@@ -13459,6 +13567,11 @@
               </a:rPr>
               <a:t>是一种交互图，强调的是发送和接收消息的对象之间的组织结构。一个协作图显示了一系列的对象和在这些对象之间的联系以及对象间发送和接收的消息。</a:t>
             </a:r>
+            <a:endParaRPr lang="zh-CN" altLang="en-US" sz="3200" dirty="0">
+              <a:solidFill>
+                <a:schemeClr val="tx1"/>
+              </a:solidFill>
+            </a:endParaRPr>
           </a:p>
           <a:p>
             <a:endParaRPr lang="zh-CN" altLang="en-US" sz="3200" dirty="0">
@@ -13476,6 +13589,11 @@
               </a:rPr>
               <a:t>协作图用于显示对象之间如何进行交互以执行特定用例或用例中特定部分的行为。</a:t>
             </a:r>
+            <a:endParaRPr lang="zh-CN" altLang="en-US" sz="3200" dirty="0">
+              <a:solidFill>
+                <a:schemeClr val="tx1"/>
+              </a:solidFill>
+            </a:endParaRPr>
           </a:p>
           <a:p>
             <a:endParaRPr lang="zh-CN" altLang="en-US" sz="3200" dirty="0">
@@ -13493,6 +13611,11 @@
               </a:rPr>
               <a:t>协作图用于表示对象间的消息往来。</a:t>
             </a:r>
+            <a:endParaRPr lang="zh-CN" altLang="en-US" sz="3200" dirty="0">
+              <a:solidFill>
+                <a:schemeClr val="tx1"/>
+              </a:solidFill>
+            </a:endParaRPr>
           </a:p>
         </p:txBody>
       </p:sp>
@@ -13746,7 +13869,7 @@
           <p:cNvGrpSpPr/>
           <p:nvPr>
             <p:custDataLst>
-              <p:tags r:id="rId2"/>
+              <p:tags r:id="rId1"/>
             </p:custDataLst>
           </p:nvPr>
         </p:nvGrpSpPr>
@@ -13766,7 +13889,7 @@
             </p:cNvSpPr>
             <p:nvPr>
               <p:custDataLst>
-                <p:tags r:id="rId33"/>
+                <p:tags r:id="rId2"/>
               </p:custDataLst>
             </p:nvPr>
           </p:nvSpPr>
@@ -14001,7 +14124,7 @@
             <p:cNvSpPr/>
             <p:nvPr>
               <p:custDataLst>
-                <p:tags r:id="rId34"/>
+                <p:tags r:id="rId3"/>
               </p:custDataLst>
             </p:nvPr>
           </p:nvSpPr>
@@ -14050,6 +14173,11 @@
                 </a:rPr>
                 <a:t>协作图</a:t>
               </a:r>
+              <a:endParaRPr lang="zh-CN" altLang="en-US" sz="3200" spc="63" dirty="0">
+                <a:solidFill>
+                  <a:srgbClr val="FFFFFF"/>
+                </a:solidFill>
+              </a:endParaRPr>
             </a:p>
           </p:txBody>
         </p:sp>
@@ -14059,7 +14187,7 @@
             <p:cNvCxnSpPr/>
             <p:nvPr>
               <p:custDataLst>
-                <p:tags r:id="rId35"/>
+                <p:tags r:id="rId4"/>
               </p:custDataLst>
             </p:nvPr>
           </p:nvCxnSpPr>
@@ -14099,7 +14227,7 @@
           <p:cNvGrpSpPr/>
           <p:nvPr>
             <p:custDataLst>
-              <p:tags r:id="rId3"/>
+              <p:tags r:id="rId5"/>
             </p:custDataLst>
           </p:nvPr>
         </p:nvGrpSpPr>
@@ -14119,7 +14247,7 @@
             </p:cNvSpPr>
             <p:nvPr>
               <p:custDataLst>
-                <p:tags r:id="rId30"/>
+                <p:tags r:id="rId6"/>
               </p:custDataLst>
             </p:nvPr>
           </p:nvSpPr>
@@ -14354,7 +14482,7 @@
             <p:cNvSpPr/>
             <p:nvPr>
               <p:custDataLst>
-                <p:tags r:id="rId31"/>
+                <p:tags r:id="rId7"/>
               </p:custDataLst>
             </p:nvPr>
           </p:nvSpPr>
@@ -14403,6 +14531,11 @@
                 </a:rPr>
                 <a:t>用例图</a:t>
               </a:r>
+              <a:endParaRPr lang="zh-CN" altLang="en-US" sz="3200" spc="63" dirty="0">
+                <a:solidFill>
+                  <a:srgbClr val="FFFFFF"/>
+                </a:solidFill>
+              </a:endParaRPr>
             </a:p>
           </p:txBody>
         </p:sp>
@@ -14412,7 +14545,7 @@
             <p:cNvCxnSpPr/>
             <p:nvPr>
               <p:custDataLst>
-                <p:tags r:id="rId32"/>
+                <p:tags r:id="rId8"/>
               </p:custDataLst>
             </p:nvPr>
           </p:nvCxnSpPr>
@@ -14452,7 +14585,7 @@
           <p:cNvGrpSpPr/>
           <p:nvPr>
             <p:custDataLst>
-              <p:tags r:id="rId4"/>
+              <p:tags r:id="rId9"/>
             </p:custDataLst>
           </p:nvPr>
         </p:nvGrpSpPr>
@@ -14472,7 +14605,7 @@
             </p:cNvSpPr>
             <p:nvPr>
               <p:custDataLst>
-                <p:tags r:id="rId27"/>
+                <p:tags r:id="rId10"/>
               </p:custDataLst>
             </p:nvPr>
           </p:nvSpPr>
@@ -14707,7 +14840,7 @@
             <p:cNvSpPr/>
             <p:nvPr>
               <p:custDataLst>
-                <p:tags r:id="rId28"/>
+                <p:tags r:id="rId11"/>
               </p:custDataLst>
             </p:nvPr>
           </p:nvSpPr>
@@ -14756,6 +14889,11 @@
                 </a:rPr>
                 <a:t>类图</a:t>
               </a:r>
+              <a:endParaRPr lang="zh-CN" altLang="en-US" sz="3200" spc="63" dirty="0">
+                <a:solidFill>
+                  <a:srgbClr val="FFFFFF"/>
+                </a:solidFill>
+              </a:endParaRPr>
             </a:p>
           </p:txBody>
         </p:sp>
@@ -14765,7 +14903,7 @@
             <p:cNvCxnSpPr/>
             <p:nvPr>
               <p:custDataLst>
-                <p:tags r:id="rId29"/>
+                <p:tags r:id="rId12"/>
               </p:custDataLst>
             </p:nvPr>
           </p:nvCxnSpPr>
@@ -14805,7 +14943,7 @@
           <p:cNvGrpSpPr/>
           <p:nvPr>
             <p:custDataLst>
-              <p:tags r:id="rId5"/>
+              <p:tags r:id="rId13"/>
             </p:custDataLst>
           </p:nvPr>
         </p:nvGrpSpPr>
@@ -14825,7 +14963,7 @@
             </p:cNvSpPr>
             <p:nvPr>
               <p:custDataLst>
-                <p:tags r:id="rId24"/>
+                <p:tags r:id="rId14"/>
               </p:custDataLst>
             </p:nvPr>
           </p:nvSpPr>
@@ -15060,7 +15198,7 @@
             <p:cNvSpPr/>
             <p:nvPr>
               <p:custDataLst>
-                <p:tags r:id="rId25"/>
+                <p:tags r:id="rId15"/>
               </p:custDataLst>
             </p:nvPr>
           </p:nvSpPr>
@@ -15109,6 +15247,11 @@
                 </a:rPr>
                 <a:t>状态图</a:t>
               </a:r>
+              <a:endParaRPr lang="zh-CN" altLang="en-US" sz="3200" spc="63" dirty="0">
+                <a:solidFill>
+                  <a:srgbClr val="FFFFFF"/>
+                </a:solidFill>
+              </a:endParaRPr>
             </a:p>
           </p:txBody>
         </p:sp>
@@ -15118,7 +15261,7 @@
             <p:cNvCxnSpPr/>
             <p:nvPr>
               <p:custDataLst>
-                <p:tags r:id="rId26"/>
+                <p:tags r:id="rId16"/>
               </p:custDataLst>
             </p:nvPr>
           </p:nvCxnSpPr>
@@ -15158,7 +15301,7 @@
           <p:cNvGrpSpPr/>
           <p:nvPr>
             <p:custDataLst>
-              <p:tags r:id="rId6"/>
+              <p:tags r:id="rId17"/>
             </p:custDataLst>
           </p:nvPr>
         </p:nvGrpSpPr>
@@ -15178,7 +15321,7 @@
             </p:cNvSpPr>
             <p:nvPr>
               <p:custDataLst>
-                <p:tags r:id="rId21"/>
+                <p:tags r:id="rId18"/>
               </p:custDataLst>
             </p:nvPr>
           </p:nvSpPr>
@@ -15413,7 +15556,7 @@
             <p:cNvSpPr/>
             <p:nvPr>
               <p:custDataLst>
-                <p:tags r:id="rId22"/>
+                <p:tags r:id="rId19"/>
               </p:custDataLst>
             </p:nvPr>
           </p:nvSpPr>
@@ -15462,6 +15605,11 @@
                 </a:rPr>
                 <a:t>顺序图</a:t>
               </a:r>
+              <a:endParaRPr lang="zh-CN" altLang="en-US" sz="3200" spc="63" dirty="0">
+                <a:solidFill>
+                  <a:srgbClr val="FFFFFF"/>
+                </a:solidFill>
+              </a:endParaRPr>
             </a:p>
           </p:txBody>
         </p:sp>
@@ -15471,7 +15619,7 @@
             <p:cNvCxnSpPr/>
             <p:nvPr>
               <p:custDataLst>
-                <p:tags r:id="rId23"/>
+                <p:tags r:id="rId20"/>
               </p:custDataLst>
             </p:nvPr>
           </p:nvCxnSpPr>
@@ -15511,7 +15659,7 @@
           <p:cNvGrpSpPr/>
           <p:nvPr>
             <p:custDataLst>
-              <p:tags r:id="rId7"/>
+              <p:tags r:id="rId21"/>
             </p:custDataLst>
           </p:nvPr>
         </p:nvGrpSpPr>
@@ -15531,7 +15679,7 @@
             </p:cNvSpPr>
             <p:nvPr>
               <p:custDataLst>
-                <p:tags r:id="rId18"/>
+                <p:tags r:id="rId22"/>
               </p:custDataLst>
             </p:nvPr>
           </p:nvSpPr>
@@ -15766,7 +15914,7 @@
             <p:cNvSpPr/>
             <p:nvPr>
               <p:custDataLst>
-                <p:tags r:id="rId19"/>
+                <p:tags r:id="rId23"/>
               </p:custDataLst>
             </p:nvPr>
           </p:nvSpPr>
@@ -15815,6 +15963,11 @@
                 </a:rPr>
                 <a:t>部署图</a:t>
               </a:r>
+              <a:endParaRPr lang="zh-CN" altLang="en-US" sz="3200" spc="63" dirty="0">
+                <a:solidFill>
+                  <a:srgbClr val="FFFFFF"/>
+                </a:solidFill>
+              </a:endParaRPr>
             </a:p>
           </p:txBody>
         </p:sp>
@@ -15824,7 +15977,7 @@
             <p:cNvCxnSpPr/>
             <p:nvPr>
               <p:custDataLst>
-                <p:tags r:id="rId20"/>
+                <p:tags r:id="rId24"/>
               </p:custDataLst>
             </p:nvPr>
           </p:nvCxnSpPr>
@@ -15864,7 +16017,7 @@
           <p:cNvSpPr txBox="1"/>
           <p:nvPr>
             <p:custDataLst>
-              <p:tags r:id="rId8"/>
+              <p:tags r:id="rId25"/>
             </p:custDataLst>
           </p:nvPr>
         </p:nvSpPr>
@@ -15911,7 +16064,7 @@
           <p:cNvSpPr txBox="1"/>
           <p:nvPr>
             <p:custDataLst>
-              <p:tags r:id="rId9"/>
+              <p:tags r:id="rId26"/>
             </p:custDataLst>
           </p:nvPr>
         </p:nvSpPr>
@@ -15964,7 +16117,7 @@
           <p:cNvGrpSpPr/>
           <p:nvPr>
             <p:custDataLst>
-              <p:tags r:id="rId10"/>
+              <p:tags r:id="rId27"/>
             </p:custDataLst>
           </p:nvPr>
         </p:nvGrpSpPr>
@@ -15984,7 +16137,7 @@
             </p:cNvSpPr>
             <p:nvPr>
               <p:custDataLst>
-                <p:tags r:id="rId15"/>
+                <p:tags r:id="rId28"/>
               </p:custDataLst>
             </p:nvPr>
           </p:nvSpPr>
@@ -16206,6 +16359,10 @@
                 </a:rPr>
                 <a:t>7</a:t>
               </a:r>
+              <a:endParaRPr lang="en-US" altLang="zh-CN" sz="3200">
+                <a:latin typeface="+mn-lt"/>
+                <a:ea typeface="+mn-ea"/>
+              </a:endParaRPr>
             </a:p>
           </p:txBody>
         </p:sp>
@@ -16215,7 +16372,7 @@
             <p:cNvSpPr/>
             <p:nvPr>
               <p:custDataLst>
-                <p:tags r:id="rId16"/>
+                <p:tags r:id="rId29"/>
               </p:custDataLst>
             </p:nvPr>
           </p:nvSpPr>
@@ -16279,7 +16436,7 @@
             <p:cNvCxnSpPr/>
             <p:nvPr>
               <p:custDataLst>
-                <p:tags r:id="rId17"/>
+                <p:tags r:id="rId30"/>
               </p:custDataLst>
             </p:nvPr>
           </p:nvCxnSpPr>
@@ -16319,7 +16476,7 @@
           <p:cNvGrpSpPr/>
           <p:nvPr>
             <p:custDataLst>
-              <p:tags r:id="rId11"/>
+              <p:tags r:id="rId31"/>
             </p:custDataLst>
           </p:nvPr>
         </p:nvGrpSpPr>
@@ -16339,7 +16496,7 @@
             </p:cNvSpPr>
             <p:nvPr>
               <p:custDataLst>
-                <p:tags r:id="rId12"/>
+                <p:tags r:id="rId32"/>
               </p:custDataLst>
             </p:nvPr>
           </p:nvSpPr>
@@ -16561,6 +16718,10 @@
                 </a:rPr>
                 <a:t>8</a:t>
               </a:r>
+              <a:endParaRPr lang="en-US" altLang="zh-CN" sz="3200">
+                <a:latin typeface="+mn-lt"/>
+                <a:ea typeface="+mn-ea"/>
+              </a:endParaRPr>
             </a:p>
           </p:txBody>
         </p:sp>
@@ -16570,7 +16731,7 @@
             <p:cNvSpPr/>
             <p:nvPr>
               <p:custDataLst>
-                <p:tags r:id="rId13"/>
+                <p:tags r:id="rId33"/>
               </p:custDataLst>
             </p:nvPr>
           </p:nvSpPr>
@@ -16619,6 +16780,11 @@
                 </a:rPr>
                 <a:t>小组分工</a:t>
               </a:r>
+              <a:endParaRPr lang="zh-CN" altLang="zh-CN" sz="3200" spc="63" dirty="0">
+                <a:solidFill>
+                  <a:srgbClr val="FFFFFF"/>
+                </a:solidFill>
+              </a:endParaRPr>
             </a:p>
           </p:txBody>
         </p:sp>
@@ -16628,7 +16794,7 @@
             <p:cNvCxnSpPr/>
             <p:nvPr>
               <p:custDataLst>
-                <p:tags r:id="rId14"/>
+                <p:tags r:id="rId34"/>
               </p:custDataLst>
             </p:nvPr>
           </p:nvCxnSpPr>
@@ -16664,7 +16830,7 @@
       </p:grpSp>
     </p:spTree>
     <p:custDataLst>
-      <p:tags r:id="rId1"/>
+      <p:tags r:id="rId35"/>
     </p:custDataLst>
   </p:cSld>
   <p:clrMapOvr>
@@ -16739,12 +16905,12 @@
           <a:graphicData uri="http://schemas.openxmlformats.org/presentationml/2006/ole">
             <mc:AlternateContent xmlns:mc="http://schemas.openxmlformats.org/markup-compatibility/2006">
               <mc:Choice xmlns:v="urn:schemas-microsoft-com:vml" Requires="v">
-                <p:oleObj spid="_x0000_s9221" r:id="rId4" imgW="4701540" imgH="3848100" progId="Paint.Picture">
+                <p:oleObj spid="_x0000_s9221" name="" r:id="rId1" imgW="4701540" imgH="3848100" progId="Paint.Picture">
                   <p:embed/>
                 </p:oleObj>
               </mc:Choice>
               <mc:Fallback>
-                <p:oleObj r:id="rId4" imgW="4701540" imgH="3848100" progId="Paint.Picture">
+                <p:oleObj name="" r:id="rId1" imgW="4701540" imgH="3848100" progId="Paint.Picture">
                   <p:embed/>
                   <p:pic>
                     <p:nvPicPr>
@@ -16753,7 +16919,7 @@
                       <p:nvPr/>
                     </p:nvPicPr>
                     <p:blipFill>
-                      <a:blip r:embed="rId5"/>
+                      <a:blip r:embed="rId2"/>
                       <a:stretch>
                         <a:fillRect/>
                       </a:stretch>
@@ -16788,12 +16954,12 @@
           <a:graphicData uri="http://schemas.openxmlformats.org/presentationml/2006/ole">
             <mc:AlternateContent xmlns:mc="http://schemas.openxmlformats.org/markup-compatibility/2006">
               <mc:Choice xmlns:v="urn:schemas-microsoft-com:vml" Requires="v">
-                <p:oleObj spid="_x0000_s9222" r:id="rId6" imgW="723900" imgH="457200" progId="Paint.Picture">
+                <p:oleObj spid="_x0000_s9222" name="" r:id="rId3" imgW="723900" imgH="457200" progId="Paint.Picture">
                   <p:embed/>
                 </p:oleObj>
               </mc:Choice>
               <mc:Fallback>
-                <p:oleObj r:id="rId6" imgW="723900" imgH="457200" progId="Paint.Picture">
+                <p:oleObj name="" r:id="rId3" imgW="723900" imgH="457200" progId="Paint.Picture">
                   <p:embed/>
                   <p:pic>
                     <p:nvPicPr>
@@ -16802,7 +16968,7 @@
                       <p:nvPr/>
                     </p:nvPicPr>
                     <p:blipFill>
-                      <a:blip r:embed="rId7"/>
+                      <a:blip r:embed="rId4"/>
                       <a:stretch>
                         <a:fillRect/>
                       </a:stretch>
@@ -16853,6 +17019,7 @@
               <a:rPr lang="zh-CN" altLang="en-US" sz="3200"/>
               <a:t>对象</a:t>
             </a:r>
+            <a:endParaRPr lang="zh-CN" altLang="en-US" sz="3200"/>
           </a:p>
         </p:txBody>
       </p:sp>
@@ -16870,12 +17037,12 @@
           <a:graphicData uri="http://schemas.openxmlformats.org/presentationml/2006/ole">
             <mc:AlternateContent xmlns:mc="http://schemas.openxmlformats.org/markup-compatibility/2006">
               <mc:Choice xmlns:v="urn:schemas-microsoft-com:vml" Requires="v">
-                <p:oleObj spid="_x0000_s9223" r:id="rId8" imgW="746760" imgH="464820" progId="Paint.Picture">
+                <p:oleObj spid="_x0000_s9223" name="" r:id="rId5" imgW="746760" imgH="464820" progId="Paint.Picture">
                   <p:embed/>
                 </p:oleObj>
               </mc:Choice>
               <mc:Fallback>
-                <p:oleObj r:id="rId8" imgW="746760" imgH="464820" progId="Paint.Picture">
+                <p:oleObj name="" r:id="rId5" imgW="746760" imgH="464820" progId="Paint.Picture">
                   <p:embed/>
                   <p:pic>
                     <p:nvPicPr>
@@ -16884,7 +17051,7 @@
                       <p:nvPr/>
                     </p:nvPicPr>
                     <p:blipFill>
-                      <a:blip r:embed="rId9"/>
+                      <a:blip r:embed="rId6"/>
                       <a:stretch>
                         <a:fillRect/>
                       </a:stretch>
@@ -16935,6 +17102,7 @@
               <a:rPr lang="zh-CN" altLang="en-US" sz="3200"/>
               <a:t>类别实例</a:t>
             </a:r>
+            <a:endParaRPr lang="zh-CN" altLang="en-US" sz="3200"/>
           </a:p>
         </p:txBody>
       </p:sp>
@@ -16952,12 +17120,12 @@
           <a:graphicData uri="http://schemas.openxmlformats.org/presentationml/2006/ole">
             <mc:AlternateContent xmlns:mc="http://schemas.openxmlformats.org/markup-compatibility/2006">
               <mc:Choice xmlns:v="urn:schemas-microsoft-com:vml" Requires="v">
-                <p:oleObj spid="_x0000_s9224" r:id="rId10" imgW="685800" imgH="624840" progId="Paint.Picture">
+                <p:oleObj spid="_x0000_s9224" name="" r:id="rId7" imgW="685800" imgH="624840" progId="Paint.Picture">
                   <p:embed/>
                 </p:oleObj>
               </mc:Choice>
               <mc:Fallback>
-                <p:oleObj r:id="rId10" imgW="685800" imgH="624840" progId="Paint.Picture">
+                <p:oleObj name="" r:id="rId7" imgW="685800" imgH="624840" progId="Paint.Picture">
                   <p:embed/>
                   <p:pic>
                     <p:nvPicPr>
@@ -16966,7 +17134,7 @@
                       <p:nvPr/>
                     </p:nvPicPr>
                     <p:blipFill>
-                      <a:blip r:embed="rId11"/>
+                      <a:blip r:embed="rId8"/>
                       <a:stretch>
                         <a:fillRect/>
                       </a:stretch>
@@ -17017,12 +17185,13 @@
               <a:rPr lang="zh-CN" altLang="en-US" sz="3200"/>
               <a:t>自身调用</a:t>
             </a:r>
+            <a:endParaRPr lang="zh-CN" altLang="en-US" sz="3200"/>
           </a:p>
         </p:txBody>
       </p:sp>
     </p:spTree>
     <p:custDataLst>
-      <p:tags r:id="rId2"/>
+      <p:tags r:id="rId9"/>
     </p:custDataLst>
   </p:cSld>
   <p:clrMapOvr>
@@ -17412,12 +17581,12 @@
           <a:graphicData uri="http://schemas.openxmlformats.org/presentationml/2006/ole">
             <mc:AlternateContent xmlns:mc="http://schemas.openxmlformats.org/markup-compatibility/2006">
               <mc:Choice xmlns:v="urn:schemas-microsoft-com:vml" Requires="v">
-                <p:oleObj spid="_x0000_s10244" r:id="rId4" imgW="220980" imgH="449580" progId="Paint.Picture">
+                <p:oleObj spid="_x0000_s10244" name="" r:id="rId1" imgW="220980" imgH="449580" progId="Paint.Picture">
                   <p:embed/>
                 </p:oleObj>
               </mc:Choice>
               <mc:Fallback>
-                <p:oleObj r:id="rId4" imgW="220980" imgH="449580" progId="Paint.Picture">
+                <p:oleObj name="" r:id="rId1" imgW="220980" imgH="449580" progId="Paint.Picture">
                   <p:embed/>
                   <p:pic>
                     <p:nvPicPr>
@@ -17426,7 +17595,7 @@
                       <p:nvPr/>
                     </p:nvPicPr>
                     <p:blipFill>
-                      <a:blip r:embed="rId5"/>
+                      <a:blip r:embed="rId2"/>
                       <a:stretch>
                         <a:fillRect/>
                       </a:stretch>
@@ -17480,6 +17649,9 @@
               </a:rPr>
               <a:t>Data Token</a:t>
             </a:r>
+            <a:endParaRPr lang="en-US" altLang="zh-CN" sz="3200">
+              <a:sym typeface="+mn-ea"/>
+            </a:endParaRPr>
           </a:p>
           <a:p>
             <a:pPr algn="l"/>
@@ -17495,6 +17667,7 @@
               <a:rPr lang="zh-CN" altLang="en-US" sz="3200"/>
               <a:t>反向信息流</a:t>
             </a:r>
+            <a:endParaRPr lang="zh-CN" altLang="en-US" sz="3200"/>
           </a:p>
         </p:txBody>
       </p:sp>
@@ -17512,12 +17685,12 @@
           <a:graphicData uri="http://schemas.openxmlformats.org/presentationml/2006/ole">
             <mc:AlternateContent xmlns:mc="http://schemas.openxmlformats.org/markup-compatibility/2006">
               <mc:Choice xmlns:v="urn:schemas-microsoft-com:vml" Requires="v">
-                <p:oleObj spid="_x0000_s10245" r:id="rId6" imgW="640080" imgH="335280" progId="Paint.Picture">
+                <p:oleObj spid="_x0000_s10245" name="" r:id="rId3" imgW="640080" imgH="335280" progId="Paint.Picture">
                   <p:embed/>
                 </p:oleObj>
               </mc:Choice>
               <mc:Fallback>
-                <p:oleObj r:id="rId6" imgW="640080" imgH="335280" progId="Paint.Picture">
+                <p:oleObj name="" r:id="rId3" imgW="640080" imgH="335280" progId="Paint.Picture">
                   <p:embed/>
                   <p:pic>
                     <p:nvPicPr>
@@ -17526,7 +17699,7 @@
                       <p:nvPr/>
                     </p:nvPicPr>
                     <p:blipFill>
-                      <a:blip r:embed="rId7"/>
+                      <a:blip r:embed="rId4"/>
                       <a:stretch>
                         <a:fillRect/>
                       </a:stretch>
@@ -17561,12 +17734,12 @@
           <a:graphicData uri="http://schemas.openxmlformats.org/presentationml/2006/ole">
             <mc:AlternateContent xmlns:mc="http://schemas.openxmlformats.org/markup-compatibility/2006">
               <mc:Choice xmlns:v="urn:schemas-microsoft-com:vml" Requires="v">
-                <p:oleObj spid="_x0000_s10246" r:id="rId8" imgW="396240" imgH="510540" progId="Paint.Picture">
+                <p:oleObj spid="_x0000_s10246" name="" r:id="rId5" imgW="396240" imgH="510540" progId="Paint.Picture">
                   <p:embed/>
                 </p:oleObj>
               </mc:Choice>
               <mc:Fallback>
-                <p:oleObj r:id="rId8" imgW="396240" imgH="510540" progId="Paint.Picture">
+                <p:oleObj name="" r:id="rId5" imgW="396240" imgH="510540" progId="Paint.Picture">
                   <p:embed/>
                   <p:pic>
                     <p:nvPicPr>
@@ -17575,7 +17748,7 @@
                       <p:nvPr/>
                     </p:nvPicPr>
                     <p:blipFill>
-                      <a:blip r:embed="rId9"/>
+                      <a:blip r:embed="rId6"/>
                       <a:stretch>
                         <a:fillRect/>
                       </a:stretch>
@@ -17629,6 +17802,9 @@
               </a:rPr>
               <a:t>Link Message</a:t>
             </a:r>
+            <a:endParaRPr lang="en-US" altLang="zh-CN" sz="3200">
+              <a:sym typeface="+mn-ea"/>
+            </a:endParaRPr>
           </a:p>
           <a:p>
             <a:pPr algn="l"/>
@@ -17650,12 +17826,15 @@
               </a:rPr>
               <a:t>返回调用消息</a:t>
             </a:r>
+            <a:endParaRPr lang="zh-CN" altLang="en-US" sz="3200">
+              <a:sym typeface="+mn-ea"/>
+            </a:endParaRPr>
           </a:p>
         </p:txBody>
       </p:sp>
     </p:spTree>
     <p:custDataLst>
-      <p:tags r:id="rId2"/>
+      <p:tags r:id="rId7"/>
     </p:custDataLst>
   </p:cSld>
   <p:clrMapOvr>
@@ -17945,6 +18124,7 @@
               <a:rPr lang="zh-CN" altLang="en-US" sz="4400"/>
               <a:t>教师查询信息协作图</a:t>
             </a:r>
+            <a:endParaRPr lang="zh-CN" altLang="en-US" sz="4400"/>
           </a:p>
         </p:txBody>
       </p:sp>
@@ -17966,12 +18146,12 @@
           <a:graphicData uri="http://schemas.openxmlformats.org/presentationml/2006/ole">
             <mc:AlternateContent xmlns:mc="http://schemas.openxmlformats.org/markup-compatibility/2006">
               <mc:Choice xmlns:v="urn:schemas-microsoft-com:vml" Requires="v">
-                <p:oleObj spid="_x0000_s11266" r:id="rId4" imgW="8321040" imgH="5158740" progId="Paint.Picture">
+                <p:oleObj spid="_x0000_s11266" name="" r:id="rId1" imgW="8321040" imgH="5158740" progId="Paint.Picture">
                   <p:embed/>
                 </p:oleObj>
               </mc:Choice>
               <mc:Fallback>
-                <p:oleObj r:id="rId4" imgW="8321040" imgH="5158740" progId="Paint.Picture">
+                <p:oleObj name="" r:id="rId1" imgW="8321040" imgH="5158740" progId="Paint.Picture">
                   <p:embed/>
                   <p:pic>
                     <p:nvPicPr>
@@ -17980,7 +18160,7 @@
                       <p:nvPr/>
                     </p:nvPicPr>
                     <p:blipFill>
-                      <a:blip r:embed="rId5"/>
+                      <a:blip r:embed="rId2"/>
                       <a:stretch>
                         <a:fillRect/>
                       </a:stretch>
@@ -18003,7 +18183,7 @@
       </p:graphicFrame>
     </p:spTree>
     <p:custDataLst>
-      <p:tags r:id="rId2"/>
+      <p:tags r:id="rId3"/>
     </p:custDataLst>
   </p:cSld>
   <p:clrMapOvr>
@@ -18050,6 +18230,9 @@
               </a:rPr>
               <a:t>软件工程系列课程教学辅助网站协作图</a:t>
             </a:r>
+            <a:endParaRPr lang="zh-CN" altLang="en-US" sz="4400">
+              <a:sym typeface="+mn-ea"/>
+            </a:endParaRPr>
           </a:p>
         </p:txBody>
       </p:sp>
@@ -18064,7 +18247,7 @@
           </p:nvPr>
         </p:nvPicPr>
         <p:blipFill>
-          <a:blip r:embed="rId3"/>
+          <a:blip r:embed="rId1"/>
           <a:stretch>
             <a:fillRect/>
           </a:stretch>
@@ -18081,7 +18264,7 @@
       </p:pic>
     </p:spTree>
     <p:custDataLst>
-      <p:tags r:id="rId1"/>
+      <p:tags r:id="rId2"/>
     </p:custDataLst>
   </p:cSld>
   <p:clrMapOvr>
@@ -18116,7 +18299,7 @@
           <p:nvPr>
             <p:ph type="title"/>
             <p:custDataLst>
-              <p:tags r:id="rId2"/>
+              <p:tags r:id="rId1"/>
             </p:custDataLst>
           </p:nvPr>
         </p:nvSpPr>
@@ -18140,6 +18323,7 @@
               <a:rPr lang="en-US" altLang="zh-CN" dirty="0"/>
               <a:t>DEPLOYMENT VIEW</a:t>
             </a:r>
+            <a:endParaRPr lang="en-US" altLang="zh-CN" dirty="0"/>
           </a:p>
         </p:txBody>
       </p:sp>
@@ -18149,7 +18333,7 @@
           <p:cNvSpPr txBox="1"/>
           <p:nvPr>
             <p:custDataLst>
-              <p:tags r:id="rId3"/>
+              <p:tags r:id="rId2"/>
             </p:custDataLst>
           </p:nvPr>
         </p:nvSpPr>
@@ -18182,12 +18366,17 @@
               </a:rPr>
               <a:t>Chapter6</a:t>
             </a:r>
+            <a:endParaRPr lang="en-US" altLang="zh-CN" sz="41040" b="1" dirty="0">
+              <a:solidFill>
+                <a:schemeClr val="accent1"/>
+              </a:solidFill>
+            </a:endParaRPr>
           </a:p>
         </p:txBody>
       </p:sp>
     </p:spTree>
     <p:custDataLst>
-      <p:tags r:id="rId1"/>
+      <p:tags r:id="rId3"/>
     </p:custDataLst>
   </p:cSld>
   <p:clrMapOvr>
@@ -18241,6 +18430,9 @@
               </a:rPr>
               <a:t>部署图的概述</a:t>
             </a:r>
+            <a:endParaRPr lang="zh-CN" altLang="en-US" sz="4400">
+              <a:latin typeface="+mj-ea"/>
+            </a:endParaRPr>
           </a:p>
         </p:txBody>
       </p:sp>
@@ -18274,6 +18466,11 @@
               </a:rPr>
               <a:t>部署图用于静态建模，是表示运行时过程结点（Node）</a:t>
             </a:r>
+            <a:endParaRPr lang="zh-CN" altLang="en-US" sz="3200" dirty="0">
+              <a:solidFill>
+                <a:schemeClr val="tx1"/>
+              </a:solidFill>
+            </a:endParaRPr>
           </a:p>
           <a:p>
             <a:r>
@@ -18284,6 +18481,11 @@
               </a:rPr>
               <a:t>结构、组件实例及其对象结构的图。</a:t>
             </a:r>
+            <a:endParaRPr lang="zh-CN" altLang="en-US" sz="3200" dirty="0">
+              <a:solidFill>
+                <a:schemeClr val="tx1"/>
+              </a:solidFill>
+            </a:endParaRPr>
           </a:p>
           <a:p>
             <a:endParaRPr lang="zh-CN" altLang="en-US" sz="3200" dirty="0">
@@ -18301,6 +18503,11 @@
               </a:rPr>
               <a:t>部署图可以显示计算结点的拓扑结构、通信路径、结</a:t>
             </a:r>
+            <a:endParaRPr lang="zh-CN" altLang="en-US" sz="3200" dirty="0">
+              <a:solidFill>
+                <a:schemeClr val="tx1"/>
+              </a:solidFill>
+            </a:endParaRPr>
           </a:p>
           <a:p>
             <a:r>
@@ -18311,6 +18518,11 @@
               </a:rPr>
               <a:t>点上运行的软件、软件包含的逻辑单元。</a:t>
             </a:r>
+            <a:endParaRPr lang="zh-CN" altLang="en-US" sz="3200" dirty="0">
+              <a:solidFill>
+                <a:schemeClr val="tx1"/>
+              </a:solidFill>
+            </a:endParaRPr>
           </a:p>
           <a:p>
             <a:endParaRPr lang="zh-CN" altLang="en-US" sz="3200" dirty="0">
@@ -18328,6 +18540,11 @@
               </a:rPr>
               <a:t>部署图是描述基于计算机的应用系统的物理配置的有</a:t>
             </a:r>
+            <a:endParaRPr lang="zh-CN" altLang="en-US" sz="3200" dirty="0">
+              <a:solidFill>
+                <a:schemeClr val="tx1"/>
+              </a:solidFill>
+            </a:endParaRPr>
           </a:p>
           <a:p>
             <a:r>
@@ -18338,6 +18555,11 @@
               </a:rPr>
               <a:t>力工具。</a:t>
             </a:r>
+            <a:endParaRPr lang="zh-CN" altLang="en-US" sz="3200" dirty="0">
+              <a:solidFill>
+                <a:schemeClr val="tx1"/>
+              </a:solidFill>
+            </a:endParaRPr>
           </a:p>
           <a:p>
             <a:endParaRPr lang="zh-CN" altLang="en-US" sz="3200" dirty="0">
@@ -18822,12 +19044,12 @@
           <a:graphicData uri="http://schemas.openxmlformats.org/presentationml/2006/ole">
             <mc:AlternateContent xmlns:mc="http://schemas.openxmlformats.org/markup-compatibility/2006">
               <mc:Choice xmlns:v="urn:schemas-microsoft-com:vml" Requires="v">
-                <p:oleObj spid="_x0000_s12292" r:id="rId4" imgW="868680" imgH="762000" progId="Paint.Picture">
+                <p:oleObj spid="_x0000_s12292" name="" r:id="rId1" imgW="868680" imgH="762000" progId="Paint.Picture">
                   <p:embed/>
                 </p:oleObj>
               </mc:Choice>
               <mc:Fallback>
-                <p:oleObj r:id="rId4" imgW="868680" imgH="762000" progId="Paint.Picture">
+                <p:oleObj name="" r:id="rId1" imgW="868680" imgH="762000" progId="Paint.Picture">
                   <p:embed/>
                   <p:pic>
                     <p:nvPicPr>
@@ -18836,7 +19058,7 @@
                       <p:nvPr/>
                     </p:nvPicPr>
                     <p:blipFill>
-                      <a:blip r:embed="rId5"/>
+                      <a:blip r:embed="rId2"/>
                       <a:stretch>
                         <a:fillRect/>
                       </a:stretch>
@@ -18871,12 +19093,12 @@
           <a:graphicData uri="http://schemas.openxmlformats.org/presentationml/2006/ole">
             <mc:AlternateContent xmlns:mc="http://schemas.openxmlformats.org/markup-compatibility/2006">
               <mc:Choice xmlns:v="urn:schemas-microsoft-com:vml" Requires="v">
-                <p:oleObj spid="_x0000_s12293" r:id="rId6" imgW="838200" imgH="708660" progId="Paint.Picture">
+                <p:oleObj spid="_x0000_s12293" name="" r:id="rId3" imgW="838200" imgH="708660" progId="Paint.Picture">
                   <p:embed/>
                 </p:oleObj>
               </mc:Choice>
               <mc:Fallback>
-                <p:oleObj r:id="rId6" imgW="838200" imgH="708660" progId="Paint.Picture">
+                <p:oleObj name="" r:id="rId3" imgW="838200" imgH="708660" progId="Paint.Picture">
                   <p:embed/>
                   <p:pic>
                     <p:nvPicPr>
@@ -18885,7 +19107,7 @@
                       <p:nvPr/>
                     </p:nvPicPr>
                     <p:blipFill>
-                      <a:blip r:embed="rId7"/>
+                      <a:blip r:embed="rId4"/>
                       <a:stretch>
                         <a:fillRect/>
                       </a:stretch>
@@ -18920,12 +19142,12 @@
           <a:graphicData uri="http://schemas.openxmlformats.org/presentationml/2006/ole">
             <mc:AlternateContent xmlns:mc="http://schemas.openxmlformats.org/markup-compatibility/2006">
               <mc:Choice xmlns:v="urn:schemas-microsoft-com:vml" Requires="v">
-                <p:oleObj spid="_x0000_s12294" r:id="rId8" imgW="2148840" imgH="624840" progId="Paint.Picture">
+                <p:oleObj spid="_x0000_s12294" name="" r:id="rId5" imgW="2148840" imgH="624840" progId="Paint.Picture">
                   <p:embed/>
                 </p:oleObj>
               </mc:Choice>
               <mc:Fallback>
-                <p:oleObj r:id="rId8" imgW="2148840" imgH="624840" progId="Paint.Picture">
+                <p:oleObj name="" r:id="rId5" imgW="2148840" imgH="624840" progId="Paint.Picture">
                   <p:embed/>
                   <p:pic>
                     <p:nvPicPr>
@@ -18934,7 +19156,7 @@
                       <p:nvPr/>
                     </p:nvPicPr>
                     <p:blipFill>
-                      <a:blip r:embed="rId9"/>
+                      <a:blip r:embed="rId6"/>
                       <a:stretch>
                         <a:fillRect/>
                       </a:stretch>
@@ -18981,6 +19203,7 @@
               <a:rPr lang="zh-CN" altLang="en-US" sz="3200"/>
               <a:t>双击打开部署图界面</a:t>
             </a:r>
+            <a:endParaRPr lang="zh-CN" altLang="en-US" sz="3200"/>
           </a:p>
         </p:txBody>
       </p:sp>
@@ -19010,6 +19233,7 @@
               <a:rPr lang="zh-CN" altLang="en-US" sz="3200"/>
               <a:t>Device：设备</a:t>
             </a:r>
+            <a:endParaRPr lang="zh-CN" altLang="en-US" sz="3200"/>
           </a:p>
           <a:p>
             <a:r>
@@ -19046,12 +19270,14 @@
               <a:rPr lang="zh-CN" altLang="en-US" sz="3200"/>
               <a:t>Processor：处理器</a:t>
             </a:r>
+            <a:endParaRPr lang="zh-CN" altLang="en-US" sz="3200"/>
           </a:p>
           <a:p>
             <a:r>
               <a:rPr lang="zh-CN" altLang="en-US" sz="3200"/>
               <a:t>可以执行程序的硬件</a:t>
             </a:r>
+            <a:endParaRPr lang="zh-CN" altLang="en-US" sz="3200"/>
           </a:p>
           <a:p>
             <a:r>
@@ -19064,7 +19290,7 @@
       </p:sp>
     </p:spTree>
     <p:custDataLst>
-      <p:tags r:id="rId2"/>
+      <p:tags r:id="rId7"/>
     </p:custDataLst>
   </p:cSld>
   <p:clrMapOvr>
@@ -19398,6 +19624,9 @@
               </a:rPr>
               <a:t>系统部署图</a:t>
             </a:r>
+            <a:endParaRPr lang="zh-CN" altLang="zh-CN" sz="4400">
+              <a:latin typeface="+mj-ea"/>
+            </a:endParaRPr>
           </a:p>
         </p:txBody>
       </p:sp>
@@ -19415,12 +19644,12 @@
           <a:graphicData uri="http://schemas.openxmlformats.org/presentationml/2006/ole">
             <mc:AlternateContent xmlns:mc="http://schemas.openxmlformats.org/markup-compatibility/2006">
               <mc:Choice xmlns:v="urn:schemas-microsoft-com:vml" Requires="v">
-                <p:oleObj spid="_x0000_s13314" r:id="rId4" imgW="11132820" imgH="4579620" progId="Paint.Picture">
+                <p:oleObj spid="_x0000_s13314" name="" r:id="rId1" imgW="11132820" imgH="4579620" progId="Paint.Picture">
                   <p:embed/>
                 </p:oleObj>
               </mc:Choice>
               <mc:Fallback>
-                <p:oleObj r:id="rId4" imgW="11132820" imgH="4579620" progId="Paint.Picture">
+                <p:oleObj name="" r:id="rId1" imgW="11132820" imgH="4579620" progId="Paint.Picture">
                   <p:embed/>
                   <p:pic>
                     <p:nvPicPr>
@@ -19429,7 +19658,7 @@
                       <p:nvPr/>
                     </p:nvPicPr>
                     <p:blipFill>
-                      <a:blip r:embed="rId5"/>
+                      <a:blip r:embed="rId2"/>
                       <a:stretch>
                         <a:fillRect/>
                       </a:stretch>
@@ -19452,7 +19681,7 @@
       </p:graphicFrame>
     </p:spTree>
     <p:custDataLst>
-      <p:tags r:id="rId2"/>
+      <p:tags r:id="rId3"/>
     </p:custDataLst>
   </p:cSld>
   <p:clrMapOvr>
@@ -19580,6 +19809,7 @@
               <a:rPr lang="zh-CN" altLang="en-US" sz="4400"/>
               <a:t>软件工程系列课程教学辅助网站部署图</a:t>
             </a:r>
+            <a:endParaRPr lang="zh-CN" altLang="en-US" sz="4400"/>
           </a:p>
         </p:txBody>
       </p:sp>
@@ -19594,7 +19824,7 @@
           </p:nvPr>
         </p:nvPicPr>
         <p:blipFill>
-          <a:blip r:embed="rId3"/>
+          <a:blip r:embed="rId1"/>
           <a:srcRect l="664" t="1399" r="6573" b="27660"/>
           <a:stretch>
             <a:fillRect/>
@@ -19612,7 +19842,7 @@
       </p:pic>
     </p:spTree>
     <p:custDataLst>
-      <p:tags r:id="rId1"/>
+      <p:tags r:id="rId2"/>
     </p:custDataLst>
   </p:cSld>
   <p:clrMapOvr>
@@ -19647,7 +19877,7 @@
           <p:nvPr>
             <p:ph type="title"/>
             <p:custDataLst>
-              <p:tags r:id="rId2"/>
+              <p:tags r:id="rId1"/>
             </p:custDataLst>
           </p:nvPr>
         </p:nvSpPr>
@@ -19668,6 +19898,7 @@
               <a:rPr lang="zh-CN" altLang="en-US" dirty="0"/>
               <a:t>参考文献</a:t>
             </a:r>
+            <a:endParaRPr lang="zh-CN" altLang="en-US" dirty="0"/>
           </a:p>
         </p:txBody>
       </p:sp>
@@ -19677,7 +19908,7 @@
           <p:cNvSpPr txBox="1"/>
           <p:nvPr>
             <p:custDataLst>
-              <p:tags r:id="rId3"/>
+              <p:tags r:id="rId2"/>
             </p:custDataLst>
           </p:nvPr>
         </p:nvSpPr>
@@ -19710,12 +19941,17 @@
               </a:rPr>
               <a:t>Chapter7</a:t>
             </a:r>
+            <a:endParaRPr lang="en-US" altLang="zh-CN" sz="41040" b="1" dirty="0">
+              <a:solidFill>
+                <a:schemeClr val="accent1"/>
+              </a:solidFill>
+            </a:endParaRPr>
           </a:p>
         </p:txBody>
       </p:sp>
     </p:spTree>
     <p:custDataLst>
-      <p:tags r:id="rId1"/>
+      <p:tags r:id="rId3"/>
     </p:custDataLst>
   </p:cSld>
   <p:clrMapOvr>
@@ -19757,7 +19993,7 @@
           <p:nvPr>
             <p:ph type="title"/>
             <p:custDataLst>
-              <p:tags r:id="rId2"/>
+              <p:tags r:id="rId1"/>
             </p:custDataLst>
           </p:nvPr>
         </p:nvSpPr>
@@ -19776,6 +20012,7 @@
               <a:rPr lang="en-US" altLang="zh-CN" dirty="0"/>
               <a:t>USE CASE DIAGRAM</a:t>
             </a:r>
+            <a:endParaRPr lang="en-US" altLang="zh-CN" dirty="0"/>
           </a:p>
         </p:txBody>
       </p:sp>
@@ -19785,7 +20022,7 @@
           <p:cNvSpPr txBox="1"/>
           <p:nvPr>
             <p:custDataLst>
-              <p:tags r:id="rId3"/>
+              <p:tags r:id="rId2"/>
             </p:custDataLst>
           </p:nvPr>
         </p:nvSpPr>
@@ -19818,12 +20055,17 @@
               </a:rPr>
               <a:t>chapter1</a:t>
             </a:r>
+            <a:endParaRPr lang="zh-CN" altLang="en-US" sz="41040" b="1" dirty="0">
+              <a:solidFill>
+                <a:schemeClr val="accent1"/>
+              </a:solidFill>
+            </a:endParaRPr>
           </a:p>
         </p:txBody>
       </p:sp>
     </p:spTree>
     <p:custDataLst>
-      <p:tags r:id="rId1"/>
+      <p:tags r:id="rId3"/>
     </p:custDataLst>
   </p:cSld>
   <p:clrMapOvr>
@@ -19877,6 +20119,9 @@
               </a:rPr>
               <a:t>参考文献</a:t>
             </a:r>
+            <a:endParaRPr lang="zh-CN" altLang="zh-CN" sz="4400">
+              <a:latin typeface="+mj-ea"/>
+            </a:endParaRPr>
           </a:p>
         </p:txBody>
       </p:sp>
@@ -19913,6 +20158,13 @@
               </a:rPr>
               <a:t>《UML2基础、建模与设计教程》</a:t>
             </a:r>
+            <a:endParaRPr lang="zh-CN" altLang="en-US" sz="3200" dirty="0">
+              <a:solidFill>
+                <a:schemeClr val="tx1"/>
+              </a:solidFill>
+              <a:latin typeface="+mn-ea"/>
+              <a:sym typeface="+mn-ea"/>
+            </a:endParaRPr>
           </a:p>
           <a:p>
             <a:pPr algn="l"/>
@@ -19966,6 +20218,13 @@
               </a:rPr>
               <a:t>》</a:t>
             </a:r>
+            <a:endParaRPr lang="zh-CN" altLang="en-US" sz="3200" dirty="0">
+              <a:solidFill>
+                <a:schemeClr val="tx1"/>
+              </a:solidFill>
+              <a:latin typeface="+mn-ea"/>
+              <a:sym typeface="+mn-ea"/>
+            </a:endParaRPr>
           </a:p>
           <a:p>
             <a:pPr algn="l"/>
@@ -20019,6 +20278,13 @@
               </a:rPr>
               <a:t>图详解</a:t>
             </a:r>
+            <a:endParaRPr lang="zh-CN" altLang="en-US" sz="3200" dirty="0">
+              <a:solidFill>
+                <a:schemeClr val="tx1"/>
+              </a:solidFill>
+              <a:latin typeface="+mn-ea"/>
+              <a:sym typeface="+mn-ea"/>
+            </a:endParaRPr>
           </a:p>
           <a:p>
             <a:pPr algn="l"/>
@@ -20062,6 +20328,13 @@
               </a:rPr>
               <a:t>协作图</a:t>
             </a:r>
+            <a:endParaRPr lang="zh-CN" altLang="en-US" sz="3200" dirty="0">
+              <a:solidFill>
+                <a:schemeClr val="tx1"/>
+              </a:solidFill>
+              <a:latin typeface="+mn-ea"/>
+              <a:sym typeface="+mn-ea"/>
+            </a:endParaRPr>
           </a:p>
         </p:txBody>
       </p:sp>
@@ -20109,7 +20382,7 @@
           <p:nvPr>
             <p:ph type="title"/>
             <p:custDataLst>
-              <p:tags r:id="rId2"/>
+              <p:tags r:id="rId1"/>
             </p:custDataLst>
           </p:nvPr>
         </p:nvSpPr>
@@ -20140,7 +20413,7 @@
           <p:cNvSpPr txBox="1"/>
           <p:nvPr>
             <p:custDataLst>
-              <p:tags r:id="rId3"/>
+              <p:tags r:id="rId2"/>
             </p:custDataLst>
           </p:nvPr>
         </p:nvSpPr>
@@ -20173,12 +20446,17 @@
               </a:rPr>
               <a:t>Chapter8</a:t>
             </a:r>
+            <a:endParaRPr lang="en-US" altLang="zh-CN" sz="41040" b="1" dirty="0">
+              <a:solidFill>
+                <a:schemeClr val="accent1"/>
+              </a:solidFill>
+            </a:endParaRPr>
           </a:p>
         </p:txBody>
       </p:sp>
     </p:spTree>
     <p:custDataLst>
-      <p:tags r:id="rId1"/>
+      <p:tags r:id="rId3"/>
     </p:custDataLst>
   </p:cSld>
   <p:clrMapOvr>
@@ -20217,7 +20495,7 @@
           <p:cNvSpPr txBox="1"/>
           <p:nvPr>
             <p:custDataLst>
-              <p:tags r:id="rId2"/>
+              <p:tags r:id="rId1"/>
             </p:custDataLst>
           </p:nvPr>
         </p:nvSpPr>
@@ -20259,6 +20537,7 @@
               <a:rPr lang="zh-CN" altLang="zh-CN" sz="4400" dirty="0"/>
               <a:t>小组分工</a:t>
             </a:r>
+            <a:endParaRPr lang="zh-CN" altLang="zh-CN" sz="4400" dirty="0"/>
           </a:p>
         </p:txBody>
       </p:sp>
@@ -20270,12 +20549,12 @@
           </p:cNvPicPr>
           <p:nvPr>
             <p:custDataLst>
-              <p:tags r:id="rId3"/>
+              <p:tags r:id="rId2"/>
             </p:custDataLst>
           </p:nvPr>
         </p:nvPicPr>
         <p:blipFill>
-          <a:blip r:embed="rId6">
+          <a:blip r:embed="rId3">
             <a:extLst>
               <a:ext uri="{28A0092B-C50C-407E-A947-70E740481C1C}">
                 <a14:useLocalDpi xmlns:a14="http://schemas.microsoft.com/office/drawing/2010/main" val="0"/>
@@ -20457,6 +20736,13 @@
               </a:rPr>
               <a:t>8.5</a:t>
             </a:r>
+            <a:endParaRPr lang="en-US" altLang="zh-CN" sz="3200" dirty="0" smtClean="0">
+              <a:solidFill>
+                <a:schemeClr val="tx1"/>
+              </a:solidFill>
+              <a:latin typeface="+mn-ea"/>
+              <a:sym typeface="+mn-ea"/>
+            </a:endParaRPr>
           </a:p>
           <a:p>
             <a:pPr algn="l"/>
@@ -20492,7 +20778,7 @@
       </p:sp>
     </p:spTree>
     <p:custDataLst>
-      <p:tags r:id="rId1"/>
+      <p:tags r:id="rId4"/>
     </p:custDataLst>
   </p:cSld>
   <p:clrMapOvr>
@@ -20526,7 +20812,7 @@
           </p:cNvSpPr>
           <p:nvPr>
             <p:custDataLst>
-              <p:tags r:id="rId2"/>
+              <p:tags r:id="rId1"/>
             </p:custDataLst>
           </p:nvPr>
         </p:nvSpPr>
@@ -20744,6 +21030,13 @@
               </a:rPr>
               <a:t>感</a:t>
             </a:r>
+            <a:endParaRPr lang="zh-CN" altLang="en-US" sz="4400">
+              <a:solidFill>
+                <a:srgbClr val="FFFFFF"/>
+              </a:solidFill>
+              <a:latin typeface="Arial" panose="020B0604020202020204" pitchFamily="34" charset="0"/>
+              <a:ea typeface="黑体" panose="02010609060101010101" pitchFamily="49" charset="-122"/>
+            </a:endParaRPr>
           </a:p>
         </p:txBody>
       </p:sp>
@@ -20755,7 +21048,7 @@
           </p:cNvSpPr>
           <p:nvPr>
             <p:custDataLst>
-              <p:tags r:id="rId3"/>
+              <p:tags r:id="rId2"/>
             </p:custDataLst>
           </p:nvPr>
         </p:nvSpPr>
@@ -20973,6 +21266,13 @@
               </a:rPr>
               <a:t>谢</a:t>
             </a:r>
+            <a:endParaRPr lang="zh-CN" altLang="en-US" sz="4400">
+              <a:solidFill>
+                <a:srgbClr val="FFFFFF"/>
+              </a:solidFill>
+              <a:latin typeface="Arial" panose="020B0604020202020204" pitchFamily="34" charset="0"/>
+              <a:ea typeface="黑体" panose="02010609060101010101" pitchFamily="49" charset="-122"/>
+            </a:endParaRPr>
           </a:p>
         </p:txBody>
       </p:sp>
@@ -20984,7 +21284,7 @@
           </p:cNvSpPr>
           <p:nvPr>
             <p:custDataLst>
-              <p:tags r:id="rId4"/>
+              <p:tags r:id="rId3"/>
             </p:custDataLst>
           </p:nvPr>
         </p:nvSpPr>
@@ -21202,6 +21502,13 @@
               </a:rPr>
               <a:t>聆</a:t>
             </a:r>
+            <a:endParaRPr lang="zh-CN" altLang="en-US" sz="4400" dirty="0">
+              <a:solidFill>
+                <a:srgbClr val="FFFFFF"/>
+              </a:solidFill>
+              <a:latin typeface="Arial" panose="020B0604020202020204" pitchFamily="34" charset="0"/>
+              <a:ea typeface="黑体" panose="02010609060101010101" pitchFamily="49" charset="-122"/>
+            </a:endParaRPr>
           </a:p>
         </p:txBody>
       </p:sp>
@@ -21213,7 +21520,7 @@
           </p:cNvSpPr>
           <p:nvPr>
             <p:custDataLst>
-              <p:tags r:id="rId5"/>
+              <p:tags r:id="rId4"/>
             </p:custDataLst>
           </p:nvPr>
         </p:nvSpPr>
@@ -21431,6 +21738,13 @@
               </a:rPr>
               <a:t>听</a:t>
             </a:r>
+            <a:endParaRPr lang="zh-CN" altLang="en-US" sz="4400">
+              <a:solidFill>
+                <a:srgbClr val="FFFFFF"/>
+              </a:solidFill>
+              <a:latin typeface="Arial" panose="020B0604020202020204" pitchFamily="34" charset="0"/>
+              <a:ea typeface="黑体" panose="02010609060101010101" pitchFamily="49" charset="-122"/>
+            </a:endParaRPr>
           </a:p>
         </p:txBody>
       </p:sp>
@@ -21442,7 +21756,7 @@
           </p:cNvSpPr>
           <p:nvPr>
             <p:custDataLst>
-              <p:tags r:id="rId6"/>
+              <p:tags r:id="rId5"/>
             </p:custDataLst>
           </p:nvPr>
         </p:nvSpPr>
@@ -21674,7 +21988,7 @@
       </p:sp>
     </p:spTree>
     <p:custDataLst>
-      <p:tags r:id="rId1"/>
+      <p:tags r:id="rId6"/>
     </p:custDataLst>
   </p:cSld>
   <p:clrMapOvr>
@@ -21719,6 +22033,7 @@
               <a:rPr lang="zh-CN" altLang="en-US" sz="4400"/>
               <a:t>用例图的概述</a:t>
             </a:r>
+            <a:endParaRPr lang="zh-CN" altLang="en-US" sz="4400"/>
           </a:p>
         </p:txBody>
       </p:sp>
@@ -21761,6 +22076,11 @@
               </a:rPr>
               <a:t>是显示一组用例、参与者以及它们之间关系的一种图。</a:t>
             </a:r>
+            <a:endParaRPr lang="zh-CN" altLang="en-US" sz="3200" dirty="0">
+              <a:solidFill>
+                <a:schemeClr val="tx1"/>
+              </a:solidFill>
+            </a:endParaRPr>
           </a:p>
           <a:p>
             <a:endParaRPr lang="zh-CN" altLang="en-US" sz="3200" dirty="0">
@@ -21778,6 +22098,11 @@
               </a:rPr>
               <a:t>用例图在UML中是非常特别的图形元素，描述了用户希望如何使用一个系统。</a:t>
             </a:r>
+            <a:endParaRPr lang="zh-CN" altLang="en-US" sz="3200" dirty="0">
+              <a:solidFill>
+                <a:schemeClr val="tx1"/>
+              </a:solidFill>
+            </a:endParaRPr>
           </a:p>
         </p:txBody>
       </p:sp>
@@ -21988,6 +22313,7 @@
               <a:rPr lang="zh-CN" altLang="en-US" sz="4400"/>
               <a:t>作用</a:t>
             </a:r>
+            <a:endParaRPr lang="zh-CN" altLang="en-US" sz="4400"/>
           </a:p>
         </p:txBody>
       </p:sp>
@@ -22019,6 +22345,11 @@
               </a:rPr>
               <a:t>（1）用来描述将要开发系统的功能需求和系统的使用场景</a:t>
             </a:r>
+            <a:endParaRPr lang="zh-CN" altLang="en-US" sz="3200" dirty="0">
+              <a:solidFill>
+                <a:schemeClr val="tx1"/>
+              </a:solidFill>
+            </a:endParaRPr>
           </a:p>
           <a:p>
             <a:endParaRPr lang="zh-CN" altLang="en-US" sz="3200" dirty="0">
@@ -22036,6 +22367,11 @@
               </a:rPr>
               <a:t>（2）作为设计和开发过程的基础，促进各阶段开发工作的进展</a:t>
             </a:r>
+            <a:endParaRPr lang="zh-CN" altLang="en-US" sz="3200" dirty="0">
+              <a:solidFill>
+                <a:schemeClr val="tx1"/>
+              </a:solidFill>
+            </a:endParaRPr>
           </a:p>
           <a:p>
             <a:endParaRPr lang="zh-CN" altLang="en-US" sz="3200" dirty="0">
@@ -22053,6 +22389,11 @@
               </a:rPr>
               <a:t>（3）用于验证与确认系统需求</a:t>
             </a:r>
+            <a:endParaRPr lang="zh-CN" altLang="en-US" sz="3200" dirty="0">
+              <a:solidFill>
+                <a:schemeClr val="tx1"/>
+              </a:solidFill>
+            </a:endParaRPr>
           </a:p>
         </p:txBody>
       </p:sp>
@@ -22303,7 +22644,7 @@
           <p:cNvSpPr txBox="1"/>
           <p:nvPr>
             <p:custDataLst>
-              <p:tags r:id="rId3"/>
+              <p:tags r:id="rId1"/>
             </p:custDataLst>
           </p:nvPr>
         </p:nvSpPr>
@@ -22345,6 +22686,7 @@
               <a:rPr lang="zh-CN" altLang="en-US" sz="4400" dirty="0"/>
               <a:t>用例图的创建和名词介绍</a:t>
             </a:r>
+            <a:endParaRPr lang="zh-CN" altLang="en-US" sz="4400" dirty="0"/>
           </a:p>
         </p:txBody>
       </p:sp>
@@ -22357,7 +22699,7 @@
           <p:nvPr/>
         </p:nvPicPr>
         <p:blipFill>
-          <a:blip r:embed="rId6"/>
+          <a:blip r:embed="rId2"/>
           <a:srcRect r="52164" b="37985"/>
           <a:stretch>
             <a:fillRect/>
@@ -22387,12 +22729,12 @@
           <a:graphicData uri="http://schemas.openxmlformats.org/presentationml/2006/ole">
             <mc:AlternateContent xmlns:mc="http://schemas.openxmlformats.org/markup-compatibility/2006">
               <mc:Choice xmlns:v="urn:schemas-microsoft-com:vml" Requires="v">
-                <p:oleObj spid="_x0000_s1027" r:id="rId7" imgW="1013460" imgH="693420" progId="Paint.Picture">
+                <p:oleObj spid="_x0000_s1027" name="" r:id="rId3" imgW="1013460" imgH="693420" progId="Paint.Picture">
                   <p:embed/>
                 </p:oleObj>
               </mc:Choice>
               <mc:Fallback>
-                <p:oleObj r:id="rId7" imgW="1013460" imgH="693420" progId="Paint.Picture">
+                <p:oleObj name="" r:id="rId3" imgW="1013460" imgH="693420" progId="Paint.Picture">
                   <p:embed/>
                   <p:pic>
                     <p:nvPicPr>
@@ -22401,7 +22743,7 @@
                       <p:nvPr/>
                     </p:nvPicPr>
                     <p:blipFill>
-                      <a:blip r:embed="rId8"/>
+                      <a:blip r:embed="rId4"/>
                       <a:stretch>
                         <a:fillRect/>
                       </a:stretch>
@@ -22448,6 +22790,7 @@
               <a:rPr lang="zh-CN" altLang="en-US" sz="2400"/>
               <a:t>用例：代表系统提供的服务</a:t>
             </a:r>
+            <a:endParaRPr lang="zh-CN" altLang="en-US" sz="2400"/>
           </a:p>
         </p:txBody>
       </p:sp>
@@ -22465,12 +22808,12 @@
           <a:graphicData uri="http://schemas.openxmlformats.org/presentationml/2006/ole">
             <mc:AlternateContent xmlns:mc="http://schemas.openxmlformats.org/markup-compatibility/2006">
               <mc:Choice xmlns:v="urn:schemas-microsoft-com:vml" Requires="v">
-                <p:oleObj spid="_x0000_s1028" r:id="rId9" imgW="883920" imgH="853440" progId="Paint.Picture">
+                <p:oleObj spid="_x0000_s1028" name="" r:id="rId5" imgW="883920" imgH="853440" progId="Paint.Picture">
                   <p:embed/>
                 </p:oleObj>
               </mc:Choice>
               <mc:Fallback>
-                <p:oleObj r:id="rId9" imgW="883920" imgH="853440" progId="Paint.Picture">
+                <p:oleObj name="" r:id="rId5" imgW="883920" imgH="853440" progId="Paint.Picture">
                   <p:embed/>
                   <p:pic>
                     <p:nvPicPr>
@@ -22479,7 +22822,7 @@
                       <p:nvPr/>
                     </p:nvPicPr>
                     <p:blipFill>
-                      <a:blip r:embed="rId10"/>
+                      <a:blip r:embed="rId6"/>
                       <a:stretch>
                         <a:fillRect/>
                       </a:stretch>
@@ -22530,6 +22873,7 @@
               <a:rPr lang="zh-CN" altLang="en-US" sz="2400"/>
               <a:t>参与者：角色，代表系统的用户</a:t>
             </a:r>
+            <a:endParaRPr lang="zh-CN" altLang="en-US" sz="2400"/>
           </a:p>
         </p:txBody>
       </p:sp>
@@ -22563,6 +22907,7 @@
               <a:rPr lang="zh-CN" altLang="zh-CN" sz="2400"/>
               <a:t>单向关联：</a:t>
             </a:r>
+            <a:endParaRPr lang="zh-CN" altLang="zh-CN" sz="2400"/>
           </a:p>
           <a:p>
             <a:r>
@@ -22584,12 +22929,14 @@
               <a:rPr lang="zh-CN" altLang="en-US" sz="2400"/>
               <a:t>依赖或实例化：</a:t>
             </a:r>
+            <a:endParaRPr lang="zh-CN" altLang="en-US" sz="2400"/>
           </a:p>
           <a:p>
             <a:r>
               <a:rPr lang="zh-CN" altLang="en-US" sz="2400"/>
               <a:t>包含关系与扩展关系</a:t>
             </a:r>
+            <a:endParaRPr lang="zh-CN" altLang="en-US" sz="2400"/>
           </a:p>
           <a:p>
             <a:r>
@@ -22600,24 +22947,27 @@
               <a:rPr lang="zh-CN" altLang="en-US" sz="2400"/>
               <a:t>泛化：</a:t>
             </a:r>
+            <a:endParaRPr lang="zh-CN" altLang="en-US" sz="2400"/>
           </a:p>
           <a:p>
             <a:r>
               <a:rPr lang="zh-CN" altLang="en-US" sz="2400"/>
               <a:t>一般与特殊的关系</a:t>
             </a:r>
+            <a:endParaRPr lang="zh-CN" altLang="en-US" sz="2400"/>
           </a:p>
           <a:p>
             <a:r>
               <a:rPr lang="zh-CN" altLang="en-US" sz="2400"/>
               <a:t>子用例是父用例的一种特殊形式</a:t>
             </a:r>
+            <a:endParaRPr lang="zh-CN" altLang="en-US" sz="2400"/>
           </a:p>
         </p:txBody>
       </p:sp>
     </p:spTree>
     <p:custDataLst>
-      <p:tags r:id="rId2"/>
+      <p:tags r:id="rId7"/>
     </p:custDataLst>
   </p:cSld>
   <p:clrMapOvr>
@@ -22979,6 +23329,7 @@
               <a:rPr lang="zh-CN" altLang="en-US" sz="4400"/>
               <a:t>问题一：如何确定系统的参与者？</a:t>
             </a:r>
+            <a:endParaRPr lang="zh-CN" altLang="en-US" sz="4400"/>
           </a:p>
         </p:txBody>
       </p:sp>
@@ -23019,6 +23370,11 @@
               </a:rPr>
               <a:t>可以根据下面的一些问题来寻找系统的参与者：①谁使用系统？②谁安装系统、维护系统？③谁启动系统、关闭系统？④谁从系统中获取信息，谁提供信息给系统？⑤在系统交互中，谁扮演了什么角色？⑥系统会与哪些其他系统相关联？</a:t>
             </a:r>
+            <a:endParaRPr lang="zh-CN" altLang="en-US" sz="3200" dirty="0">
+              <a:solidFill>
+                <a:schemeClr val="tx1"/>
+              </a:solidFill>
+            </a:endParaRPr>
           </a:p>
         </p:txBody>
       </p:sp>
@@ -23203,7 +23559,7 @@
           <p:cNvSpPr txBox="1"/>
           <p:nvPr>
             <p:custDataLst>
-              <p:tags r:id="rId2"/>
+              <p:tags r:id="rId1"/>
             </p:custDataLst>
           </p:nvPr>
         </p:nvSpPr>
@@ -23245,6 +23601,7 @@
               <a:rPr lang="zh-CN" altLang="en-US" sz="4400" dirty="0"/>
               <a:t>图书管理系统的整体用例图</a:t>
             </a:r>
+            <a:endParaRPr lang="zh-CN" altLang="en-US" sz="4400" dirty="0"/>
           </a:p>
         </p:txBody>
       </p:sp>
@@ -23257,7 +23614,7 @@
           <p:nvPr/>
         </p:nvPicPr>
         <p:blipFill>
-          <a:blip r:embed="rId5"/>
+          <a:blip r:embed="rId2"/>
           <a:srcRect r="26522" b="32298"/>
           <a:stretch>
             <a:fillRect/>
@@ -23275,7 +23632,7 @@
       </p:pic>
     </p:spTree>
     <p:custDataLst>
-      <p:tags r:id="rId1"/>
+      <p:tags r:id="rId3"/>
     </p:custDataLst>
   </p:cSld>
   <p:clrMapOvr>
@@ -23368,35 +23725,34 @@
 </file>
 
 <file path=ppt/tags/tag1.xml><?xml version="1.0" encoding="utf-8"?>
-<p:tagLst xmlns:a="http://schemas.openxmlformats.org/drawingml/2006/main" xmlns:r="http://schemas.openxmlformats.org/officeDocument/2006/relationships" xmlns:p="http://schemas.openxmlformats.org/presentationml/2006/main">
-  <p:tag name="KSO_WM_TAG_VERSION" val="1.0"/>
-  <p:tag name="KSO_WM_TEMPLATE_CATEGORY" val="custom"/>
-  <p:tag name="KSO_WM_TEMPLATE_INDEX" val="160564"/>
+<p:tagLst xmlns:p="http://schemas.openxmlformats.org/presentationml/2006/main">
+  <p:tag name="MH" val="20150923145622"/>
+  <p:tag name="MH_LIBRARY" val="GRAPHIC"/>
+  <p:tag name="MH_ORDER" val="Freeform 9"/>
 </p:tagLst>
 </file>
 
 <file path=ppt/tags/tag10.xml><?xml version="1.0" encoding="utf-8"?>
-<p:tagLst xmlns:a="http://schemas.openxmlformats.org/drawingml/2006/main" xmlns:r="http://schemas.openxmlformats.org/officeDocument/2006/relationships" xmlns:p="http://schemas.openxmlformats.org/presentationml/2006/main">
+<p:tagLst xmlns:p="http://schemas.openxmlformats.org/presentationml/2006/main">
   <p:tag name="KSO_WM_TAG_VERSION" val="1.0"/>
   <p:tag name="KSO_WM_BEAUTIFY_FLAG" val="#wm#"/>
   <p:tag name="KSO_WM_TEMPLATE_CATEGORY" val="custom"/>
   <p:tag name="KSO_WM_TEMPLATE_INDEX" val="160564"/>
-  <p:tag name="KSO_WM_UNIT_TYPE" val="a"/>
+  <p:tag name="KSO_WM_UNIT_TYPE" val="f"/>
   <p:tag name="KSO_WM_UNIT_INDEX" val="1"/>
-  <p:tag name="KSO_WM_UNIT_ID" val="custom160564_5*a*1"/>
+  <p:tag name="KSO_WM_UNIT_ID" val="custom160564_5*f*1"/>
   <p:tag name="KSO_WM_UNIT_CLEAR" val="1"/>
   <p:tag name="KSO_WM_UNIT_LAYERLEVEL" val="1"/>
-  <p:tag name="KSO_WM_UNIT_VALUE" val="21"/>
-  <p:tag name="KSO_WM_UNIT_ISCONTENTSTITLE" val="0"/>
+  <p:tag name="KSO_WM_UNIT_VALUE" val="76"/>
   <p:tag name="KSO_WM_UNIT_HIGHLIGHT" val="0"/>
   <p:tag name="KSO_WM_UNIT_COMPATIBLE" val="0"/>
-  <p:tag name="KSO_WM_UNIT_PRESET_TEXT_INDEX" val="3"/>
-  <p:tag name="KSO_WM_UNIT_PRESET_TEXT_LEN" val="17"/>
+  <p:tag name="KSO_WM_UNIT_PRESET_TEXT_INDEX" val="4"/>
+  <p:tag name="KSO_WM_UNIT_PRESET_TEXT_LEN" val="57"/>
 </p:tagLst>
 </file>
 
 <file path=ppt/tags/tag100.xml><?xml version="1.0" encoding="utf-8"?>
-<p:tagLst xmlns:a="http://schemas.openxmlformats.org/drawingml/2006/main" xmlns:r="http://schemas.openxmlformats.org/officeDocument/2006/relationships" xmlns:p="http://schemas.openxmlformats.org/presentationml/2006/main">
+<p:tagLst xmlns:p="http://schemas.openxmlformats.org/presentationml/2006/main">
   <p:tag name="KSO_WM_BEAUTIFY_FLAG" val="#wm#"/>
   <p:tag name="KSO_WM_TEMPLATE_CATEGORY" val="custom"/>
   <p:tag name="KSO_WM_TEMPLATE_INDEX" val="160564"/>
@@ -23404,24 +23760,7 @@
 </file>
 
 <file path=ppt/tags/tag101.xml><?xml version="1.0" encoding="utf-8"?>
-<p:tagLst xmlns:a="http://schemas.openxmlformats.org/drawingml/2006/main" xmlns:r="http://schemas.openxmlformats.org/officeDocument/2006/relationships" xmlns:p="http://schemas.openxmlformats.org/presentationml/2006/main">
-  <p:tag name="MH" val="20150923145622"/>
-  <p:tag name="MH_LIBRARY" val="GRAPHIC"/>
-  <p:tag name="KSO_WM_TEMPLATE_CATEGORY" val="custom"/>
-  <p:tag name="KSO_WM_TEMPLATE_INDEX" val="160564"/>
-  <p:tag name="KSO_WM_TAG_VERSION" val="1.0"/>
-  <p:tag name="KSO_WM_SLIDE_ID" val="custom160564_12"/>
-  <p:tag name="KSO_WM_SLIDE_INDEX" val="12"/>
-  <p:tag name="KSO_WM_SLIDE_ITEM_CNT" val="1"/>
-  <p:tag name="KSO_WM_SLIDE_LAYOUT" val="a_e"/>
-  <p:tag name="KSO_WM_SLIDE_LAYOUT_CNT" val="1_1"/>
-  <p:tag name="KSO_WM_SLIDE_TYPE" val="sectionTitle"/>
-  <p:tag name="KSO_WM_BEAUTIFY_FLAG" val="#wm#"/>
-</p:tagLst>
-</file>
-
-<file path=ppt/tags/tag102.xml><?xml version="1.0" encoding="utf-8"?>
-<p:tagLst xmlns:a="http://schemas.openxmlformats.org/drawingml/2006/main" xmlns:r="http://schemas.openxmlformats.org/officeDocument/2006/relationships" xmlns:p="http://schemas.openxmlformats.org/presentationml/2006/main">
+<p:tagLst xmlns:p="http://schemas.openxmlformats.org/presentationml/2006/main">
   <p:tag name="KSO_WM_TAG_VERSION" val="1.0"/>
   <p:tag name="KSO_WM_BEAUTIFY_FLAG" val="#wm#"/>
   <p:tag name="KSO_WM_TEMPLATE_CATEGORY" val="custom"/>
@@ -23440,8 +23779,8 @@
 </p:tagLst>
 </file>
 
-<file path=ppt/tags/tag103.xml><?xml version="1.0" encoding="utf-8"?>
-<p:tagLst xmlns:a="http://schemas.openxmlformats.org/drawingml/2006/main" xmlns:r="http://schemas.openxmlformats.org/officeDocument/2006/relationships" xmlns:p="http://schemas.openxmlformats.org/presentationml/2006/main">
+<file path=ppt/tags/tag102.xml><?xml version="1.0" encoding="utf-8"?>
+<p:tagLst xmlns:p="http://schemas.openxmlformats.org/presentationml/2006/main">
   <p:tag name="KSO_WM_TAG_VERSION" val="1.0"/>
   <p:tag name="KSO_WM_BEAUTIFY_FLAG" val="#wm#"/>
   <p:tag name="KSO_WM_TEMPLATE_CATEGORY" val="custom"/>
@@ -23461,40 +23800,8 @@
 </p:tagLst>
 </file>
 
-<file path=ppt/tags/tag104.xml><?xml version="1.0" encoding="utf-8"?>
-<p:tagLst xmlns:a="http://schemas.openxmlformats.org/drawingml/2006/main" xmlns:r="http://schemas.openxmlformats.org/officeDocument/2006/relationships" xmlns:p="http://schemas.openxmlformats.org/presentationml/2006/main">
-  <p:tag name="KSO_WM_BEAUTIFY_FLAG" val="#wm#"/>
-  <p:tag name="KSO_WM_TEMPLATE_CATEGORY" val="custom"/>
-  <p:tag name="KSO_WM_TEMPLATE_INDEX" val="160564"/>
-</p:tagLst>
-</file>
-
-<file path=ppt/tags/tag105.xml><?xml version="1.0" encoding="utf-8"?>
-<p:tagLst xmlns:a="http://schemas.openxmlformats.org/drawingml/2006/main" xmlns:r="http://schemas.openxmlformats.org/officeDocument/2006/relationships" xmlns:p="http://schemas.openxmlformats.org/presentationml/2006/main">
-  <p:tag name="KSO_WM_BEAUTIFY_FLAG" val="#wm#"/>
-  <p:tag name="KSO_WM_TEMPLATE_CATEGORY" val="custom"/>
-  <p:tag name="KSO_WM_TEMPLATE_INDEX" val="160564"/>
-</p:tagLst>
-</file>
-
-<file path=ppt/tags/tag106.xml><?xml version="1.0" encoding="utf-8"?>
-<p:tagLst xmlns:a="http://schemas.openxmlformats.org/drawingml/2006/main" xmlns:r="http://schemas.openxmlformats.org/officeDocument/2006/relationships" xmlns:p="http://schemas.openxmlformats.org/presentationml/2006/main">
-  <p:tag name="KSO_WM_BEAUTIFY_FLAG" val="#wm#"/>
-  <p:tag name="KSO_WM_TEMPLATE_CATEGORY" val="custom"/>
-  <p:tag name="KSO_WM_TEMPLATE_INDEX" val="160564"/>
-</p:tagLst>
-</file>
-
-<file path=ppt/tags/tag107.xml><?xml version="1.0" encoding="utf-8"?>
-<p:tagLst xmlns:a="http://schemas.openxmlformats.org/drawingml/2006/main" xmlns:r="http://schemas.openxmlformats.org/officeDocument/2006/relationships" xmlns:p="http://schemas.openxmlformats.org/presentationml/2006/main">
-  <p:tag name="KSO_WM_BEAUTIFY_FLAG" val="#wm#"/>
-  <p:tag name="KSO_WM_TEMPLATE_CATEGORY" val="custom"/>
-  <p:tag name="KSO_WM_TEMPLATE_INDEX" val="160564"/>
-</p:tagLst>
-</file>
-
-<file path=ppt/tags/tag108.xml><?xml version="1.0" encoding="utf-8"?>
-<p:tagLst xmlns:a="http://schemas.openxmlformats.org/drawingml/2006/main" xmlns:r="http://schemas.openxmlformats.org/officeDocument/2006/relationships" xmlns:p="http://schemas.openxmlformats.org/presentationml/2006/main">
+<file path=ppt/tags/tag103.xml><?xml version="1.0" encoding="utf-8"?>
+<p:tagLst xmlns:p="http://schemas.openxmlformats.org/presentationml/2006/main">
   <p:tag name="MH" val="20150923145622"/>
   <p:tag name="MH_LIBRARY" val="GRAPHIC"/>
   <p:tag name="KSO_WM_TEMPLATE_CATEGORY" val="custom"/>
@@ -23510,8 +23817,40 @@
 </p:tagLst>
 </file>
 
-<file path=ppt/tags/tag109.xml><?xml version="1.0" encoding="utf-8"?>
-<p:tagLst xmlns:a="http://schemas.openxmlformats.org/drawingml/2006/main" xmlns:r="http://schemas.openxmlformats.org/officeDocument/2006/relationships" xmlns:p="http://schemas.openxmlformats.org/presentationml/2006/main">
+<file path=ppt/tags/tag104.xml><?xml version="1.0" encoding="utf-8"?>
+<p:tagLst xmlns:p="http://schemas.openxmlformats.org/presentationml/2006/main">
+  <p:tag name="KSO_WM_BEAUTIFY_FLAG" val="#wm#"/>
+  <p:tag name="KSO_WM_TEMPLATE_CATEGORY" val="custom"/>
+  <p:tag name="KSO_WM_TEMPLATE_INDEX" val="160564"/>
+</p:tagLst>
+</file>
+
+<file path=ppt/tags/tag105.xml><?xml version="1.0" encoding="utf-8"?>
+<p:tagLst xmlns:p="http://schemas.openxmlformats.org/presentationml/2006/main">
+  <p:tag name="KSO_WM_BEAUTIFY_FLAG" val="#wm#"/>
+  <p:tag name="KSO_WM_TEMPLATE_CATEGORY" val="custom"/>
+  <p:tag name="KSO_WM_TEMPLATE_INDEX" val="160564"/>
+</p:tagLst>
+</file>
+
+<file path=ppt/tags/tag106.xml><?xml version="1.0" encoding="utf-8"?>
+<p:tagLst xmlns:p="http://schemas.openxmlformats.org/presentationml/2006/main">
+  <p:tag name="KSO_WM_BEAUTIFY_FLAG" val="#wm#"/>
+  <p:tag name="KSO_WM_TEMPLATE_CATEGORY" val="custom"/>
+  <p:tag name="KSO_WM_TEMPLATE_INDEX" val="160564"/>
+</p:tagLst>
+</file>
+
+<file path=ppt/tags/tag107.xml><?xml version="1.0" encoding="utf-8"?>
+<p:tagLst xmlns:p="http://schemas.openxmlformats.org/presentationml/2006/main">
+  <p:tag name="KSO_WM_BEAUTIFY_FLAG" val="#wm#"/>
+  <p:tag name="KSO_WM_TEMPLATE_CATEGORY" val="custom"/>
+  <p:tag name="KSO_WM_TEMPLATE_INDEX" val="160564"/>
+</p:tagLst>
+</file>
+
+<file path=ppt/tags/tag108.xml><?xml version="1.0" encoding="utf-8"?>
+<p:tagLst xmlns:p="http://schemas.openxmlformats.org/presentationml/2006/main">
   <p:tag name="KSO_WM_TAG_VERSION" val="1.0"/>
   <p:tag name="KSO_WM_BEAUTIFY_FLAG" val="#wm#"/>
   <p:tag name="KSO_WM_TEMPLATE_CATEGORY" val="custom"/>
@@ -23530,27 +23869,8 @@
 </p:tagLst>
 </file>
 
-<file path=ppt/tags/tag11.xml><?xml version="1.0" encoding="utf-8"?>
-<p:tagLst xmlns:a="http://schemas.openxmlformats.org/drawingml/2006/main" xmlns:r="http://schemas.openxmlformats.org/officeDocument/2006/relationships" xmlns:p="http://schemas.openxmlformats.org/presentationml/2006/main">
-  <p:tag name="KSO_WM_TAG_VERSION" val="1.0"/>
-  <p:tag name="KSO_WM_BEAUTIFY_FLAG" val="#wm#"/>
-  <p:tag name="KSO_WM_TEMPLATE_CATEGORY" val="custom"/>
-  <p:tag name="KSO_WM_TEMPLATE_INDEX" val="160564"/>
-  <p:tag name="KSO_WM_UNIT_TYPE" val="f"/>
-  <p:tag name="KSO_WM_UNIT_INDEX" val="1"/>
-  <p:tag name="KSO_WM_UNIT_ID" val="custom160564_5*f*1"/>
-  <p:tag name="KSO_WM_UNIT_CLEAR" val="1"/>
-  <p:tag name="KSO_WM_UNIT_LAYERLEVEL" val="1"/>
-  <p:tag name="KSO_WM_UNIT_VALUE" val="76"/>
-  <p:tag name="KSO_WM_UNIT_HIGHLIGHT" val="0"/>
-  <p:tag name="KSO_WM_UNIT_COMPATIBLE" val="0"/>
-  <p:tag name="KSO_WM_UNIT_PRESET_TEXT_INDEX" val="4"/>
-  <p:tag name="KSO_WM_UNIT_PRESET_TEXT_LEN" val="57"/>
-</p:tagLst>
-</file>
-
-<file path=ppt/tags/tag110.xml><?xml version="1.0" encoding="utf-8"?>
-<p:tagLst xmlns:a="http://schemas.openxmlformats.org/drawingml/2006/main" xmlns:r="http://schemas.openxmlformats.org/officeDocument/2006/relationships" xmlns:p="http://schemas.openxmlformats.org/presentationml/2006/main">
+<file path=ppt/tags/tag109.xml><?xml version="1.0" encoding="utf-8"?>
+<p:tagLst xmlns:p="http://schemas.openxmlformats.org/presentationml/2006/main">
   <p:tag name="KSO_WM_TAG_VERSION" val="1.0"/>
   <p:tag name="KSO_WM_BEAUTIFY_FLAG" val="#wm#"/>
   <p:tag name="KSO_WM_TEMPLATE_CATEGORY" val="custom"/>
@@ -23570,16 +23890,25 @@
 </p:tagLst>
 </file>
 
-<file path=ppt/tags/tag111.xml><?xml version="1.0" encoding="utf-8"?>
-<p:tagLst xmlns:a="http://schemas.openxmlformats.org/drawingml/2006/main" xmlns:r="http://schemas.openxmlformats.org/officeDocument/2006/relationships" xmlns:p="http://schemas.openxmlformats.org/presentationml/2006/main">
-  <p:tag name="KSO_WM_BEAUTIFY_FLAG" val="#wm#"/>
+<file path=ppt/tags/tag11.xml><?xml version="1.0" encoding="utf-8"?>
+<p:tagLst xmlns:p="http://schemas.openxmlformats.org/presentationml/2006/main">
   <p:tag name="KSO_WM_TEMPLATE_CATEGORY" val="custom"/>
   <p:tag name="KSO_WM_TEMPLATE_INDEX" val="160564"/>
+  <p:tag name="KSO_WM_TAG_VERSION" val="1.0"/>
+  <p:tag name="KSO_WM_SLIDE_ID" val="custom160564_5"/>
+  <p:tag name="KSO_WM_SLIDE_INDEX" val="5"/>
+  <p:tag name="KSO_WM_SLIDE_ITEM_CNT" val="2"/>
+  <p:tag name="KSO_WM_SLIDE_LAYOUT" val="a_d_f"/>
+  <p:tag name="KSO_WM_SLIDE_LAYOUT_CNT" val="1_1_1"/>
+  <p:tag name="KSO_WM_SLIDE_TYPE" val="text"/>
+  <p:tag name="KSO_WM_BEAUTIFY_FLAG" val="#wm#"/>
+  <p:tag name="KSO_WM_SLIDE_POSITION" val="122*101"/>
+  <p:tag name="KSO_WM_SLIDE_SIZE" val="715*419"/>
 </p:tagLst>
 </file>
 
-<file path=ppt/tags/tag112.xml><?xml version="1.0" encoding="utf-8"?>
-<p:tagLst xmlns:a="http://schemas.openxmlformats.org/drawingml/2006/main" xmlns:r="http://schemas.openxmlformats.org/officeDocument/2006/relationships" xmlns:p="http://schemas.openxmlformats.org/presentationml/2006/main">
+<file path=ppt/tags/tag110.xml><?xml version="1.0" encoding="utf-8"?>
+<p:tagLst xmlns:p="http://schemas.openxmlformats.org/presentationml/2006/main">
   <p:tag name="MH" val="20150923145622"/>
   <p:tag name="MH_LIBRARY" val="GRAPHIC"/>
   <p:tag name="KSO_WM_TEMPLATE_CATEGORY" val="custom"/>
@@ -23595,8 +23924,16 @@
 </p:tagLst>
 </file>
 
-<file path=ppt/tags/tag113.xml><?xml version="1.0" encoding="utf-8"?>
-<p:tagLst xmlns:a="http://schemas.openxmlformats.org/drawingml/2006/main" xmlns:r="http://schemas.openxmlformats.org/officeDocument/2006/relationships" xmlns:p="http://schemas.openxmlformats.org/presentationml/2006/main">
+<file path=ppt/tags/tag111.xml><?xml version="1.0" encoding="utf-8"?>
+<p:tagLst xmlns:p="http://schemas.openxmlformats.org/presentationml/2006/main">
+  <p:tag name="KSO_WM_BEAUTIFY_FLAG" val="#wm#"/>
+  <p:tag name="KSO_WM_TEMPLATE_CATEGORY" val="custom"/>
+  <p:tag name="KSO_WM_TEMPLATE_INDEX" val="160564"/>
+</p:tagLst>
+</file>
+
+<file path=ppt/tags/tag112.xml><?xml version="1.0" encoding="utf-8"?>
+<p:tagLst xmlns:p="http://schemas.openxmlformats.org/presentationml/2006/main">
   <p:tag name="KSO_WM_TAG_VERSION" val="1.0"/>
   <p:tag name="KSO_WM_BEAUTIFY_FLAG" val="#wm#"/>
   <p:tag name="KSO_WM_TEMPLATE_CATEGORY" val="custom"/>
@@ -23615,8 +23952,8 @@
 </p:tagLst>
 </file>
 
-<file path=ppt/tags/tag114.xml><?xml version="1.0" encoding="utf-8"?>
-<p:tagLst xmlns:a="http://schemas.openxmlformats.org/drawingml/2006/main" xmlns:r="http://schemas.openxmlformats.org/officeDocument/2006/relationships" xmlns:p="http://schemas.openxmlformats.org/presentationml/2006/main">
+<file path=ppt/tags/tag113.xml><?xml version="1.0" encoding="utf-8"?>
+<p:tagLst xmlns:p="http://schemas.openxmlformats.org/presentationml/2006/main">
   <p:tag name="KSO_WM_TAG_VERSION" val="1.0"/>
   <p:tag name="KSO_WM_BEAUTIFY_FLAG" val="#wm#"/>
   <p:tag name="KSO_WM_TEMPLATE_CATEGORY" val="custom"/>
@@ -23636,31 +23973,25 @@
 </p:tagLst>
 </file>
 
-<file path=ppt/tags/tag115.xml><?xml version="1.0" encoding="utf-8"?>
-<p:tagLst xmlns:a="http://schemas.openxmlformats.org/drawingml/2006/main" xmlns:r="http://schemas.openxmlformats.org/officeDocument/2006/relationships" xmlns:p="http://schemas.openxmlformats.org/presentationml/2006/main">
-  <p:tag name="MH_TYPE" val="#NeiR#"/>
-  <p:tag name="MH_NUMBER" val="1"/>
-  <p:tag name="MH_CATEGORY" val="#TuWHP#"/>
-  <p:tag name="MH_LAYOUT" val="SubTitle"/>
-  <p:tag name="MH" val="20150923151412"/>
+<file path=ppt/tags/tag114.xml><?xml version="1.0" encoding="utf-8"?>
+<p:tagLst xmlns:p="http://schemas.openxmlformats.org/presentationml/2006/main">
+  <p:tag name="MH" val="20150923145622"/>
   <p:tag name="MH_LIBRARY" val="GRAPHIC"/>
   <p:tag name="KSO_WM_TEMPLATE_CATEGORY" val="custom"/>
   <p:tag name="KSO_WM_TEMPLATE_INDEX" val="160564"/>
   <p:tag name="KSO_WM_TAG_VERSION" val="1.0"/>
-  <p:tag name="KSO_WM_SLIDE_ID" val="custom160564_28"/>
-  <p:tag name="KSO_WM_SLIDE_INDEX" val="28"/>
-  <p:tag name="KSO_WM_SLIDE_ITEM_CNT" val="2"/>
-  <p:tag name="KSO_WM_SLIDE_LAYOUT" val="a_f_d"/>
-  <p:tag name="KSO_WM_SLIDE_LAYOUT_CNT" val="1_1_1"/>
-  <p:tag name="KSO_WM_SLIDE_TYPE" val="text"/>
+  <p:tag name="KSO_WM_SLIDE_ID" val="custom160564_12"/>
+  <p:tag name="KSO_WM_SLIDE_INDEX" val="12"/>
+  <p:tag name="KSO_WM_SLIDE_ITEM_CNT" val="1"/>
+  <p:tag name="KSO_WM_SLIDE_LAYOUT" val="a_e"/>
+  <p:tag name="KSO_WM_SLIDE_LAYOUT_CNT" val="1_1"/>
+  <p:tag name="KSO_WM_SLIDE_TYPE" val="sectionTitle"/>
   <p:tag name="KSO_WM_BEAUTIFY_FLAG" val="#wm#"/>
-  <p:tag name="KSO_WM_SLIDE_POSITION" val="199*141"/>
-  <p:tag name="KSO_WM_SLIDE_SIZE" val="562*362"/>
 </p:tagLst>
 </file>
 
-<file path=ppt/tags/tag116.xml><?xml version="1.0" encoding="utf-8"?>
-<p:tagLst xmlns:a="http://schemas.openxmlformats.org/drawingml/2006/main" xmlns:r="http://schemas.openxmlformats.org/officeDocument/2006/relationships" xmlns:p="http://schemas.openxmlformats.org/presentationml/2006/main">
+<file path=ppt/tags/tag115.xml><?xml version="1.0" encoding="utf-8"?>
+<p:tagLst xmlns:p="http://schemas.openxmlformats.org/presentationml/2006/main">
   <p:tag name="KSO_WM_TAG_VERSION" val="1.0"/>
   <p:tag name="KSO_WM_BEAUTIFY_FLAG" val="#wm#"/>
   <p:tag name="KSO_WM_TEMPLATE_CATEGORY" val="custom"/>
@@ -23683,8 +24014,8 @@
 </p:tagLst>
 </file>
 
-<file path=ppt/tags/tag117.xml><?xml version="1.0" encoding="utf-8"?>
-<p:tagLst xmlns:a="http://schemas.openxmlformats.org/drawingml/2006/main" xmlns:r="http://schemas.openxmlformats.org/officeDocument/2006/relationships" xmlns:p="http://schemas.openxmlformats.org/presentationml/2006/main">
+<file path=ppt/tags/tag116.xml><?xml version="1.0" encoding="utf-8"?>
+<p:tagLst xmlns:p="http://schemas.openxmlformats.org/presentationml/2006/main">
   <p:tag name="KSO_WM_TAG_VERSION" val="1.0"/>
   <p:tag name="KSO_WM_BEAUTIFY_FLAG" val="#wm#"/>
   <p:tag name="KSO_WM_TEMPLATE_CATEGORY" val="custom"/>
@@ -23700,8 +24031,118 @@
 </p:tagLst>
 </file>
 
+<file path=ppt/tags/tag117.xml><?xml version="1.0" encoding="utf-8"?>
+<p:tagLst xmlns:p="http://schemas.openxmlformats.org/presentationml/2006/main">
+  <p:tag name="MH_TYPE" val="#NeiR#"/>
+  <p:tag name="MH_NUMBER" val="1"/>
+  <p:tag name="MH_CATEGORY" val="#TuWHP#"/>
+  <p:tag name="MH_LAYOUT" val="SubTitle"/>
+  <p:tag name="MH" val="20150923151412"/>
+  <p:tag name="MH_LIBRARY" val="GRAPHIC"/>
+  <p:tag name="KSO_WM_TEMPLATE_CATEGORY" val="custom"/>
+  <p:tag name="KSO_WM_TEMPLATE_INDEX" val="160564"/>
+  <p:tag name="KSO_WM_TAG_VERSION" val="1.0"/>
+  <p:tag name="KSO_WM_SLIDE_ID" val="custom160564_28"/>
+  <p:tag name="KSO_WM_SLIDE_INDEX" val="28"/>
+  <p:tag name="KSO_WM_SLIDE_ITEM_CNT" val="2"/>
+  <p:tag name="KSO_WM_SLIDE_LAYOUT" val="a_f_d"/>
+  <p:tag name="KSO_WM_SLIDE_LAYOUT_CNT" val="1_1_1"/>
+  <p:tag name="KSO_WM_SLIDE_TYPE" val="text"/>
+  <p:tag name="KSO_WM_BEAUTIFY_FLAG" val="#wm#"/>
+  <p:tag name="KSO_WM_SLIDE_POSITION" val="199*141"/>
+  <p:tag name="KSO_WM_SLIDE_SIZE" val="562*362"/>
+</p:tagLst>
+</file>
+
 <file path=ppt/tags/tag118.xml><?xml version="1.0" encoding="utf-8"?>
-<p:tagLst xmlns:a="http://schemas.openxmlformats.org/drawingml/2006/main" xmlns:r="http://schemas.openxmlformats.org/officeDocument/2006/relationships" xmlns:p="http://schemas.openxmlformats.org/presentationml/2006/main">
+<p:tagLst xmlns:p="http://schemas.openxmlformats.org/presentationml/2006/main">
+  <p:tag name="MH" val="20150923151546"/>
+  <p:tag name="MH_LIBRARY" val="GRAPHIC"/>
+  <p:tag name="MH_ORDER" val="矩形 2"/>
+  <p:tag name="KSO_WM_TAG_VERSION" val="1.0"/>
+  <p:tag name="KSO_WM_BEAUTIFY_FLAG" val="#wm#"/>
+  <p:tag name="KSO_WM_UNIT_TYPE" val="i"/>
+  <p:tag name="KSO_WM_UNIT_ID" val="custom160564_29*i*0"/>
+  <p:tag name="KSO_WM_TEMPLATE_CATEGORY" val="custom"/>
+  <p:tag name="KSO_WM_TEMPLATE_INDEX" val="160564"/>
+  <p:tag name="KSO_WM_UNIT_INDEX" val="0"/>
+</p:tagLst>
+</file>
+
+<file path=ppt/tags/tag119.xml><?xml version="1.0" encoding="utf-8"?>
+<p:tagLst xmlns:p="http://schemas.openxmlformats.org/presentationml/2006/main">
+  <p:tag name="MH" val="20150923151546"/>
+  <p:tag name="MH_LIBRARY" val="GRAPHIC"/>
+  <p:tag name="MH_ORDER" val="矩形 3"/>
+  <p:tag name="KSO_WM_TAG_VERSION" val="1.0"/>
+  <p:tag name="KSO_WM_BEAUTIFY_FLAG" val="#wm#"/>
+  <p:tag name="KSO_WM_UNIT_TYPE" val="i"/>
+  <p:tag name="KSO_WM_UNIT_ID" val="custom160564_29*i*1"/>
+  <p:tag name="KSO_WM_TEMPLATE_CATEGORY" val="custom"/>
+  <p:tag name="KSO_WM_TEMPLATE_INDEX" val="160564"/>
+  <p:tag name="KSO_WM_UNIT_INDEX" val="1"/>
+</p:tagLst>
+</file>
+
+<file path=ppt/tags/tag12.xml><?xml version="1.0" encoding="utf-8"?>
+<p:tagLst xmlns:p="http://schemas.openxmlformats.org/presentationml/2006/main">
+  <p:tag name="KSO_WM_TAG_VERSION" val="1.0"/>
+  <p:tag name="KSO_WM_BEAUTIFY_FLAG" val="#wm#"/>
+  <p:tag name="KSO_WM_UNIT_TYPE" val="i"/>
+  <p:tag name="KSO_WM_UNIT_ID" val="custom160564_11*i*0"/>
+  <p:tag name="KSO_WM_TEMPLATE_CATEGORY" val="custom"/>
+  <p:tag name="KSO_WM_TEMPLATE_INDEX" val="160564"/>
+  <p:tag name="KSO_WM_UNIT_INDEX" val="0"/>
+</p:tagLst>
+</file>
+
+<file path=ppt/tags/tag120.xml><?xml version="1.0" encoding="utf-8"?>
+<p:tagLst xmlns:p="http://schemas.openxmlformats.org/presentationml/2006/main">
+  <p:tag name="MH" val="20150923151546"/>
+  <p:tag name="MH_LIBRARY" val="GRAPHIC"/>
+  <p:tag name="MH_ORDER" val="矩形 4"/>
+  <p:tag name="KSO_WM_TAG_VERSION" val="1.0"/>
+  <p:tag name="KSO_WM_BEAUTIFY_FLAG" val="#wm#"/>
+  <p:tag name="KSO_WM_UNIT_TYPE" val="i"/>
+  <p:tag name="KSO_WM_UNIT_ID" val="custom160564_29*i*2"/>
+  <p:tag name="KSO_WM_TEMPLATE_CATEGORY" val="custom"/>
+  <p:tag name="KSO_WM_TEMPLATE_INDEX" val="160564"/>
+  <p:tag name="KSO_WM_UNIT_INDEX" val="2"/>
+</p:tagLst>
+</file>
+
+<file path=ppt/tags/tag121.xml><?xml version="1.0" encoding="utf-8"?>
+<p:tagLst xmlns:p="http://schemas.openxmlformats.org/presentationml/2006/main">
+  <p:tag name="MH" val="20150923151546"/>
+  <p:tag name="MH_LIBRARY" val="GRAPHIC"/>
+  <p:tag name="MH_ORDER" val="矩形 5"/>
+  <p:tag name="KSO_WM_TAG_VERSION" val="1.0"/>
+  <p:tag name="KSO_WM_BEAUTIFY_FLAG" val="#wm#"/>
+  <p:tag name="KSO_WM_UNIT_TYPE" val="i"/>
+  <p:tag name="KSO_WM_UNIT_ID" val="custom160564_29*i*3"/>
+  <p:tag name="KSO_WM_TEMPLATE_CATEGORY" val="custom"/>
+  <p:tag name="KSO_WM_TEMPLATE_INDEX" val="160564"/>
+  <p:tag name="KSO_WM_UNIT_INDEX" val="3"/>
+</p:tagLst>
+</file>
+
+<file path=ppt/tags/tag122.xml><?xml version="1.0" encoding="utf-8"?>
+<p:tagLst xmlns:p="http://schemas.openxmlformats.org/presentationml/2006/main">
+  <p:tag name="MH" val="20150923151546"/>
+  <p:tag name="MH_LIBRARY" val="GRAPHIC"/>
+  <p:tag name="MH_ORDER" val="矩形 6"/>
+  <p:tag name="KSO_WM_TAG_VERSION" val="1.0"/>
+  <p:tag name="KSO_WM_BEAUTIFY_FLAG" val="#wm#"/>
+  <p:tag name="KSO_WM_UNIT_TYPE" val="i"/>
+  <p:tag name="KSO_WM_UNIT_ID" val="custom160564_29*i*4"/>
+  <p:tag name="KSO_WM_TEMPLATE_CATEGORY" val="custom"/>
+  <p:tag name="KSO_WM_TEMPLATE_INDEX" val="160564"/>
+  <p:tag name="KSO_WM_UNIT_INDEX" val="4"/>
+</p:tagLst>
+</file>
+
+<file path=ppt/tags/tag123.xml><?xml version="1.0" encoding="utf-8"?>
+<p:tagLst xmlns:p="http://schemas.openxmlformats.org/presentationml/2006/main">
   <p:tag name="MH" val="20150923151546"/>
   <p:tag name="MH_LIBRARY" val="GRAPHIC"/>
   <p:tag name="KSO_WM_TEMPLATE_CATEGORY" val="custom"/>
@@ -23715,116 +24156,72 @@
 </p:tagLst>
 </file>
 
-<file path=ppt/tags/tag119.xml><?xml version="1.0" encoding="utf-8"?>
-<p:tagLst xmlns:a="http://schemas.openxmlformats.org/drawingml/2006/main" xmlns:r="http://schemas.openxmlformats.org/officeDocument/2006/relationships" xmlns:p="http://schemas.openxmlformats.org/presentationml/2006/main">
-  <p:tag name="MH" val="20150923151546"/>
-  <p:tag name="MH_LIBRARY" val="GRAPHIC"/>
-  <p:tag name="MH_ORDER" val="矩形 2"/>
+<file path=ppt/tags/tag13.xml><?xml version="1.0" encoding="utf-8"?>
+<p:tagLst xmlns:p="http://schemas.openxmlformats.org/presentationml/2006/main">
   <p:tag name="KSO_WM_TAG_VERSION" val="1.0"/>
   <p:tag name="KSO_WM_BEAUTIFY_FLAG" val="#wm#"/>
-  <p:tag name="KSO_WM_UNIT_TYPE" val="i"/>
-  <p:tag name="KSO_WM_UNIT_ID" val="custom160564_29*i*0"/>
   <p:tag name="KSO_WM_TEMPLATE_CATEGORY" val="custom"/>
   <p:tag name="KSO_WM_TEMPLATE_INDEX" val="160564"/>
-  <p:tag name="KSO_WM_UNIT_INDEX" val="0"/>
-</p:tagLst>
-</file>
-
-<file path=ppt/tags/tag12.xml><?xml version="1.0" encoding="utf-8"?>
-<p:tagLst xmlns:a="http://schemas.openxmlformats.org/drawingml/2006/main" xmlns:r="http://schemas.openxmlformats.org/officeDocument/2006/relationships" xmlns:p="http://schemas.openxmlformats.org/presentationml/2006/main">
   <p:tag name="MH" val="20150923145210"/>
   <p:tag name="MH_LIBRARY" val="CONTENTS"/>
-  <p:tag name="MH_AUTOCOLOR" val="TRUE"/>
-  <p:tag name="MH_TYPE" val="CONTENTS"/>
+  <p:tag name="MH_TYPE" val="NUMBER"/>
   <p:tag name="ID" val="553526"/>
-  <p:tag name="KSO_WM_TEMPLATE_CATEGORY" val="custom"/>
-  <p:tag name="KSO_WM_TEMPLATE_INDEX" val="160564"/>
-  <p:tag name="KSO_WM_TAG_VERSION" val="1.0"/>
-  <p:tag name="KSO_WM_SLIDE_ID" val="custom160564_11"/>
-  <p:tag name="KSO_WM_SLIDE_INDEX" val="11"/>
-  <p:tag name="KSO_WM_SLIDE_ITEM_CNT" val="6"/>
-  <p:tag name="KSO_WM_SLIDE_LAYOUT" val="a_l"/>
-  <p:tag name="KSO_WM_SLIDE_LAYOUT_CNT" val="1_1"/>
-  <p:tag name="KSO_WM_SLIDE_TYPE" val="contents"/>
-  <p:tag name="KSO_WM_BEAUTIFY_FLAG" val="#wm#"/>
+  <p:tag name="MH_ORDER" val="5"/>
+  <p:tag name="KSO_WM_UNIT_TYPE" val="l_i"/>
+  <p:tag name="KSO_WM_UNIT_INDEX" val="1_9"/>
+  <p:tag name="KSO_WM_UNIT_ID" val="custom160564_11*l_i*1_9"/>
+  <p:tag name="KSO_WM_UNIT_CLEAR" val="1"/>
+  <p:tag name="KSO_WM_UNIT_LAYERLEVEL" val="1_1"/>
   <p:tag name="KSO_WM_DIAGRAM_GROUP_CODE" val="l1-1"/>
 </p:tagLst>
 </file>
 
-<file path=ppt/tags/tag120.xml><?xml version="1.0" encoding="utf-8"?>
-<p:tagLst xmlns:a="http://schemas.openxmlformats.org/drawingml/2006/main" xmlns:r="http://schemas.openxmlformats.org/officeDocument/2006/relationships" xmlns:p="http://schemas.openxmlformats.org/presentationml/2006/main">
-  <p:tag name="MH" val="20150923151546"/>
-  <p:tag name="MH_LIBRARY" val="GRAPHIC"/>
-  <p:tag name="MH_ORDER" val="矩形 3"/>
+<file path=ppt/tags/tag14.xml><?xml version="1.0" encoding="utf-8"?>
+<p:tagLst xmlns:p="http://schemas.openxmlformats.org/presentationml/2006/main">
   <p:tag name="KSO_WM_TAG_VERSION" val="1.0"/>
   <p:tag name="KSO_WM_BEAUTIFY_FLAG" val="#wm#"/>
-  <p:tag name="KSO_WM_UNIT_TYPE" val="i"/>
-  <p:tag name="KSO_WM_UNIT_ID" val="custom160564_29*i*1"/>
   <p:tag name="KSO_WM_TEMPLATE_CATEGORY" val="custom"/>
   <p:tag name="KSO_WM_TEMPLATE_INDEX" val="160564"/>
-  <p:tag name="KSO_WM_UNIT_INDEX" val="1"/>
+  <p:tag name="MH" val="20150923145210"/>
+  <p:tag name="MH_LIBRARY" val="CONTENTS"/>
+  <p:tag name="MH_TYPE" val="ENTRY"/>
+  <p:tag name="ID" val="553526"/>
+  <p:tag name="MH_ORDER" val="5"/>
+  <p:tag name="KSO_WM_UNIT_TYPE" val="l_h_f"/>
+  <p:tag name="KSO_WM_UNIT_INDEX" val="1_5_1"/>
+  <p:tag name="KSO_WM_UNIT_ID" val="custom160564_11*l_h_f*1_5_1"/>
+  <p:tag name="KSO_WM_UNIT_CLEAR" val="1"/>
+  <p:tag name="KSO_WM_UNIT_LAYERLEVEL" val="1_1_1"/>
+  <p:tag name="KSO_WM_UNIT_VALUE" val="28"/>
+  <p:tag name="KSO_WM_UNIT_HIGHLIGHT" val="0"/>
+  <p:tag name="KSO_WM_UNIT_COMPATIBLE" val="0"/>
+  <p:tag name="KSO_WM_UNIT_PRESET_TEXT_INDEX" val="3"/>
+  <p:tag name="KSO_WM_UNIT_PRESET_TEXT_LEN" val="17"/>
+  <p:tag name="KSO_WM_DIAGRAM_GROUP_CODE" val="l1-1"/>
 </p:tagLst>
 </file>
 
-<file path=ppt/tags/tag121.xml><?xml version="1.0" encoding="utf-8"?>
-<p:tagLst xmlns:a="http://schemas.openxmlformats.org/drawingml/2006/main" xmlns:r="http://schemas.openxmlformats.org/officeDocument/2006/relationships" xmlns:p="http://schemas.openxmlformats.org/presentationml/2006/main">
-  <p:tag name="MH" val="20150923151546"/>
-  <p:tag name="MH_LIBRARY" val="GRAPHIC"/>
-  <p:tag name="MH_ORDER" val="矩形 4"/>
+<file path=ppt/tags/tag15.xml><?xml version="1.0" encoding="utf-8"?>
+<p:tagLst xmlns:p="http://schemas.openxmlformats.org/presentationml/2006/main">
   <p:tag name="KSO_WM_TAG_VERSION" val="1.0"/>
   <p:tag name="KSO_WM_BEAUTIFY_FLAG" val="#wm#"/>
-  <p:tag name="KSO_WM_UNIT_TYPE" val="i"/>
-  <p:tag name="KSO_WM_UNIT_ID" val="custom160564_29*i*2"/>
   <p:tag name="KSO_WM_TEMPLATE_CATEGORY" val="custom"/>
   <p:tag name="KSO_WM_TEMPLATE_INDEX" val="160564"/>
-  <p:tag name="KSO_WM_UNIT_INDEX" val="2"/>
+  <p:tag name="MH" val="20150923145210"/>
+  <p:tag name="MH_LIBRARY" val="CONTENTS"/>
+  <p:tag name="MH_TYPE" val="OTHERS"/>
+  <p:tag name="ID" val="553526"/>
+  <p:tag name="KSO_WM_UNIT_TYPE" val="l_i"/>
+  <p:tag name="KSO_WM_UNIT_INDEX" val="1_10"/>
+  <p:tag name="KSO_WM_UNIT_ID" val="custom160564_11*l_i*1_10"/>
+  <p:tag name="KSO_WM_UNIT_CLEAR" val="1"/>
+  <p:tag name="KSO_WM_UNIT_LAYERLEVEL" val="1_1"/>
+  <p:tag name="KSO_WM_DIAGRAM_GROUP_CODE" val="l1-1"/>
 </p:tagLst>
 </file>
 
-<file path=ppt/tags/tag122.xml><?xml version="1.0" encoding="utf-8"?>
-<p:tagLst xmlns:a="http://schemas.openxmlformats.org/drawingml/2006/main" xmlns:r="http://schemas.openxmlformats.org/officeDocument/2006/relationships" xmlns:p="http://schemas.openxmlformats.org/presentationml/2006/main">
-  <p:tag name="MH" val="20150923151546"/>
-  <p:tag name="MH_LIBRARY" val="GRAPHIC"/>
-  <p:tag name="MH_ORDER" val="矩形 5"/>
-  <p:tag name="KSO_WM_TAG_VERSION" val="1.0"/>
-  <p:tag name="KSO_WM_BEAUTIFY_FLAG" val="#wm#"/>
-  <p:tag name="KSO_WM_UNIT_TYPE" val="i"/>
-  <p:tag name="KSO_WM_UNIT_ID" val="custom160564_29*i*3"/>
-  <p:tag name="KSO_WM_TEMPLATE_CATEGORY" val="custom"/>
-  <p:tag name="KSO_WM_TEMPLATE_INDEX" val="160564"/>
-  <p:tag name="KSO_WM_UNIT_INDEX" val="3"/>
-</p:tagLst>
-</file>
-
-<file path=ppt/tags/tag123.xml><?xml version="1.0" encoding="utf-8"?>
-<p:tagLst xmlns:a="http://schemas.openxmlformats.org/drawingml/2006/main" xmlns:r="http://schemas.openxmlformats.org/officeDocument/2006/relationships" xmlns:p="http://schemas.openxmlformats.org/presentationml/2006/main">
-  <p:tag name="MH" val="20150923151546"/>
-  <p:tag name="MH_LIBRARY" val="GRAPHIC"/>
-  <p:tag name="MH_ORDER" val="矩形 6"/>
-  <p:tag name="KSO_WM_TAG_VERSION" val="1.0"/>
-  <p:tag name="KSO_WM_BEAUTIFY_FLAG" val="#wm#"/>
-  <p:tag name="KSO_WM_UNIT_TYPE" val="i"/>
-  <p:tag name="KSO_WM_UNIT_ID" val="custom160564_29*i*4"/>
-  <p:tag name="KSO_WM_TEMPLATE_CATEGORY" val="custom"/>
-  <p:tag name="KSO_WM_TEMPLATE_INDEX" val="160564"/>
-  <p:tag name="KSO_WM_UNIT_INDEX" val="4"/>
-</p:tagLst>
-</file>
-
-<file path=ppt/tags/tag13.xml><?xml version="1.0" encoding="utf-8"?>
-<p:tagLst xmlns:a="http://schemas.openxmlformats.org/drawingml/2006/main" xmlns:r="http://schemas.openxmlformats.org/officeDocument/2006/relationships" xmlns:p="http://schemas.openxmlformats.org/presentationml/2006/main">
-  <p:tag name="KSO_WM_TAG_VERSION" val="1.0"/>
-  <p:tag name="KSO_WM_BEAUTIFY_FLAG" val="#wm#"/>
-  <p:tag name="KSO_WM_UNIT_TYPE" val="i"/>
-  <p:tag name="KSO_WM_UNIT_ID" val="custom160564_11*i*0"/>
-  <p:tag name="KSO_WM_TEMPLATE_CATEGORY" val="custom"/>
-  <p:tag name="KSO_WM_TEMPLATE_INDEX" val="160564"/>
-  <p:tag name="KSO_WM_UNIT_INDEX" val="0"/>
-</p:tagLst>
-</file>
-
-<file path=ppt/tags/tag14.xml><?xml version="1.0" encoding="utf-8"?>
-<p:tagLst xmlns:a="http://schemas.openxmlformats.org/drawingml/2006/main" xmlns:r="http://schemas.openxmlformats.org/officeDocument/2006/relationships" xmlns:p="http://schemas.openxmlformats.org/presentationml/2006/main">
+<file path=ppt/tags/tag16.xml><?xml version="1.0" encoding="utf-8"?>
+<p:tagLst xmlns:p="http://schemas.openxmlformats.org/presentationml/2006/main">
   <p:tag name="KSO_WM_TAG_VERSION" val="1.0"/>
   <p:tag name="KSO_WM_BEAUTIFY_FLAG" val="#wm#"/>
   <p:tag name="KSO_WM_UNIT_TYPE" val="i"/>
@@ -23835,128 +24232,8 @@
 </p:tagLst>
 </file>
 
-<file path=ppt/tags/tag15.xml><?xml version="1.0" encoding="utf-8"?>
-<p:tagLst xmlns:a="http://schemas.openxmlformats.org/drawingml/2006/main" xmlns:r="http://schemas.openxmlformats.org/officeDocument/2006/relationships" xmlns:p="http://schemas.openxmlformats.org/presentationml/2006/main">
-  <p:tag name="KSO_WM_TAG_VERSION" val="1.0"/>
-  <p:tag name="KSO_WM_BEAUTIFY_FLAG" val="#wm#"/>
-  <p:tag name="KSO_WM_UNIT_TYPE" val="i"/>
-  <p:tag name="KSO_WM_UNIT_ID" val="custom160564_11*i*14"/>
-  <p:tag name="KSO_WM_TEMPLATE_CATEGORY" val="custom"/>
-  <p:tag name="KSO_WM_TEMPLATE_INDEX" val="160564"/>
-  <p:tag name="KSO_WM_UNIT_INDEX" val="14"/>
-</p:tagLst>
-</file>
-
-<file path=ppt/tags/tag16.xml><?xml version="1.0" encoding="utf-8"?>
-<p:tagLst xmlns:a="http://schemas.openxmlformats.org/drawingml/2006/main" xmlns:r="http://schemas.openxmlformats.org/officeDocument/2006/relationships" xmlns:p="http://schemas.openxmlformats.org/presentationml/2006/main">
-  <p:tag name="KSO_WM_TAG_VERSION" val="1.0"/>
-  <p:tag name="KSO_WM_BEAUTIFY_FLAG" val="#wm#"/>
-  <p:tag name="KSO_WM_UNIT_TYPE" val="i"/>
-  <p:tag name="KSO_WM_UNIT_ID" val="custom160564_11*i*21"/>
-  <p:tag name="KSO_WM_TEMPLATE_CATEGORY" val="custom"/>
-  <p:tag name="KSO_WM_TEMPLATE_INDEX" val="160564"/>
-  <p:tag name="KSO_WM_UNIT_INDEX" val="21"/>
-</p:tagLst>
-</file>
-
 <file path=ppt/tags/tag17.xml><?xml version="1.0" encoding="utf-8"?>
-<p:tagLst xmlns:a="http://schemas.openxmlformats.org/drawingml/2006/main" xmlns:r="http://schemas.openxmlformats.org/officeDocument/2006/relationships" xmlns:p="http://schemas.openxmlformats.org/presentationml/2006/main">
-  <p:tag name="KSO_WM_TAG_VERSION" val="1.0"/>
-  <p:tag name="KSO_WM_BEAUTIFY_FLAG" val="#wm#"/>
-  <p:tag name="KSO_WM_UNIT_TYPE" val="i"/>
-  <p:tag name="KSO_WM_UNIT_ID" val="custom160564_11*i*28"/>
-  <p:tag name="KSO_WM_TEMPLATE_CATEGORY" val="custom"/>
-  <p:tag name="KSO_WM_TEMPLATE_INDEX" val="160564"/>
-  <p:tag name="KSO_WM_UNIT_INDEX" val="28"/>
-</p:tagLst>
-</file>
-
-<file path=ppt/tags/tag18.xml><?xml version="1.0" encoding="utf-8"?>
-<p:tagLst xmlns:a="http://schemas.openxmlformats.org/drawingml/2006/main" xmlns:r="http://schemas.openxmlformats.org/officeDocument/2006/relationships" xmlns:p="http://schemas.openxmlformats.org/presentationml/2006/main">
-  <p:tag name="KSO_WM_TAG_VERSION" val="1.0"/>
-  <p:tag name="KSO_WM_BEAUTIFY_FLAG" val="#wm#"/>
-  <p:tag name="KSO_WM_UNIT_TYPE" val="i"/>
-  <p:tag name="KSO_WM_UNIT_ID" val="custom160564_11*i*35"/>
-  <p:tag name="KSO_WM_TEMPLATE_CATEGORY" val="custom"/>
-  <p:tag name="KSO_WM_TEMPLATE_INDEX" val="160564"/>
-  <p:tag name="KSO_WM_UNIT_INDEX" val="35"/>
-</p:tagLst>
-</file>
-
-<file path=ppt/tags/tag19.xml><?xml version="1.0" encoding="utf-8"?>
-<p:tagLst xmlns:a="http://schemas.openxmlformats.org/drawingml/2006/main" xmlns:r="http://schemas.openxmlformats.org/officeDocument/2006/relationships" xmlns:p="http://schemas.openxmlformats.org/presentationml/2006/main">
-  <p:tag name="MH" val="20150923145210"/>
-  <p:tag name="MH_LIBRARY" val="CONTENTS"/>
-  <p:tag name="MH_TYPE" val="OTHERS"/>
-  <p:tag name="ID" val="553526"/>
-  <p:tag name="KSO_WM_TAG_VERSION" val="1.0"/>
-  <p:tag name="KSO_WM_BEAUTIFY_FLAG" val="#wm#"/>
-  <p:tag name="KSO_WM_UNIT_TYPE" val="i"/>
-  <p:tag name="KSO_WM_UNIT_ID" val="custom160564_11*i*42"/>
-  <p:tag name="KSO_WM_TEMPLATE_CATEGORY" val="custom"/>
-  <p:tag name="KSO_WM_TEMPLATE_INDEX" val="160564"/>
-  <p:tag name="KSO_WM_UNIT_INDEX" val="42"/>
-</p:tagLst>
-</file>
-
-<file path=ppt/tags/tag2.xml><?xml version="1.0" encoding="utf-8"?>
-<p:tagLst xmlns:a="http://schemas.openxmlformats.org/drawingml/2006/main" xmlns:r="http://schemas.openxmlformats.org/officeDocument/2006/relationships" xmlns:p="http://schemas.openxmlformats.org/presentationml/2006/main">
-  <p:tag name="KSO_WM_TAG_VERSION" val="1.0"/>
-  <p:tag name="KSO_WM_TEMPLATE_CATEGORY" val="custom"/>
-  <p:tag name="KSO_WM_TEMPLATE_INDEX" val="160564"/>
-</p:tagLst>
-</file>
-
-<file path=ppt/tags/tag20.xml><?xml version="1.0" encoding="utf-8"?>
-<p:tagLst xmlns:a="http://schemas.openxmlformats.org/drawingml/2006/main" xmlns:r="http://schemas.openxmlformats.org/officeDocument/2006/relationships" xmlns:p="http://schemas.openxmlformats.org/presentationml/2006/main">
-  <p:tag name="KSO_WM_TAG_VERSION" val="1.0"/>
-  <p:tag name="KSO_WM_BEAUTIFY_FLAG" val="#wm#"/>
-  <p:tag name="KSO_WM_TEMPLATE_CATEGORY" val="custom"/>
-  <p:tag name="KSO_WM_TEMPLATE_INDEX" val="160564"/>
-  <p:tag name="MH" val="20150923145210"/>
-  <p:tag name="MH_LIBRARY" val="CONTENTS"/>
-  <p:tag name="MH_TYPE" val="OTHERS"/>
-  <p:tag name="ID" val="553526"/>
-  <p:tag name="KSO_WM_UNIT_TYPE" val="a"/>
-  <p:tag name="KSO_WM_UNIT_INDEX" val="1"/>
-  <p:tag name="KSO_WM_UNIT_ID" val="custom160564_11*a*1"/>
-  <p:tag name="KSO_WM_UNIT_CLEAR" val="1"/>
-  <p:tag name="KSO_WM_UNIT_LAYERLEVEL" val="1"/>
-  <p:tag name="KSO_WM_UNIT_ISCONTENTSTITLE" val="1"/>
-  <p:tag name="KSO_WM_UNIT_VALUE" val="5"/>
-  <p:tag name="KSO_WM_UNIT_HIGHLIGHT" val="0"/>
-  <p:tag name="KSO_WM_UNIT_COMPATIBLE" val="0"/>
-  <p:tag name="KSO_WM_UNIT_BIND_DECORATION_IDS" val="custom160564_11*i*42"/>
-  <p:tag name="KSO_WM_UNIT_PRESET_TEXT" val="目录"/>
-</p:tagLst>
-</file>
-
-<file path=ppt/tags/tag21.xml><?xml version="1.0" encoding="utf-8"?>
-<p:tagLst xmlns:a="http://schemas.openxmlformats.org/drawingml/2006/main" xmlns:r="http://schemas.openxmlformats.org/officeDocument/2006/relationships" xmlns:p="http://schemas.openxmlformats.org/presentationml/2006/main">
-  <p:tag name="KSO_WM_TAG_VERSION" val="1.0"/>
-  <p:tag name="KSO_WM_BEAUTIFY_FLAG" val="#wm#"/>
-  <p:tag name="KSO_WM_UNIT_TYPE" val="i"/>
-  <p:tag name="KSO_WM_UNIT_ID" val="custom160564_11*i*7"/>
-  <p:tag name="KSO_WM_TEMPLATE_CATEGORY" val="custom"/>
-  <p:tag name="KSO_WM_TEMPLATE_INDEX" val="160564"/>
-  <p:tag name="KSO_WM_UNIT_INDEX" val="7"/>
-</p:tagLst>
-</file>
-
-<file path=ppt/tags/tag22.xml><?xml version="1.0" encoding="utf-8"?>
-<p:tagLst xmlns:a="http://schemas.openxmlformats.org/drawingml/2006/main" xmlns:r="http://schemas.openxmlformats.org/officeDocument/2006/relationships" xmlns:p="http://schemas.openxmlformats.org/presentationml/2006/main">
-  <p:tag name="KSO_WM_TAG_VERSION" val="1.0"/>
-  <p:tag name="KSO_WM_BEAUTIFY_FLAG" val="#wm#"/>
-  <p:tag name="KSO_WM_UNIT_TYPE" val="i"/>
-  <p:tag name="KSO_WM_UNIT_ID" val="custom160564_11*i*7"/>
-  <p:tag name="KSO_WM_TEMPLATE_CATEGORY" val="custom"/>
-  <p:tag name="KSO_WM_TEMPLATE_INDEX" val="160564"/>
-  <p:tag name="KSO_WM_UNIT_INDEX" val="7"/>
-</p:tagLst>
-</file>
-
-<file path=ppt/tags/tag23.xml><?xml version="1.0" encoding="utf-8"?>
-<p:tagLst xmlns:a="http://schemas.openxmlformats.org/drawingml/2006/main" xmlns:r="http://schemas.openxmlformats.org/officeDocument/2006/relationships" xmlns:p="http://schemas.openxmlformats.org/presentationml/2006/main">
+<p:tagLst xmlns:p="http://schemas.openxmlformats.org/presentationml/2006/main">
   <p:tag name="KSO_WM_TAG_VERSION" val="1.0"/>
   <p:tag name="KSO_WM_BEAUTIFY_FLAG" val="#wm#"/>
   <p:tag name="KSO_WM_TEMPLATE_CATEGORY" val="custom"/>
@@ -23975,8 +24252,8 @@
 </p:tagLst>
 </file>
 
-<file path=ppt/tags/tag24.xml><?xml version="1.0" encoding="utf-8"?>
-<p:tagLst xmlns:a="http://schemas.openxmlformats.org/drawingml/2006/main" xmlns:r="http://schemas.openxmlformats.org/officeDocument/2006/relationships" xmlns:p="http://schemas.openxmlformats.org/presentationml/2006/main">
+<file path=ppt/tags/tag18.xml><?xml version="1.0" encoding="utf-8"?>
+<p:tagLst xmlns:p="http://schemas.openxmlformats.org/presentationml/2006/main">
   <p:tag name="KSO_WM_TAG_VERSION" val="1.0"/>
   <p:tag name="KSO_WM_BEAUTIFY_FLAG" val="#wm#"/>
   <p:tag name="KSO_WM_TEMPLATE_CATEGORY" val="custom"/>
@@ -24000,8 +24277,8 @@
 </p:tagLst>
 </file>
 
-<file path=ppt/tags/tag25.xml><?xml version="1.0" encoding="utf-8"?>
-<p:tagLst xmlns:a="http://schemas.openxmlformats.org/drawingml/2006/main" xmlns:r="http://schemas.openxmlformats.org/officeDocument/2006/relationships" xmlns:p="http://schemas.openxmlformats.org/presentationml/2006/main">
+<file path=ppt/tags/tag19.xml><?xml version="1.0" encoding="utf-8"?>
+<p:tagLst xmlns:p="http://schemas.openxmlformats.org/presentationml/2006/main">
   <p:tag name="KSO_WM_TAG_VERSION" val="1.0"/>
   <p:tag name="KSO_WM_BEAUTIFY_FLAG" val="#wm#"/>
   <p:tag name="KSO_WM_TEMPLATE_CATEGORY" val="custom"/>
@@ -24019,8 +24296,380 @@
 </p:tagLst>
 </file>
 
+<file path=ppt/tags/tag2.xml><?xml version="1.0" encoding="utf-8"?>
+<p:tagLst xmlns:p="http://schemas.openxmlformats.org/presentationml/2006/main">
+  <p:tag name="MH" val="20150923145622"/>
+  <p:tag name="MH_LIBRARY" val="GRAPHIC"/>
+  <p:tag name="MH_ORDER" val="Straight Connector 13"/>
+</p:tagLst>
+</file>
+
+<file path=ppt/tags/tag20.xml><?xml version="1.0" encoding="utf-8"?>
+<p:tagLst xmlns:p="http://schemas.openxmlformats.org/presentationml/2006/main">
+  <p:tag name="KSO_WM_TAG_VERSION" val="1.0"/>
+  <p:tag name="KSO_WM_BEAUTIFY_FLAG" val="#wm#"/>
+  <p:tag name="KSO_WM_UNIT_TYPE" val="i"/>
+  <p:tag name="KSO_WM_UNIT_ID" val="custom160564_11*i*14"/>
+  <p:tag name="KSO_WM_TEMPLATE_CATEGORY" val="custom"/>
+  <p:tag name="KSO_WM_TEMPLATE_INDEX" val="160564"/>
+  <p:tag name="KSO_WM_UNIT_INDEX" val="14"/>
+</p:tagLst>
+</file>
+
+<file path=ppt/tags/tag21.xml><?xml version="1.0" encoding="utf-8"?>
+<p:tagLst xmlns:p="http://schemas.openxmlformats.org/presentationml/2006/main">
+  <p:tag name="KSO_WM_TAG_VERSION" val="1.0"/>
+  <p:tag name="KSO_WM_BEAUTIFY_FLAG" val="#wm#"/>
+  <p:tag name="KSO_WM_TEMPLATE_CATEGORY" val="custom"/>
+  <p:tag name="KSO_WM_TEMPLATE_INDEX" val="160564"/>
+  <p:tag name="MH" val="20150923145210"/>
+  <p:tag name="MH_LIBRARY" val="CONTENTS"/>
+  <p:tag name="MH_TYPE" val="NUMBER"/>
+  <p:tag name="ID" val="553526"/>
+  <p:tag name="MH_ORDER" val="2"/>
+  <p:tag name="KSO_WM_UNIT_TYPE" val="l_i"/>
+  <p:tag name="KSO_WM_UNIT_INDEX" val="1_3"/>
+  <p:tag name="KSO_WM_UNIT_ID" val="custom160564_11*l_i*1_3"/>
+  <p:tag name="KSO_WM_UNIT_CLEAR" val="1"/>
+  <p:tag name="KSO_WM_UNIT_LAYERLEVEL" val="1_1"/>
+  <p:tag name="KSO_WM_DIAGRAM_GROUP_CODE" val="l1-1"/>
+</p:tagLst>
+</file>
+
+<file path=ppt/tags/tag22.xml><?xml version="1.0" encoding="utf-8"?>
+<p:tagLst xmlns:p="http://schemas.openxmlformats.org/presentationml/2006/main">
+  <p:tag name="KSO_WM_TAG_VERSION" val="1.0"/>
+  <p:tag name="KSO_WM_BEAUTIFY_FLAG" val="#wm#"/>
+  <p:tag name="KSO_WM_TEMPLATE_CATEGORY" val="custom"/>
+  <p:tag name="KSO_WM_TEMPLATE_INDEX" val="160564"/>
+  <p:tag name="MH" val="20150923145210"/>
+  <p:tag name="MH_LIBRARY" val="CONTENTS"/>
+  <p:tag name="MH_TYPE" val="ENTRY"/>
+  <p:tag name="ID" val="553526"/>
+  <p:tag name="MH_ORDER" val="2"/>
+  <p:tag name="KSO_WM_UNIT_TYPE" val="l_h_f"/>
+  <p:tag name="KSO_WM_UNIT_INDEX" val="1_2_1"/>
+  <p:tag name="KSO_WM_UNIT_ID" val="custom160564_11*l_h_f*1_2_1"/>
+  <p:tag name="KSO_WM_UNIT_CLEAR" val="1"/>
+  <p:tag name="KSO_WM_UNIT_LAYERLEVEL" val="1_1_1"/>
+  <p:tag name="KSO_WM_UNIT_VALUE" val="28"/>
+  <p:tag name="KSO_WM_UNIT_HIGHLIGHT" val="0"/>
+  <p:tag name="KSO_WM_UNIT_COMPATIBLE" val="0"/>
+  <p:tag name="KSO_WM_UNIT_PRESET_TEXT_INDEX" val="3"/>
+  <p:tag name="KSO_WM_UNIT_PRESET_TEXT_LEN" val="17"/>
+  <p:tag name="KSO_WM_DIAGRAM_GROUP_CODE" val="l1-1"/>
+</p:tagLst>
+</file>
+
+<file path=ppt/tags/tag23.xml><?xml version="1.0" encoding="utf-8"?>
+<p:tagLst xmlns:p="http://schemas.openxmlformats.org/presentationml/2006/main">
+  <p:tag name="KSO_WM_TAG_VERSION" val="1.0"/>
+  <p:tag name="KSO_WM_BEAUTIFY_FLAG" val="#wm#"/>
+  <p:tag name="KSO_WM_TEMPLATE_CATEGORY" val="custom"/>
+  <p:tag name="KSO_WM_TEMPLATE_INDEX" val="160564"/>
+  <p:tag name="MH" val="20150923145210"/>
+  <p:tag name="MH_LIBRARY" val="CONTENTS"/>
+  <p:tag name="MH_TYPE" val="OTHERS"/>
+  <p:tag name="ID" val="553526"/>
+  <p:tag name="KSO_WM_UNIT_TYPE" val="l_i"/>
+  <p:tag name="KSO_WM_UNIT_INDEX" val="1_4"/>
+  <p:tag name="KSO_WM_UNIT_ID" val="custom160564_11*l_i*1_4"/>
+  <p:tag name="KSO_WM_UNIT_CLEAR" val="1"/>
+  <p:tag name="KSO_WM_UNIT_LAYERLEVEL" val="1_1"/>
+  <p:tag name="KSO_WM_DIAGRAM_GROUP_CODE" val="l1-1"/>
+</p:tagLst>
+</file>
+
+<file path=ppt/tags/tag24.xml><?xml version="1.0" encoding="utf-8"?>
+<p:tagLst xmlns:p="http://schemas.openxmlformats.org/presentationml/2006/main">
+  <p:tag name="KSO_WM_TAG_VERSION" val="1.0"/>
+  <p:tag name="KSO_WM_BEAUTIFY_FLAG" val="#wm#"/>
+  <p:tag name="KSO_WM_UNIT_TYPE" val="i"/>
+  <p:tag name="KSO_WM_UNIT_ID" val="custom160564_11*i*21"/>
+  <p:tag name="KSO_WM_TEMPLATE_CATEGORY" val="custom"/>
+  <p:tag name="KSO_WM_TEMPLATE_INDEX" val="160564"/>
+  <p:tag name="KSO_WM_UNIT_INDEX" val="21"/>
+</p:tagLst>
+</file>
+
+<file path=ppt/tags/tag25.xml><?xml version="1.0" encoding="utf-8"?>
+<p:tagLst xmlns:p="http://schemas.openxmlformats.org/presentationml/2006/main">
+  <p:tag name="KSO_WM_TAG_VERSION" val="1.0"/>
+  <p:tag name="KSO_WM_BEAUTIFY_FLAG" val="#wm#"/>
+  <p:tag name="KSO_WM_TEMPLATE_CATEGORY" val="custom"/>
+  <p:tag name="KSO_WM_TEMPLATE_INDEX" val="160564"/>
+  <p:tag name="MH" val="20150923145210"/>
+  <p:tag name="MH_LIBRARY" val="CONTENTS"/>
+  <p:tag name="MH_TYPE" val="NUMBER"/>
+  <p:tag name="ID" val="553526"/>
+  <p:tag name="MH_ORDER" val="3"/>
+  <p:tag name="KSO_WM_UNIT_TYPE" val="l_i"/>
+  <p:tag name="KSO_WM_UNIT_INDEX" val="1_5"/>
+  <p:tag name="KSO_WM_UNIT_ID" val="custom160564_11*l_i*1_5"/>
+  <p:tag name="KSO_WM_UNIT_CLEAR" val="1"/>
+  <p:tag name="KSO_WM_UNIT_LAYERLEVEL" val="1_1"/>
+  <p:tag name="KSO_WM_DIAGRAM_GROUP_CODE" val="l1-1"/>
+</p:tagLst>
+</file>
+
 <file path=ppt/tags/tag26.xml><?xml version="1.0" encoding="utf-8"?>
-<p:tagLst xmlns:a="http://schemas.openxmlformats.org/drawingml/2006/main" xmlns:r="http://schemas.openxmlformats.org/officeDocument/2006/relationships" xmlns:p="http://schemas.openxmlformats.org/presentationml/2006/main">
+<p:tagLst xmlns:p="http://schemas.openxmlformats.org/presentationml/2006/main">
+  <p:tag name="KSO_WM_TAG_VERSION" val="1.0"/>
+  <p:tag name="KSO_WM_BEAUTIFY_FLAG" val="#wm#"/>
+  <p:tag name="KSO_WM_TEMPLATE_CATEGORY" val="custom"/>
+  <p:tag name="KSO_WM_TEMPLATE_INDEX" val="160564"/>
+  <p:tag name="MH" val="20150923145210"/>
+  <p:tag name="MH_LIBRARY" val="CONTENTS"/>
+  <p:tag name="MH_TYPE" val="ENTRY"/>
+  <p:tag name="ID" val="553526"/>
+  <p:tag name="MH_ORDER" val="3"/>
+  <p:tag name="KSO_WM_UNIT_TYPE" val="l_h_f"/>
+  <p:tag name="KSO_WM_UNIT_INDEX" val="1_3_1"/>
+  <p:tag name="KSO_WM_UNIT_ID" val="custom160564_11*l_h_f*1_3_1"/>
+  <p:tag name="KSO_WM_UNIT_CLEAR" val="1"/>
+  <p:tag name="KSO_WM_UNIT_LAYERLEVEL" val="1_1_1"/>
+  <p:tag name="KSO_WM_UNIT_VALUE" val="28"/>
+  <p:tag name="KSO_WM_UNIT_HIGHLIGHT" val="0"/>
+  <p:tag name="KSO_WM_UNIT_COMPATIBLE" val="0"/>
+  <p:tag name="KSO_WM_UNIT_PRESET_TEXT_INDEX" val="3"/>
+  <p:tag name="KSO_WM_UNIT_PRESET_TEXT_LEN" val="17"/>
+  <p:tag name="KSO_WM_DIAGRAM_GROUP_CODE" val="l1-1"/>
+</p:tagLst>
+</file>
+
+<file path=ppt/tags/tag27.xml><?xml version="1.0" encoding="utf-8"?>
+<p:tagLst xmlns:p="http://schemas.openxmlformats.org/presentationml/2006/main">
+  <p:tag name="KSO_WM_TAG_VERSION" val="1.0"/>
+  <p:tag name="KSO_WM_BEAUTIFY_FLAG" val="#wm#"/>
+  <p:tag name="KSO_WM_TEMPLATE_CATEGORY" val="custom"/>
+  <p:tag name="KSO_WM_TEMPLATE_INDEX" val="160564"/>
+  <p:tag name="MH" val="20150923145210"/>
+  <p:tag name="MH_LIBRARY" val="CONTENTS"/>
+  <p:tag name="MH_TYPE" val="OTHERS"/>
+  <p:tag name="ID" val="553526"/>
+  <p:tag name="KSO_WM_UNIT_TYPE" val="l_i"/>
+  <p:tag name="KSO_WM_UNIT_INDEX" val="1_6"/>
+  <p:tag name="KSO_WM_UNIT_ID" val="custom160564_11*l_i*1_6"/>
+  <p:tag name="KSO_WM_UNIT_CLEAR" val="1"/>
+  <p:tag name="KSO_WM_UNIT_LAYERLEVEL" val="1_1"/>
+  <p:tag name="KSO_WM_DIAGRAM_GROUP_CODE" val="l1-1"/>
+</p:tagLst>
+</file>
+
+<file path=ppt/tags/tag28.xml><?xml version="1.0" encoding="utf-8"?>
+<p:tagLst xmlns:p="http://schemas.openxmlformats.org/presentationml/2006/main">
+  <p:tag name="KSO_WM_TAG_VERSION" val="1.0"/>
+  <p:tag name="KSO_WM_BEAUTIFY_FLAG" val="#wm#"/>
+  <p:tag name="KSO_WM_UNIT_TYPE" val="i"/>
+  <p:tag name="KSO_WM_UNIT_ID" val="custom160564_11*i*28"/>
+  <p:tag name="KSO_WM_TEMPLATE_CATEGORY" val="custom"/>
+  <p:tag name="KSO_WM_TEMPLATE_INDEX" val="160564"/>
+  <p:tag name="KSO_WM_UNIT_INDEX" val="28"/>
+</p:tagLst>
+</file>
+
+<file path=ppt/tags/tag29.xml><?xml version="1.0" encoding="utf-8"?>
+<p:tagLst xmlns:p="http://schemas.openxmlformats.org/presentationml/2006/main">
+  <p:tag name="KSO_WM_TAG_VERSION" val="1.0"/>
+  <p:tag name="KSO_WM_BEAUTIFY_FLAG" val="#wm#"/>
+  <p:tag name="KSO_WM_TEMPLATE_CATEGORY" val="custom"/>
+  <p:tag name="KSO_WM_TEMPLATE_INDEX" val="160564"/>
+  <p:tag name="MH" val="20150923145210"/>
+  <p:tag name="MH_LIBRARY" val="CONTENTS"/>
+  <p:tag name="MH_TYPE" val="NUMBER"/>
+  <p:tag name="ID" val="553526"/>
+  <p:tag name="MH_ORDER" val="4"/>
+  <p:tag name="KSO_WM_UNIT_TYPE" val="l_i"/>
+  <p:tag name="KSO_WM_UNIT_INDEX" val="1_7"/>
+  <p:tag name="KSO_WM_UNIT_ID" val="custom160564_11*l_i*1_7"/>
+  <p:tag name="KSO_WM_UNIT_CLEAR" val="1"/>
+  <p:tag name="KSO_WM_UNIT_LAYERLEVEL" val="1_1"/>
+  <p:tag name="KSO_WM_DIAGRAM_GROUP_CODE" val="l1-1"/>
+</p:tagLst>
+</file>
+
+<file path=ppt/tags/tag3.xml><?xml version="1.0" encoding="utf-8"?>
+<p:tagLst xmlns:p="http://schemas.openxmlformats.org/presentationml/2006/main">
+  <p:tag name="KSO_WM_TAG_VERSION" val="1.0"/>
+  <p:tag name="KSO_WM_TEMPLATE_CATEGORY" val="custom"/>
+  <p:tag name="KSO_WM_TEMPLATE_INDEX" val="160564"/>
+</p:tagLst>
+</file>
+
+<file path=ppt/tags/tag30.xml><?xml version="1.0" encoding="utf-8"?>
+<p:tagLst xmlns:p="http://schemas.openxmlformats.org/presentationml/2006/main">
+  <p:tag name="KSO_WM_TAG_VERSION" val="1.0"/>
+  <p:tag name="KSO_WM_BEAUTIFY_FLAG" val="#wm#"/>
+  <p:tag name="KSO_WM_TEMPLATE_CATEGORY" val="custom"/>
+  <p:tag name="KSO_WM_TEMPLATE_INDEX" val="160564"/>
+  <p:tag name="MH" val="20150923145210"/>
+  <p:tag name="MH_LIBRARY" val="CONTENTS"/>
+  <p:tag name="MH_TYPE" val="ENTRY"/>
+  <p:tag name="ID" val="553526"/>
+  <p:tag name="MH_ORDER" val="4"/>
+  <p:tag name="KSO_WM_UNIT_TYPE" val="l_h_f"/>
+  <p:tag name="KSO_WM_UNIT_INDEX" val="1_4_1"/>
+  <p:tag name="KSO_WM_UNIT_ID" val="custom160564_11*l_h_f*1_4_1"/>
+  <p:tag name="KSO_WM_UNIT_CLEAR" val="1"/>
+  <p:tag name="KSO_WM_UNIT_LAYERLEVEL" val="1_1_1"/>
+  <p:tag name="KSO_WM_UNIT_VALUE" val="28"/>
+  <p:tag name="KSO_WM_UNIT_HIGHLIGHT" val="0"/>
+  <p:tag name="KSO_WM_UNIT_COMPATIBLE" val="0"/>
+  <p:tag name="KSO_WM_UNIT_PRESET_TEXT_INDEX" val="3"/>
+  <p:tag name="KSO_WM_UNIT_PRESET_TEXT_LEN" val="17"/>
+  <p:tag name="KSO_WM_DIAGRAM_GROUP_CODE" val="l1-1"/>
+</p:tagLst>
+</file>
+
+<file path=ppt/tags/tag31.xml><?xml version="1.0" encoding="utf-8"?>
+<p:tagLst xmlns:p="http://schemas.openxmlformats.org/presentationml/2006/main">
+  <p:tag name="KSO_WM_TAG_VERSION" val="1.0"/>
+  <p:tag name="KSO_WM_BEAUTIFY_FLAG" val="#wm#"/>
+  <p:tag name="KSO_WM_TEMPLATE_CATEGORY" val="custom"/>
+  <p:tag name="KSO_WM_TEMPLATE_INDEX" val="160564"/>
+  <p:tag name="MH" val="20150923145210"/>
+  <p:tag name="MH_LIBRARY" val="CONTENTS"/>
+  <p:tag name="MH_TYPE" val="OTHERS"/>
+  <p:tag name="ID" val="553526"/>
+  <p:tag name="KSO_WM_UNIT_TYPE" val="l_i"/>
+  <p:tag name="KSO_WM_UNIT_INDEX" val="1_8"/>
+  <p:tag name="KSO_WM_UNIT_ID" val="custom160564_11*l_i*1_8"/>
+  <p:tag name="KSO_WM_UNIT_CLEAR" val="1"/>
+  <p:tag name="KSO_WM_UNIT_LAYERLEVEL" val="1_1"/>
+  <p:tag name="KSO_WM_DIAGRAM_GROUP_CODE" val="l1-1"/>
+</p:tagLst>
+</file>
+
+<file path=ppt/tags/tag32.xml><?xml version="1.0" encoding="utf-8"?>
+<p:tagLst xmlns:p="http://schemas.openxmlformats.org/presentationml/2006/main">
+  <p:tag name="KSO_WM_TAG_VERSION" val="1.0"/>
+  <p:tag name="KSO_WM_BEAUTIFY_FLAG" val="#wm#"/>
+  <p:tag name="KSO_WM_UNIT_TYPE" val="i"/>
+  <p:tag name="KSO_WM_UNIT_ID" val="custom160564_11*i*35"/>
+  <p:tag name="KSO_WM_TEMPLATE_CATEGORY" val="custom"/>
+  <p:tag name="KSO_WM_TEMPLATE_INDEX" val="160564"/>
+  <p:tag name="KSO_WM_UNIT_INDEX" val="35"/>
+</p:tagLst>
+</file>
+
+<file path=ppt/tags/tag33.xml><?xml version="1.0" encoding="utf-8"?>
+<p:tagLst xmlns:p="http://schemas.openxmlformats.org/presentationml/2006/main">
+  <p:tag name="KSO_WM_TAG_VERSION" val="1.0"/>
+  <p:tag name="KSO_WM_BEAUTIFY_FLAG" val="#wm#"/>
+  <p:tag name="KSO_WM_TEMPLATE_CATEGORY" val="custom"/>
+  <p:tag name="KSO_WM_TEMPLATE_INDEX" val="160564"/>
+  <p:tag name="MH" val="20150923145210"/>
+  <p:tag name="MH_LIBRARY" val="CONTENTS"/>
+  <p:tag name="MH_TYPE" val="NUMBER"/>
+  <p:tag name="ID" val="553526"/>
+  <p:tag name="MH_ORDER" val="6"/>
+  <p:tag name="KSO_WM_UNIT_TYPE" val="l_i"/>
+  <p:tag name="KSO_WM_UNIT_INDEX" val="1_11"/>
+  <p:tag name="KSO_WM_UNIT_ID" val="custom160564_11*l_i*1_11"/>
+  <p:tag name="KSO_WM_UNIT_CLEAR" val="1"/>
+  <p:tag name="KSO_WM_UNIT_LAYERLEVEL" val="1_1"/>
+  <p:tag name="KSO_WM_DIAGRAM_GROUP_CODE" val="l1-1"/>
+</p:tagLst>
+</file>
+
+<file path=ppt/tags/tag34.xml><?xml version="1.0" encoding="utf-8"?>
+<p:tagLst xmlns:p="http://schemas.openxmlformats.org/presentationml/2006/main">
+  <p:tag name="KSO_WM_TAG_VERSION" val="1.0"/>
+  <p:tag name="KSO_WM_BEAUTIFY_FLAG" val="#wm#"/>
+  <p:tag name="KSO_WM_TEMPLATE_CATEGORY" val="custom"/>
+  <p:tag name="KSO_WM_TEMPLATE_INDEX" val="160564"/>
+  <p:tag name="MH" val="20150923145210"/>
+  <p:tag name="MH_LIBRARY" val="CONTENTS"/>
+  <p:tag name="MH_TYPE" val="ENTRY"/>
+  <p:tag name="ID" val="553526"/>
+  <p:tag name="MH_ORDER" val="6"/>
+  <p:tag name="KSO_WM_UNIT_TYPE" val="l_h_f"/>
+  <p:tag name="KSO_WM_UNIT_INDEX" val="1_6_1"/>
+  <p:tag name="KSO_WM_UNIT_ID" val="custom160564_11*l_h_f*1_6_1"/>
+  <p:tag name="KSO_WM_UNIT_CLEAR" val="1"/>
+  <p:tag name="KSO_WM_UNIT_LAYERLEVEL" val="1_1_1"/>
+  <p:tag name="KSO_WM_UNIT_VALUE" val="28"/>
+  <p:tag name="KSO_WM_UNIT_HIGHLIGHT" val="0"/>
+  <p:tag name="KSO_WM_UNIT_COMPATIBLE" val="0"/>
+  <p:tag name="KSO_WM_UNIT_PRESET_TEXT_INDEX" val="3"/>
+  <p:tag name="KSO_WM_UNIT_PRESET_TEXT_LEN" val="17"/>
+  <p:tag name="KSO_WM_DIAGRAM_GROUP_CODE" val="l1-1"/>
+</p:tagLst>
+</file>
+
+<file path=ppt/tags/tag35.xml><?xml version="1.0" encoding="utf-8"?>
+<p:tagLst xmlns:p="http://schemas.openxmlformats.org/presentationml/2006/main">
+  <p:tag name="KSO_WM_TAG_VERSION" val="1.0"/>
+  <p:tag name="KSO_WM_BEAUTIFY_FLAG" val="#wm#"/>
+  <p:tag name="KSO_WM_TEMPLATE_CATEGORY" val="custom"/>
+  <p:tag name="KSO_WM_TEMPLATE_INDEX" val="160564"/>
+  <p:tag name="MH" val="20150923145210"/>
+  <p:tag name="MH_LIBRARY" val="CONTENTS"/>
+  <p:tag name="MH_TYPE" val="OTHERS"/>
+  <p:tag name="ID" val="553526"/>
+  <p:tag name="KSO_WM_UNIT_TYPE" val="l_i"/>
+  <p:tag name="KSO_WM_UNIT_INDEX" val="1_12"/>
+  <p:tag name="KSO_WM_UNIT_ID" val="custom160564_11*l_i*1_12"/>
+  <p:tag name="KSO_WM_UNIT_CLEAR" val="1"/>
+  <p:tag name="KSO_WM_UNIT_LAYERLEVEL" val="1_1"/>
+  <p:tag name="KSO_WM_DIAGRAM_GROUP_CODE" val="l1-1"/>
+</p:tagLst>
+</file>
+
+<file path=ppt/tags/tag36.xml><?xml version="1.0" encoding="utf-8"?>
+<p:tagLst xmlns:p="http://schemas.openxmlformats.org/presentationml/2006/main">
+  <p:tag name="MH" val="20150923145210"/>
+  <p:tag name="MH_LIBRARY" val="CONTENTS"/>
+  <p:tag name="MH_TYPE" val="OTHERS"/>
+  <p:tag name="ID" val="553526"/>
+  <p:tag name="KSO_WM_TAG_VERSION" val="1.0"/>
+  <p:tag name="KSO_WM_BEAUTIFY_FLAG" val="#wm#"/>
+  <p:tag name="KSO_WM_UNIT_TYPE" val="i"/>
+  <p:tag name="KSO_WM_UNIT_ID" val="custom160564_11*i*42"/>
+  <p:tag name="KSO_WM_TEMPLATE_CATEGORY" val="custom"/>
+  <p:tag name="KSO_WM_TEMPLATE_INDEX" val="160564"/>
+  <p:tag name="KSO_WM_UNIT_INDEX" val="42"/>
+</p:tagLst>
+</file>
+
+<file path=ppt/tags/tag37.xml><?xml version="1.0" encoding="utf-8"?>
+<p:tagLst xmlns:p="http://schemas.openxmlformats.org/presentationml/2006/main">
+  <p:tag name="KSO_WM_TAG_VERSION" val="1.0"/>
+  <p:tag name="KSO_WM_BEAUTIFY_FLAG" val="#wm#"/>
+  <p:tag name="KSO_WM_TEMPLATE_CATEGORY" val="custom"/>
+  <p:tag name="KSO_WM_TEMPLATE_INDEX" val="160564"/>
+  <p:tag name="MH" val="20150923145210"/>
+  <p:tag name="MH_LIBRARY" val="CONTENTS"/>
+  <p:tag name="MH_TYPE" val="OTHERS"/>
+  <p:tag name="ID" val="553526"/>
+  <p:tag name="KSO_WM_UNIT_TYPE" val="a"/>
+  <p:tag name="KSO_WM_UNIT_INDEX" val="1"/>
+  <p:tag name="KSO_WM_UNIT_ID" val="custom160564_11*a*1"/>
+  <p:tag name="KSO_WM_UNIT_CLEAR" val="1"/>
+  <p:tag name="KSO_WM_UNIT_LAYERLEVEL" val="1"/>
+  <p:tag name="KSO_WM_UNIT_ISCONTENTSTITLE" val="1"/>
+  <p:tag name="KSO_WM_UNIT_VALUE" val="5"/>
+  <p:tag name="KSO_WM_UNIT_HIGHLIGHT" val="0"/>
+  <p:tag name="KSO_WM_UNIT_COMPATIBLE" val="0"/>
+  <p:tag name="KSO_WM_UNIT_BIND_DECORATION_IDS" val="custom160564_11*i*42"/>
+  <p:tag name="KSO_WM_UNIT_PRESET_TEXT" val="目录"/>
+</p:tagLst>
+</file>
+
+<file path=ppt/tags/tag38.xml><?xml version="1.0" encoding="utf-8"?>
+<p:tagLst xmlns:p="http://schemas.openxmlformats.org/presentationml/2006/main">
+  <p:tag name="KSO_WM_TAG_VERSION" val="1.0"/>
+  <p:tag name="KSO_WM_BEAUTIFY_FLAG" val="#wm#"/>
+  <p:tag name="KSO_WM_UNIT_TYPE" val="i"/>
+  <p:tag name="KSO_WM_UNIT_ID" val="custom160564_11*i*7"/>
+  <p:tag name="KSO_WM_TEMPLATE_CATEGORY" val="custom"/>
+  <p:tag name="KSO_WM_TEMPLATE_INDEX" val="160564"/>
+  <p:tag name="KSO_WM_UNIT_INDEX" val="7"/>
+</p:tagLst>
+</file>
+
+<file path=ppt/tags/tag39.xml><?xml version="1.0" encoding="utf-8"?>
+<p:tagLst xmlns:p="http://schemas.openxmlformats.org/presentationml/2006/main">
   <p:tag name="KSO_WM_TAG_VERSION" val="1.0"/>
   <p:tag name="KSO_WM_BEAUTIFY_FLAG" val="#wm#"/>
   <p:tag name="KSO_WM_TEMPLATE_CATEGORY" val="custom"/>
@@ -24039,8 +24688,16 @@
 </p:tagLst>
 </file>
 
-<file path=ppt/tags/tag27.xml><?xml version="1.0" encoding="utf-8"?>
-<p:tagLst xmlns:a="http://schemas.openxmlformats.org/drawingml/2006/main" xmlns:r="http://schemas.openxmlformats.org/officeDocument/2006/relationships" xmlns:p="http://schemas.openxmlformats.org/presentationml/2006/main">
+<file path=ppt/tags/tag4.xml><?xml version="1.0" encoding="utf-8"?>
+<p:tagLst xmlns:p="http://schemas.openxmlformats.org/presentationml/2006/main">
+  <p:tag name="KSO_WM_TAG_VERSION" val="1.0"/>
+  <p:tag name="KSO_WM_TEMPLATE_CATEGORY" val="custom"/>
+  <p:tag name="KSO_WM_TEMPLATE_INDEX" val="160564"/>
+</p:tagLst>
+</file>
+
+<file path=ppt/tags/tag40.xml><?xml version="1.0" encoding="utf-8"?>
+<p:tagLst xmlns:p="http://schemas.openxmlformats.org/presentationml/2006/main">
   <p:tag name="KSO_WM_TAG_VERSION" val="1.0"/>
   <p:tag name="KSO_WM_BEAUTIFY_FLAG" val="#wm#"/>
   <p:tag name="KSO_WM_TEMPLATE_CATEGORY" val="custom"/>
@@ -24064,8 +24721,8 @@
 </p:tagLst>
 </file>
 
-<file path=ppt/tags/tag28.xml><?xml version="1.0" encoding="utf-8"?>
-<p:tagLst xmlns:a="http://schemas.openxmlformats.org/drawingml/2006/main" xmlns:r="http://schemas.openxmlformats.org/officeDocument/2006/relationships" xmlns:p="http://schemas.openxmlformats.org/presentationml/2006/main">
+<file path=ppt/tags/tag41.xml><?xml version="1.0" encoding="utf-8"?>
+<p:tagLst xmlns:p="http://schemas.openxmlformats.org/presentationml/2006/main">
   <p:tag name="KSO_WM_TAG_VERSION" val="1.0"/>
   <p:tag name="KSO_WM_BEAUTIFY_FLAG" val="#wm#"/>
   <p:tag name="KSO_WM_TEMPLATE_CATEGORY" val="custom"/>
@@ -24083,280 +24740,20 @@
 </p:tagLst>
 </file>
 
-<file path=ppt/tags/tag29.xml><?xml version="1.0" encoding="utf-8"?>
-<p:tagLst xmlns:a="http://schemas.openxmlformats.org/drawingml/2006/main" xmlns:r="http://schemas.openxmlformats.org/officeDocument/2006/relationships" xmlns:p="http://schemas.openxmlformats.org/presentationml/2006/main">
+<file path=ppt/tags/tag42.xml><?xml version="1.0" encoding="utf-8"?>
+<p:tagLst xmlns:p="http://schemas.openxmlformats.org/presentationml/2006/main">
   <p:tag name="KSO_WM_TAG_VERSION" val="1.0"/>
   <p:tag name="KSO_WM_BEAUTIFY_FLAG" val="#wm#"/>
+  <p:tag name="KSO_WM_UNIT_TYPE" val="i"/>
+  <p:tag name="KSO_WM_UNIT_ID" val="custom160564_11*i*7"/>
   <p:tag name="KSO_WM_TEMPLATE_CATEGORY" val="custom"/>
   <p:tag name="KSO_WM_TEMPLATE_INDEX" val="160564"/>
-  <p:tag name="MH" val="20150923145210"/>
-  <p:tag name="MH_LIBRARY" val="CONTENTS"/>
-  <p:tag name="MH_TYPE" val="NUMBER"/>
-  <p:tag name="ID" val="553526"/>
-  <p:tag name="MH_ORDER" val="6"/>
-  <p:tag name="KSO_WM_UNIT_TYPE" val="l_i"/>
-  <p:tag name="KSO_WM_UNIT_INDEX" val="1_11"/>
-  <p:tag name="KSO_WM_UNIT_ID" val="custom160564_11*l_i*1_11"/>
-  <p:tag name="KSO_WM_UNIT_CLEAR" val="1"/>
-  <p:tag name="KSO_WM_UNIT_LAYERLEVEL" val="1_1"/>
-  <p:tag name="KSO_WM_DIAGRAM_GROUP_CODE" val="l1-1"/>
+  <p:tag name="KSO_WM_UNIT_INDEX" val="7"/>
 </p:tagLst>
 </file>
 
-<file path=ppt/tags/tag3.xml><?xml version="1.0" encoding="utf-8"?>
-<p:tagLst xmlns:a="http://schemas.openxmlformats.org/drawingml/2006/main" xmlns:r="http://schemas.openxmlformats.org/officeDocument/2006/relationships" xmlns:p="http://schemas.openxmlformats.org/presentationml/2006/main">
-  <p:tag name="MH" val="20150923145622"/>
-  <p:tag name="MH_LIBRARY" val="GRAPHIC"/>
-  <p:tag name="MH_ORDER" val="Freeform 9"/>
-</p:tagLst>
-</file>
-
-<file path=ppt/tags/tag30.xml><?xml version="1.0" encoding="utf-8"?>
-<p:tagLst xmlns:a="http://schemas.openxmlformats.org/drawingml/2006/main" xmlns:r="http://schemas.openxmlformats.org/officeDocument/2006/relationships" xmlns:p="http://schemas.openxmlformats.org/presentationml/2006/main">
-  <p:tag name="KSO_WM_TAG_VERSION" val="1.0"/>
-  <p:tag name="KSO_WM_BEAUTIFY_FLAG" val="#wm#"/>
-  <p:tag name="KSO_WM_TEMPLATE_CATEGORY" val="custom"/>
-  <p:tag name="KSO_WM_TEMPLATE_INDEX" val="160564"/>
-  <p:tag name="MH" val="20150923145210"/>
-  <p:tag name="MH_LIBRARY" val="CONTENTS"/>
-  <p:tag name="MH_TYPE" val="ENTRY"/>
-  <p:tag name="ID" val="553526"/>
-  <p:tag name="MH_ORDER" val="6"/>
-  <p:tag name="KSO_WM_UNIT_TYPE" val="l_h_f"/>
-  <p:tag name="KSO_WM_UNIT_INDEX" val="1_6_1"/>
-  <p:tag name="KSO_WM_UNIT_ID" val="custom160564_11*l_h_f*1_6_1"/>
-  <p:tag name="KSO_WM_UNIT_CLEAR" val="1"/>
-  <p:tag name="KSO_WM_UNIT_LAYERLEVEL" val="1_1_1"/>
-  <p:tag name="KSO_WM_UNIT_VALUE" val="28"/>
-  <p:tag name="KSO_WM_UNIT_HIGHLIGHT" val="0"/>
-  <p:tag name="KSO_WM_UNIT_COMPATIBLE" val="0"/>
-  <p:tag name="KSO_WM_UNIT_PRESET_TEXT_INDEX" val="3"/>
-  <p:tag name="KSO_WM_UNIT_PRESET_TEXT_LEN" val="17"/>
-  <p:tag name="KSO_WM_DIAGRAM_GROUP_CODE" val="l1-1"/>
-</p:tagLst>
-</file>
-
-<file path=ppt/tags/tag31.xml><?xml version="1.0" encoding="utf-8"?>
-<p:tagLst xmlns:a="http://schemas.openxmlformats.org/drawingml/2006/main" xmlns:r="http://schemas.openxmlformats.org/officeDocument/2006/relationships" xmlns:p="http://schemas.openxmlformats.org/presentationml/2006/main">
-  <p:tag name="KSO_WM_TAG_VERSION" val="1.0"/>
-  <p:tag name="KSO_WM_BEAUTIFY_FLAG" val="#wm#"/>
-  <p:tag name="KSO_WM_TEMPLATE_CATEGORY" val="custom"/>
-  <p:tag name="KSO_WM_TEMPLATE_INDEX" val="160564"/>
-  <p:tag name="MH" val="20150923145210"/>
-  <p:tag name="MH_LIBRARY" val="CONTENTS"/>
-  <p:tag name="MH_TYPE" val="OTHERS"/>
-  <p:tag name="ID" val="553526"/>
-  <p:tag name="KSO_WM_UNIT_TYPE" val="l_i"/>
-  <p:tag name="KSO_WM_UNIT_INDEX" val="1_12"/>
-  <p:tag name="KSO_WM_UNIT_ID" val="custom160564_11*l_i*1_12"/>
-  <p:tag name="KSO_WM_UNIT_CLEAR" val="1"/>
-  <p:tag name="KSO_WM_UNIT_LAYERLEVEL" val="1_1"/>
-  <p:tag name="KSO_WM_DIAGRAM_GROUP_CODE" val="l1-1"/>
-</p:tagLst>
-</file>
-
-<file path=ppt/tags/tag32.xml><?xml version="1.0" encoding="utf-8"?>
-<p:tagLst xmlns:a="http://schemas.openxmlformats.org/drawingml/2006/main" xmlns:r="http://schemas.openxmlformats.org/officeDocument/2006/relationships" xmlns:p="http://schemas.openxmlformats.org/presentationml/2006/main">
-  <p:tag name="KSO_WM_TAG_VERSION" val="1.0"/>
-  <p:tag name="KSO_WM_BEAUTIFY_FLAG" val="#wm#"/>
-  <p:tag name="KSO_WM_TEMPLATE_CATEGORY" val="custom"/>
-  <p:tag name="KSO_WM_TEMPLATE_INDEX" val="160564"/>
-  <p:tag name="MH" val="20150923145210"/>
-  <p:tag name="MH_LIBRARY" val="CONTENTS"/>
-  <p:tag name="MH_TYPE" val="NUMBER"/>
-  <p:tag name="ID" val="553526"/>
-  <p:tag name="MH_ORDER" val="4"/>
-  <p:tag name="KSO_WM_UNIT_TYPE" val="l_i"/>
-  <p:tag name="KSO_WM_UNIT_INDEX" val="1_7"/>
-  <p:tag name="KSO_WM_UNIT_ID" val="custom160564_11*l_i*1_7"/>
-  <p:tag name="KSO_WM_UNIT_CLEAR" val="1"/>
-  <p:tag name="KSO_WM_UNIT_LAYERLEVEL" val="1_1"/>
-  <p:tag name="KSO_WM_DIAGRAM_GROUP_CODE" val="l1-1"/>
-</p:tagLst>
-</file>
-
-<file path=ppt/tags/tag33.xml><?xml version="1.0" encoding="utf-8"?>
-<p:tagLst xmlns:a="http://schemas.openxmlformats.org/drawingml/2006/main" xmlns:r="http://schemas.openxmlformats.org/officeDocument/2006/relationships" xmlns:p="http://schemas.openxmlformats.org/presentationml/2006/main">
-  <p:tag name="KSO_WM_TAG_VERSION" val="1.0"/>
-  <p:tag name="KSO_WM_BEAUTIFY_FLAG" val="#wm#"/>
-  <p:tag name="KSO_WM_TEMPLATE_CATEGORY" val="custom"/>
-  <p:tag name="KSO_WM_TEMPLATE_INDEX" val="160564"/>
-  <p:tag name="MH" val="20150923145210"/>
-  <p:tag name="MH_LIBRARY" val="CONTENTS"/>
-  <p:tag name="MH_TYPE" val="ENTRY"/>
-  <p:tag name="ID" val="553526"/>
-  <p:tag name="MH_ORDER" val="4"/>
-  <p:tag name="KSO_WM_UNIT_TYPE" val="l_h_f"/>
-  <p:tag name="KSO_WM_UNIT_INDEX" val="1_4_1"/>
-  <p:tag name="KSO_WM_UNIT_ID" val="custom160564_11*l_h_f*1_4_1"/>
-  <p:tag name="KSO_WM_UNIT_CLEAR" val="1"/>
-  <p:tag name="KSO_WM_UNIT_LAYERLEVEL" val="1_1_1"/>
-  <p:tag name="KSO_WM_UNIT_VALUE" val="28"/>
-  <p:tag name="KSO_WM_UNIT_HIGHLIGHT" val="0"/>
-  <p:tag name="KSO_WM_UNIT_COMPATIBLE" val="0"/>
-  <p:tag name="KSO_WM_UNIT_PRESET_TEXT_INDEX" val="3"/>
-  <p:tag name="KSO_WM_UNIT_PRESET_TEXT_LEN" val="17"/>
-  <p:tag name="KSO_WM_DIAGRAM_GROUP_CODE" val="l1-1"/>
-</p:tagLst>
-</file>
-
-<file path=ppt/tags/tag34.xml><?xml version="1.0" encoding="utf-8"?>
-<p:tagLst xmlns:a="http://schemas.openxmlformats.org/drawingml/2006/main" xmlns:r="http://schemas.openxmlformats.org/officeDocument/2006/relationships" xmlns:p="http://schemas.openxmlformats.org/presentationml/2006/main">
-  <p:tag name="KSO_WM_TAG_VERSION" val="1.0"/>
-  <p:tag name="KSO_WM_BEAUTIFY_FLAG" val="#wm#"/>
-  <p:tag name="KSO_WM_TEMPLATE_CATEGORY" val="custom"/>
-  <p:tag name="KSO_WM_TEMPLATE_INDEX" val="160564"/>
-  <p:tag name="MH" val="20150923145210"/>
-  <p:tag name="MH_LIBRARY" val="CONTENTS"/>
-  <p:tag name="MH_TYPE" val="OTHERS"/>
-  <p:tag name="ID" val="553526"/>
-  <p:tag name="KSO_WM_UNIT_TYPE" val="l_i"/>
-  <p:tag name="KSO_WM_UNIT_INDEX" val="1_8"/>
-  <p:tag name="KSO_WM_UNIT_ID" val="custom160564_11*l_i*1_8"/>
-  <p:tag name="KSO_WM_UNIT_CLEAR" val="1"/>
-  <p:tag name="KSO_WM_UNIT_LAYERLEVEL" val="1_1"/>
-  <p:tag name="KSO_WM_DIAGRAM_GROUP_CODE" val="l1-1"/>
-</p:tagLst>
-</file>
-
-<file path=ppt/tags/tag35.xml><?xml version="1.0" encoding="utf-8"?>
-<p:tagLst xmlns:a="http://schemas.openxmlformats.org/drawingml/2006/main" xmlns:r="http://schemas.openxmlformats.org/officeDocument/2006/relationships" xmlns:p="http://schemas.openxmlformats.org/presentationml/2006/main">
-  <p:tag name="KSO_WM_TAG_VERSION" val="1.0"/>
-  <p:tag name="KSO_WM_BEAUTIFY_FLAG" val="#wm#"/>
-  <p:tag name="KSO_WM_TEMPLATE_CATEGORY" val="custom"/>
-  <p:tag name="KSO_WM_TEMPLATE_INDEX" val="160564"/>
-  <p:tag name="MH" val="20150923145210"/>
-  <p:tag name="MH_LIBRARY" val="CONTENTS"/>
-  <p:tag name="MH_TYPE" val="NUMBER"/>
-  <p:tag name="ID" val="553526"/>
-  <p:tag name="MH_ORDER" val="3"/>
-  <p:tag name="KSO_WM_UNIT_TYPE" val="l_i"/>
-  <p:tag name="KSO_WM_UNIT_INDEX" val="1_5"/>
-  <p:tag name="KSO_WM_UNIT_ID" val="custom160564_11*l_i*1_5"/>
-  <p:tag name="KSO_WM_UNIT_CLEAR" val="1"/>
-  <p:tag name="KSO_WM_UNIT_LAYERLEVEL" val="1_1"/>
-  <p:tag name="KSO_WM_DIAGRAM_GROUP_CODE" val="l1-1"/>
-</p:tagLst>
-</file>
-
-<file path=ppt/tags/tag36.xml><?xml version="1.0" encoding="utf-8"?>
-<p:tagLst xmlns:a="http://schemas.openxmlformats.org/drawingml/2006/main" xmlns:r="http://schemas.openxmlformats.org/officeDocument/2006/relationships" xmlns:p="http://schemas.openxmlformats.org/presentationml/2006/main">
-  <p:tag name="KSO_WM_TAG_VERSION" val="1.0"/>
-  <p:tag name="KSO_WM_BEAUTIFY_FLAG" val="#wm#"/>
-  <p:tag name="KSO_WM_TEMPLATE_CATEGORY" val="custom"/>
-  <p:tag name="KSO_WM_TEMPLATE_INDEX" val="160564"/>
-  <p:tag name="MH" val="20150923145210"/>
-  <p:tag name="MH_LIBRARY" val="CONTENTS"/>
-  <p:tag name="MH_TYPE" val="ENTRY"/>
-  <p:tag name="ID" val="553526"/>
-  <p:tag name="MH_ORDER" val="3"/>
-  <p:tag name="KSO_WM_UNIT_TYPE" val="l_h_f"/>
-  <p:tag name="KSO_WM_UNIT_INDEX" val="1_3_1"/>
-  <p:tag name="KSO_WM_UNIT_ID" val="custom160564_11*l_h_f*1_3_1"/>
-  <p:tag name="KSO_WM_UNIT_CLEAR" val="1"/>
-  <p:tag name="KSO_WM_UNIT_LAYERLEVEL" val="1_1_1"/>
-  <p:tag name="KSO_WM_UNIT_VALUE" val="28"/>
-  <p:tag name="KSO_WM_UNIT_HIGHLIGHT" val="0"/>
-  <p:tag name="KSO_WM_UNIT_COMPATIBLE" val="0"/>
-  <p:tag name="KSO_WM_UNIT_PRESET_TEXT_INDEX" val="3"/>
-  <p:tag name="KSO_WM_UNIT_PRESET_TEXT_LEN" val="17"/>
-  <p:tag name="KSO_WM_DIAGRAM_GROUP_CODE" val="l1-1"/>
-</p:tagLst>
-</file>
-
-<file path=ppt/tags/tag37.xml><?xml version="1.0" encoding="utf-8"?>
-<p:tagLst xmlns:a="http://schemas.openxmlformats.org/drawingml/2006/main" xmlns:r="http://schemas.openxmlformats.org/officeDocument/2006/relationships" xmlns:p="http://schemas.openxmlformats.org/presentationml/2006/main">
-  <p:tag name="KSO_WM_TAG_VERSION" val="1.0"/>
-  <p:tag name="KSO_WM_BEAUTIFY_FLAG" val="#wm#"/>
-  <p:tag name="KSO_WM_TEMPLATE_CATEGORY" val="custom"/>
-  <p:tag name="KSO_WM_TEMPLATE_INDEX" val="160564"/>
-  <p:tag name="MH" val="20150923145210"/>
-  <p:tag name="MH_LIBRARY" val="CONTENTS"/>
-  <p:tag name="MH_TYPE" val="OTHERS"/>
-  <p:tag name="ID" val="553526"/>
-  <p:tag name="KSO_WM_UNIT_TYPE" val="l_i"/>
-  <p:tag name="KSO_WM_UNIT_INDEX" val="1_6"/>
-  <p:tag name="KSO_WM_UNIT_ID" val="custom160564_11*l_i*1_6"/>
-  <p:tag name="KSO_WM_UNIT_CLEAR" val="1"/>
-  <p:tag name="KSO_WM_UNIT_LAYERLEVEL" val="1_1"/>
-  <p:tag name="KSO_WM_DIAGRAM_GROUP_CODE" val="l1-1"/>
-</p:tagLst>
-</file>
-
-<file path=ppt/tags/tag38.xml><?xml version="1.0" encoding="utf-8"?>
-<p:tagLst xmlns:a="http://schemas.openxmlformats.org/drawingml/2006/main" xmlns:r="http://schemas.openxmlformats.org/officeDocument/2006/relationships" xmlns:p="http://schemas.openxmlformats.org/presentationml/2006/main">
-  <p:tag name="KSO_WM_TAG_VERSION" val="1.0"/>
-  <p:tag name="KSO_WM_BEAUTIFY_FLAG" val="#wm#"/>
-  <p:tag name="KSO_WM_TEMPLATE_CATEGORY" val="custom"/>
-  <p:tag name="KSO_WM_TEMPLATE_INDEX" val="160564"/>
-  <p:tag name="MH" val="20150923145210"/>
-  <p:tag name="MH_LIBRARY" val="CONTENTS"/>
-  <p:tag name="MH_TYPE" val="NUMBER"/>
-  <p:tag name="ID" val="553526"/>
-  <p:tag name="MH_ORDER" val="2"/>
-  <p:tag name="KSO_WM_UNIT_TYPE" val="l_i"/>
-  <p:tag name="KSO_WM_UNIT_INDEX" val="1_3"/>
-  <p:tag name="KSO_WM_UNIT_ID" val="custom160564_11*l_i*1_3"/>
-  <p:tag name="KSO_WM_UNIT_CLEAR" val="1"/>
-  <p:tag name="KSO_WM_UNIT_LAYERLEVEL" val="1_1"/>
-  <p:tag name="KSO_WM_DIAGRAM_GROUP_CODE" val="l1-1"/>
-</p:tagLst>
-</file>
-
-<file path=ppt/tags/tag39.xml><?xml version="1.0" encoding="utf-8"?>
-<p:tagLst xmlns:a="http://schemas.openxmlformats.org/drawingml/2006/main" xmlns:r="http://schemas.openxmlformats.org/officeDocument/2006/relationships" xmlns:p="http://schemas.openxmlformats.org/presentationml/2006/main">
-  <p:tag name="KSO_WM_TAG_VERSION" val="1.0"/>
-  <p:tag name="KSO_WM_BEAUTIFY_FLAG" val="#wm#"/>
-  <p:tag name="KSO_WM_TEMPLATE_CATEGORY" val="custom"/>
-  <p:tag name="KSO_WM_TEMPLATE_INDEX" val="160564"/>
-  <p:tag name="MH" val="20150923145210"/>
-  <p:tag name="MH_LIBRARY" val="CONTENTS"/>
-  <p:tag name="MH_TYPE" val="ENTRY"/>
-  <p:tag name="ID" val="553526"/>
-  <p:tag name="MH_ORDER" val="2"/>
-  <p:tag name="KSO_WM_UNIT_TYPE" val="l_h_f"/>
-  <p:tag name="KSO_WM_UNIT_INDEX" val="1_2_1"/>
-  <p:tag name="KSO_WM_UNIT_ID" val="custom160564_11*l_h_f*1_2_1"/>
-  <p:tag name="KSO_WM_UNIT_CLEAR" val="1"/>
-  <p:tag name="KSO_WM_UNIT_LAYERLEVEL" val="1_1_1"/>
-  <p:tag name="KSO_WM_UNIT_VALUE" val="28"/>
-  <p:tag name="KSO_WM_UNIT_HIGHLIGHT" val="0"/>
-  <p:tag name="KSO_WM_UNIT_COMPATIBLE" val="0"/>
-  <p:tag name="KSO_WM_UNIT_PRESET_TEXT_INDEX" val="3"/>
-  <p:tag name="KSO_WM_UNIT_PRESET_TEXT_LEN" val="17"/>
-  <p:tag name="KSO_WM_DIAGRAM_GROUP_CODE" val="l1-1"/>
-</p:tagLst>
-</file>
-
-<file path=ppt/tags/tag4.xml><?xml version="1.0" encoding="utf-8"?>
-<p:tagLst xmlns:a="http://schemas.openxmlformats.org/drawingml/2006/main" xmlns:r="http://schemas.openxmlformats.org/officeDocument/2006/relationships" xmlns:p="http://schemas.openxmlformats.org/presentationml/2006/main">
-  <p:tag name="MH" val="20150923145622"/>
-  <p:tag name="MH_LIBRARY" val="GRAPHIC"/>
-  <p:tag name="MH_ORDER" val="Straight Connector 13"/>
-</p:tagLst>
-</file>
-
-<file path=ppt/tags/tag40.xml><?xml version="1.0" encoding="utf-8"?>
-<p:tagLst xmlns:a="http://schemas.openxmlformats.org/drawingml/2006/main" xmlns:r="http://schemas.openxmlformats.org/officeDocument/2006/relationships" xmlns:p="http://schemas.openxmlformats.org/presentationml/2006/main">
-  <p:tag name="KSO_WM_TAG_VERSION" val="1.0"/>
-  <p:tag name="KSO_WM_BEAUTIFY_FLAG" val="#wm#"/>
-  <p:tag name="KSO_WM_TEMPLATE_CATEGORY" val="custom"/>
-  <p:tag name="KSO_WM_TEMPLATE_INDEX" val="160564"/>
-  <p:tag name="MH" val="20150923145210"/>
-  <p:tag name="MH_LIBRARY" val="CONTENTS"/>
-  <p:tag name="MH_TYPE" val="OTHERS"/>
-  <p:tag name="ID" val="553526"/>
-  <p:tag name="KSO_WM_UNIT_TYPE" val="l_i"/>
-  <p:tag name="KSO_WM_UNIT_INDEX" val="1_4"/>
-  <p:tag name="KSO_WM_UNIT_ID" val="custom160564_11*l_i*1_4"/>
-  <p:tag name="KSO_WM_UNIT_CLEAR" val="1"/>
-  <p:tag name="KSO_WM_UNIT_LAYERLEVEL" val="1_1"/>
-  <p:tag name="KSO_WM_DIAGRAM_GROUP_CODE" val="l1-1"/>
-</p:tagLst>
-</file>
-
-<file path=ppt/tags/tag41.xml><?xml version="1.0" encoding="utf-8"?>
-<p:tagLst xmlns:a="http://schemas.openxmlformats.org/drawingml/2006/main" xmlns:r="http://schemas.openxmlformats.org/officeDocument/2006/relationships" xmlns:p="http://schemas.openxmlformats.org/presentationml/2006/main">
+<file path=ppt/tags/tag43.xml><?xml version="1.0" encoding="utf-8"?>
+<p:tagLst xmlns:p="http://schemas.openxmlformats.org/presentationml/2006/main">
   <p:tag name="KSO_WM_TAG_VERSION" val="1.0"/>
   <p:tag name="KSO_WM_BEAUTIFY_FLAG" val="#wm#"/>
   <p:tag name="KSO_WM_TEMPLATE_CATEGORY" val="custom"/>
@@ -24375,8 +24772,8 @@
 </p:tagLst>
 </file>
 
-<file path=ppt/tags/tag42.xml><?xml version="1.0" encoding="utf-8"?>
-<p:tagLst xmlns:a="http://schemas.openxmlformats.org/drawingml/2006/main" xmlns:r="http://schemas.openxmlformats.org/officeDocument/2006/relationships" xmlns:p="http://schemas.openxmlformats.org/presentationml/2006/main">
+<file path=ppt/tags/tag44.xml><?xml version="1.0" encoding="utf-8"?>
+<p:tagLst xmlns:p="http://schemas.openxmlformats.org/presentationml/2006/main">
   <p:tag name="KSO_WM_TAG_VERSION" val="1.0"/>
   <p:tag name="KSO_WM_BEAUTIFY_FLAG" val="#wm#"/>
   <p:tag name="KSO_WM_TEMPLATE_CATEGORY" val="custom"/>
@@ -24400,8 +24797,8 @@
 </p:tagLst>
 </file>
 
-<file path=ppt/tags/tag43.xml><?xml version="1.0" encoding="utf-8"?>
-<p:tagLst xmlns:a="http://schemas.openxmlformats.org/drawingml/2006/main" xmlns:r="http://schemas.openxmlformats.org/officeDocument/2006/relationships" xmlns:p="http://schemas.openxmlformats.org/presentationml/2006/main">
+<file path=ppt/tags/tag45.xml><?xml version="1.0" encoding="utf-8"?>
+<p:tagLst xmlns:p="http://schemas.openxmlformats.org/presentationml/2006/main">
   <p:tag name="KSO_WM_TAG_VERSION" val="1.0"/>
   <p:tag name="KSO_WM_BEAUTIFY_FLAG" val="#wm#"/>
   <p:tag name="KSO_WM_TEMPLATE_CATEGORY" val="custom"/>
@@ -24419,89 +24816,29 @@
 </p:tagLst>
 </file>
 
-<file path=ppt/tags/tag44.xml><?xml version="1.0" encoding="utf-8"?>
-<p:tagLst xmlns:a="http://schemas.openxmlformats.org/drawingml/2006/main" xmlns:r="http://schemas.openxmlformats.org/officeDocument/2006/relationships" xmlns:p="http://schemas.openxmlformats.org/presentationml/2006/main">
-  <p:tag name="KSO_WM_TAG_VERSION" val="1.0"/>
-  <p:tag name="KSO_WM_BEAUTIFY_FLAG" val="#wm#"/>
+<file path=ppt/tags/tag46.xml><?xml version="1.0" encoding="utf-8"?>
+<p:tagLst xmlns:p="http://schemas.openxmlformats.org/presentationml/2006/main">
+  <p:tag name="MH" val="20150923145210"/>
+  <p:tag name="MH_LIBRARY" val="CONTENTS"/>
+  <p:tag name="MH_AUTOCOLOR" val="TRUE"/>
+  <p:tag name="MH_TYPE" val="CONTENTS"/>
+  <p:tag name="ID" val="553526"/>
   <p:tag name="KSO_WM_TEMPLATE_CATEGORY" val="custom"/>
   <p:tag name="KSO_WM_TEMPLATE_INDEX" val="160564"/>
-  <p:tag name="MH" val="20150923145210"/>
-  <p:tag name="MH_LIBRARY" val="CONTENTS"/>
-  <p:tag name="MH_TYPE" val="NUMBER"/>
-  <p:tag name="ID" val="553526"/>
-  <p:tag name="MH_ORDER" val="5"/>
-  <p:tag name="KSO_WM_UNIT_TYPE" val="l_i"/>
-  <p:tag name="KSO_WM_UNIT_INDEX" val="1_9"/>
-  <p:tag name="KSO_WM_UNIT_ID" val="custom160564_11*l_i*1_9"/>
-  <p:tag name="KSO_WM_UNIT_CLEAR" val="1"/>
-  <p:tag name="KSO_WM_UNIT_LAYERLEVEL" val="1_1"/>
-  <p:tag name="KSO_WM_DIAGRAM_GROUP_CODE" val="l1-1"/>
-</p:tagLst>
-</file>
-
-<file path=ppt/tags/tag45.xml><?xml version="1.0" encoding="utf-8"?>
-<p:tagLst xmlns:a="http://schemas.openxmlformats.org/drawingml/2006/main" xmlns:r="http://schemas.openxmlformats.org/officeDocument/2006/relationships" xmlns:p="http://schemas.openxmlformats.org/presentationml/2006/main">
   <p:tag name="KSO_WM_TAG_VERSION" val="1.0"/>
+  <p:tag name="KSO_WM_SLIDE_ID" val="custom160564_11"/>
+  <p:tag name="KSO_WM_SLIDE_INDEX" val="11"/>
+  <p:tag name="KSO_WM_SLIDE_ITEM_CNT" val="6"/>
+  <p:tag name="KSO_WM_SLIDE_LAYOUT" val="a_l"/>
+  <p:tag name="KSO_WM_SLIDE_LAYOUT_CNT" val="1_1"/>
+  <p:tag name="KSO_WM_SLIDE_TYPE" val="contents"/>
   <p:tag name="KSO_WM_BEAUTIFY_FLAG" val="#wm#"/>
-  <p:tag name="KSO_WM_TEMPLATE_CATEGORY" val="custom"/>
-  <p:tag name="KSO_WM_TEMPLATE_INDEX" val="160564"/>
-  <p:tag name="MH" val="20150923145210"/>
-  <p:tag name="MH_LIBRARY" val="CONTENTS"/>
-  <p:tag name="MH_TYPE" val="ENTRY"/>
-  <p:tag name="ID" val="553526"/>
-  <p:tag name="MH_ORDER" val="5"/>
-  <p:tag name="KSO_WM_UNIT_TYPE" val="l_h_f"/>
-  <p:tag name="KSO_WM_UNIT_INDEX" val="1_5_1"/>
-  <p:tag name="KSO_WM_UNIT_ID" val="custom160564_11*l_h_f*1_5_1"/>
-  <p:tag name="KSO_WM_UNIT_CLEAR" val="1"/>
-  <p:tag name="KSO_WM_UNIT_LAYERLEVEL" val="1_1_1"/>
-  <p:tag name="KSO_WM_UNIT_VALUE" val="28"/>
-  <p:tag name="KSO_WM_UNIT_HIGHLIGHT" val="0"/>
-  <p:tag name="KSO_WM_UNIT_COMPATIBLE" val="0"/>
-  <p:tag name="KSO_WM_UNIT_PRESET_TEXT_INDEX" val="3"/>
-  <p:tag name="KSO_WM_UNIT_PRESET_TEXT_LEN" val="17"/>
-  <p:tag name="KSO_WM_DIAGRAM_GROUP_CODE" val="l1-1"/>
-</p:tagLst>
-</file>
-
-<file path=ppt/tags/tag46.xml><?xml version="1.0" encoding="utf-8"?>
-<p:tagLst xmlns:a="http://schemas.openxmlformats.org/drawingml/2006/main" xmlns:r="http://schemas.openxmlformats.org/officeDocument/2006/relationships" xmlns:p="http://schemas.openxmlformats.org/presentationml/2006/main">
-  <p:tag name="KSO_WM_TAG_VERSION" val="1.0"/>
-  <p:tag name="KSO_WM_BEAUTIFY_FLAG" val="#wm#"/>
-  <p:tag name="KSO_WM_TEMPLATE_CATEGORY" val="custom"/>
-  <p:tag name="KSO_WM_TEMPLATE_INDEX" val="160564"/>
-  <p:tag name="MH" val="20150923145210"/>
-  <p:tag name="MH_LIBRARY" val="CONTENTS"/>
-  <p:tag name="MH_TYPE" val="OTHERS"/>
-  <p:tag name="ID" val="553526"/>
-  <p:tag name="KSO_WM_UNIT_TYPE" val="l_i"/>
-  <p:tag name="KSO_WM_UNIT_INDEX" val="1_10"/>
-  <p:tag name="KSO_WM_UNIT_ID" val="custom160564_11*l_i*1_10"/>
-  <p:tag name="KSO_WM_UNIT_CLEAR" val="1"/>
-  <p:tag name="KSO_WM_UNIT_LAYERLEVEL" val="1_1"/>
   <p:tag name="KSO_WM_DIAGRAM_GROUP_CODE" val="l1-1"/>
 </p:tagLst>
 </file>
 
 <file path=ppt/tags/tag47.xml><?xml version="1.0" encoding="utf-8"?>
-<p:tagLst xmlns:a="http://schemas.openxmlformats.org/drawingml/2006/main" xmlns:r="http://schemas.openxmlformats.org/officeDocument/2006/relationships" xmlns:p="http://schemas.openxmlformats.org/presentationml/2006/main">
-  <p:tag name="MH" val="20150923145622"/>
-  <p:tag name="MH_LIBRARY" val="GRAPHIC"/>
-  <p:tag name="KSO_WM_TEMPLATE_CATEGORY" val="custom"/>
-  <p:tag name="KSO_WM_TEMPLATE_INDEX" val="160564"/>
-  <p:tag name="KSO_WM_TAG_VERSION" val="1.0"/>
-  <p:tag name="KSO_WM_SLIDE_ID" val="custom160564_12"/>
-  <p:tag name="KSO_WM_SLIDE_INDEX" val="12"/>
-  <p:tag name="KSO_WM_SLIDE_ITEM_CNT" val="1"/>
-  <p:tag name="KSO_WM_SLIDE_LAYOUT" val="a_e"/>
-  <p:tag name="KSO_WM_SLIDE_LAYOUT_CNT" val="1_1"/>
-  <p:tag name="KSO_WM_SLIDE_TYPE" val="sectionTitle"/>
-  <p:tag name="KSO_WM_BEAUTIFY_FLAG" val="#wm#"/>
-</p:tagLst>
-</file>
-
-<file path=ppt/tags/tag48.xml><?xml version="1.0" encoding="utf-8"?>
-<p:tagLst xmlns:a="http://schemas.openxmlformats.org/drawingml/2006/main" xmlns:r="http://schemas.openxmlformats.org/officeDocument/2006/relationships" xmlns:p="http://schemas.openxmlformats.org/presentationml/2006/main">
+<p:tagLst xmlns:p="http://schemas.openxmlformats.org/presentationml/2006/main">
   <p:tag name="KSO_WM_TAG_VERSION" val="1.0"/>
   <p:tag name="KSO_WM_BEAUTIFY_FLAG" val="#wm#"/>
   <p:tag name="KSO_WM_TEMPLATE_CATEGORY" val="custom"/>
@@ -24520,8 +24857,8 @@
 </p:tagLst>
 </file>
 
-<file path=ppt/tags/tag49.xml><?xml version="1.0" encoding="utf-8"?>
-<p:tagLst xmlns:a="http://schemas.openxmlformats.org/drawingml/2006/main" xmlns:r="http://schemas.openxmlformats.org/officeDocument/2006/relationships" xmlns:p="http://schemas.openxmlformats.org/presentationml/2006/main">
+<file path=ppt/tags/tag48.xml><?xml version="1.0" encoding="utf-8"?>
+<p:tagLst xmlns:p="http://schemas.openxmlformats.org/presentationml/2006/main">
   <p:tag name="KSO_WM_TAG_VERSION" val="1.0"/>
   <p:tag name="KSO_WM_BEAUTIFY_FLAG" val="#wm#"/>
   <p:tag name="KSO_WM_TEMPLATE_CATEGORY" val="custom"/>
@@ -24541,24 +24878,45 @@
 </p:tagLst>
 </file>
 
-<file path=ppt/tags/tag5.xml><?xml version="1.0" encoding="utf-8"?>
-<p:tagLst xmlns:a="http://schemas.openxmlformats.org/drawingml/2006/main" xmlns:r="http://schemas.openxmlformats.org/officeDocument/2006/relationships" xmlns:p="http://schemas.openxmlformats.org/presentationml/2006/main">
-  <p:tag name="KSO_WM_TEMPLATE_THUMBS_INDEX" val="1、4、5、8、12、16、19、25、27、28、29"/>
+<file path=ppt/tags/tag49.xml><?xml version="1.0" encoding="utf-8"?>
+<p:tagLst xmlns:p="http://schemas.openxmlformats.org/presentationml/2006/main">
+  <p:tag name="MH" val="20150923145622"/>
+  <p:tag name="MH_LIBRARY" val="GRAPHIC"/>
   <p:tag name="KSO_WM_TEMPLATE_CATEGORY" val="custom"/>
   <p:tag name="KSO_WM_TEMPLATE_INDEX" val="160564"/>
   <p:tag name="KSO_WM_TAG_VERSION" val="1.0"/>
-  <p:tag name="KSO_WM_SLIDE_ID" val="custom160564_1"/>
-  <p:tag name="KSO_WM_SLIDE_INDEX" val="1"/>
-  <p:tag name="KSO_WM_SLIDE_ITEM_CNT" val="2"/>
-  <p:tag name="KSO_WM_SLIDE_LAYOUT" val="a_b"/>
+  <p:tag name="KSO_WM_SLIDE_ID" val="custom160564_12"/>
+  <p:tag name="KSO_WM_SLIDE_INDEX" val="12"/>
+  <p:tag name="KSO_WM_SLIDE_ITEM_CNT" val="1"/>
+  <p:tag name="KSO_WM_SLIDE_LAYOUT" val="a_e"/>
   <p:tag name="KSO_WM_SLIDE_LAYOUT_CNT" val="1_1"/>
-  <p:tag name="KSO_WM_SLIDE_TYPE" val="title"/>
+  <p:tag name="KSO_WM_SLIDE_TYPE" val="sectionTitle"/>
   <p:tag name="KSO_WM_BEAUTIFY_FLAG" val="#wm#"/>
 </p:tagLst>
 </file>
 
+<file path=ppt/tags/tag5.xml><?xml version="1.0" encoding="utf-8"?>
+<p:tagLst xmlns:p="http://schemas.openxmlformats.org/presentationml/2006/main">
+  <p:tag name="KSO_WM_TAG_VERSION" val="1.0"/>
+  <p:tag name="KSO_WM_BEAUTIFY_FLAG" val="#wm#"/>
+  <p:tag name="KSO_WM_TEMPLATE_CATEGORY" val="custom"/>
+  <p:tag name="KSO_WM_TEMPLATE_INDEX" val="160564"/>
+  <p:tag name="KSO_WM_UNIT_TYPE" val="a"/>
+  <p:tag name="KSO_WM_UNIT_INDEX" val="1"/>
+  <p:tag name="KSO_WM_UNIT_ID" val="custom160564_1*a*1"/>
+  <p:tag name="KSO_WM_UNIT_CLEAR" val="1"/>
+  <p:tag name="KSO_WM_UNIT_LAYERLEVEL" val="1"/>
+  <p:tag name="KSO_WM_UNIT_VALUE" val="28"/>
+  <p:tag name="KSO_WM_UNIT_ISCONTENTSTITLE" val="0"/>
+  <p:tag name="KSO_WM_UNIT_HIGHLIGHT" val="0"/>
+  <p:tag name="KSO_WM_UNIT_COMPATIBLE" val="0"/>
+  <p:tag name="KSO_WM_UNIT_PRESET_TEXT_INDEX" val="3"/>
+  <p:tag name="KSO_WM_UNIT_PRESET_TEXT_LEN" val="17"/>
+</p:tagLst>
+</file>
+
 <file path=ppt/tags/tag50.xml><?xml version="1.0" encoding="utf-8"?>
-<p:tagLst xmlns:a="http://schemas.openxmlformats.org/drawingml/2006/main" xmlns:r="http://schemas.openxmlformats.org/officeDocument/2006/relationships" xmlns:p="http://schemas.openxmlformats.org/presentationml/2006/main">
+<p:tagLst xmlns:p="http://schemas.openxmlformats.org/presentationml/2006/main">
   <p:tag name="KSO_WM_BEAUTIFY_FLAG" val="#wm#"/>
   <p:tag name="KSO_WM_TEMPLATE_CATEGORY" val="custom"/>
   <p:tag name="KSO_WM_TEMPLATE_INDEX" val="160564"/>
@@ -24566,7 +24924,7 @@
 </file>
 
 <file path=ppt/tags/tag51.xml><?xml version="1.0" encoding="utf-8"?>
-<p:tagLst xmlns:a="http://schemas.openxmlformats.org/drawingml/2006/main" xmlns:r="http://schemas.openxmlformats.org/officeDocument/2006/relationships" xmlns:p="http://schemas.openxmlformats.org/presentationml/2006/main">
+<p:tagLst xmlns:p="http://schemas.openxmlformats.org/presentationml/2006/main">
   <p:tag name="KSO_WM_BEAUTIFY_FLAG" val="#wm#"/>
   <p:tag name="KSO_WM_TEMPLATE_CATEGORY" val="custom"/>
   <p:tag name="KSO_WM_TEMPLATE_INDEX" val="160564"/>
@@ -24574,7 +24932,31 @@
 </file>
 
 <file path=ppt/tags/tag52.xml><?xml version="1.0" encoding="utf-8"?>
-<p:tagLst xmlns:a="http://schemas.openxmlformats.org/drawingml/2006/main" xmlns:r="http://schemas.openxmlformats.org/officeDocument/2006/relationships" xmlns:p="http://schemas.openxmlformats.org/presentationml/2006/main">
+<p:tagLst xmlns:p="http://schemas.openxmlformats.org/presentationml/2006/main">
+  <p:tag name="KSO_WM_TAG_VERSION" val="1.0"/>
+  <p:tag name="KSO_WM_BEAUTIFY_FLAG" val="#wm#"/>
+  <p:tag name="KSO_WM_TEMPLATE_CATEGORY" val="custom"/>
+  <p:tag name="KSO_WM_TEMPLATE_INDEX" val="160564"/>
+  <p:tag name="MH" val="20150923145735"/>
+  <p:tag name="MH_LIBRARY" val="GRAPHIC"/>
+  <p:tag name="MH_TYPE" val="PageTitle"/>
+  <p:tag name="MH_ORDER" val="PageTitle"/>
+  <p:tag name="KSO_WM_UNIT_TYPE" val="a"/>
+  <p:tag name="KSO_WM_UNIT_INDEX" val="1"/>
+  <p:tag name="KSO_WM_UNIT_ID" val="custom160564_13*a*1"/>
+  <p:tag name="KSO_WM_UNIT_CLEAR" val="1"/>
+  <p:tag name="KSO_WM_UNIT_LAYERLEVEL" val="1"/>
+  <p:tag name="KSO_WM_UNIT_VALUE" val="25"/>
+  <p:tag name="KSO_WM_UNIT_ISCONTENTSTITLE" val="0"/>
+  <p:tag name="KSO_WM_UNIT_HIGHLIGHT" val="0"/>
+  <p:tag name="KSO_WM_UNIT_COMPATIBLE" val="0"/>
+  <p:tag name="KSO_WM_UNIT_PRESET_TEXT_INDEX" val="3"/>
+  <p:tag name="KSO_WM_UNIT_PRESET_TEXT_LEN" val="17"/>
+</p:tagLst>
+</file>
+
+<file path=ppt/tags/tag53.xml><?xml version="1.0" encoding="utf-8"?>
+<p:tagLst xmlns:p="http://schemas.openxmlformats.org/presentationml/2006/main">
   <p:tag name="MH_TYPE" val="#NeiR#"/>
   <p:tag name="MH_NUMBER" val="4"/>
   <p:tag name="MH_CATEGORY" val="#BingLLB#"/>
@@ -24597,8 +24979,16 @@
 </p:tagLst>
 </file>
 
-<file path=ppt/tags/tag53.xml><?xml version="1.0" encoding="utf-8"?>
-<p:tagLst xmlns:a="http://schemas.openxmlformats.org/drawingml/2006/main" xmlns:r="http://schemas.openxmlformats.org/officeDocument/2006/relationships" xmlns:p="http://schemas.openxmlformats.org/presentationml/2006/main">
+<file path=ppt/tags/tag54.xml><?xml version="1.0" encoding="utf-8"?>
+<p:tagLst xmlns:p="http://schemas.openxmlformats.org/presentationml/2006/main">
+  <p:tag name="KSO_WM_BEAUTIFY_FLAG" val="#wm#"/>
+  <p:tag name="KSO_WM_TEMPLATE_CATEGORY" val="custom"/>
+  <p:tag name="KSO_WM_TEMPLATE_INDEX" val="160564"/>
+</p:tagLst>
+</file>
+
+<file path=ppt/tags/tag55.xml><?xml version="1.0" encoding="utf-8"?>
+<p:tagLst xmlns:p="http://schemas.openxmlformats.org/presentationml/2006/main">
   <p:tag name="KSO_WM_TAG_VERSION" val="1.0"/>
   <p:tag name="KSO_WM_BEAUTIFY_FLAG" val="#wm#"/>
   <p:tag name="KSO_WM_TEMPLATE_CATEGORY" val="custom"/>
@@ -24609,7 +24999,7 @@
   <p:tag name="MH_ORDER" val="PageTitle"/>
   <p:tag name="KSO_WM_UNIT_TYPE" val="a"/>
   <p:tag name="KSO_WM_UNIT_INDEX" val="1"/>
-  <p:tag name="KSO_WM_UNIT_ID" val="custom160564_13*a*1"/>
+  <p:tag name="KSO_WM_UNIT_ID" val="custom160564_14*a*1"/>
   <p:tag name="KSO_WM_UNIT_CLEAR" val="1"/>
   <p:tag name="KSO_WM_UNIT_LAYERLEVEL" val="1"/>
   <p:tag name="KSO_WM_UNIT_VALUE" val="25"/>
@@ -24621,16 +25011,8 @@
 </p:tagLst>
 </file>
 
-<file path=ppt/tags/tag54.xml><?xml version="1.0" encoding="utf-8"?>
-<p:tagLst xmlns:a="http://schemas.openxmlformats.org/drawingml/2006/main" xmlns:r="http://schemas.openxmlformats.org/officeDocument/2006/relationships" xmlns:p="http://schemas.openxmlformats.org/presentationml/2006/main">
-  <p:tag name="KSO_WM_BEAUTIFY_FLAG" val="#wm#"/>
-  <p:tag name="KSO_WM_TEMPLATE_CATEGORY" val="custom"/>
-  <p:tag name="KSO_WM_TEMPLATE_INDEX" val="160564"/>
-</p:tagLst>
-</file>
-
-<file path=ppt/tags/tag55.xml><?xml version="1.0" encoding="utf-8"?>
-<p:tagLst xmlns:a="http://schemas.openxmlformats.org/drawingml/2006/main" xmlns:r="http://schemas.openxmlformats.org/officeDocument/2006/relationships" xmlns:p="http://schemas.openxmlformats.org/presentationml/2006/main">
+<file path=ppt/tags/tag56.xml><?xml version="1.0" encoding="utf-8"?>
+<p:tagLst xmlns:p="http://schemas.openxmlformats.org/presentationml/2006/main">
   <p:tag name="MH_TYPE" val="#NeiR#"/>
   <p:tag name="MH_NUMBER" val="4"/>
   <p:tag name="MH_CATEGORY" val="#BingLLB#"/>
@@ -24653,32 +25035,8 @@
 </p:tagLst>
 </file>
 
-<file path=ppt/tags/tag56.xml><?xml version="1.0" encoding="utf-8"?>
-<p:tagLst xmlns:a="http://schemas.openxmlformats.org/drawingml/2006/main" xmlns:r="http://schemas.openxmlformats.org/officeDocument/2006/relationships" xmlns:p="http://schemas.openxmlformats.org/presentationml/2006/main">
-  <p:tag name="KSO_WM_TAG_VERSION" val="1.0"/>
-  <p:tag name="KSO_WM_BEAUTIFY_FLAG" val="#wm#"/>
-  <p:tag name="KSO_WM_TEMPLATE_CATEGORY" val="custom"/>
-  <p:tag name="KSO_WM_TEMPLATE_INDEX" val="160564"/>
-  <p:tag name="MH" val="20150923145735"/>
-  <p:tag name="MH_LIBRARY" val="GRAPHIC"/>
-  <p:tag name="MH_TYPE" val="PageTitle"/>
-  <p:tag name="MH_ORDER" val="PageTitle"/>
-  <p:tag name="KSO_WM_UNIT_TYPE" val="a"/>
-  <p:tag name="KSO_WM_UNIT_INDEX" val="1"/>
-  <p:tag name="KSO_WM_UNIT_ID" val="custom160564_14*a*1"/>
-  <p:tag name="KSO_WM_UNIT_CLEAR" val="1"/>
-  <p:tag name="KSO_WM_UNIT_LAYERLEVEL" val="1"/>
-  <p:tag name="KSO_WM_UNIT_VALUE" val="25"/>
-  <p:tag name="KSO_WM_UNIT_ISCONTENTSTITLE" val="0"/>
-  <p:tag name="KSO_WM_UNIT_HIGHLIGHT" val="0"/>
-  <p:tag name="KSO_WM_UNIT_COMPATIBLE" val="0"/>
-  <p:tag name="KSO_WM_UNIT_PRESET_TEXT_INDEX" val="3"/>
-  <p:tag name="KSO_WM_UNIT_PRESET_TEXT_LEN" val="17"/>
-</p:tagLst>
-</file>
-
 <file path=ppt/tags/tag57.xml><?xml version="1.0" encoding="utf-8"?>
-<p:tagLst xmlns:a="http://schemas.openxmlformats.org/drawingml/2006/main" xmlns:r="http://schemas.openxmlformats.org/officeDocument/2006/relationships" xmlns:p="http://schemas.openxmlformats.org/presentationml/2006/main">
+<p:tagLst xmlns:p="http://schemas.openxmlformats.org/presentationml/2006/main">
   <p:tag name="KSO_WM_BEAUTIFY_FLAG" val="#wm#"/>
   <p:tag name="KSO_WM_TEMPLATE_CATEGORY" val="custom"/>
   <p:tag name="KSO_WM_TEMPLATE_INDEX" val="160564"/>
@@ -24686,24 +25044,7 @@
 </file>
 
 <file path=ppt/tags/tag58.xml><?xml version="1.0" encoding="utf-8"?>
-<p:tagLst xmlns:a="http://schemas.openxmlformats.org/drawingml/2006/main" xmlns:r="http://schemas.openxmlformats.org/officeDocument/2006/relationships" xmlns:p="http://schemas.openxmlformats.org/presentationml/2006/main">
-  <p:tag name="MH" val="20150923145622"/>
-  <p:tag name="MH_LIBRARY" val="GRAPHIC"/>
-  <p:tag name="KSO_WM_TEMPLATE_CATEGORY" val="custom"/>
-  <p:tag name="KSO_WM_TEMPLATE_INDEX" val="160564"/>
-  <p:tag name="KSO_WM_TAG_VERSION" val="1.0"/>
-  <p:tag name="KSO_WM_SLIDE_ID" val="custom160564_12"/>
-  <p:tag name="KSO_WM_SLIDE_INDEX" val="12"/>
-  <p:tag name="KSO_WM_SLIDE_ITEM_CNT" val="1"/>
-  <p:tag name="KSO_WM_SLIDE_LAYOUT" val="a_e"/>
-  <p:tag name="KSO_WM_SLIDE_LAYOUT_CNT" val="1_1"/>
-  <p:tag name="KSO_WM_SLIDE_TYPE" val="sectionTitle"/>
-  <p:tag name="KSO_WM_BEAUTIFY_FLAG" val="#wm#"/>
-</p:tagLst>
-</file>
-
-<file path=ppt/tags/tag59.xml><?xml version="1.0" encoding="utf-8"?>
-<p:tagLst xmlns:a="http://schemas.openxmlformats.org/drawingml/2006/main" xmlns:r="http://schemas.openxmlformats.org/officeDocument/2006/relationships" xmlns:p="http://schemas.openxmlformats.org/presentationml/2006/main">
+<p:tagLst xmlns:p="http://schemas.openxmlformats.org/presentationml/2006/main">
   <p:tag name="KSO_WM_TAG_VERSION" val="1.0"/>
   <p:tag name="KSO_WM_BEAUTIFY_FLAG" val="#wm#"/>
   <p:tag name="KSO_WM_TEMPLATE_CATEGORY" val="custom"/>
@@ -24722,28 +25063,8 @@
 </p:tagLst>
 </file>
 
-<file path=ppt/tags/tag6.xml><?xml version="1.0" encoding="utf-8"?>
-<p:tagLst xmlns:a="http://schemas.openxmlformats.org/drawingml/2006/main" xmlns:r="http://schemas.openxmlformats.org/officeDocument/2006/relationships" xmlns:p="http://schemas.openxmlformats.org/presentationml/2006/main">
-  <p:tag name="KSO_WM_TAG_VERSION" val="1.0"/>
-  <p:tag name="KSO_WM_BEAUTIFY_FLAG" val="#wm#"/>
-  <p:tag name="KSO_WM_TEMPLATE_CATEGORY" val="custom"/>
-  <p:tag name="KSO_WM_TEMPLATE_INDEX" val="160564"/>
-  <p:tag name="KSO_WM_UNIT_TYPE" val="a"/>
-  <p:tag name="KSO_WM_UNIT_INDEX" val="1"/>
-  <p:tag name="KSO_WM_UNIT_ID" val="custom160564_1*a*1"/>
-  <p:tag name="KSO_WM_UNIT_CLEAR" val="1"/>
-  <p:tag name="KSO_WM_UNIT_LAYERLEVEL" val="1"/>
-  <p:tag name="KSO_WM_UNIT_VALUE" val="28"/>
-  <p:tag name="KSO_WM_UNIT_ISCONTENTSTITLE" val="0"/>
-  <p:tag name="KSO_WM_UNIT_HIGHLIGHT" val="0"/>
-  <p:tag name="KSO_WM_UNIT_COMPATIBLE" val="0"/>
-  <p:tag name="KSO_WM_UNIT_PRESET_TEXT_INDEX" val="3"/>
-  <p:tag name="KSO_WM_UNIT_PRESET_TEXT_LEN" val="17"/>
-</p:tagLst>
-</file>
-
-<file path=ppt/tags/tag60.xml><?xml version="1.0" encoding="utf-8"?>
-<p:tagLst xmlns:a="http://schemas.openxmlformats.org/drawingml/2006/main" xmlns:r="http://schemas.openxmlformats.org/officeDocument/2006/relationships" xmlns:p="http://schemas.openxmlformats.org/presentationml/2006/main">
+<file path=ppt/tags/tag59.xml><?xml version="1.0" encoding="utf-8"?>
+<p:tagLst xmlns:p="http://schemas.openxmlformats.org/presentationml/2006/main">
   <p:tag name="KSO_WM_TAG_VERSION" val="1.0"/>
   <p:tag name="KSO_WM_BEAUTIFY_FLAG" val="#wm#"/>
   <p:tag name="KSO_WM_TEMPLATE_CATEGORY" val="custom"/>
@@ -24763,8 +25084,160 @@
 </p:tagLst>
 </file>
 
+<file path=ppt/tags/tag6.xml><?xml version="1.0" encoding="utf-8"?>
+<p:tagLst xmlns:p="http://schemas.openxmlformats.org/presentationml/2006/main">
+  <p:tag name="KSO_WM_TAG_VERSION" val="1.0"/>
+  <p:tag name="KSO_WM_BEAUTIFY_FLAG" val="#wm#"/>
+  <p:tag name="KSO_WM_TEMPLATE_CATEGORY" val="custom"/>
+  <p:tag name="KSO_WM_TEMPLATE_INDEX" val="160564"/>
+  <p:tag name="KSO_WM_UNIT_TYPE" val="b"/>
+  <p:tag name="KSO_WM_UNIT_INDEX" val="1"/>
+  <p:tag name="KSO_WM_UNIT_ID" val="custom160564_1*b*1"/>
+  <p:tag name="KSO_WM_UNIT_CLEAR" val="1"/>
+  <p:tag name="KSO_WM_UNIT_LAYERLEVEL" val="1"/>
+  <p:tag name="KSO_WM_UNIT_VALUE" val="35"/>
+  <p:tag name="KSO_WM_UNIT_ISCONTENTSTITLE" val="0"/>
+  <p:tag name="KSO_WM_UNIT_HIGHLIGHT" val="0"/>
+  <p:tag name="KSO_WM_UNIT_COMPATIBLE" val="0"/>
+  <p:tag name="KSO_WM_UNIT_PRESET_TEXT_INDEX" val="3"/>
+  <p:tag name="KSO_WM_UNIT_PRESET_TEXT_LEN" val="17"/>
+</p:tagLst>
+</file>
+
+<file path=ppt/tags/tag60.xml><?xml version="1.0" encoding="utf-8"?>
+<p:tagLst xmlns:p="http://schemas.openxmlformats.org/presentationml/2006/main">
+  <p:tag name="MH" val="20150923145622"/>
+  <p:tag name="MH_LIBRARY" val="GRAPHIC"/>
+  <p:tag name="KSO_WM_TEMPLATE_CATEGORY" val="custom"/>
+  <p:tag name="KSO_WM_TEMPLATE_INDEX" val="160564"/>
+  <p:tag name="KSO_WM_TAG_VERSION" val="1.0"/>
+  <p:tag name="KSO_WM_SLIDE_ID" val="custom160564_12"/>
+  <p:tag name="KSO_WM_SLIDE_INDEX" val="12"/>
+  <p:tag name="KSO_WM_SLIDE_ITEM_CNT" val="1"/>
+  <p:tag name="KSO_WM_SLIDE_LAYOUT" val="a_e"/>
+  <p:tag name="KSO_WM_SLIDE_LAYOUT_CNT" val="1_1"/>
+  <p:tag name="KSO_WM_SLIDE_TYPE" val="sectionTitle"/>
+  <p:tag name="KSO_WM_BEAUTIFY_FLAG" val="#wm#"/>
+</p:tagLst>
+</file>
+
 <file path=ppt/tags/tag61.xml><?xml version="1.0" encoding="utf-8"?>
-<p:tagLst xmlns:a="http://schemas.openxmlformats.org/drawingml/2006/main" xmlns:r="http://schemas.openxmlformats.org/officeDocument/2006/relationships" xmlns:p="http://schemas.openxmlformats.org/presentationml/2006/main">
+<p:tagLst xmlns:p="http://schemas.openxmlformats.org/presentationml/2006/main">
+  <p:tag name="KSO_WM_TAG_VERSION" val="1.0"/>
+  <p:tag name="KSO_WM_BEAUTIFY_FLAG" val="#wm#"/>
+  <p:tag name="KSO_WM_UNIT_TYPE" val="i"/>
+  <p:tag name="KSO_WM_UNIT_ID" val="custom160564_19*i*0"/>
+  <p:tag name="KSO_WM_TEMPLATE_CATEGORY" val="custom"/>
+  <p:tag name="KSO_WM_TEMPLATE_INDEX" val="160564"/>
+  <p:tag name="KSO_WM_UNIT_INDEX" val="0"/>
+</p:tagLst>
+</file>
+
+<file path=ppt/tags/tag62.xml><?xml version="1.0" encoding="utf-8"?>
+<p:tagLst xmlns:p="http://schemas.openxmlformats.org/presentationml/2006/main">
+  <p:tag name="MH" val="20150923150227"/>
+  <p:tag name="MH_LIBRARY" val="GRAPHIC"/>
+  <p:tag name="MH_TYPE" val="Other"/>
+  <p:tag name="MH_ORDER" val="1"/>
+  <p:tag name="KSO_WM_TAG_VERSION" val="1.0"/>
+  <p:tag name="KSO_WM_BEAUTIFY_FLAG" val="#wm#"/>
+  <p:tag name="KSO_WM_UNIT_TYPE" val="i"/>
+  <p:tag name="KSO_WM_UNIT_ID" val="custom160564_19*i*5"/>
+  <p:tag name="KSO_WM_TEMPLATE_CATEGORY" val="custom"/>
+  <p:tag name="KSO_WM_TEMPLATE_INDEX" val="160564"/>
+  <p:tag name="KSO_WM_UNIT_INDEX" val="5"/>
+</p:tagLst>
+</file>
+
+<file path=ppt/tags/tag63.xml><?xml version="1.0" encoding="utf-8"?>
+<p:tagLst xmlns:p="http://schemas.openxmlformats.org/presentationml/2006/main">
+  <p:tag name="MH" val="20150923150227"/>
+  <p:tag name="MH_LIBRARY" val="GRAPHIC"/>
+  <p:tag name="MH_TYPE" val="Other"/>
+  <p:tag name="MH_ORDER" val="3"/>
+  <p:tag name="KSO_WM_TAG_VERSION" val="1.0"/>
+  <p:tag name="KSO_WM_BEAUTIFY_FLAG" val="#wm#"/>
+  <p:tag name="KSO_WM_UNIT_TYPE" val="i"/>
+  <p:tag name="KSO_WM_UNIT_ID" val="custom160564_19*i*6"/>
+  <p:tag name="KSO_WM_TEMPLATE_CATEGORY" val="custom"/>
+  <p:tag name="KSO_WM_TEMPLATE_INDEX" val="160564"/>
+  <p:tag name="KSO_WM_UNIT_INDEX" val="6"/>
+</p:tagLst>
+</file>
+
+<file path=ppt/tags/tag64.xml><?xml version="1.0" encoding="utf-8"?>
+<p:tagLst xmlns:p="http://schemas.openxmlformats.org/presentationml/2006/main">
+  <p:tag name="MH" val="20150923150227"/>
+  <p:tag name="MH_LIBRARY" val="GRAPHIC"/>
+  <p:tag name="MH_TYPE" val="Other"/>
+  <p:tag name="MH_ORDER" val="4"/>
+  <p:tag name="KSO_WM_TAG_VERSION" val="1.0"/>
+  <p:tag name="KSO_WM_BEAUTIFY_FLAG" val="#wm#"/>
+  <p:tag name="KSO_WM_UNIT_TYPE" val="i"/>
+  <p:tag name="KSO_WM_UNIT_ID" val="custom160564_19*i*7"/>
+  <p:tag name="KSO_WM_TEMPLATE_CATEGORY" val="custom"/>
+  <p:tag name="KSO_WM_TEMPLATE_INDEX" val="160564"/>
+  <p:tag name="KSO_WM_UNIT_INDEX" val="7"/>
+</p:tagLst>
+</file>
+
+<file path=ppt/tags/tag65.xml><?xml version="1.0" encoding="utf-8"?>
+<p:tagLst xmlns:p="http://schemas.openxmlformats.org/presentationml/2006/main">
+  <p:tag name="MH" val="20150923150227"/>
+  <p:tag name="MH_LIBRARY" val="GRAPHIC"/>
+  <p:tag name="MH_TYPE" val="Other"/>
+  <p:tag name="MH_ORDER" val="5"/>
+  <p:tag name="KSO_WM_TAG_VERSION" val="1.0"/>
+  <p:tag name="KSO_WM_BEAUTIFY_FLAG" val="#wm#"/>
+  <p:tag name="KSO_WM_UNIT_TYPE" val="i"/>
+  <p:tag name="KSO_WM_UNIT_ID" val="custom160564_19*i*8"/>
+  <p:tag name="KSO_WM_TEMPLATE_CATEGORY" val="custom"/>
+  <p:tag name="KSO_WM_TEMPLATE_INDEX" val="160564"/>
+  <p:tag name="KSO_WM_UNIT_INDEX" val="8"/>
+</p:tagLst>
+</file>
+
+<file path=ppt/tags/tag66.xml><?xml version="1.0" encoding="utf-8"?>
+<p:tagLst xmlns:p="http://schemas.openxmlformats.org/presentationml/2006/main">
+  <p:tag name="KSO_WM_TAG_VERSION" val="1.0"/>
+  <p:tag name="KSO_WM_BEAUTIFY_FLAG" val="#wm#"/>
+  <p:tag name="KSO_WM_TEMPLATE_CATEGORY" val="custom"/>
+  <p:tag name="KSO_WM_TEMPLATE_INDEX" val="160564"/>
+  <p:tag name="KSO_WM_UNIT_TYPE" val="a"/>
+  <p:tag name="KSO_WM_UNIT_INDEX" val="1"/>
+  <p:tag name="KSO_WM_UNIT_ID" val="custom160564_19*a*1"/>
+  <p:tag name="KSO_WM_UNIT_CLEAR" val="1"/>
+  <p:tag name="KSO_WM_UNIT_LAYERLEVEL" val="1"/>
+  <p:tag name="KSO_WM_UNIT_VALUE" val="25"/>
+  <p:tag name="KSO_WM_UNIT_ISCONTENTSTITLE" val="0"/>
+  <p:tag name="KSO_WM_UNIT_HIGHLIGHT" val="0"/>
+  <p:tag name="KSO_WM_UNIT_COMPATIBLE" val="0"/>
+  <p:tag name="KSO_WM_UNIT_PRESET_TEXT_INDEX" val="3"/>
+  <p:tag name="KSO_WM_UNIT_PRESET_TEXT_LEN" val="17"/>
+</p:tagLst>
+</file>
+
+<file path=ppt/tags/tag67.xml><?xml version="1.0" encoding="utf-8"?>
+<p:tagLst xmlns:p="http://schemas.openxmlformats.org/presentationml/2006/main">
+  <p:tag name="KSO_WM_TAG_VERSION" val="1.0"/>
+  <p:tag name="KSO_WM_BEAUTIFY_FLAG" val="#wm#"/>
+  <p:tag name="KSO_WM_TEMPLATE_CATEGORY" val="custom"/>
+  <p:tag name="KSO_WM_TEMPLATE_INDEX" val="160564"/>
+  <p:tag name="KSO_WM_UNIT_TYPE" val="f"/>
+  <p:tag name="KSO_WM_UNIT_INDEX" val="1"/>
+  <p:tag name="KSO_WM_UNIT_ID" val="custom160564_19*f*1"/>
+  <p:tag name="KSO_WM_UNIT_CLEAR" val="1"/>
+  <p:tag name="KSO_WM_UNIT_LAYERLEVEL" val="1"/>
+  <p:tag name="KSO_WM_UNIT_VALUE" val="143"/>
+  <p:tag name="KSO_WM_UNIT_HIGHLIGHT" val="0"/>
+  <p:tag name="KSO_WM_UNIT_COMPATIBLE" val="0"/>
+  <p:tag name="KSO_WM_UNIT_PRESET_TEXT_INDEX" val="5"/>
+  <p:tag name="KSO_WM_UNIT_PRESET_TEXT_LEN" val="232"/>
+</p:tagLst>
+</file>
+
+<file path=ppt/tags/tag68.xml><?xml version="1.0" encoding="utf-8"?>
+<p:tagLst xmlns:p="http://schemas.openxmlformats.org/presentationml/2006/main">
   <p:tag name="MH_TYPE" val="#NeiR#"/>
   <p:tag name="MH_NUMBER" val="1"/>
   <p:tag name="MH_CATEGORY" val="#QiTTB#"/>
@@ -24786,27 +25259,63 @@
 </p:tagLst>
 </file>
 
-<file path=ppt/tags/tag62.xml><?xml version="1.0" encoding="utf-8"?>
-<p:tagLst xmlns:a="http://schemas.openxmlformats.org/drawingml/2006/main" xmlns:r="http://schemas.openxmlformats.org/officeDocument/2006/relationships" xmlns:p="http://schemas.openxmlformats.org/presentationml/2006/main">
+<file path=ppt/tags/tag69.xml><?xml version="1.0" encoding="utf-8"?>
+<p:tagLst xmlns:p="http://schemas.openxmlformats.org/presentationml/2006/main">
+  <p:tag name="MH" val="20150923150227"/>
+  <p:tag name="MH_LIBRARY" val="GRAPHIC"/>
+  <p:tag name="MH_TYPE" val="Other"/>
+  <p:tag name="MH_ORDER" val="1"/>
   <p:tag name="KSO_WM_TAG_VERSION" val="1.0"/>
   <p:tag name="KSO_WM_BEAUTIFY_FLAG" val="#wm#"/>
   <p:tag name="KSO_WM_UNIT_TYPE" val="i"/>
-  <p:tag name="KSO_WM_UNIT_ID" val="custom160564_19*i*0"/>
+  <p:tag name="KSO_WM_UNIT_ID" val="custom160564_20*i*0"/>
   <p:tag name="KSO_WM_TEMPLATE_CATEGORY" val="custom"/>
   <p:tag name="KSO_WM_TEMPLATE_INDEX" val="160564"/>
   <p:tag name="KSO_WM_UNIT_INDEX" val="0"/>
 </p:tagLst>
 </file>
 
-<file path=ppt/tags/tag63.xml><?xml version="1.0" encoding="utf-8"?>
-<p:tagLst xmlns:a="http://schemas.openxmlformats.org/drawingml/2006/main" xmlns:r="http://schemas.openxmlformats.org/officeDocument/2006/relationships" xmlns:p="http://schemas.openxmlformats.org/presentationml/2006/main">
+<file path=ppt/tags/tag7.xml><?xml version="1.0" encoding="utf-8"?>
+<p:tagLst xmlns:p="http://schemas.openxmlformats.org/presentationml/2006/main">
+  <p:tag name="KSO_WM_TEMPLATE_THUMBS_INDEX" val="1、4、5、8、12、16、19、25、27、28、29"/>
+  <p:tag name="KSO_WM_TEMPLATE_CATEGORY" val="custom"/>
+  <p:tag name="KSO_WM_TEMPLATE_INDEX" val="160564"/>
+  <p:tag name="KSO_WM_TAG_VERSION" val="1.0"/>
+  <p:tag name="KSO_WM_SLIDE_ID" val="custom160564_1"/>
+  <p:tag name="KSO_WM_SLIDE_INDEX" val="1"/>
+  <p:tag name="KSO_WM_SLIDE_ITEM_CNT" val="2"/>
+  <p:tag name="KSO_WM_SLIDE_LAYOUT" val="a_b"/>
+  <p:tag name="KSO_WM_SLIDE_LAYOUT_CNT" val="1_1"/>
+  <p:tag name="KSO_WM_SLIDE_TYPE" val="title"/>
+  <p:tag name="KSO_WM_BEAUTIFY_FLAG" val="#wm#"/>
+</p:tagLst>
+</file>
+
+<file path=ppt/tags/tag70.xml><?xml version="1.0" encoding="utf-8"?>
+<p:tagLst xmlns:p="http://schemas.openxmlformats.org/presentationml/2006/main">
+  <p:tag name="MH" val="20150923150227"/>
+  <p:tag name="MH_LIBRARY" val="GRAPHIC"/>
+  <p:tag name="MH_TYPE" val="Other"/>
+  <p:tag name="MH_ORDER" val="5"/>
+  <p:tag name="KSO_WM_TAG_VERSION" val="1.0"/>
+  <p:tag name="KSO_WM_BEAUTIFY_FLAG" val="#wm#"/>
+  <p:tag name="KSO_WM_UNIT_TYPE" val="i"/>
+  <p:tag name="KSO_WM_UNIT_ID" val="custom160564_20*i*1"/>
+  <p:tag name="KSO_WM_TEMPLATE_CATEGORY" val="custom"/>
+  <p:tag name="KSO_WM_TEMPLATE_INDEX" val="160564"/>
+  <p:tag name="KSO_WM_UNIT_INDEX" val="1"/>
+</p:tagLst>
+</file>
+
+<file path=ppt/tags/tag71.xml><?xml version="1.0" encoding="utf-8"?>
+<p:tagLst xmlns:p="http://schemas.openxmlformats.org/presentationml/2006/main">
   <p:tag name="KSO_WM_TAG_VERSION" val="1.0"/>
   <p:tag name="KSO_WM_BEAUTIFY_FLAG" val="#wm#"/>
   <p:tag name="KSO_WM_TEMPLATE_CATEGORY" val="custom"/>
   <p:tag name="KSO_WM_TEMPLATE_INDEX" val="160564"/>
   <p:tag name="KSO_WM_UNIT_TYPE" val="a"/>
   <p:tag name="KSO_WM_UNIT_INDEX" val="1"/>
-  <p:tag name="KSO_WM_UNIT_ID" val="custom160564_19*a*1"/>
+  <p:tag name="KSO_WM_UNIT_ID" val="custom160564_20*a*1"/>
   <p:tag name="KSO_WM_UNIT_CLEAR" val="1"/>
   <p:tag name="KSO_WM_UNIT_LAYERLEVEL" val="1"/>
   <p:tag name="KSO_WM_UNIT_VALUE" val="25"/>
@@ -24818,27 +25327,8 @@
 </p:tagLst>
 </file>
 
-<file path=ppt/tags/tag64.xml><?xml version="1.0" encoding="utf-8"?>
-<p:tagLst xmlns:a="http://schemas.openxmlformats.org/drawingml/2006/main" xmlns:r="http://schemas.openxmlformats.org/officeDocument/2006/relationships" xmlns:p="http://schemas.openxmlformats.org/presentationml/2006/main">
-  <p:tag name="KSO_WM_TAG_VERSION" val="1.0"/>
-  <p:tag name="KSO_WM_BEAUTIFY_FLAG" val="#wm#"/>
-  <p:tag name="KSO_WM_TEMPLATE_CATEGORY" val="custom"/>
-  <p:tag name="KSO_WM_TEMPLATE_INDEX" val="160564"/>
-  <p:tag name="KSO_WM_UNIT_TYPE" val="f"/>
-  <p:tag name="KSO_WM_UNIT_INDEX" val="1"/>
-  <p:tag name="KSO_WM_UNIT_ID" val="custom160564_19*f*1"/>
-  <p:tag name="KSO_WM_UNIT_CLEAR" val="1"/>
-  <p:tag name="KSO_WM_UNIT_LAYERLEVEL" val="1"/>
-  <p:tag name="KSO_WM_UNIT_VALUE" val="143"/>
-  <p:tag name="KSO_WM_UNIT_HIGHLIGHT" val="0"/>
-  <p:tag name="KSO_WM_UNIT_COMPATIBLE" val="0"/>
-  <p:tag name="KSO_WM_UNIT_PRESET_TEXT_INDEX" val="5"/>
-  <p:tag name="KSO_WM_UNIT_PRESET_TEXT_LEN" val="232"/>
-</p:tagLst>
-</file>
-
-<file path=ppt/tags/tag65.xml><?xml version="1.0" encoding="utf-8"?>
-<p:tagLst xmlns:a="http://schemas.openxmlformats.org/drawingml/2006/main" xmlns:r="http://schemas.openxmlformats.org/officeDocument/2006/relationships" xmlns:p="http://schemas.openxmlformats.org/presentationml/2006/main">
+<file path=ppt/tags/tag72.xml><?xml version="1.0" encoding="utf-8"?>
+<p:tagLst xmlns:p="http://schemas.openxmlformats.org/presentationml/2006/main">
   <p:tag name="MH" val="20150923150227"/>
   <p:tag name="MH_LIBRARY" val="GRAPHIC"/>
   <p:tag name="MH_TYPE" val="Other"/>
@@ -24846,47 +25336,15 @@
   <p:tag name="KSO_WM_TAG_VERSION" val="1.0"/>
   <p:tag name="KSO_WM_BEAUTIFY_FLAG" val="#wm#"/>
   <p:tag name="KSO_WM_UNIT_TYPE" val="i"/>
-  <p:tag name="KSO_WM_UNIT_ID" val="custom160564_19*i*5"/>
+  <p:tag name="KSO_WM_UNIT_ID" val="custom160564_20*i*5"/>
   <p:tag name="KSO_WM_TEMPLATE_CATEGORY" val="custom"/>
   <p:tag name="KSO_WM_TEMPLATE_INDEX" val="160564"/>
   <p:tag name="KSO_WM_UNIT_INDEX" val="5"/>
 </p:tagLst>
 </file>
 
-<file path=ppt/tags/tag66.xml><?xml version="1.0" encoding="utf-8"?>
-<p:tagLst xmlns:a="http://schemas.openxmlformats.org/drawingml/2006/main" xmlns:r="http://schemas.openxmlformats.org/officeDocument/2006/relationships" xmlns:p="http://schemas.openxmlformats.org/presentationml/2006/main">
-  <p:tag name="MH" val="20150923150227"/>
-  <p:tag name="MH_LIBRARY" val="GRAPHIC"/>
-  <p:tag name="MH_TYPE" val="Other"/>
-  <p:tag name="MH_ORDER" val="3"/>
-  <p:tag name="KSO_WM_TAG_VERSION" val="1.0"/>
-  <p:tag name="KSO_WM_BEAUTIFY_FLAG" val="#wm#"/>
-  <p:tag name="KSO_WM_UNIT_TYPE" val="i"/>
-  <p:tag name="KSO_WM_UNIT_ID" val="custom160564_19*i*6"/>
-  <p:tag name="KSO_WM_TEMPLATE_CATEGORY" val="custom"/>
-  <p:tag name="KSO_WM_TEMPLATE_INDEX" val="160564"/>
-  <p:tag name="KSO_WM_UNIT_INDEX" val="6"/>
-</p:tagLst>
-</file>
-
-<file path=ppt/tags/tag67.xml><?xml version="1.0" encoding="utf-8"?>
-<p:tagLst xmlns:a="http://schemas.openxmlformats.org/drawingml/2006/main" xmlns:r="http://schemas.openxmlformats.org/officeDocument/2006/relationships" xmlns:p="http://schemas.openxmlformats.org/presentationml/2006/main">
-  <p:tag name="MH" val="20150923150227"/>
-  <p:tag name="MH_LIBRARY" val="GRAPHIC"/>
-  <p:tag name="MH_TYPE" val="Other"/>
-  <p:tag name="MH_ORDER" val="4"/>
-  <p:tag name="KSO_WM_TAG_VERSION" val="1.0"/>
-  <p:tag name="KSO_WM_BEAUTIFY_FLAG" val="#wm#"/>
-  <p:tag name="KSO_WM_UNIT_TYPE" val="i"/>
-  <p:tag name="KSO_WM_UNIT_ID" val="custom160564_19*i*7"/>
-  <p:tag name="KSO_WM_TEMPLATE_CATEGORY" val="custom"/>
-  <p:tag name="KSO_WM_TEMPLATE_INDEX" val="160564"/>
-  <p:tag name="KSO_WM_UNIT_INDEX" val="7"/>
-</p:tagLst>
-</file>
-
-<file path=ppt/tags/tag68.xml><?xml version="1.0" encoding="utf-8"?>
-<p:tagLst xmlns:a="http://schemas.openxmlformats.org/drawingml/2006/main" xmlns:r="http://schemas.openxmlformats.org/officeDocument/2006/relationships" xmlns:p="http://schemas.openxmlformats.org/presentationml/2006/main">
+<file path=ppt/tags/tag73.xml><?xml version="1.0" encoding="utf-8"?>
+<p:tagLst xmlns:p="http://schemas.openxmlformats.org/presentationml/2006/main">
   <p:tag name="MH" val="20150923150227"/>
   <p:tag name="MH_LIBRARY" val="GRAPHIC"/>
   <p:tag name="MH_TYPE" val="Other"/>
@@ -24894,15 +25352,15 @@
   <p:tag name="KSO_WM_TAG_VERSION" val="1.0"/>
   <p:tag name="KSO_WM_BEAUTIFY_FLAG" val="#wm#"/>
   <p:tag name="KSO_WM_UNIT_TYPE" val="i"/>
-  <p:tag name="KSO_WM_UNIT_ID" val="custom160564_19*i*8"/>
+  <p:tag name="KSO_WM_UNIT_ID" val="custom160564_20*i*6"/>
   <p:tag name="KSO_WM_TEMPLATE_CATEGORY" val="custom"/>
   <p:tag name="KSO_WM_TEMPLATE_INDEX" val="160564"/>
-  <p:tag name="KSO_WM_UNIT_INDEX" val="8"/>
+  <p:tag name="KSO_WM_UNIT_INDEX" val="6"/>
 </p:tagLst>
 </file>
 
-<file path=ppt/tags/tag69.xml><?xml version="1.0" encoding="utf-8"?>
-<p:tagLst xmlns:a="http://schemas.openxmlformats.org/drawingml/2006/main" xmlns:r="http://schemas.openxmlformats.org/officeDocument/2006/relationships" xmlns:p="http://schemas.openxmlformats.org/presentationml/2006/main">
+<file path=ppt/tags/tag74.xml><?xml version="1.0" encoding="utf-8"?>
+<p:tagLst xmlns:p="http://schemas.openxmlformats.org/presentationml/2006/main">
   <p:tag name="MH_TYPE" val="#NeiR#"/>
   <p:tag name="MH_NUMBER" val="1"/>
   <p:tag name="MH_CATEGORY" val="#QiTTB#"/>
@@ -24924,112 +25382,8 @@
 </p:tagLst>
 </file>
 
-<file path=ppt/tags/tag7.xml><?xml version="1.0" encoding="utf-8"?>
-<p:tagLst xmlns:a="http://schemas.openxmlformats.org/drawingml/2006/main" xmlns:r="http://schemas.openxmlformats.org/officeDocument/2006/relationships" xmlns:p="http://schemas.openxmlformats.org/presentationml/2006/main">
-  <p:tag name="KSO_WM_TAG_VERSION" val="1.0"/>
-  <p:tag name="KSO_WM_BEAUTIFY_FLAG" val="#wm#"/>
-  <p:tag name="KSO_WM_TEMPLATE_CATEGORY" val="custom"/>
-  <p:tag name="KSO_WM_TEMPLATE_INDEX" val="160564"/>
-  <p:tag name="KSO_WM_UNIT_TYPE" val="b"/>
-  <p:tag name="KSO_WM_UNIT_INDEX" val="1"/>
-  <p:tag name="KSO_WM_UNIT_ID" val="custom160564_1*b*1"/>
-  <p:tag name="KSO_WM_UNIT_CLEAR" val="1"/>
-  <p:tag name="KSO_WM_UNIT_LAYERLEVEL" val="1"/>
-  <p:tag name="KSO_WM_UNIT_VALUE" val="35"/>
-  <p:tag name="KSO_WM_UNIT_ISCONTENTSTITLE" val="0"/>
-  <p:tag name="KSO_WM_UNIT_HIGHLIGHT" val="0"/>
-  <p:tag name="KSO_WM_UNIT_COMPATIBLE" val="0"/>
-  <p:tag name="KSO_WM_UNIT_PRESET_TEXT_INDEX" val="3"/>
-  <p:tag name="KSO_WM_UNIT_PRESET_TEXT_LEN" val="17"/>
-</p:tagLst>
-</file>
-
-<file path=ppt/tags/tag70.xml><?xml version="1.0" encoding="utf-8"?>
-<p:tagLst xmlns:a="http://schemas.openxmlformats.org/drawingml/2006/main" xmlns:r="http://schemas.openxmlformats.org/officeDocument/2006/relationships" xmlns:p="http://schemas.openxmlformats.org/presentationml/2006/main">
-  <p:tag name="MH" val="20150923150227"/>
-  <p:tag name="MH_LIBRARY" val="GRAPHIC"/>
-  <p:tag name="MH_TYPE" val="Other"/>
-  <p:tag name="MH_ORDER" val="1"/>
-  <p:tag name="KSO_WM_TAG_VERSION" val="1.0"/>
-  <p:tag name="KSO_WM_BEAUTIFY_FLAG" val="#wm#"/>
-  <p:tag name="KSO_WM_UNIT_TYPE" val="i"/>
-  <p:tag name="KSO_WM_UNIT_ID" val="custom160564_20*i*0"/>
-  <p:tag name="KSO_WM_TEMPLATE_CATEGORY" val="custom"/>
-  <p:tag name="KSO_WM_TEMPLATE_INDEX" val="160564"/>
-  <p:tag name="KSO_WM_UNIT_INDEX" val="0"/>
-</p:tagLst>
-</file>
-
-<file path=ppt/tags/tag71.xml><?xml version="1.0" encoding="utf-8"?>
-<p:tagLst xmlns:a="http://schemas.openxmlformats.org/drawingml/2006/main" xmlns:r="http://schemas.openxmlformats.org/officeDocument/2006/relationships" xmlns:p="http://schemas.openxmlformats.org/presentationml/2006/main">
-  <p:tag name="MH" val="20150923150227"/>
-  <p:tag name="MH_LIBRARY" val="GRAPHIC"/>
-  <p:tag name="MH_TYPE" val="Other"/>
-  <p:tag name="MH_ORDER" val="5"/>
-  <p:tag name="KSO_WM_TAG_VERSION" val="1.0"/>
-  <p:tag name="KSO_WM_BEAUTIFY_FLAG" val="#wm#"/>
-  <p:tag name="KSO_WM_UNIT_TYPE" val="i"/>
-  <p:tag name="KSO_WM_UNIT_ID" val="custom160564_20*i*1"/>
-  <p:tag name="KSO_WM_TEMPLATE_CATEGORY" val="custom"/>
-  <p:tag name="KSO_WM_TEMPLATE_INDEX" val="160564"/>
-  <p:tag name="KSO_WM_UNIT_INDEX" val="1"/>
-</p:tagLst>
-</file>
-
-<file path=ppt/tags/tag72.xml><?xml version="1.0" encoding="utf-8"?>
-<p:tagLst xmlns:a="http://schemas.openxmlformats.org/drawingml/2006/main" xmlns:r="http://schemas.openxmlformats.org/officeDocument/2006/relationships" xmlns:p="http://schemas.openxmlformats.org/presentationml/2006/main">
-  <p:tag name="KSO_WM_TAG_VERSION" val="1.0"/>
-  <p:tag name="KSO_WM_BEAUTIFY_FLAG" val="#wm#"/>
-  <p:tag name="KSO_WM_TEMPLATE_CATEGORY" val="custom"/>
-  <p:tag name="KSO_WM_TEMPLATE_INDEX" val="160564"/>
-  <p:tag name="KSO_WM_UNIT_TYPE" val="a"/>
-  <p:tag name="KSO_WM_UNIT_INDEX" val="1"/>
-  <p:tag name="KSO_WM_UNIT_ID" val="custom160564_20*a*1"/>
-  <p:tag name="KSO_WM_UNIT_CLEAR" val="1"/>
-  <p:tag name="KSO_WM_UNIT_LAYERLEVEL" val="1"/>
-  <p:tag name="KSO_WM_UNIT_VALUE" val="25"/>
-  <p:tag name="KSO_WM_UNIT_ISCONTENTSTITLE" val="0"/>
-  <p:tag name="KSO_WM_UNIT_HIGHLIGHT" val="0"/>
-  <p:tag name="KSO_WM_UNIT_COMPATIBLE" val="0"/>
-  <p:tag name="KSO_WM_UNIT_PRESET_TEXT_INDEX" val="3"/>
-  <p:tag name="KSO_WM_UNIT_PRESET_TEXT_LEN" val="17"/>
-</p:tagLst>
-</file>
-
-<file path=ppt/tags/tag73.xml><?xml version="1.0" encoding="utf-8"?>
-<p:tagLst xmlns:a="http://schemas.openxmlformats.org/drawingml/2006/main" xmlns:r="http://schemas.openxmlformats.org/officeDocument/2006/relationships" xmlns:p="http://schemas.openxmlformats.org/presentationml/2006/main">
-  <p:tag name="MH" val="20150923150227"/>
-  <p:tag name="MH_LIBRARY" val="GRAPHIC"/>
-  <p:tag name="MH_TYPE" val="Other"/>
-  <p:tag name="MH_ORDER" val="1"/>
-  <p:tag name="KSO_WM_TAG_VERSION" val="1.0"/>
-  <p:tag name="KSO_WM_BEAUTIFY_FLAG" val="#wm#"/>
-  <p:tag name="KSO_WM_UNIT_TYPE" val="i"/>
-  <p:tag name="KSO_WM_UNIT_ID" val="custom160564_20*i*5"/>
-  <p:tag name="KSO_WM_TEMPLATE_CATEGORY" val="custom"/>
-  <p:tag name="KSO_WM_TEMPLATE_INDEX" val="160564"/>
-  <p:tag name="KSO_WM_UNIT_INDEX" val="5"/>
-</p:tagLst>
-</file>
-
-<file path=ppt/tags/tag74.xml><?xml version="1.0" encoding="utf-8"?>
-<p:tagLst xmlns:a="http://schemas.openxmlformats.org/drawingml/2006/main" xmlns:r="http://schemas.openxmlformats.org/officeDocument/2006/relationships" xmlns:p="http://schemas.openxmlformats.org/presentationml/2006/main">
-  <p:tag name="MH" val="20150923150227"/>
-  <p:tag name="MH_LIBRARY" val="GRAPHIC"/>
-  <p:tag name="MH_TYPE" val="Other"/>
-  <p:tag name="MH_ORDER" val="5"/>
-  <p:tag name="KSO_WM_TAG_VERSION" val="1.0"/>
-  <p:tag name="KSO_WM_BEAUTIFY_FLAG" val="#wm#"/>
-  <p:tag name="KSO_WM_UNIT_TYPE" val="i"/>
-  <p:tag name="KSO_WM_UNIT_ID" val="custom160564_20*i*6"/>
-  <p:tag name="KSO_WM_TEMPLATE_CATEGORY" val="custom"/>
-  <p:tag name="KSO_WM_TEMPLATE_INDEX" val="160564"/>
-  <p:tag name="KSO_WM_UNIT_INDEX" val="6"/>
-</p:tagLst>
-</file>
-
 <file path=ppt/tags/tag75.xml><?xml version="1.0" encoding="utf-8"?>
-<p:tagLst xmlns:a="http://schemas.openxmlformats.org/drawingml/2006/main" xmlns:r="http://schemas.openxmlformats.org/officeDocument/2006/relationships" xmlns:p="http://schemas.openxmlformats.org/presentationml/2006/main">
+<p:tagLst xmlns:p="http://schemas.openxmlformats.org/presentationml/2006/main">
   <p:tag name="KSO_WM_BEAUTIFY_FLAG" val="#wm#"/>
   <p:tag name="KSO_WM_TEMPLATE_CATEGORY" val="custom"/>
   <p:tag name="KSO_WM_TEMPLATE_INDEX" val="160564"/>
@@ -25037,7 +25391,7 @@
 </file>
 
 <file path=ppt/tags/tag76.xml><?xml version="1.0" encoding="utf-8"?>
-<p:tagLst xmlns:a="http://schemas.openxmlformats.org/drawingml/2006/main" xmlns:r="http://schemas.openxmlformats.org/officeDocument/2006/relationships" xmlns:p="http://schemas.openxmlformats.org/presentationml/2006/main">
+<p:tagLst xmlns:p="http://schemas.openxmlformats.org/presentationml/2006/main">
   <p:tag name="KSO_WM_BEAUTIFY_FLAG" val="#wm#"/>
   <p:tag name="KSO_WM_TEMPLATE_CATEGORY" val="custom"/>
   <p:tag name="KSO_WM_TEMPLATE_INDEX" val="160564"/>
@@ -25045,7 +25399,7 @@
 </file>
 
 <file path=ppt/tags/tag77.xml><?xml version="1.0" encoding="utf-8"?>
-<p:tagLst xmlns:a="http://schemas.openxmlformats.org/drawingml/2006/main" xmlns:r="http://schemas.openxmlformats.org/officeDocument/2006/relationships" xmlns:p="http://schemas.openxmlformats.org/presentationml/2006/main">
+<p:tagLst xmlns:p="http://schemas.openxmlformats.org/presentationml/2006/main">
   <p:tag name="KSO_WM_BEAUTIFY_FLAG" val="#wm#"/>
   <p:tag name="KSO_WM_TEMPLATE_CATEGORY" val="custom"/>
   <p:tag name="KSO_WM_TEMPLATE_INDEX" val="160564"/>
@@ -25053,7 +25407,7 @@
 </file>
 
 <file path=ppt/tags/tag78.xml><?xml version="1.0" encoding="utf-8"?>
-<p:tagLst xmlns:a="http://schemas.openxmlformats.org/drawingml/2006/main" xmlns:r="http://schemas.openxmlformats.org/officeDocument/2006/relationships" xmlns:p="http://schemas.openxmlformats.org/presentationml/2006/main">
+<p:tagLst xmlns:p="http://schemas.openxmlformats.org/presentationml/2006/main">
   <p:tag name="KSO_WM_BEAUTIFY_FLAG" val="#wm#"/>
   <p:tag name="KSO_WM_TEMPLATE_CATEGORY" val="custom"/>
   <p:tag name="KSO_WM_TEMPLATE_INDEX" val="160564"/>
@@ -25061,41 +25415,7 @@
 </file>
 
 <file path=ppt/tags/tag79.xml><?xml version="1.0" encoding="utf-8"?>
-<p:tagLst xmlns:a="http://schemas.openxmlformats.org/drawingml/2006/main" xmlns:r="http://schemas.openxmlformats.org/officeDocument/2006/relationships" xmlns:p="http://schemas.openxmlformats.org/presentationml/2006/main">
-  <p:tag name="MH" val="20150923145622"/>
-  <p:tag name="MH_LIBRARY" val="GRAPHIC"/>
-  <p:tag name="KSO_WM_TEMPLATE_CATEGORY" val="custom"/>
-  <p:tag name="KSO_WM_TEMPLATE_INDEX" val="160564"/>
-  <p:tag name="KSO_WM_TAG_VERSION" val="1.0"/>
-  <p:tag name="KSO_WM_SLIDE_ID" val="custom160564_12"/>
-  <p:tag name="KSO_WM_SLIDE_INDEX" val="12"/>
-  <p:tag name="KSO_WM_SLIDE_ITEM_CNT" val="1"/>
-  <p:tag name="KSO_WM_SLIDE_LAYOUT" val="a_e"/>
-  <p:tag name="KSO_WM_SLIDE_LAYOUT_CNT" val="1_1"/>
-  <p:tag name="KSO_WM_SLIDE_TYPE" val="sectionTitle"/>
-  <p:tag name="KSO_WM_BEAUTIFY_FLAG" val="#wm#"/>
-</p:tagLst>
-</file>
-
-<file path=ppt/tags/tag8.xml><?xml version="1.0" encoding="utf-8"?>
-<p:tagLst xmlns:a="http://schemas.openxmlformats.org/drawingml/2006/main" xmlns:r="http://schemas.openxmlformats.org/officeDocument/2006/relationships" xmlns:p="http://schemas.openxmlformats.org/presentationml/2006/main">
-  <p:tag name="KSO_WM_TEMPLATE_CATEGORY" val="custom"/>
-  <p:tag name="KSO_WM_TEMPLATE_INDEX" val="160564"/>
-  <p:tag name="KSO_WM_TAG_VERSION" val="1.0"/>
-  <p:tag name="KSO_WM_SLIDE_ID" val="custom160564_5"/>
-  <p:tag name="KSO_WM_SLIDE_INDEX" val="5"/>
-  <p:tag name="KSO_WM_SLIDE_ITEM_CNT" val="2"/>
-  <p:tag name="KSO_WM_SLIDE_LAYOUT" val="a_d_f"/>
-  <p:tag name="KSO_WM_SLIDE_LAYOUT_CNT" val="1_1_1"/>
-  <p:tag name="KSO_WM_SLIDE_TYPE" val="text"/>
-  <p:tag name="KSO_WM_BEAUTIFY_FLAG" val="#wm#"/>
-  <p:tag name="KSO_WM_SLIDE_POSITION" val="122*101"/>
-  <p:tag name="KSO_WM_SLIDE_SIZE" val="715*419"/>
-</p:tagLst>
-</file>
-
-<file path=ppt/tags/tag80.xml><?xml version="1.0" encoding="utf-8"?>
-<p:tagLst xmlns:a="http://schemas.openxmlformats.org/drawingml/2006/main" xmlns:r="http://schemas.openxmlformats.org/officeDocument/2006/relationships" xmlns:p="http://schemas.openxmlformats.org/presentationml/2006/main">
+<p:tagLst xmlns:p="http://schemas.openxmlformats.org/presentationml/2006/main">
   <p:tag name="KSO_WM_TAG_VERSION" val="1.0"/>
   <p:tag name="KSO_WM_BEAUTIFY_FLAG" val="#wm#"/>
   <p:tag name="KSO_WM_TEMPLATE_CATEGORY" val="custom"/>
@@ -25114,8 +25434,25 @@
 </p:tagLst>
 </file>
 
-<file path=ppt/tags/tag81.xml><?xml version="1.0" encoding="utf-8"?>
-<p:tagLst xmlns:a="http://schemas.openxmlformats.org/drawingml/2006/main" xmlns:r="http://schemas.openxmlformats.org/officeDocument/2006/relationships" xmlns:p="http://schemas.openxmlformats.org/presentationml/2006/main">
+<file path=ppt/tags/tag8.xml><?xml version="1.0" encoding="utf-8"?>
+<p:tagLst xmlns:p="http://schemas.openxmlformats.org/presentationml/2006/main">
+  <p:tag name="KSO_WM_TAG_VERSION" val="1.0"/>
+  <p:tag name="KSO_WM_BEAUTIFY_FLAG" val="#wm#"/>
+  <p:tag name="KSO_WM_TEMPLATE_CATEGORY" val="custom"/>
+  <p:tag name="KSO_WM_TEMPLATE_INDEX" val="160564"/>
+  <p:tag name="KSO_WM_UNIT_TYPE" val="d"/>
+  <p:tag name="KSO_WM_UNIT_INDEX" val="1"/>
+  <p:tag name="KSO_WM_UNIT_ID" val="custom160564_5*d*1"/>
+  <p:tag name="KSO_WM_UNIT_CLEAR" val="0"/>
+  <p:tag name="KSO_WM_UNIT_LAYERLEVEL" val="1"/>
+  <p:tag name="KSO_WM_UNIT_VALUE" val="1261*2521"/>
+  <p:tag name="KSO_WM_UNIT_HIGHLIGHT" val="0"/>
+  <p:tag name="KSO_WM_UNIT_COMPATIBLE" val="0"/>
+</p:tagLst>
+</file>
+
+<file path=ppt/tags/tag80.xml><?xml version="1.0" encoding="utf-8"?>
+<p:tagLst xmlns:p="http://schemas.openxmlformats.org/presentationml/2006/main">
   <p:tag name="KSO_WM_TAG_VERSION" val="1.0"/>
   <p:tag name="KSO_WM_BEAUTIFY_FLAG" val="#wm#"/>
   <p:tag name="KSO_WM_TEMPLATE_CATEGORY" val="custom"/>
@@ -25135,40 +25472,8 @@
 </p:tagLst>
 </file>
 
-<file path=ppt/tags/tag82.xml><?xml version="1.0" encoding="utf-8"?>
-<p:tagLst xmlns:a="http://schemas.openxmlformats.org/drawingml/2006/main" xmlns:r="http://schemas.openxmlformats.org/officeDocument/2006/relationships" xmlns:p="http://schemas.openxmlformats.org/presentationml/2006/main">
-  <p:tag name="KSO_WM_BEAUTIFY_FLAG" val="#wm#"/>
-  <p:tag name="KSO_WM_TEMPLATE_CATEGORY" val="custom"/>
-  <p:tag name="KSO_WM_TEMPLATE_INDEX" val="160564"/>
-</p:tagLst>
-</file>
-
-<file path=ppt/tags/tag83.xml><?xml version="1.0" encoding="utf-8"?>
-<p:tagLst xmlns:a="http://schemas.openxmlformats.org/drawingml/2006/main" xmlns:r="http://schemas.openxmlformats.org/officeDocument/2006/relationships" xmlns:p="http://schemas.openxmlformats.org/presentationml/2006/main">
-  <p:tag name="KSO_WM_BEAUTIFY_FLAG" val="#wm#"/>
-  <p:tag name="KSO_WM_TEMPLATE_CATEGORY" val="custom"/>
-  <p:tag name="KSO_WM_TEMPLATE_INDEX" val="160564"/>
-</p:tagLst>
-</file>
-
-<file path=ppt/tags/tag84.xml><?xml version="1.0" encoding="utf-8"?>
-<p:tagLst xmlns:a="http://schemas.openxmlformats.org/drawingml/2006/main" xmlns:r="http://schemas.openxmlformats.org/officeDocument/2006/relationships" xmlns:p="http://schemas.openxmlformats.org/presentationml/2006/main">
-  <p:tag name="KSO_WM_BEAUTIFY_FLAG" val="#wm#"/>
-  <p:tag name="KSO_WM_TEMPLATE_CATEGORY" val="custom"/>
-  <p:tag name="KSO_WM_TEMPLATE_INDEX" val="160564"/>
-</p:tagLst>
-</file>
-
-<file path=ppt/tags/tag85.xml><?xml version="1.0" encoding="utf-8"?>
-<p:tagLst xmlns:a="http://schemas.openxmlformats.org/drawingml/2006/main" xmlns:r="http://schemas.openxmlformats.org/officeDocument/2006/relationships" xmlns:p="http://schemas.openxmlformats.org/presentationml/2006/main">
-  <p:tag name="KSO_WM_BEAUTIFY_FLAG" val="#wm#"/>
-  <p:tag name="KSO_WM_TEMPLATE_CATEGORY" val="custom"/>
-  <p:tag name="KSO_WM_TEMPLATE_INDEX" val="160564"/>
-</p:tagLst>
-</file>
-
-<file path=ppt/tags/tag86.xml><?xml version="1.0" encoding="utf-8"?>
-<p:tagLst xmlns:a="http://schemas.openxmlformats.org/drawingml/2006/main" xmlns:r="http://schemas.openxmlformats.org/officeDocument/2006/relationships" xmlns:p="http://schemas.openxmlformats.org/presentationml/2006/main">
+<file path=ppt/tags/tag81.xml><?xml version="1.0" encoding="utf-8"?>
+<p:tagLst xmlns:p="http://schemas.openxmlformats.org/presentationml/2006/main">
   <p:tag name="MH" val="20150923145622"/>
   <p:tag name="MH_LIBRARY" val="GRAPHIC"/>
   <p:tag name="KSO_WM_TEMPLATE_CATEGORY" val="custom"/>
@@ -25184,8 +25489,40 @@
 </p:tagLst>
 </file>
 
-<file path=ppt/tags/tag87.xml><?xml version="1.0" encoding="utf-8"?>
-<p:tagLst xmlns:a="http://schemas.openxmlformats.org/drawingml/2006/main" xmlns:r="http://schemas.openxmlformats.org/officeDocument/2006/relationships" xmlns:p="http://schemas.openxmlformats.org/presentationml/2006/main">
+<file path=ppt/tags/tag82.xml><?xml version="1.0" encoding="utf-8"?>
+<p:tagLst xmlns:p="http://schemas.openxmlformats.org/presentationml/2006/main">
+  <p:tag name="KSO_WM_BEAUTIFY_FLAG" val="#wm#"/>
+  <p:tag name="KSO_WM_TEMPLATE_CATEGORY" val="custom"/>
+  <p:tag name="KSO_WM_TEMPLATE_INDEX" val="160564"/>
+</p:tagLst>
+</file>
+
+<file path=ppt/tags/tag83.xml><?xml version="1.0" encoding="utf-8"?>
+<p:tagLst xmlns:p="http://schemas.openxmlformats.org/presentationml/2006/main">
+  <p:tag name="KSO_WM_BEAUTIFY_FLAG" val="#wm#"/>
+  <p:tag name="KSO_WM_TEMPLATE_CATEGORY" val="custom"/>
+  <p:tag name="KSO_WM_TEMPLATE_INDEX" val="160564"/>
+</p:tagLst>
+</file>
+
+<file path=ppt/tags/tag84.xml><?xml version="1.0" encoding="utf-8"?>
+<p:tagLst xmlns:p="http://schemas.openxmlformats.org/presentationml/2006/main">
+  <p:tag name="KSO_WM_BEAUTIFY_FLAG" val="#wm#"/>
+  <p:tag name="KSO_WM_TEMPLATE_CATEGORY" val="custom"/>
+  <p:tag name="KSO_WM_TEMPLATE_INDEX" val="160564"/>
+</p:tagLst>
+</file>
+
+<file path=ppt/tags/tag85.xml><?xml version="1.0" encoding="utf-8"?>
+<p:tagLst xmlns:p="http://schemas.openxmlformats.org/presentationml/2006/main">
+  <p:tag name="KSO_WM_BEAUTIFY_FLAG" val="#wm#"/>
+  <p:tag name="KSO_WM_TEMPLATE_CATEGORY" val="custom"/>
+  <p:tag name="KSO_WM_TEMPLATE_INDEX" val="160564"/>
+</p:tagLst>
+</file>
+
+<file path=ppt/tags/tag86.xml><?xml version="1.0" encoding="utf-8"?>
+<p:tagLst xmlns:p="http://schemas.openxmlformats.org/presentationml/2006/main">
   <p:tag name="KSO_WM_TAG_VERSION" val="1.0"/>
   <p:tag name="KSO_WM_BEAUTIFY_FLAG" val="#wm#"/>
   <p:tag name="KSO_WM_TEMPLATE_CATEGORY" val="custom"/>
@@ -25204,8 +25541,8 @@
 </p:tagLst>
 </file>
 
-<file path=ppt/tags/tag88.xml><?xml version="1.0" encoding="utf-8"?>
-<p:tagLst xmlns:a="http://schemas.openxmlformats.org/drawingml/2006/main" xmlns:r="http://schemas.openxmlformats.org/officeDocument/2006/relationships" xmlns:p="http://schemas.openxmlformats.org/presentationml/2006/main">
+<file path=ppt/tags/tag87.xml><?xml version="1.0" encoding="utf-8"?>
+<p:tagLst xmlns:p="http://schemas.openxmlformats.org/presentationml/2006/main">
   <p:tag name="KSO_WM_TAG_VERSION" val="1.0"/>
   <p:tag name="KSO_WM_BEAUTIFY_FLAG" val="#wm#"/>
   <p:tag name="KSO_WM_TEMPLATE_CATEGORY" val="custom"/>
@@ -25225,57 +25562,8 @@
 </p:tagLst>
 </file>
 
-<file path=ppt/tags/tag89.xml><?xml version="1.0" encoding="utf-8"?>
-<p:tagLst xmlns:a="http://schemas.openxmlformats.org/drawingml/2006/main" xmlns:r="http://schemas.openxmlformats.org/officeDocument/2006/relationships" xmlns:p="http://schemas.openxmlformats.org/presentationml/2006/main">
-  <p:tag name="KSO_WM_BEAUTIFY_FLAG" val="#wm#"/>
-  <p:tag name="KSO_WM_TEMPLATE_CATEGORY" val="custom"/>
-  <p:tag name="KSO_WM_TEMPLATE_INDEX" val="160564"/>
-</p:tagLst>
-</file>
-
-<file path=ppt/tags/tag9.xml><?xml version="1.0" encoding="utf-8"?>
-<p:tagLst xmlns:a="http://schemas.openxmlformats.org/drawingml/2006/main" xmlns:r="http://schemas.openxmlformats.org/officeDocument/2006/relationships" xmlns:p="http://schemas.openxmlformats.org/presentationml/2006/main">
-  <p:tag name="KSO_WM_TAG_VERSION" val="1.0"/>
-  <p:tag name="KSO_WM_BEAUTIFY_FLAG" val="#wm#"/>
-  <p:tag name="KSO_WM_TEMPLATE_CATEGORY" val="custom"/>
-  <p:tag name="KSO_WM_TEMPLATE_INDEX" val="160564"/>
-  <p:tag name="KSO_WM_UNIT_TYPE" val="d"/>
-  <p:tag name="KSO_WM_UNIT_INDEX" val="1"/>
-  <p:tag name="KSO_WM_UNIT_ID" val="custom160564_5*d*1"/>
-  <p:tag name="KSO_WM_UNIT_CLEAR" val="0"/>
-  <p:tag name="KSO_WM_UNIT_LAYERLEVEL" val="1"/>
-  <p:tag name="KSO_WM_UNIT_VALUE" val="1261*2521"/>
-  <p:tag name="KSO_WM_UNIT_HIGHLIGHT" val="0"/>
-  <p:tag name="KSO_WM_UNIT_COMPATIBLE" val="0"/>
-</p:tagLst>
-</file>
-
-<file path=ppt/tags/tag90.xml><?xml version="1.0" encoding="utf-8"?>
-<p:tagLst xmlns:a="http://schemas.openxmlformats.org/drawingml/2006/main" xmlns:r="http://schemas.openxmlformats.org/officeDocument/2006/relationships" xmlns:p="http://schemas.openxmlformats.org/presentationml/2006/main">
-  <p:tag name="KSO_WM_BEAUTIFY_FLAG" val="#wm#"/>
-  <p:tag name="KSO_WM_TEMPLATE_CATEGORY" val="custom"/>
-  <p:tag name="KSO_WM_TEMPLATE_INDEX" val="160564"/>
-</p:tagLst>
-</file>
-
-<file path=ppt/tags/tag91.xml><?xml version="1.0" encoding="utf-8"?>
-<p:tagLst xmlns:a="http://schemas.openxmlformats.org/drawingml/2006/main" xmlns:r="http://schemas.openxmlformats.org/officeDocument/2006/relationships" xmlns:p="http://schemas.openxmlformats.org/presentationml/2006/main">
-  <p:tag name="KSO_WM_BEAUTIFY_FLAG" val="#wm#"/>
-  <p:tag name="KSO_WM_TEMPLATE_CATEGORY" val="custom"/>
-  <p:tag name="KSO_WM_TEMPLATE_INDEX" val="160564"/>
-</p:tagLst>
-</file>
-
-<file path=ppt/tags/tag92.xml><?xml version="1.0" encoding="utf-8"?>
-<p:tagLst xmlns:a="http://schemas.openxmlformats.org/drawingml/2006/main" xmlns:r="http://schemas.openxmlformats.org/officeDocument/2006/relationships" xmlns:p="http://schemas.openxmlformats.org/presentationml/2006/main">
-  <p:tag name="KSO_WM_BEAUTIFY_FLAG" val="#wm#"/>
-  <p:tag name="KSO_WM_TEMPLATE_CATEGORY" val="custom"/>
-  <p:tag name="KSO_WM_TEMPLATE_INDEX" val="160564"/>
-</p:tagLst>
-</file>
-
-<file path=ppt/tags/tag93.xml><?xml version="1.0" encoding="utf-8"?>
-<p:tagLst xmlns:a="http://schemas.openxmlformats.org/drawingml/2006/main" xmlns:r="http://schemas.openxmlformats.org/officeDocument/2006/relationships" xmlns:p="http://schemas.openxmlformats.org/presentationml/2006/main">
+<file path=ppt/tags/tag88.xml><?xml version="1.0" encoding="utf-8"?>
+<p:tagLst xmlns:p="http://schemas.openxmlformats.org/presentationml/2006/main">
   <p:tag name="MH" val="20150923145622"/>
   <p:tag name="MH_LIBRARY" val="GRAPHIC"/>
   <p:tag name="KSO_WM_TEMPLATE_CATEGORY" val="custom"/>
@@ -25291,8 +25579,60 @@
 </p:tagLst>
 </file>
 
-<file path=ppt/tags/tag94.xml><?xml version="1.0" encoding="utf-8"?>
-<p:tagLst xmlns:a="http://schemas.openxmlformats.org/drawingml/2006/main" xmlns:r="http://schemas.openxmlformats.org/officeDocument/2006/relationships" xmlns:p="http://schemas.openxmlformats.org/presentationml/2006/main">
+<file path=ppt/tags/tag89.xml><?xml version="1.0" encoding="utf-8"?>
+<p:tagLst xmlns:p="http://schemas.openxmlformats.org/presentationml/2006/main">
+  <p:tag name="KSO_WM_BEAUTIFY_FLAG" val="#wm#"/>
+  <p:tag name="KSO_WM_TEMPLATE_CATEGORY" val="custom"/>
+  <p:tag name="KSO_WM_TEMPLATE_INDEX" val="160564"/>
+</p:tagLst>
+</file>
+
+<file path=ppt/tags/tag9.xml><?xml version="1.0" encoding="utf-8"?>
+<p:tagLst xmlns:p="http://schemas.openxmlformats.org/presentationml/2006/main">
+  <p:tag name="KSO_WM_TAG_VERSION" val="1.0"/>
+  <p:tag name="KSO_WM_BEAUTIFY_FLAG" val="#wm#"/>
+  <p:tag name="KSO_WM_TEMPLATE_CATEGORY" val="custom"/>
+  <p:tag name="KSO_WM_TEMPLATE_INDEX" val="160564"/>
+  <p:tag name="KSO_WM_UNIT_TYPE" val="a"/>
+  <p:tag name="KSO_WM_UNIT_INDEX" val="1"/>
+  <p:tag name="KSO_WM_UNIT_ID" val="custom160564_5*a*1"/>
+  <p:tag name="KSO_WM_UNIT_CLEAR" val="1"/>
+  <p:tag name="KSO_WM_UNIT_LAYERLEVEL" val="1"/>
+  <p:tag name="KSO_WM_UNIT_VALUE" val="21"/>
+  <p:tag name="KSO_WM_UNIT_ISCONTENTSTITLE" val="0"/>
+  <p:tag name="KSO_WM_UNIT_HIGHLIGHT" val="0"/>
+  <p:tag name="KSO_WM_UNIT_COMPATIBLE" val="0"/>
+  <p:tag name="KSO_WM_UNIT_PRESET_TEXT_INDEX" val="3"/>
+  <p:tag name="KSO_WM_UNIT_PRESET_TEXT_LEN" val="17"/>
+</p:tagLst>
+</file>
+
+<file path=ppt/tags/tag90.xml><?xml version="1.0" encoding="utf-8"?>
+<p:tagLst xmlns:p="http://schemas.openxmlformats.org/presentationml/2006/main">
+  <p:tag name="KSO_WM_BEAUTIFY_FLAG" val="#wm#"/>
+  <p:tag name="KSO_WM_TEMPLATE_CATEGORY" val="custom"/>
+  <p:tag name="KSO_WM_TEMPLATE_INDEX" val="160564"/>
+</p:tagLst>
+</file>
+
+<file path=ppt/tags/tag91.xml><?xml version="1.0" encoding="utf-8"?>
+<p:tagLst xmlns:p="http://schemas.openxmlformats.org/presentationml/2006/main">
+  <p:tag name="KSO_WM_BEAUTIFY_FLAG" val="#wm#"/>
+  <p:tag name="KSO_WM_TEMPLATE_CATEGORY" val="custom"/>
+  <p:tag name="KSO_WM_TEMPLATE_INDEX" val="160564"/>
+</p:tagLst>
+</file>
+
+<file path=ppt/tags/tag92.xml><?xml version="1.0" encoding="utf-8"?>
+<p:tagLst xmlns:p="http://schemas.openxmlformats.org/presentationml/2006/main">
+  <p:tag name="KSO_WM_BEAUTIFY_FLAG" val="#wm#"/>
+  <p:tag name="KSO_WM_TEMPLATE_CATEGORY" val="custom"/>
+  <p:tag name="KSO_WM_TEMPLATE_INDEX" val="160564"/>
+</p:tagLst>
+</file>
+
+<file path=ppt/tags/tag93.xml><?xml version="1.0" encoding="utf-8"?>
+<p:tagLst xmlns:p="http://schemas.openxmlformats.org/presentationml/2006/main">
   <p:tag name="KSO_WM_TAG_VERSION" val="1.0"/>
   <p:tag name="KSO_WM_BEAUTIFY_FLAG" val="#wm#"/>
   <p:tag name="KSO_WM_TEMPLATE_CATEGORY" val="custom"/>
@@ -25311,8 +25651,8 @@
 </p:tagLst>
 </file>
 
-<file path=ppt/tags/tag95.xml><?xml version="1.0" encoding="utf-8"?>
-<p:tagLst xmlns:a="http://schemas.openxmlformats.org/drawingml/2006/main" xmlns:r="http://schemas.openxmlformats.org/officeDocument/2006/relationships" xmlns:p="http://schemas.openxmlformats.org/presentationml/2006/main">
+<file path=ppt/tags/tag94.xml><?xml version="1.0" encoding="utf-8"?>
+<p:tagLst xmlns:p="http://schemas.openxmlformats.org/presentationml/2006/main">
   <p:tag name="KSO_WM_TAG_VERSION" val="1.0"/>
   <p:tag name="KSO_WM_BEAUTIFY_FLAG" val="#wm#"/>
   <p:tag name="KSO_WM_TEMPLATE_CATEGORY" val="custom"/>
@@ -25332,8 +25672,25 @@
 </p:tagLst>
 </file>
 
+<file path=ppt/tags/tag95.xml><?xml version="1.0" encoding="utf-8"?>
+<p:tagLst xmlns:p="http://schemas.openxmlformats.org/presentationml/2006/main">
+  <p:tag name="MH" val="20150923145622"/>
+  <p:tag name="MH_LIBRARY" val="GRAPHIC"/>
+  <p:tag name="KSO_WM_TEMPLATE_CATEGORY" val="custom"/>
+  <p:tag name="KSO_WM_TEMPLATE_INDEX" val="160564"/>
+  <p:tag name="KSO_WM_TAG_VERSION" val="1.0"/>
+  <p:tag name="KSO_WM_SLIDE_ID" val="custom160564_12"/>
+  <p:tag name="KSO_WM_SLIDE_INDEX" val="12"/>
+  <p:tag name="KSO_WM_SLIDE_ITEM_CNT" val="1"/>
+  <p:tag name="KSO_WM_SLIDE_LAYOUT" val="a_e"/>
+  <p:tag name="KSO_WM_SLIDE_LAYOUT_CNT" val="1_1"/>
+  <p:tag name="KSO_WM_SLIDE_TYPE" val="sectionTitle"/>
+  <p:tag name="KSO_WM_BEAUTIFY_FLAG" val="#wm#"/>
+</p:tagLst>
+</file>
+
 <file path=ppt/tags/tag96.xml><?xml version="1.0" encoding="utf-8"?>
-<p:tagLst xmlns:a="http://schemas.openxmlformats.org/drawingml/2006/main" xmlns:r="http://schemas.openxmlformats.org/officeDocument/2006/relationships" xmlns:p="http://schemas.openxmlformats.org/presentationml/2006/main">
+<p:tagLst xmlns:p="http://schemas.openxmlformats.org/presentationml/2006/main">
   <p:tag name="KSO_WM_BEAUTIFY_FLAG" val="#wm#"/>
   <p:tag name="KSO_WM_TEMPLATE_CATEGORY" val="custom"/>
   <p:tag name="KSO_WM_TEMPLATE_INDEX" val="160564"/>
@@ -25341,7 +25698,7 @@
 </file>
 
 <file path=ppt/tags/tag97.xml><?xml version="1.0" encoding="utf-8"?>
-<p:tagLst xmlns:a="http://schemas.openxmlformats.org/drawingml/2006/main" xmlns:r="http://schemas.openxmlformats.org/officeDocument/2006/relationships" xmlns:p="http://schemas.openxmlformats.org/presentationml/2006/main">
+<p:tagLst xmlns:p="http://schemas.openxmlformats.org/presentationml/2006/main">
   <p:tag name="KSO_WM_BEAUTIFY_FLAG" val="#wm#"/>
   <p:tag name="KSO_WM_TEMPLATE_CATEGORY" val="custom"/>
   <p:tag name="KSO_WM_TEMPLATE_INDEX" val="160564"/>
@@ -25349,7 +25706,7 @@
 </file>
 
 <file path=ppt/tags/tag98.xml><?xml version="1.0" encoding="utf-8"?>
-<p:tagLst xmlns:a="http://schemas.openxmlformats.org/drawingml/2006/main" xmlns:r="http://schemas.openxmlformats.org/officeDocument/2006/relationships" xmlns:p="http://schemas.openxmlformats.org/presentationml/2006/main">
+<p:tagLst xmlns:p="http://schemas.openxmlformats.org/presentationml/2006/main">
   <p:tag name="KSO_WM_BEAUTIFY_FLAG" val="#wm#"/>
   <p:tag name="KSO_WM_TEMPLATE_CATEGORY" val="custom"/>
   <p:tag name="KSO_WM_TEMPLATE_INDEX" val="160564"/>
@@ -25357,7 +25714,7 @@
 </file>
 
 <file path=ppt/tags/tag99.xml><?xml version="1.0" encoding="utf-8"?>
-<p:tagLst xmlns:a="http://schemas.openxmlformats.org/drawingml/2006/main" xmlns:r="http://schemas.openxmlformats.org/officeDocument/2006/relationships" xmlns:p="http://schemas.openxmlformats.org/presentationml/2006/main">
+<p:tagLst xmlns:p="http://schemas.openxmlformats.org/presentationml/2006/main">
   <p:tag name="KSO_WM_BEAUTIFY_FLAG" val="#wm#"/>
   <p:tag name="KSO_WM_TEMPLATE_CATEGORY" val="custom"/>
   <p:tag name="KSO_WM_TEMPLATE_INDEX" val="160564"/>
@@ -25555,11 +25912,9 @@
       </a:bgFillStyleLst>
     </a:fmtScheme>
   </a:themeElements>
-  <a:objectDefaults/>
-  <a:extraClrSchemeLst/>
   <a:extLst>
     <a:ext uri="{05A4C25C-085E-4340-85A3-A5531E510DB2}">
-      <thm15:themeFamily xmlns:thm15="http://schemas.microsoft.com/office/thememl/2012/main" xmlns="" name="Office Theme" id="{62F939B6-93AF-4DB8-9C6B-D6C7DFDC589F}" vid="{4A3C46E8-61CC-4603-A589-7422A47A8E4A}"/>
+      <thm15:themeFamily xmlns:thm15="http://schemas.microsoft.com/office/thememl/2012/main" name="Office Theme" id="{62F939B6-93AF-4DB8-9C6B-D6C7DFDC589F}" vid="{4A3C46E8-61CC-4603-A589-7422A47A8E4A}"/>
     </a:ext>
   </a:extLst>
 </a:theme>
@@ -25816,11 +26171,9 @@
       </a:bgFillStyleLst>
     </a:fmtScheme>
   </a:themeElements>
-  <a:objectDefaults/>
-  <a:extraClrSchemeLst/>
   <a:extLst>
     <a:ext uri="{05A4C25C-085E-4340-85A3-A5531E510DB2}">
-      <thm15:themeFamily xmlns:thm15="http://schemas.microsoft.com/office/thememl/2012/main" xmlns="" name="Office Theme" id="{62F939B6-93AF-4DB8-9C6B-D6C7DFDC589F}" vid="{4A3C46E8-61CC-4603-A589-7422A47A8E4A}"/>
+      <thm15:themeFamily xmlns:thm15="http://schemas.microsoft.com/office/thememl/2012/main" name="Office Theme" id="{62F939B6-93AF-4DB8-9C6B-D6C7DFDC589F}" vid="{4A3C46E8-61CC-4603-A589-7422A47A8E4A}"/>
     </a:ext>
   </a:extLst>
 </a:theme>

--- a/5UML答辩/UML基础I.pptx
+++ b/5UML答辩/UML基础I.pptx
@@ -5,52 +5,52 @@
     <p:sldMasterId id="2147483648" r:id="rId1"/>
   </p:sldMasterIdLst>
   <p:notesMasterIdLst>
-    <p:notesMasterId r:id="rId4"/>
+    <p:notesMasterId r:id="rId45"/>
   </p:notesMasterIdLst>
   <p:sldIdLst>
-    <p:sldId id="256" r:id="rId3"/>
-    <p:sldId id="284" r:id="rId5"/>
-    <p:sldId id="258" r:id="rId6"/>
-    <p:sldId id="263" r:id="rId7"/>
-    <p:sldId id="312" r:id="rId8"/>
-    <p:sldId id="330" r:id="rId9"/>
-    <p:sldId id="264" r:id="rId10"/>
-    <p:sldId id="331" r:id="rId11"/>
-    <p:sldId id="269" r:id="rId12"/>
-    <p:sldId id="415" r:id="rId13"/>
-    <p:sldId id="332" r:id="rId14"/>
-    <p:sldId id="270" r:id="rId15"/>
-    <p:sldId id="271" r:id="rId16"/>
-    <p:sldId id="336" r:id="rId17"/>
-    <p:sldId id="333" r:id="rId18"/>
-    <p:sldId id="414" r:id="rId19"/>
-    <p:sldId id="334" r:id="rId20"/>
-    <p:sldId id="337" r:id="rId21"/>
-    <p:sldId id="335" r:id="rId22"/>
-    <p:sldId id="338" r:id="rId23"/>
-    <p:sldId id="339" r:id="rId24"/>
-    <p:sldId id="392" r:id="rId25"/>
-    <p:sldId id="340" r:id="rId26"/>
-    <p:sldId id="361" r:id="rId27"/>
-    <p:sldId id="362" r:id="rId28"/>
-    <p:sldId id="363" r:id="rId29"/>
-    <p:sldId id="412" r:id="rId30"/>
-    <p:sldId id="341" r:id="rId31"/>
-    <p:sldId id="351" r:id="rId32"/>
-    <p:sldId id="352" r:id="rId33"/>
-    <p:sldId id="353" r:id="rId34"/>
-    <p:sldId id="381" r:id="rId35"/>
-    <p:sldId id="413" r:id="rId36"/>
-    <p:sldId id="342" r:id="rId37"/>
-    <p:sldId id="354" r:id="rId38"/>
-    <p:sldId id="355" r:id="rId39"/>
-    <p:sldId id="356" r:id="rId40"/>
-    <p:sldId id="391" r:id="rId41"/>
-    <p:sldId id="375" r:id="rId42"/>
-    <p:sldId id="377" r:id="rId43"/>
-    <p:sldId id="374" r:id="rId44"/>
-    <p:sldId id="279" r:id="rId45"/>
-    <p:sldId id="280" r:id="rId46"/>
+    <p:sldId id="256" r:id="rId2"/>
+    <p:sldId id="284" r:id="rId3"/>
+    <p:sldId id="258" r:id="rId4"/>
+    <p:sldId id="263" r:id="rId5"/>
+    <p:sldId id="312" r:id="rId6"/>
+    <p:sldId id="330" r:id="rId7"/>
+    <p:sldId id="264" r:id="rId8"/>
+    <p:sldId id="331" r:id="rId9"/>
+    <p:sldId id="269" r:id="rId10"/>
+    <p:sldId id="415" r:id="rId11"/>
+    <p:sldId id="332" r:id="rId12"/>
+    <p:sldId id="270" r:id="rId13"/>
+    <p:sldId id="271" r:id="rId14"/>
+    <p:sldId id="336" r:id="rId15"/>
+    <p:sldId id="333" r:id="rId16"/>
+    <p:sldId id="414" r:id="rId17"/>
+    <p:sldId id="334" r:id="rId18"/>
+    <p:sldId id="337" r:id="rId19"/>
+    <p:sldId id="335" r:id="rId20"/>
+    <p:sldId id="338" r:id="rId21"/>
+    <p:sldId id="339" r:id="rId22"/>
+    <p:sldId id="392" r:id="rId23"/>
+    <p:sldId id="340" r:id="rId24"/>
+    <p:sldId id="361" r:id="rId25"/>
+    <p:sldId id="362" r:id="rId26"/>
+    <p:sldId id="363" r:id="rId27"/>
+    <p:sldId id="412" r:id="rId28"/>
+    <p:sldId id="341" r:id="rId29"/>
+    <p:sldId id="351" r:id="rId30"/>
+    <p:sldId id="352" r:id="rId31"/>
+    <p:sldId id="353" r:id="rId32"/>
+    <p:sldId id="381" r:id="rId33"/>
+    <p:sldId id="413" r:id="rId34"/>
+    <p:sldId id="342" r:id="rId35"/>
+    <p:sldId id="354" r:id="rId36"/>
+    <p:sldId id="355" r:id="rId37"/>
+    <p:sldId id="356" r:id="rId38"/>
+    <p:sldId id="391" r:id="rId39"/>
+    <p:sldId id="375" r:id="rId40"/>
+    <p:sldId id="377" r:id="rId41"/>
+    <p:sldId id="374" r:id="rId42"/>
+    <p:sldId id="279" r:id="rId43"/>
+    <p:sldId id="280" r:id="rId44"/>
   </p:sldIdLst>
   <p:sldSz cx="12192000" cy="6858000"/>
   <p:notesSz cx="6858000" cy="9144000"/>
@@ -234,6 +234,7 @@
           <a:p>
             <a:fld id="{688D8800-4BFF-4416-9148-C9E6947F365D}" type="datetimeFigureOut">
               <a:rPr lang="zh-CN" altLang="en-US" smtClean="0"/>
+              <a:t>2017/11/16</a:t>
             </a:fld>
             <a:endParaRPr lang="zh-CN" altLang="en-US"/>
           </a:p>
@@ -300,7 +301,6 @@
               <a:rPr lang="zh-CN" altLang="en-US" smtClean="0"/>
               <a:t>单击此处编辑母版文本样式</a:t>
             </a:r>
-            <a:endParaRPr lang="zh-CN" altLang="en-US" smtClean="0"/>
           </a:p>
           <a:p>
             <a:pPr lvl="1"/>
@@ -308,7 +308,6 @@
               <a:rPr lang="zh-CN" altLang="en-US" smtClean="0"/>
               <a:t>第二级</a:t>
             </a:r>
-            <a:endParaRPr lang="zh-CN" altLang="en-US" smtClean="0"/>
           </a:p>
           <a:p>
             <a:pPr lvl="2"/>
@@ -316,7 +315,6 @@
               <a:rPr lang="zh-CN" altLang="en-US" smtClean="0"/>
               <a:t>第三级</a:t>
             </a:r>
-            <a:endParaRPr lang="zh-CN" altLang="en-US" smtClean="0"/>
           </a:p>
           <a:p>
             <a:pPr lvl="3"/>
@@ -324,7 +322,6 @@
               <a:rPr lang="zh-CN" altLang="en-US" smtClean="0"/>
               <a:t>第四级</a:t>
             </a:r>
-            <a:endParaRPr lang="zh-CN" altLang="en-US" smtClean="0"/>
           </a:p>
           <a:p>
             <a:pPr lvl="4"/>
@@ -396,12 +393,18 @@
           <a:p>
             <a:fld id="{CA1609EA-4ED7-458E-841A-D6436E22768C}" type="slidenum">
               <a:rPr lang="zh-CN" altLang="en-US" smtClean="0"/>
+              <a:t>‹#›</a:t>
             </a:fld>
             <a:endParaRPr lang="zh-CN" altLang="en-US"/>
           </a:p>
         </p:txBody>
       </p:sp>
     </p:spTree>
+    <p:extLst>
+      <p:ext uri="{BB962C8B-B14F-4D97-AF65-F5344CB8AC3E}">
+        <p14:creationId xmlns:p14="http://schemas.microsoft.com/office/powerpoint/2010/main" val="1932459532"/>
+      </p:ext>
+    </p:extLst>
   </p:cSld>
   <p:clrMap bg1="lt1" tx1="dk1" bg2="lt2" tx2="dk2" accent1="accent1" accent2="accent2" accent3="accent3" accent4="accent4" accent5="accent5" accent6="accent6" hlink="hlink" folHlink="folHlink"/>
   <p:notesStyle>
@@ -569,6 +572,7 @@
           <a:p>
             <a:fld id="{CA1609EA-4ED7-458E-841A-D6436E22768C}" type="slidenum">
               <a:rPr lang="zh-CN" altLang="en-US" smtClean="0"/>
+              <a:t>1</a:t>
             </a:fld>
             <a:endParaRPr lang="zh-CN" altLang="en-US"/>
           </a:p>
@@ -652,6 +656,7 @@
           <a:p>
             <a:fld id="{CA1609EA-4ED7-458E-841A-D6436E22768C}" type="slidenum">
               <a:rPr lang="zh-CN" altLang="en-US" smtClean="0"/>
+              <a:t>18</a:t>
             </a:fld>
             <a:endParaRPr lang="zh-CN" altLang="en-US"/>
           </a:p>
@@ -735,6 +740,7 @@
           <a:p>
             <a:fld id="{CA1609EA-4ED7-458E-841A-D6436E22768C}" type="slidenum">
               <a:rPr lang="zh-CN" altLang="en-US" smtClean="0"/>
+              <a:t>23</a:t>
             </a:fld>
             <a:endParaRPr lang="zh-CN" altLang="en-US"/>
           </a:p>
@@ -818,6 +824,7 @@
           <a:p>
             <a:fld id="{CA1609EA-4ED7-458E-841A-D6436E22768C}" type="slidenum">
               <a:rPr lang="zh-CN" altLang="en-US" smtClean="0"/>
+              <a:t>28</a:t>
             </a:fld>
             <a:endParaRPr lang="zh-CN" altLang="en-US"/>
           </a:p>
@@ -901,6 +908,7 @@
           <a:p>
             <a:fld id="{CA1609EA-4ED7-458E-841A-D6436E22768C}" type="slidenum">
               <a:rPr lang="zh-CN" altLang="en-US" smtClean="0"/>
+              <a:t>34</a:t>
             </a:fld>
             <a:endParaRPr lang="zh-CN" altLang="en-US"/>
           </a:p>
@@ -984,6 +992,7 @@
           <a:p>
             <a:fld id="{CA1609EA-4ED7-458E-841A-D6436E22768C}" type="slidenum">
               <a:rPr lang="zh-CN" altLang="en-US" smtClean="0"/>
+              <a:t>39</a:t>
             </a:fld>
             <a:endParaRPr lang="zh-CN" altLang="en-US"/>
           </a:p>
@@ -1067,6 +1076,7 @@
           <a:p>
             <a:fld id="{CA1609EA-4ED7-458E-841A-D6436E22768C}" type="slidenum">
               <a:rPr lang="zh-CN" altLang="en-US" smtClean="0"/>
+              <a:t>41</a:t>
             </a:fld>
             <a:endParaRPr lang="zh-CN" altLang="en-US"/>
           </a:p>
@@ -1150,6 +1160,7 @@
           <a:p>
             <a:fld id="{CA1609EA-4ED7-458E-841A-D6436E22768C}" type="slidenum">
               <a:rPr lang="zh-CN" altLang="en-US" smtClean="0"/>
+              <a:t>42</a:t>
             </a:fld>
             <a:endParaRPr lang="zh-CN" altLang="en-US"/>
           </a:p>
@@ -1402,6 +1413,7 @@
                 <a:latin typeface="Calibri" panose="020F0502020204030204" pitchFamily="34" charset="0"/>
                 <a:ea typeface="宋体" panose="02010600030101010101" pitchFamily="2" charset="-122"/>
               </a:rPr>
+              <a:t>43</a:t>
             </a:fld>
             <a:endParaRPr lang="zh-CN" altLang="en-US" sz="1200">
               <a:latin typeface="Calibri" panose="020F0502020204030204" pitchFamily="34" charset="0"/>
@@ -1488,6 +1500,7 @@
           <a:p>
             <a:fld id="{93AA39BF-A0C1-4329-B52D-A0BC4CCA7601}" type="slidenum">
               <a:rPr lang="zh-CN" altLang="en-US" smtClean="0"/>
+              <a:t>2</a:t>
             </a:fld>
             <a:endParaRPr lang="zh-CN" altLang="en-US"/>
           </a:p>
@@ -1742,6 +1755,7 @@
               <a:rPr lang="zh-CN" altLang="en-US" smtClean="0">
                 <a:latin typeface="Calibri" panose="020F0502020204030204" pitchFamily="34" charset="0"/>
               </a:rPr>
+              <a:t>3</a:t>
             </a:fld>
             <a:endParaRPr lang="zh-CN" altLang="en-US" smtClean="0">
               <a:latin typeface="Calibri" panose="020F0502020204030204" pitchFamily="34" charset="0"/>
@@ -1827,6 +1841,7 @@
           <a:p>
             <a:fld id="{CA1609EA-4ED7-458E-841A-D6436E22768C}" type="slidenum">
               <a:rPr lang="zh-CN" altLang="en-US" smtClean="0"/>
+              <a:t>4</a:t>
             </a:fld>
             <a:endParaRPr lang="zh-CN" altLang="en-US"/>
           </a:p>
@@ -1910,6 +1925,7 @@
           <a:p>
             <a:fld id="{CA1609EA-4ED7-458E-841A-D6436E22768C}" type="slidenum">
               <a:rPr lang="zh-CN" altLang="en-US" smtClean="0"/>
+              <a:t>7</a:t>
             </a:fld>
             <a:endParaRPr lang="zh-CN" altLang="en-US"/>
           </a:p>
@@ -1993,6 +2009,7 @@
           <a:p>
             <a:fld id="{CA1609EA-4ED7-458E-841A-D6436E22768C}" type="slidenum">
               <a:rPr lang="zh-CN" altLang="en-US" smtClean="0"/>
+              <a:t>9</a:t>
             </a:fld>
             <a:endParaRPr lang="zh-CN" altLang="en-US"/>
           </a:p>
@@ -2076,6 +2093,7 @@
           <a:p>
             <a:fld id="{CA1609EA-4ED7-458E-841A-D6436E22768C}" type="slidenum">
               <a:rPr lang="zh-CN" altLang="en-US" smtClean="0"/>
+              <a:t>11</a:t>
             </a:fld>
             <a:endParaRPr lang="zh-CN" altLang="en-US"/>
           </a:p>
@@ -2336,6 +2354,7 @@
             </a:pPr>
             <a:fld id="{301080E2-28CB-4D25-B7ED-EACE66A710AC}" type="slidenum">
               <a:rPr lang="zh-CN" altLang="en-US" smtClean="0"/>
+              <a:t>12</a:t>
             </a:fld>
             <a:endParaRPr lang="en-US" altLang="zh-CN" smtClean="0"/>
           </a:p>
@@ -2596,6 +2615,7 @@
             </a:pPr>
             <a:fld id="{301080E2-28CB-4D25-B7ED-EACE66A710AC}" type="slidenum">
               <a:rPr lang="zh-CN" altLang="en-US" smtClean="0"/>
+              <a:t>13</a:t>
             </a:fld>
             <a:endParaRPr lang="en-US" altLang="zh-CN" smtClean="0"/>
           </a:p>
@@ -3043,6 +3063,7 @@
           <a:p>
             <a:fld id="{DAFC83C4-A236-483F-94E1-16AFA86FAD07}" type="datetimeFigureOut">
               <a:rPr lang="zh-CN" altLang="en-US" smtClean="0"/>
+              <a:t>2017/11/16</a:t>
             </a:fld>
             <a:endParaRPr lang="zh-CN" altLang="en-US"/>
           </a:p>
@@ -3084,6 +3105,7 @@
           <a:p>
             <a:fld id="{651E8863-1879-49C9-9D7E-0C23B4A06F4C}" type="slidenum">
               <a:rPr lang="zh-CN" altLang="en-US" smtClean="0"/>
+              <a:t>‹#›</a:t>
             </a:fld>
             <a:endParaRPr lang="zh-CN" altLang="en-US"/>
           </a:p>
@@ -3179,7 +3201,7 @@
 </file>
 
 <file path=ppt/slideLayouts/slideLayout10.xml><?xml version="1.0" encoding="utf-8"?>
-<p:sldLayout xmlns:a="http://schemas.openxmlformats.org/drawingml/2006/main" xmlns:r="http://schemas.openxmlformats.org/officeDocument/2006/relationships" xmlns:p="http://schemas.openxmlformats.org/presentationml/2006/main" preserve="1" showMasterSp="0" userDrawn="1">
+<p:sldLayout xmlns:a="http://schemas.openxmlformats.org/drawingml/2006/main" xmlns:r="http://schemas.openxmlformats.org/officeDocument/2006/relationships" xmlns:p="http://schemas.openxmlformats.org/presentationml/2006/main" showMasterSp="0" preserve="1" userDrawn="1">
   <p:cSld name="内容">
     <p:spTree>
       <p:nvGrpSpPr>
@@ -3212,6 +3234,7 @@
           <a:p>
             <a:fld id="{1EC61D3F-34E9-4F9D-84A2-72367D9F9A68}" type="datetimeFigureOut">
               <a:rPr lang="zh-CN" altLang="en-US" smtClean="0"/>
+              <a:t>2017/11/16</a:t>
             </a:fld>
             <a:endParaRPr lang="zh-CN" altLang="en-US"/>
           </a:p>
@@ -3253,6 +3276,7 @@
           <a:p>
             <a:fld id="{4254DC01-BD11-43BE-8FE9-19C0CFD26E47}" type="slidenum">
               <a:rPr lang="zh-CN" altLang="en-US" smtClean="0"/>
+              <a:t>‹#›</a:t>
             </a:fld>
             <a:endParaRPr lang="zh-CN" altLang="en-US"/>
           </a:p>
@@ -3331,7 +3355,6 @@
               <a:rPr lang="zh-CN" altLang="en-US" dirty="0" smtClean="0"/>
               <a:t>单击此处编辑母版文本样式</a:t>
             </a:r>
-            <a:endParaRPr lang="zh-CN" altLang="en-US" dirty="0" smtClean="0"/>
           </a:p>
           <a:p>
             <a:pPr lvl="1"/>
@@ -3339,7 +3362,6 @@
               <a:rPr lang="zh-CN" altLang="en-US" dirty="0" smtClean="0"/>
               <a:t>第二级</a:t>
             </a:r>
-            <a:endParaRPr lang="zh-CN" altLang="en-US" dirty="0" smtClean="0"/>
           </a:p>
           <a:p>
             <a:pPr lvl="2"/>
@@ -3347,7 +3369,6 @@
               <a:rPr lang="zh-CN" altLang="en-US" dirty="0" smtClean="0"/>
               <a:t>第三级</a:t>
             </a:r>
-            <a:endParaRPr lang="zh-CN" altLang="en-US" dirty="0" smtClean="0"/>
           </a:p>
           <a:p>
             <a:pPr lvl="3"/>
@@ -3355,7 +3376,6 @@
               <a:rPr lang="zh-CN" altLang="en-US" dirty="0" smtClean="0"/>
               <a:t>第四级</a:t>
             </a:r>
-            <a:endParaRPr lang="zh-CN" altLang="en-US" dirty="0" smtClean="0"/>
           </a:p>
           <a:p>
             <a:pPr lvl="4"/>
@@ -3485,7 +3505,6 @@
               <a:rPr lang="zh-CN" altLang="en-US" smtClean="0"/>
               <a:t>单击此处编辑母版文本样式</a:t>
             </a:r>
-            <a:endParaRPr lang="zh-CN" altLang="en-US" smtClean="0"/>
           </a:p>
           <a:p>
             <a:pPr lvl="1"/>
@@ -3493,7 +3512,6 @@
               <a:rPr lang="zh-CN" altLang="en-US" smtClean="0"/>
               <a:t>第二级</a:t>
             </a:r>
-            <a:endParaRPr lang="zh-CN" altLang="en-US" smtClean="0"/>
           </a:p>
           <a:p>
             <a:pPr lvl="2"/>
@@ -3501,7 +3519,6 @@
               <a:rPr lang="zh-CN" altLang="en-US" smtClean="0"/>
               <a:t>第三级</a:t>
             </a:r>
-            <a:endParaRPr lang="zh-CN" altLang="en-US" smtClean="0"/>
           </a:p>
           <a:p>
             <a:pPr lvl="3"/>
@@ -3509,7 +3526,6 @@
               <a:rPr lang="zh-CN" altLang="en-US" smtClean="0"/>
               <a:t>第四级</a:t>
             </a:r>
-            <a:endParaRPr lang="zh-CN" altLang="en-US" smtClean="0"/>
           </a:p>
           <a:p>
             <a:pPr lvl="4"/>
@@ -3538,6 +3554,7 @@
           <a:p>
             <a:fld id="{DAFC83C4-A236-483F-94E1-16AFA86FAD07}" type="datetimeFigureOut">
               <a:rPr lang="zh-CN" altLang="en-US" smtClean="0"/>
+              <a:t>2017/11/16</a:t>
             </a:fld>
             <a:endParaRPr lang="zh-CN" altLang="en-US"/>
           </a:p>
@@ -3579,6 +3596,7 @@
           <a:p>
             <a:fld id="{651E8863-1879-49C9-9D7E-0C23B4A06F4C}" type="slidenum">
               <a:rPr lang="zh-CN" altLang="en-US" smtClean="0"/>
+              <a:t>‹#›</a:t>
             </a:fld>
             <a:endParaRPr lang="zh-CN" altLang="en-US"/>
           </a:p>
@@ -3672,6 +3690,7 @@
           <a:p>
             <a:fld id="{DAFC83C4-A236-483F-94E1-16AFA86FAD07}" type="datetimeFigureOut">
               <a:rPr lang="zh-CN" altLang="en-US" smtClean="0"/>
+              <a:t>2017/11/16</a:t>
             </a:fld>
             <a:endParaRPr lang="zh-CN" altLang="en-US"/>
           </a:p>
@@ -3793,7 +3812,6 @@
               <a:rPr lang="zh-CN" altLang="en-US" dirty="0" smtClean="0"/>
               <a:t>单击此处编辑母版文本样式</a:t>
             </a:r>
-            <a:endParaRPr lang="zh-CN" altLang="en-US" dirty="0" smtClean="0"/>
           </a:p>
         </p:txBody>
       </p:sp>
@@ -3833,6 +3851,7 @@
           <a:p>
             <a:fld id="{651E8863-1879-49C9-9D7E-0C23B4A06F4C}" type="slidenum">
               <a:rPr lang="zh-CN" altLang="en-US" smtClean="0"/>
+              <a:t>‹#›</a:t>
             </a:fld>
             <a:endParaRPr lang="zh-CN" altLang="en-US"/>
           </a:p>
@@ -3844,7 +3863,7 @@
           <p:cNvSpPr/>
           <p:nvPr userDrawn="1">
             <p:custDataLst>
-              <p:tags r:id="rId2"/>
+              <p:tags r:id="rId1"/>
             </p:custDataLst>
           </p:nvPr>
         </p:nvSpPr>
@@ -3982,7 +4001,7 @@
           <p:cNvCxnSpPr/>
           <p:nvPr userDrawn="1">
             <p:custDataLst>
-              <p:tags r:id="rId3"/>
+              <p:tags r:id="rId2"/>
             </p:custDataLst>
           </p:nvPr>
         </p:nvCxnSpPr>
@@ -4120,7 +4139,6 @@
               <a:rPr lang="zh-CN" altLang="en-US" smtClean="0"/>
               <a:t>单击此处编辑母版文本样式</a:t>
             </a:r>
-            <a:endParaRPr lang="zh-CN" altLang="en-US" smtClean="0"/>
           </a:p>
           <a:p>
             <a:pPr lvl="1"/>
@@ -4128,7 +4146,6 @@
               <a:rPr lang="zh-CN" altLang="en-US" smtClean="0"/>
               <a:t>第二级</a:t>
             </a:r>
-            <a:endParaRPr lang="zh-CN" altLang="en-US" smtClean="0"/>
           </a:p>
           <a:p>
             <a:pPr lvl="2"/>
@@ -4136,7 +4153,6 @@
               <a:rPr lang="zh-CN" altLang="en-US" smtClean="0"/>
               <a:t>第三级</a:t>
             </a:r>
-            <a:endParaRPr lang="zh-CN" altLang="en-US" smtClean="0"/>
           </a:p>
           <a:p>
             <a:pPr lvl="3"/>
@@ -4144,7 +4160,6 @@
               <a:rPr lang="zh-CN" altLang="en-US" smtClean="0"/>
               <a:t>第四级</a:t>
             </a:r>
-            <a:endParaRPr lang="zh-CN" altLang="en-US" smtClean="0"/>
           </a:p>
           <a:p>
             <a:pPr lvl="4"/>
@@ -4181,7 +4196,6 @@
               <a:rPr lang="zh-CN" altLang="en-US" smtClean="0"/>
               <a:t>单击此处编辑母版文本样式</a:t>
             </a:r>
-            <a:endParaRPr lang="zh-CN" altLang="en-US" smtClean="0"/>
           </a:p>
           <a:p>
             <a:pPr lvl="1"/>
@@ -4189,7 +4203,6 @@
               <a:rPr lang="zh-CN" altLang="en-US" smtClean="0"/>
               <a:t>第二级</a:t>
             </a:r>
-            <a:endParaRPr lang="zh-CN" altLang="en-US" smtClean="0"/>
           </a:p>
           <a:p>
             <a:pPr lvl="2"/>
@@ -4197,7 +4210,6 @@
               <a:rPr lang="zh-CN" altLang="en-US" smtClean="0"/>
               <a:t>第三级</a:t>
             </a:r>
-            <a:endParaRPr lang="zh-CN" altLang="en-US" smtClean="0"/>
           </a:p>
           <a:p>
             <a:pPr lvl="3"/>
@@ -4205,7 +4217,6 @@
               <a:rPr lang="zh-CN" altLang="en-US" smtClean="0"/>
               <a:t>第四级</a:t>
             </a:r>
-            <a:endParaRPr lang="zh-CN" altLang="en-US" smtClean="0"/>
           </a:p>
           <a:p>
             <a:pPr lvl="4"/>
@@ -4234,6 +4245,7 @@
           <a:p>
             <a:fld id="{DAFC83C4-A236-483F-94E1-16AFA86FAD07}" type="datetimeFigureOut">
               <a:rPr lang="zh-CN" altLang="en-US" smtClean="0"/>
+              <a:t>2017/11/16</a:t>
             </a:fld>
             <a:endParaRPr lang="zh-CN" altLang="en-US"/>
           </a:p>
@@ -4275,6 +4287,7 @@
           <a:p>
             <a:fld id="{651E8863-1879-49C9-9D7E-0C23B4A06F4C}" type="slidenum">
               <a:rPr lang="zh-CN" altLang="en-US" smtClean="0"/>
+              <a:t>‹#›</a:t>
             </a:fld>
             <a:endParaRPr lang="zh-CN" altLang="en-US"/>
           </a:p>
@@ -4399,7 +4412,6 @@
               <a:rPr lang="zh-CN" altLang="en-US" smtClean="0"/>
               <a:t>单击此处编辑母版文本样式</a:t>
             </a:r>
-            <a:endParaRPr lang="zh-CN" altLang="en-US" smtClean="0"/>
           </a:p>
         </p:txBody>
       </p:sp>
@@ -4428,7 +4440,6 @@
               <a:rPr lang="zh-CN" altLang="en-US" smtClean="0"/>
               <a:t>单击此处编辑母版文本样式</a:t>
             </a:r>
-            <a:endParaRPr lang="zh-CN" altLang="en-US" smtClean="0"/>
           </a:p>
           <a:p>
             <a:pPr lvl="1"/>
@@ -4436,7 +4447,6 @@
               <a:rPr lang="zh-CN" altLang="en-US" smtClean="0"/>
               <a:t>第二级</a:t>
             </a:r>
-            <a:endParaRPr lang="zh-CN" altLang="en-US" smtClean="0"/>
           </a:p>
           <a:p>
             <a:pPr lvl="2"/>
@@ -4444,7 +4454,6 @@
               <a:rPr lang="zh-CN" altLang="en-US" smtClean="0"/>
               <a:t>第三级</a:t>
             </a:r>
-            <a:endParaRPr lang="zh-CN" altLang="en-US" smtClean="0"/>
           </a:p>
           <a:p>
             <a:pPr lvl="3"/>
@@ -4452,7 +4461,6 @@
               <a:rPr lang="zh-CN" altLang="en-US" smtClean="0"/>
               <a:t>第四级</a:t>
             </a:r>
-            <a:endParaRPr lang="zh-CN" altLang="en-US" smtClean="0"/>
           </a:p>
           <a:p>
             <a:pPr lvl="4"/>
@@ -4526,7 +4534,6 @@
               <a:rPr lang="zh-CN" altLang="en-US" smtClean="0"/>
               <a:t>单击此处编辑母版文本样式</a:t>
             </a:r>
-            <a:endParaRPr lang="zh-CN" altLang="en-US" smtClean="0"/>
           </a:p>
         </p:txBody>
       </p:sp>
@@ -4555,7 +4562,6 @@
               <a:rPr lang="zh-CN" altLang="en-US" smtClean="0"/>
               <a:t>单击此处编辑母版文本样式</a:t>
             </a:r>
-            <a:endParaRPr lang="zh-CN" altLang="en-US" smtClean="0"/>
           </a:p>
           <a:p>
             <a:pPr lvl="1"/>
@@ -4563,7 +4569,6 @@
               <a:rPr lang="zh-CN" altLang="en-US" smtClean="0"/>
               <a:t>第二级</a:t>
             </a:r>
-            <a:endParaRPr lang="zh-CN" altLang="en-US" smtClean="0"/>
           </a:p>
           <a:p>
             <a:pPr lvl="2"/>
@@ -4571,7 +4576,6 @@
               <a:rPr lang="zh-CN" altLang="en-US" smtClean="0"/>
               <a:t>第三级</a:t>
             </a:r>
-            <a:endParaRPr lang="zh-CN" altLang="en-US" smtClean="0"/>
           </a:p>
           <a:p>
             <a:pPr lvl="3"/>
@@ -4579,7 +4583,6 @@
               <a:rPr lang="zh-CN" altLang="en-US" smtClean="0"/>
               <a:t>第四级</a:t>
             </a:r>
-            <a:endParaRPr lang="zh-CN" altLang="en-US" smtClean="0"/>
           </a:p>
           <a:p>
             <a:pPr lvl="4"/>
@@ -4608,6 +4611,7 @@
           <a:p>
             <a:fld id="{DAFC83C4-A236-483F-94E1-16AFA86FAD07}" type="datetimeFigureOut">
               <a:rPr lang="zh-CN" altLang="en-US" smtClean="0"/>
+              <a:t>2017/11/16</a:t>
             </a:fld>
             <a:endParaRPr lang="zh-CN" altLang="en-US"/>
           </a:p>
@@ -4649,6 +4653,7 @@
           <a:p>
             <a:fld id="{651E8863-1879-49C9-9D7E-0C23B4A06F4C}" type="slidenum">
               <a:rPr lang="zh-CN" altLang="en-US" smtClean="0"/>
+              <a:t>‹#›</a:t>
             </a:fld>
             <a:endParaRPr lang="zh-CN" altLang="en-US"/>
           </a:p>
@@ -4776,6 +4781,7 @@
           <a:p>
             <a:fld id="{DAFC83C4-A236-483F-94E1-16AFA86FAD07}" type="datetimeFigureOut">
               <a:rPr lang="zh-CN" altLang="en-US" smtClean="0"/>
+              <a:t>2017/11/16</a:t>
             </a:fld>
             <a:endParaRPr lang="zh-CN" altLang="en-US"/>
           </a:p>
@@ -4817,6 +4823,7 @@
           <a:p>
             <a:fld id="{651E8863-1879-49C9-9D7E-0C23B4A06F4C}" type="slidenum">
               <a:rPr lang="zh-CN" altLang="en-US" smtClean="0"/>
+              <a:t>‹#›</a:t>
             </a:fld>
             <a:endParaRPr lang="zh-CN" altLang="en-US"/>
           </a:p>
@@ -4864,6 +4871,7 @@
           <a:p>
             <a:fld id="{DAFC83C4-A236-483F-94E1-16AFA86FAD07}" type="datetimeFigureOut">
               <a:rPr lang="zh-CN" altLang="en-US" smtClean="0"/>
+              <a:t>2017/11/16</a:t>
             </a:fld>
             <a:endParaRPr lang="zh-CN" altLang="en-US"/>
           </a:p>
@@ -4905,6 +4913,7 @@
           <a:p>
             <a:fld id="{651E8863-1879-49C9-9D7E-0C23B4A06F4C}" type="slidenum">
               <a:rPr lang="zh-CN" altLang="en-US" smtClean="0"/>
+              <a:t>‹#›</a:t>
             </a:fld>
             <a:endParaRPr lang="zh-CN" altLang="en-US"/>
           </a:p>
@@ -5142,7 +5151,6 @@
               <a:rPr lang="zh-CN" altLang="en-US" smtClean="0"/>
               <a:t>单击此处编辑母版文本样式</a:t>
             </a:r>
-            <a:endParaRPr lang="zh-CN" altLang="en-US" smtClean="0"/>
           </a:p>
         </p:txBody>
       </p:sp>
@@ -5163,6 +5171,7 @@
           <a:p>
             <a:fld id="{DAFC83C4-A236-483F-94E1-16AFA86FAD07}" type="datetimeFigureOut">
               <a:rPr lang="zh-CN" altLang="en-US" smtClean="0"/>
+              <a:t>2017/11/16</a:t>
             </a:fld>
             <a:endParaRPr lang="zh-CN" altLang="en-US"/>
           </a:p>
@@ -5204,6 +5213,7 @@
           <a:p>
             <a:fld id="{651E8863-1879-49C9-9D7E-0C23B4A06F4C}" type="slidenum">
               <a:rPr lang="zh-CN" altLang="en-US" smtClean="0"/>
+              <a:t>‹#›</a:t>
             </a:fld>
             <a:endParaRPr lang="zh-CN" altLang="en-US"/>
           </a:p>
@@ -5287,7 +5297,6 @@
               <a:rPr lang="zh-CN" altLang="en-US" smtClean="0"/>
               <a:t>单击此处编辑母版文本样式</a:t>
             </a:r>
-            <a:endParaRPr lang="zh-CN" altLang="en-US" smtClean="0"/>
           </a:p>
           <a:p>
             <a:pPr lvl="1"/>
@@ -5295,7 +5304,6 @@
               <a:rPr lang="zh-CN" altLang="en-US" smtClean="0"/>
               <a:t>第二级</a:t>
             </a:r>
-            <a:endParaRPr lang="zh-CN" altLang="en-US" smtClean="0"/>
           </a:p>
           <a:p>
             <a:pPr lvl="2"/>
@@ -5303,7 +5311,6 @@
               <a:rPr lang="zh-CN" altLang="en-US" smtClean="0"/>
               <a:t>第三级</a:t>
             </a:r>
-            <a:endParaRPr lang="zh-CN" altLang="en-US" smtClean="0"/>
           </a:p>
           <a:p>
             <a:pPr lvl="3"/>
@@ -5311,7 +5318,6 @@
               <a:rPr lang="zh-CN" altLang="en-US" smtClean="0"/>
               <a:t>第四级</a:t>
             </a:r>
-            <a:endParaRPr lang="zh-CN" altLang="en-US" smtClean="0"/>
           </a:p>
           <a:p>
             <a:pPr lvl="4"/>
@@ -5340,6 +5346,7 @@
           <a:p>
             <a:fld id="{DAFC83C4-A236-483F-94E1-16AFA86FAD07}" type="datetimeFigureOut">
               <a:rPr lang="zh-CN" altLang="en-US" smtClean="0"/>
+              <a:t>2017/11/16</a:t>
             </a:fld>
             <a:endParaRPr lang="zh-CN" altLang="en-US"/>
           </a:p>
@@ -5381,6 +5388,7 @@
           <a:p>
             <a:fld id="{651E8863-1879-49C9-9D7E-0C23B4A06F4C}" type="slidenum">
               <a:rPr lang="zh-CN" altLang="en-US" smtClean="0"/>
+              <a:t>‹#›</a:t>
             </a:fld>
             <a:endParaRPr lang="zh-CN" altLang="en-US"/>
           </a:p>
@@ -5428,7 +5436,7 @@
           <p:nvPr>
             <p:ph type="title"/>
             <p:custDataLst>
-              <p:tags r:id="rId11"/>
+              <p:tags r:id="rId12"/>
             </p:custDataLst>
           </p:nvPr>
         </p:nvSpPr>
@@ -5464,7 +5472,7 @@
           <p:nvPr>
             <p:ph type="body" idx="1"/>
             <p:custDataLst>
-              <p:tags r:id="rId12"/>
+              <p:tags r:id="rId13"/>
             </p:custDataLst>
           </p:nvPr>
         </p:nvSpPr>
@@ -5488,7 +5496,6 @@
               <a:rPr lang="zh-CN" altLang="en-US" dirty="0" smtClean="0"/>
               <a:t>单击此处编辑母版文本样式</a:t>
             </a:r>
-            <a:endParaRPr lang="zh-CN" altLang="en-US" dirty="0" smtClean="0"/>
           </a:p>
           <a:p>
             <a:pPr lvl="1"/>
@@ -5496,7 +5503,6 @@
               <a:rPr lang="zh-CN" altLang="en-US" dirty="0" smtClean="0"/>
               <a:t>第二级</a:t>
             </a:r>
-            <a:endParaRPr lang="zh-CN" altLang="en-US" dirty="0" smtClean="0"/>
           </a:p>
           <a:p>
             <a:pPr lvl="2"/>
@@ -5504,7 +5510,6 @@
               <a:rPr lang="zh-CN" altLang="en-US" dirty="0" smtClean="0"/>
               <a:t>第三级</a:t>
             </a:r>
-            <a:endParaRPr lang="zh-CN" altLang="en-US" dirty="0" smtClean="0"/>
           </a:p>
           <a:p>
             <a:pPr lvl="3"/>
@@ -5512,7 +5517,6 @@
               <a:rPr lang="zh-CN" altLang="en-US" dirty="0" smtClean="0"/>
               <a:t>第四级</a:t>
             </a:r>
-            <a:endParaRPr lang="zh-CN" altLang="en-US" dirty="0" smtClean="0"/>
           </a:p>
           <a:p>
             <a:pPr lvl="4"/>
@@ -5559,6 +5563,7 @@
           <a:p>
             <a:fld id="{DAFC83C4-A236-483F-94E1-16AFA86FAD07}" type="datetimeFigureOut">
               <a:rPr lang="zh-CN" altLang="en-US" smtClean="0"/>
+              <a:t>2017/11/16</a:t>
             </a:fld>
             <a:endParaRPr lang="zh-CN" altLang="en-US"/>
           </a:p>
@@ -5636,6 +5641,7 @@
           <a:p>
             <a:fld id="{651E8863-1879-49C9-9D7E-0C23B4A06F4C}" type="slidenum">
               <a:rPr lang="zh-CN" altLang="en-US" smtClean="0"/>
+              <a:t>‹#›</a:t>
             </a:fld>
             <a:endParaRPr lang="zh-CN" altLang="en-US"/>
           </a:p>
@@ -6017,7 +6023,7 @@
           <p:nvPr>
             <p:ph type="ctrTitle"/>
             <p:custDataLst>
-              <p:tags r:id="rId1"/>
+              <p:tags r:id="rId2"/>
             </p:custDataLst>
           </p:nvPr>
         </p:nvSpPr>
@@ -6036,7 +6042,6 @@
               <a:rPr lang="zh-CN" altLang="en-US" sz="7200" dirty="0"/>
               <a:t>基础：图的详解</a:t>
             </a:r>
-            <a:endParaRPr lang="zh-CN" altLang="en-US" sz="7200" dirty="0"/>
           </a:p>
         </p:txBody>
       </p:sp>
@@ -6049,14 +6054,14 @@
           <p:nvPr>
             <p:ph type="subTitle" idx="1"/>
             <p:custDataLst>
-              <p:tags r:id="rId2"/>
+              <p:tags r:id="rId3"/>
             </p:custDataLst>
           </p:nvPr>
         </p:nvSpPr>
         <p:spPr/>
         <p:txBody>
           <a:bodyPr>
-            <a:normAutofit fontScale="87500" lnSpcReduction="20000"/>
+            <a:normAutofit fontScale="80000" lnSpcReduction="10000"/>
           </a:bodyPr>
           <a:lstStyle/>
           <a:p>
@@ -6067,7 +6072,25 @@
                 </a:solidFill>
                 <a:sym typeface="+mn-ea"/>
               </a:rPr>
-              <a:t>PRD-G17    组长：蒋家骏    组员：厉佩强 李捷 周盛 朱秉</a:t>
+              <a:t>PRD-G17    组长：</a:t>
+            </a:r>
+            <a:r>
+              <a:rPr lang="zh-CN" altLang="en-US" sz="3200" dirty="0" smtClean="0">
+                <a:solidFill>
+                  <a:schemeClr val="tx1"/>
+                </a:solidFill>
+                <a:sym typeface="+mn-ea"/>
+              </a:rPr>
+              <a:t>蒋家俊    </a:t>
+            </a:r>
+            <a:r>
+              <a:rPr lang="zh-CN" altLang="en-US" sz="3200" dirty="0">
+                <a:solidFill>
+                  <a:schemeClr val="tx1"/>
+                </a:solidFill>
+                <a:sym typeface="+mn-ea"/>
+              </a:rPr>
+              <a:t>组员：厉佩强 李捷 周盛 朱秉</a:t>
             </a:r>
             <a:endParaRPr lang="zh-CN" altLang="en-US" dirty="0">
               <a:latin typeface="冬青黑体简体中文 W6" pitchFamily="34" charset="-122"/>
@@ -6088,7 +6111,7 @@
           <p:nvPr/>
         </p:nvPicPr>
         <p:blipFill>
-          <a:blip r:embed="rId3"/>
+          <a:blip r:embed="rId6"/>
           <a:stretch>
             <a:fillRect/>
           </a:stretch>
@@ -6105,7 +6128,7 @@
       </p:pic>
     </p:spTree>
     <p:custDataLst>
-      <p:tags r:id="rId4"/>
+      <p:tags r:id="rId1"/>
     </p:custDataLst>
   </p:cSld>
   <p:clrMapOvr>
@@ -6159,9 +6182,6 @@
               </a:rPr>
               <a:t>软件工程系列课程教学辅助网站用例图</a:t>
             </a:r>
-            <a:endParaRPr lang="zh-CN" altLang="en-US" sz="4400">
-              <a:sym typeface="+mn-ea"/>
-            </a:endParaRPr>
           </a:p>
         </p:txBody>
       </p:sp>
@@ -6169,14 +6189,14 @@
         <p:nvPicPr>
           <p:cNvPr id="6" name="内容占位符 5"/>
           <p:cNvPicPr>
-            <a:picLocks noChangeAspect="1"/>
+            <a:picLocks noGrp="1" noChangeAspect="1"/>
           </p:cNvPicPr>
           <p:nvPr>
             <p:ph idx="1"/>
           </p:nvPr>
         </p:nvPicPr>
         <p:blipFill>
-          <a:blip r:embed="rId1"/>
+          <a:blip r:embed="rId3"/>
           <a:srcRect r="425" b="5045"/>
           <a:stretch>
             <a:fillRect/>
@@ -6194,12 +6214,19 @@
       </p:pic>
     </p:spTree>
     <p:custDataLst>
-      <p:tags r:id="rId2"/>
+      <p:tags r:id="rId1"/>
     </p:custDataLst>
   </p:cSld>
   <p:clrMapOvr>
     <a:masterClrMapping/>
   </p:clrMapOvr>
+  <p:timing>
+    <p:tnLst>
+      <p:par>
+        <p:cTn id="1" dur="indefinite" restart="never" nodeType="tmRoot"/>
+      </p:par>
+    </p:tnLst>
+  </p:timing>
 </p:sld>
 </file>
 
@@ -6229,7 +6256,7 @@
           <p:nvPr>
             <p:ph type="title"/>
             <p:custDataLst>
-              <p:tags r:id="rId1"/>
+              <p:tags r:id="rId2"/>
             </p:custDataLst>
           </p:nvPr>
         </p:nvSpPr>
@@ -6248,7 +6275,6 @@
               <a:rPr lang="en-US" altLang="zh-CN" dirty="0"/>
               <a:t>CLASS DIAGRAM</a:t>
             </a:r>
-            <a:endParaRPr lang="en-US" altLang="zh-CN" dirty="0"/>
           </a:p>
         </p:txBody>
       </p:sp>
@@ -6258,7 +6284,7 @@
           <p:cNvSpPr txBox="1"/>
           <p:nvPr>
             <p:custDataLst>
-              <p:tags r:id="rId2"/>
+              <p:tags r:id="rId3"/>
             </p:custDataLst>
           </p:nvPr>
         </p:nvSpPr>
@@ -6291,17 +6317,12 @@
               </a:rPr>
               <a:t>Chapter2</a:t>
             </a:r>
-            <a:endParaRPr lang="en-US" altLang="zh-CN" sz="41040" b="1" dirty="0">
-              <a:solidFill>
-                <a:schemeClr val="accent1"/>
-              </a:solidFill>
-            </a:endParaRPr>
           </a:p>
         </p:txBody>
       </p:sp>
     </p:spTree>
     <p:custDataLst>
-      <p:tags r:id="rId3"/>
+      <p:tags r:id="rId1"/>
     </p:custDataLst>
   </p:cSld>
   <p:clrMapOvr>
@@ -6340,7 +6361,7 @@
           <p:cNvGrpSpPr/>
           <p:nvPr>
             <p:custDataLst>
-              <p:tags r:id="rId1"/>
+              <p:tags r:id="rId2"/>
             </p:custDataLst>
           </p:nvPr>
         </p:nvGrpSpPr>
@@ -6360,12 +6381,12 @@
             </p:cNvPicPr>
             <p:nvPr>
               <p:custDataLst>
-                <p:tags r:id="rId2"/>
+                <p:tags r:id="rId5"/>
               </p:custDataLst>
             </p:nvPr>
           </p:nvPicPr>
           <p:blipFill>
-            <a:blip r:embed="rId3" cstate="print">
+            <a:blip r:embed="rId11" cstate="print">
               <a:duotone>
                 <a:schemeClr val="accent1">
                   <a:shade val="45000"/>
@@ -6401,12 +6422,12 @@
             </p:cNvPicPr>
             <p:nvPr>
               <p:custDataLst>
-                <p:tags r:id="rId4"/>
+                <p:tags r:id="rId6"/>
               </p:custDataLst>
             </p:nvPr>
           </p:nvPicPr>
           <p:blipFill>
-            <a:blip r:embed="rId5" cstate="print">
+            <a:blip r:embed="rId12" cstate="print">
               <a:duotone>
                 <a:schemeClr val="accent1">
                   <a:shade val="45000"/>
@@ -6440,7 +6461,7 @@
             <p:cNvSpPr/>
             <p:nvPr>
               <p:custDataLst>
-                <p:tags r:id="rId6"/>
+                <p:tags r:id="rId7"/>
               </p:custDataLst>
             </p:nvPr>
           </p:nvSpPr>
@@ -6616,7 +6637,7 @@
             <p:cNvSpPr/>
             <p:nvPr>
               <p:custDataLst>
-                <p:tags r:id="rId7"/>
+                <p:tags r:id="rId8"/>
               </p:custDataLst>
             </p:nvPr>
           </p:nvSpPr>
@@ -6796,7 +6817,7 @@
           <p:nvPr>
             <p:ph type="title"/>
             <p:custDataLst>
-              <p:tags r:id="rId8"/>
+              <p:tags r:id="rId3"/>
             </p:custDataLst>
           </p:nvPr>
         </p:nvSpPr>
@@ -6809,7 +6830,6 @@
               <a:rPr lang="zh-CN" altLang="en-US" sz="4400" dirty="0"/>
               <a:t>类图的概述</a:t>
             </a:r>
-            <a:endParaRPr lang="zh-CN" altLang="en-US" sz="4400" dirty="0"/>
           </a:p>
         </p:txBody>
       </p:sp>
@@ -6822,7 +6842,7 @@
           <p:nvPr>
             <p:ph idx="1"/>
             <p:custDataLst>
-              <p:tags r:id="rId9"/>
+              <p:tags r:id="rId4"/>
             </p:custDataLst>
           </p:nvPr>
         </p:nvSpPr>
@@ -6860,11 +6880,6 @@
               </a:rPr>
               <a:t>的静态机制中是重要的组成部分。</a:t>
             </a:r>
-            <a:endParaRPr lang="zh-CN" altLang="en-US" sz="3200" dirty="0">
-              <a:solidFill>
-                <a:schemeClr val="tx1"/>
-              </a:solidFill>
-            </a:endParaRPr>
           </a:p>
         </p:txBody>
       </p:sp>
@@ -6897,15 +6912,12 @@
               </a:rPr>
               <a:t>类图是描述类、接口、协作及它们之间关系的图，用来显示系统中各个类的静态结构。</a:t>
             </a:r>
-            <a:endParaRPr lang="zh-CN" altLang="en-US" sz="3200" dirty="0">
-              <a:sym typeface="+mn-ea"/>
-            </a:endParaRPr>
           </a:p>
         </p:txBody>
       </p:sp>
     </p:spTree>
     <p:custDataLst>
-      <p:tags r:id="rId10"/>
+      <p:tags r:id="rId1"/>
     </p:custDataLst>
   </p:cSld>
   <p:clrMapOvr>
@@ -7091,12 +7103,12 @@
           </p:cNvPicPr>
           <p:nvPr>
             <p:custDataLst>
-              <p:tags r:id="rId1"/>
+              <p:tags r:id="rId3"/>
             </p:custDataLst>
           </p:nvPr>
         </p:nvPicPr>
         <p:blipFill>
-          <a:blip r:embed="rId2" cstate="print">
+          <a:blip r:embed="rId10" cstate="print">
             <a:duotone>
               <a:schemeClr val="accent1">
                 <a:shade val="45000"/>
@@ -7130,7 +7142,7 @@
           <p:cNvSpPr/>
           <p:nvPr>
             <p:custDataLst>
-              <p:tags r:id="rId3"/>
+              <p:tags r:id="rId4"/>
             </p:custDataLst>
           </p:nvPr>
         </p:nvSpPr>
@@ -7309,7 +7321,7 @@
           <p:nvPr>
             <p:ph type="title"/>
             <p:custDataLst>
-              <p:tags r:id="rId4"/>
+              <p:tags r:id="rId5"/>
             </p:custDataLst>
           </p:nvPr>
         </p:nvSpPr>
@@ -7336,12 +7348,12 @@
           </p:cNvPicPr>
           <p:nvPr>
             <p:custDataLst>
-              <p:tags r:id="rId5"/>
+              <p:tags r:id="rId6"/>
             </p:custDataLst>
           </p:nvPr>
         </p:nvPicPr>
         <p:blipFill>
-          <a:blip r:embed="rId2" cstate="print">
+          <a:blip r:embed="rId10" cstate="print">
             <a:duotone>
               <a:schemeClr val="accent1">
                 <a:shade val="45000"/>
@@ -7375,7 +7387,7 @@
           <p:cNvSpPr/>
           <p:nvPr>
             <p:custDataLst>
-              <p:tags r:id="rId6"/>
+              <p:tags r:id="rId7"/>
             </p:custDataLst>
           </p:nvPr>
         </p:nvSpPr>
@@ -7556,7 +7568,7 @@
           </p:nvPr>
         </p:nvPicPr>
         <p:blipFill>
-          <a:blip r:embed="rId7"/>
+          <a:blip r:embed="rId11"/>
           <a:srcRect r="68576" b="31617"/>
           <a:stretch>
             <a:fillRect/>
@@ -7590,12 +7602,12 @@
           <a:graphicData uri="http://schemas.openxmlformats.org/presentationml/2006/ole">
             <mc:AlternateContent xmlns:mc="http://schemas.openxmlformats.org/markup-compatibility/2006">
               <mc:Choice xmlns:v="urn:schemas-microsoft-com:vml" Requires="v">
-                <p:oleObj spid="_x0000_s2055" name="" r:id="rId8" imgW="967740" imgH="487680" progId="Paint.Picture">
+                <p:oleObj spid="_x0000_s2063" r:id="rId12" imgW="967740" imgH="487680" progId="Paint.Picture">
                   <p:embed/>
                 </p:oleObj>
               </mc:Choice>
               <mc:Fallback>
-                <p:oleObj name="" r:id="rId8" imgW="967740" imgH="487680" progId="Paint.Picture">
+                <p:oleObj r:id="rId12" imgW="967740" imgH="487680" progId="Paint.Picture">
                   <p:embed/>
                   <p:pic>
                     <p:nvPicPr>
@@ -7604,7 +7616,7 @@
                       <p:nvPr/>
                     </p:nvPicPr>
                     <p:blipFill>
-                      <a:blip r:embed="rId9"/>
+                      <a:blip r:embed="rId13"/>
                       <a:stretch>
                         <a:fillRect/>
                       </a:stretch>
@@ -7655,7 +7667,6 @@
               <a:rPr lang="zh-CN" altLang="en-US"/>
               <a:t>：类</a:t>
             </a:r>
-            <a:endParaRPr lang="zh-CN" altLang="en-US"/>
           </a:p>
         </p:txBody>
       </p:sp>
@@ -7673,12 +7684,12 @@
           <a:graphicData uri="http://schemas.openxmlformats.org/presentationml/2006/ole">
             <mc:AlternateContent xmlns:mc="http://schemas.openxmlformats.org/markup-compatibility/2006">
               <mc:Choice xmlns:v="urn:schemas-microsoft-com:vml" Requires="v">
-                <p:oleObj spid="_x0000_s2056" name="" r:id="rId10" imgW="998220" imgH="586740" progId="Paint.Picture">
+                <p:oleObj spid="_x0000_s2064" r:id="rId14" imgW="998220" imgH="586740" progId="Paint.Picture">
                   <p:embed/>
                 </p:oleObj>
               </mc:Choice>
               <mc:Fallback>
-                <p:oleObj name="" r:id="rId10" imgW="998220" imgH="586740" progId="Paint.Picture">
+                <p:oleObj r:id="rId14" imgW="998220" imgH="586740" progId="Paint.Picture">
                   <p:embed/>
                   <p:pic>
                     <p:nvPicPr>
@@ -7687,7 +7698,7 @@
                       <p:nvPr/>
                     </p:nvPicPr>
                     <p:blipFill>
-                      <a:blip r:embed="rId11"/>
+                      <a:blip r:embed="rId15"/>
                       <a:stretch>
                         <a:fillRect/>
                       </a:stretch>
@@ -7738,7 +7749,6 @@
               <a:rPr lang="zh-CN" altLang="en-US"/>
               <a:t>：接口</a:t>
             </a:r>
-            <a:endParaRPr lang="zh-CN" altLang="en-US"/>
           </a:p>
         </p:txBody>
       </p:sp>
@@ -7756,12 +7766,12 @@
           <a:graphicData uri="http://schemas.openxmlformats.org/presentationml/2006/ole">
             <mc:AlternateContent xmlns:mc="http://schemas.openxmlformats.org/markup-compatibility/2006">
               <mc:Choice xmlns:v="urn:schemas-microsoft-com:vml" Requires="v">
-                <p:oleObj spid="_x0000_s2057" name="" r:id="rId12" imgW="1188720" imgH="388620" progId="Paint.Picture">
+                <p:oleObj spid="_x0000_s2065" r:id="rId16" imgW="1188720" imgH="388620" progId="Paint.Picture">
                   <p:embed/>
                 </p:oleObj>
               </mc:Choice>
               <mc:Fallback>
-                <p:oleObj name="" r:id="rId12" imgW="1188720" imgH="388620" progId="Paint.Picture">
+                <p:oleObj r:id="rId16" imgW="1188720" imgH="388620" progId="Paint.Picture">
                   <p:embed/>
                   <p:pic>
                     <p:nvPicPr>
@@ -7770,7 +7780,7 @@
                       <p:nvPr/>
                     </p:nvPicPr>
                     <p:blipFill>
-                      <a:blip r:embed="rId13"/>
+                      <a:blip r:embed="rId17"/>
                       <a:stretch>
                         <a:fillRect/>
                       </a:stretch>
@@ -7844,12 +7854,12 @@
           <a:graphicData uri="http://schemas.openxmlformats.org/presentationml/2006/ole">
             <mc:AlternateContent xmlns:mc="http://schemas.openxmlformats.org/markup-compatibility/2006">
               <mc:Choice xmlns:v="urn:schemas-microsoft-com:vml" Requires="v">
-                <p:oleObj spid="_x0000_s2058" name="" r:id="rId14" imgW="822960" imgH="396240" progId="Paint.Picture">
+                <p:oleObj spid="_x0000_s2066" r:id="rId18" imgW="822960" imgH="396240" progId="Paint.Picture">
                   <p:embed/>
                 </p:oleObj>
               </mc:Choice>
               <mc:Fallback>
-                <p:oleObj name="" r:id="rId14" imgW="822960" imgH="396240" progId="Paint.Picture">
+                <p:oleObj r:id="rId18" imgW="822960" imgH="396240" progId="Paint.Picture">
                   <p:embed/>
                   <p:pic>
                     <p:nvPicPr>
@@ -7858,7 +7868,7 @@
                       <p:nvPr/>
                     </p:nvPicPr>
                     <p:blipFill>
-                      <a:blip r:embed="rId15"/>
+                      <a:blip r:embed="rId19"/>
                       <a:stretch>
                         <a:fillRect/>
                       </a:stretch>
@@ -7909,7 +7919,6 @@
               <a:rPr lang="zh-CN" altLang="en-US"/>
               <a:t>实现</a:t>
             </a:r>
-            <a:endParaRPr lang="zh-CN" altLang="en-US"/>
           </a:p>
         </p:txBody>
       </p:sp>
@@ -7927,12 +7936,12 @@
           <a:graphicData uri="http://schemas.openxmlformats.org/presentationml/2006/ole">
             <mc:AlternateContent xmlns:mc="http://schemas.openxmlformats.org/markup-compatibility/2006">
               <mc:Choice xmlns:v="urn:schemas-microsoft-com:vml" Requires="v">
-                <p:oleObj spid="_x0000_s2059" name="" r:id="rId16" imgW="800100" imgH="350520" progId="Paint.Picture">
+                <p:oleObj spid="_x0000_s2067" r:id="rId20" imgW="800100" imgH="350520" progId="Paint.Picture">
                   <p:embed/>
                 </p:oleObj>
               </mc:Choice>
               <mc:Fallback>
-                <p:oleObj name="" r:id="rId16" imgW="800100" imgH="350520" progId="Paint.Picture">
+                <p:oleObj r:id="rId20" imgW="800100" imgH="350520" progId="Paint.Picture">
                   <p:embed/>
                   <p:pic>
                     <p:nvPicPr>
@@ -7941,7 +7950,7 @@
                       <p:nvPr/>
                     </p:nvPicPr>
                     <p:blipFill>
-                      <a:blip r:embed="rId17"/>
+                      <a:blip r:embed="rId21"/>
                       <a:stretch>
                         <a:fillRect/>
                       </a:stretch>
@@ -8015,12 +8024,12 @@
           <a:graphicData uri="http://schemas.openxmlformats.org/presentationml/2006/ole">
             <mc:AlternateContent xmlns:mc="http://schemas.openxmlformats.org/markup-compatibility/2006">
               <mc:Choice xmlns:v="urn:schemas-microsoft-com:vml" Requires="v">
-                <p:oleObj spid="_x0000_s2060" name="" r:id="rId18" imgW="845820" imgH="350520" progId="Paint.Picture">
+                <p:oleObj spid="_x0000_s2068" r:id="rId22" imgW="845820" imgH="350520" progId="Paint.Picture">
                   <p:embed/>
                 </p:oleObj>
               </mc:Choice>
               <mc:Fallback>
-                <p:oleObj name="" r:id="rId18" imgW="845820" imgH="350520" progId="Paint.Picture">
+                <p:oleObj r:id="rId22" imgW="845820" imgH="350520" progId="Paint.Picture">
                   <p:embed/>
                   <p:pic>
                     <p:nvPicPr>
@@ -8029,7 +8038,7 @@
                       <p:nvPr/>
                     </p:nvPicPr>
                     <p:blipFill>
-                      <a:blip r:embed="rId19"/>
+                      <a:blip r:embed="rId23"/>
                       <a:stretch>
                         <a:fillRect/>
                       </a:stretch>
@@ -8091,7 +8100,7 @@
       </p:sp>
     </p:spTree>
     <p:custDataLst>
-      <p:tags r:id="rId20"/>
+      <p:tags r:id="rId2"/>
     </p:custDataLst>
   </p:cSld>
   <p:clrMapOvr>
@@ -8740,11 +8749,6 @@
               </a:rPr>
               <a:t>Attribute：属性</a:t>
             </a:r>
-            <a:endParaRPr lang="en-US" altLang="zh-CN" sz="1800">
-              <a:solidFill>
-                <a:schemeClr val="tx1"/>
-              </a:solidFill>
-            </a:endParaRPr>
           </a:p>
           <a:p>
             <a:pPr marL="0" indent="0">
@@ -8758,11 +8762,6 @@
               </a:rPr>
               <a:t>Operation：操作、行为</a:t>
             </a:r>
-            <a:endParaRPr lang="en-US" altLang="zh-CN" sz="1800">
-              <a:solidFill>
-                <a:schemeClr val="tx1"/>
-              </a:solidFill>
-            </a:endParaRPr>
           </a:p>
         </p:txBody>
       </p:sp>
@@ -8780,12 +8779,12 @@
           <a:graphicData uri="http://schemas.openxmlformats.org/presentationml/2006/ole">
             <mc:AlternateContent xmlns:mc="http://schemas.openxmlformats.org/markup-compatibility/2006">
               <mc:Choice xmlns:v="urn:schemas-microsoft-com:vml" Requires="v">
-                <p:oleObj spid="_x0000_s3078" name="" r:id="rId1" imgW="3246120" imgH="426720" progId="Paint.Picture">
+                <p:oleObj spid="_x0000_s3085" r:id="rId4" imgW="3246120" imgH="426720" progId="Paint.Picture">
                   <p:embed/>
                 </p:oleObj>
               </mc:Choice>
               <mc:Fallback>
-                <p:oleObj name="" r:id="rId1" imgW="3246120" imgH="426720" progId="Paint.Picture">
+                <p:oleObj r:id="rId4" imgW="3246120" imgH="426720" progId="Paint.Picture">
                   <p:embed/>
                   <p:pic>
                     <p:nvPicPr>
@@ -8794,7 +8793,7 @@
                       <p:nvPr/>
                     </p:nvPicPr>
                     <p:blipFill>
-                      <a:blip r:embed="rId2"/>
+                      <a:blip r:embed="rId5"/>
                       <a:stretch>
                         <a:fillRect/>
                       </a:stretch>
@@ -8841,7 +8840,6 @@
               <a:rPr lang="zh-CN" altLang="en-US"/>
               <a:t>公共类型用               表示，私有类型用                  表示，受保护类型用                     表示</a:t>
             </a:r>
-            <a:endParaRPr lang="zh-CN" altLang="en-US"/>
           </a:p>
           <a:p>
             <a:endParaRPr lang="zh-CN" altLang="en-US"/>
@@ -8854,7 +8852,6 @@
               <a:rPr lang="zh-CN" altLang="en-US"/>
               <a:t>实施类型用                  表示。</a:t>
             </a:r>
-            <a:endParaRPr lang="zh-CN" altLang="en-US"/>
           </a:p>
         </p:txBody>
       </p:sp>
@@ -8872,12 +8869,12 @@
           <a:graphicData uri="http://schemas.openxmlformats.org/presentationml/2006/ole">
             <mc:AlternateContent xmlns:mc="http://schemas.openxmlformats.org/markup-compatibility/2006">
               <mc:Choice xmlns:v="urn:schemas-microsoft-com:vml" Requires="v">
-                <p:oleObj spid="_x0000_s3079" name="" r:id="rId3" imgW="190500" imgH="144780" progId="Paint.Picture">
+                <p:oleObj spid="_x0000_s3086" r:id="rId6" imgW="190500" imgH="144780" progId="Paint.Picture">
                   <p:embed/>
                 </p:oleObj>
               </mc:Choice>
               <mc:Fallback>
-                <p:oleObj name="" r:id="rId3" imgW="190500" imgH="144780" progId="Paint.Picture">
+                <p:oleObj r:id="rId6" imgW="190500" imgH="144780" progId="Paint.Picture">
                   <p:embed/>
                   <p:pic>
                     <p:nvPicPr>
@@ -8886,7 +8883,7 @@
                       <p:nvPr/>
                     </p:nvPicPr>
                     <p:blipFill>
-                      <a:blip r:embed="rId4"/>
+                      <a:blip r:embed="rId7"/>
                       <a:stretch>
                         <a:fillRect/>
                       </a:stretch>
@@ -8921,12 +8918,12 @@
           <a:graphicData uri="http://schemas.openxmlformats.org/presentationml/2006/ole">
             <mc:AlternateContent xmlns:mc="http://schemas.openxmlformats.org/markup-compatibility/2006">
               <mc:Choice xmlns:v="urn:schemas-microsoft-com:vml" Requires="v">
-                <p:oleObj spid="_x0000_s3080" name="" r:id="rId5" imgW="167640" imgH="152400" progId="Paint.Picture">
+                <p:oleObj spid="_x0000_s3087" r:id="rId8" imgW="167640" imgH="152400" progId="Paint.Picture">
                   <p:embed/>
                 </p:oleObj>
               </mc:Choice>
               <mc:Fallback>
-                <p:oleObj name="" r:id="rId5" imgW="167640" imgH="152400" progId="Paint.Picture">
+                <p:oleObj r:id="rId8" imgW="167640" imgH="152400" progId="Paint.Picture">
                   <p:embed/>
                   <p:pic>
                     <p:nvPicPr>
@@ -8935,7 +8932,7 @@
                       <p:nvPr/>
                     </p:nvPicPr>
                     <p:blipFill>
-                      <a:blip r:embed="rId6"/>
+                      <a:blip r:embed="rId9"/>
                       <a:stretch>
                         <a:fillRect/>
                       </a:stretch>
@@ -8970,12 +8967,12 @@
           <a:graphicData uri="http://schemas.openxmlformats.org/presentationml/2006/ole">
             <mc:AlternateContent xmlns:mc="http://schemas.openxmlformats.org/markup-compatibility/2006">
               <mc:Choice xmlns:v="urn:schemas-microsoft-com:vml" Requires="v">
-                <p:oleObj spid="_x0000_s3081" name="" r:id="rId7" imgW="175260" imgH="190500" progId="Paint.Picture">
+                <p:oleObj spid="_x0000_s3088" r:id="rId10" imgW="175260" imgH="190500" progId="Paint.Picture">
                   <p:embed/>
                 </p:oleObj>
               </mc:Choice>
               <mc:Fallback>
-                <p:oleObj name="" r:id="rId7" imgW="175260" imgH="190500" progId="Paint.Picture">
+                <p:oleObj r:id="rId10" imgW="175260" imgH="190500" progId="Paint.Picture">
                   <p:embed/>
                   <p:pic>
                     <p:nvPicPr>
@@ -8984,7 +8981,7 @@
                       <p:nvPr/>
                     </p:nvPicPr>
                     <p:blipFill>
-                      <a:blip r:embed="rId8"/>
+                      <a:blip r:embed="rId11"/>
                       <a:stretch>
                         <a:fillRect/>
                       </a:stretch>
@@ -9019,12 +9016,12 @@
           <a:graphicData uri="http://schemas.openxmlformats.org/presentationml/2006/ole">
             <mc:AlternateContent xmlns:mc="http://schemas.openxmlformats.org/markup-compatibility/2006">
               <mc:Choice xmlns:v="urn:schemas-microsoft-com:vml" Requires="v">
-                <p:oleObj spid="_x0000_s3082" name="" r:id="rId9" imgW="198120" imgH="198120" progId="Paint.Picture">
+                <p:oleObj spid="_x0000_s3089" r:id="rId12" imgW="198120" imgH="198120" progId="Paint.Picture">
                   <p:embed/>
                 </p:oleObj>
               </mc:Choice>
               <mc:Fallback>
-                <p:oleObj name="" r:id="rId9" imgW="198120" imgH="198120" progId="Paint.Picture">
+                <p:oleObj r:id="rId12" imgW="198120" imgH="198120" progId="Paint.Picture">
                   <p:embed/>
                   <p:pic>
                     <p:nvPicPr>
@@ -9033,7 +9030,7 @@
                       <p:nvPr/>
                     </p:nvPicPr>
                     <p:blipFill>
-                      <a:blip r:embed="rId10"/>
+                      <a:blip r:embed="rId13"/>
                       <a:stretch>
                         <a:fillRect/>
                       </a:stretch>
@@ -9056,7 +9053,7 @@
       </p:graphicFrame>
     </p:spTree>
     <p:custDataLst>
-      <p:tags r:id="rId11"/>
+      <p:tags r:id="rId2"/>
     </p:custDataLst>
   </p:cSld>
   <p:clrMapOvr>
@@ -9364,9 +9361,6 @@
               </a:rPr>
               <a:t>ATM系统中取款用例的类图</a:t>
             </a:r>
-            <a:endParaRPr lang="zh-CN" altLang="en-US" sz="4400">
-              <a:latin typeface="+mj-ea"/>
-            </a:endParaRPr>
           </a:p>
         </p:txBody>
       </p:sp>
@@ -9388,12 +9382,12 @@
           <a:graphicData uri="http://schemas.openxmlformats.org/presentationml/2006/ole">
             <mc:AlternateContent xmlns:mc="http://schemas.openxmlformats.org/markup-compatibility/2006">
               <mc:Choice xmlns:v="urn:schemas-microsoft-com:vml" Requires="v">
-                <p:oleObj spid="_x0000_s4098" name="" r:id="rId1" imgW="8526780" imgH="4594860" progId="Paint.Picture">
+                <p:oleObj spid="_x0000_s4101" r:id="rId4" imgW="8526780" imgH="4594860" progId="Paint.Picture">
                   <p:embed/>
                 </p:oleObj>
               </mc:Choice>
               <mc:Fallback>
-                <p:oleObj name="" r:id="rId1" imgW="8526780" imgH="4594860" progId="Paint.Picture">
+                <p:oleObj r:id="rId4" imgW="8526780" imgH="4594860" progId="Paint.Picture">
                   <p:embed/>
                   <p:pic>
                     <p:nvPicPr>
@@ -9402,7 +9396,7 @@
                       <p:nvPr/>
                     </p:nvPicPr>
                     <p:blipFill>
-                      <a:blip r:embed="rId2"/>
+                      <a:blip r:embed="rId5"/>
                       <a:stretch>
                         <a:fillRect/>
                       </a:stretch>
@@ -9425,7 +9419,7 @@
       </p:graphicFrame>
     </p:spTree>
     <p:custDataLst>
-      <p:tags r:id="rId3"/>
+      <p:tags r:id="rId2"/>
     </p:custDataLst>
   </p:cSld>
   <p:clrMapOvr>
@@ -9555,9 +9549,6 @@
               </a:rPr>
               <a:t>软件工程系列课程教学辅助网站类图</a:t>
             </a:r>
-            <a:endParaRPr lang="zh-CN" altLang="en-US" sz="4400">
-              <a:sym typeface="+mn-ea"/>
-            </a:endParaRPr>
           </a:p>
         </p:txBody>
       </p:sp>
@@ -9565,14 +9556,14 @@
         <p:nvPicPr>
           <p:cNvPr id="4" name="内容占位符 3"/>
           <p:cNvPicPr>
-            <a:picLocks noChangeAspect="1"/>
+            <a:picLocks noGrp="1" noChangeAspect="1"/>
           </p:cNvPicPr>
           <p:nvPr>
             <p:ph sz="half" idx="1"/>
           </p:nvPr>
         </p:nvPicPr>
         <p:blipFill>
-          <a:blip r:embed="rId1"/>
+          <a:blip r:embed="rId3"/>
           <a:stretch>
             <a:fillRect/>
           </a:stretch>
@@ -9589,7 +9580,7 @@
       </p:pic>
     </p:spTree>
     <p:custDataLst>
-      <p:tags r:id="rId2"/>
+      <p:tags r:id="rId1"/>
     </p:custDataLst>
   </p:cSld>
   <p:clrMapOvr>
@@ -9671,11 +9662,6 @@
               </a:rPr>
               <a:t>类是对一组具有相同属性、操作、关系和语义的对象的描述。类是对事物的抽象。而用例是对一组序列动作的描述，系统执行这些动作将对用例的参与者产生可以观察的结果。</a:t>
             </a:r>
-            <a:endParaRPr lang="zh-CN" altLang="en-US" sz="3200" dirty="0">
-              <a:solidFill>
-                <a:schemeClr val="tx1"/>
-              </a:solidFill>
-            </a:endParaRPr>
           </a:p>
         </p:txBody>
       </p:sp>
@@ -9712,14 +9698,6 @@
               </a:rPr>
               <a:t>问题三：依赖与关联有什么区别？</a:t>
             </a:r>
-            <a:endParaRPr lang="zh-CN" altLang="en-US" sz="4400" b="1">
-              <a:solidFill>
-                <a:schemeClr val="accent1"/>
-              </a:solidFill>
-              <a:latin typeface="+mj-lt"/>
-              <a:ea typeface="+mj-ea"/>
-              <a:cs typeface="+mj-cs"/>
-            </a:endParaRPr>
           </a:p>
         </p:txBody>
       </p:sp>
@@ -9750,7 +9728,6 @@
               <a:rPr lang="zh-CN" altLang="en-US" sz="3200" dirty="0"/>
               <a:t>依赖是一种使用关系，它说明了一个事物的变化可能影响到使用它的另一个事物，但反之未必。也就是说，服务的使用者以某种方式依赖于服务的提供者。而关联是一种结构关系，它详述了一个事物的对象与另一个事物的对象相互联系。</a:t>
             </a:r>
-            <a:endParaRPr lang="zh-CN" altLang="en-US" sz="3200" dirty="0"/>
           </a:p>
         </p:txBody>
       </p:sp>
@@ -10060,7 +10037,7 @@
           <p:nvPr>
             <p:ph type="title"/>
             <p:custDataLst>
-              <p:tags r:id="rId1"/>
+              <p:tags r:id="rId2"/>
             </p:custDataLst>
           </p:nvPr>
         </p:nvSpPr>
@@ -10079,7 +10056,6 @@
               <a:rPr lang="en-US" altLang="zh-CN" dirty="0"/>
               <a:t>STATECHART DIAGRAM</a:t>
             </a:r>
-            <a:endParaRPr lang="en-US" altLang="zh-CN" dirty="0"/>
           </a:p>
         </p:txBody>
       </p:sp>
@@ -10089,7 +10065,7 @@
           <p:cNvSpPr txBox="1"/>
           <p:nvPr>
             <p:custDataLst>
-              <p:tags r:id="rId2"/>
+              <p:tags r:id="rId3"/>
             </p:custDataLst>
           </p:nvPr>
         </p:nvSpPr>
@@ -10122,17 +10098,12 @@
               </a:rPr>
               <a:t>Chapter3</a:t>
             </a:r>
-            <a:endParaRPr lang="en-US" altLang="zh-CN" sz="41040" b="1" dirty="0">
-              <a:solidFill>
-                <a:schemeClr val="accent1"/>
-              </a:solidFill>
-            </a:endParaRPr>
           </a:p>
         </p:txBody>
       </p:sp>
     </p:spTree>
     <p:custDataLst>
-      <p:tags r:id="rId3"/>
+      <p:tags r:id="rId1"/>
     </p:custDataLst>
   </p:cSld>
   <p:clrMapOvr>
@@ -10250,11 +10221,6 @@
               </a:rPr>
               <a:t>状态图是系统分析的常用工具之一，通过建立类对象的生存周期模型来描述对象随时间变化的动态行为。</a:t>
             </a:r>
-            <a:endParaRPr lang="zh-CN" altLang="en-US" sz="3200" dirty="0">
-              <a:solidFill>
-                <a:schemeClr val="tx1"/>
-              </a:solidFill>
-            </a:endParaRPr>
           </a:p>
           <a:p>
             <a:pPr marL="0" indent="0">
@@ -10474,12 +10440,12 @@
           </p:cNvPicPr>
           <p:nvPr>
             <p:custDataLst>
-              <p:tags r:id="rId1"/>
+              <p:tags r:id="rId3"/>
             </p:custDataLst>
           </p:nvPr>
         </p:nvPicPr>
         <p:blipFill rotWithShape="1">
-          <a:blip r:embed="rId2">
+          <a:blip r:embed="rId8">
             <a:extLst>
               <a:ext uri="{28A0092B-C50C-407E-A947-70E740481C1C}">
                 <a14:useLocalDpi xmlns:a14="http://schemas.microsoft.com/office/drawing/2010/main" val="0"/>
@@ -10507,7 +10473,7 @@
           <p:cNvSpPr txBox="1"/>
           <p:nvPr>
             <p:custDataLst>
-              <p:tags r:id="rId3"/>
+              <p:tags r:id="rId4"/>
             </p:custDataLst>
           </p:nvPr>
         </p:nvSpPr>
@@ -10538,14 +10504,6 @@
               </a:rPr>
               <a:t>Unified Modeling Language (UML)又称统一建模语言或标准建模语言</a:t>
             </a:r>
-            <a:endParaRPr lang="zh-CN" altLang="en-US" sz="3600" dirty="0">
-              <a:solidFill>
-                <a:schemeClr val="accent1"/>
-              </a:solidFill>
-              <a:latin typeface="+mj-lt"/>
-              <a:ea typeface="+mj-ea"/>
-              <a:cs typeface="+mj-cs"/>
-            </a:endParaRPr>
           </a:p>
         </p:txBody>
       </p:sp>
@@ -10555,7 +10513,7 @@
           <p:cNvSpPr txBox="1"/>
           <p:nvPr>
             <p:custDataLst>
-              <p:tags r:id="rId4"/>
+              <p:tags r:id="rId5"/>
             </p:custDataLst>
           </p:nvPr>
         </p:nvSpPr>
@@ -10593,7 +10551,7 @@
       </p:sp>
     </p:spTree>
     <p:custDataLst>
-      <p:tags r:id="rId5"/>
+      <p:tags r:id="rId2"/>
     </p:custDataLst>
   </p:cSld>
   <p:clrMapOvr>
@@ -10669,12 +10627,12 @@
           <a:graphicData uri="http://schemas.openxmlformats.org/presentationml/2006/ole">
             <mc:AlternateContent xmlns:mc="http://schemas.openxmlformats.org/markup-compatibility/2006">
               <mc:Choice xmlns:v="urn:schemas-microsoft-com:vml" Requires="v">
-                <p:oleObj spid="_x0000_s5126" name="" r:id="rId1" imgW="4495800" imgH="3459480" progId="Paint.Picture">
+                <p:oleObj spid="_x0000_s5133" r:id="rId4" imgW="4495800" imgH="3459480" progId="Paint.Picture">
                   <p:embed/>
                 </p:oleObj>
               </mc:Choice>
               <mc:Fallback>
-                <p:oleObj name="" r:id="rId1" imgW="4495800" imgH="3459480" progId="Paint.Picture">
+                <p:oleObj r:id="rId4" imgW="4495800" imgH="3459480" progId="Paint.Picture">
                   <p:embed/>
                   <p:pic>
                     <p:nvPicPr>
@@ -10683,7 +10641,7 @@
                       <p:nvPr/>
                     </p:nvPicPr>
                     <p:blipFill>
-                      <a:blip r:embed="rId2"/>
+                      <a:blip r:embed="rId5"/>
                       <a:stretch>
                         <a:fillRect/>
                       </a:stretch>
@@ -10718,12 +10676,12 @@
           <a:graphicData uri="http://schemas.openxmlformats.org/presentationml/2006/ole">
             <mc:AlternateContent xmlns:mc="http://schemas.openxmlformats.org/markup-compatibility/2006">
               <mc:Choice xmlns:v="urn:schemas-microsoft-com:vml" Requires="v">
-                <p:oleObj spid="_x0000_s5127" name="" r:id="rId3" imgW="472440" imgH="304800" progId="Paint.Picture">
+                <p:oleObj spid="_x0000_s5134" r:id="rId6" imgW="472440" imgH="304800" progId="Paint.Picture">
                   <p:embed/>
                 </p:oleObj>
               </mc:Choice>
               <mc:Fallback>
-                <p:oleObj name="" r:id="rId3" imgW="472440" imgH="304800" progId="Paint.Picture">
+                <p:oleObj r:id="rId6" imgW="472440" imgH="304800" progId="Paint.Picture">
                   <p:embed/>
                   <p:pic>
                     <p:nvPicPr>
@@ -10732,7 +10690,7 @@
                       <p:nvPr/>
                     </p:nvPicPr>
                     <p:blipFill>
-                      <a:blip r:embed="rId4"/>
+                      <a:blip r:embed="rId7"/>
                       <a:stretch>
                         <a:fillRect/>
                       </a:stretch>
@@ -10783,7 +10741,6 @@
               <a:rPr lang="zh-CN" altLang="en-US"/>
               <a:t>起始状态</a:t>
             </a:r>
-            <a:endParaRPr lang="zh-CN" altLang="en-US"/>
           </a:p>
         </p:txBody>
       </p:sp>
@@ -10801,12 +10758,12 @@
           <a:graphicData uri="http://schemas.openxmlformats.org/presentationml/2006/ole">
             <mc:AlternateContent xmlns:mc="http://schemas.openxmlformats.org/markup-compatibility/2006">
               <mc:Choice xmlns:v="urn:schemas-microsoft-com:vml" Requires="v">
-                <p:oleObj spid="_x0000_s5128" name="" r:id="rId5" imgW="396240" imgH="304800" progId="Paint.Picture">
+                <p:oleObj spid="_x0000_s5135" r:id="rId8" imgW="396240" imgH="304800" progId="Paint.Picture">
                   <p:embed/>
                 </p:oleObj>
               </mc:Choice>
               <mc:Fallback>
-                <p:oleObj name="" r:id="rId5" imgW="396240" imgH="304800" progId="Paint.Picture">
+                <p:oleObj r:id="rId8" imgW="396240" imgH="304800" progId="Paint.Picture">
                   <p:embed/>
                   <p:pic>
                     <p:nvPicPr>
@@ -10815,7 +10772,7 @@
                       <p:nvPr/>
                     </p:nvPicPr>
                     <p:blipFill>
-                      <a:blip r:embed="rId6"/>
+                      <a:blip r:embed="rId9"/>
                       <a:stretch>
                         <a:fillRect/>
                       </a:stretch>
@@ -10866,7 +10823,6 @@
               <a:rPr lang="zh-CN" altLang="en-US"/>
               <a:t>结束状态</a:t>
             </a:r>
-            <a:endParaRPr lang="zh-CN" altLang="en-US"/>
           </a:p>
         </p:txBody>
       </p:sp>
@@ -10884,12 +10840,12 @@
           <a:graphicData uri="http://schemas.openxmlformats.org/presentationml/2006/ole">
             <mc:AlternateContent xmlns:mc="http://schemas.openxmlformats.org/markup-compatibility/2006">
               <mc:Choice xmlns:v="urn:schemas-microsoft-com:vml" Requires="v">
-                <p:oleObj spid="_x0000_s5129" name="" r:id="rId7" imgW="1013460" imgH="495300" progId="Paint.Picture">
+                <p:oleObj spid="_x0000_s5136" r:id="rId10" imgW="1013460" imgH="495300" progId="Paint.Picture">
                   <p:embed/>
                 </p:oleObj>
               </mc:Choice>
               <mc:Fallback>
-                <p:oleObj name="" r:id="rId7" imgW="1013460" imgH="495300" progId="Paint.Picture">
+                <p:oleObj r:id="rId10" imgW="1013460" imgH="495300" progId="Paint.Picture">
                   <p:embed/>
                   <p:pic>
                     <p:nvPicPr>
@@ -10898,7 +10854,7 @@
                       <p:nvPr/>
                     </p:nvPicPr>
                     <p:blipFill>
-                      <a:blip r:embed="rId8"/>
+                      <a:blip r:embed="rId11"/>
                       <a:stretch>
                         <a:fillRect/>
                       </a:stretch>
@@ -10949,7 +10905,6 @@
               <a:rPr lang="zh-CN" altLang="en-US"/>
               <a:t>状态</a:t>
             </a:r>
-            <a:endParaRPr lang="zh-CN" altLang="en-US"/>
           </a:p>
         </p:txBody>
       </p:sp>
@@ -10967,12 +10922,12 @@
           <a:graphicData uri="http://schemas.openxmlformats.org/presentationml/2006/ole">
             <mc:AlternateContent xmlns:mc="http://schemas.openxmlformats.org/markup-compatibility/2006">
               <mc:Choice xmlns:v="urn:schemas-microsoft-com:vml" Requires="v">
-                <p:oleObj spid="_x0000_s5130" name="" r:id="rId9" imgW="1173480" imgH="259080" progId="Paint.Picture">
+                <p:oleObj spid="_x0000_s5137" r:id="rId12" imgW="1173480" imgH="259080" progId="Paint.Picture">
                   <p:embed/>
                 </p:oleObj>
               </mc:Choice>
               <mc:Fallback>
-                <p:oleObj name="" r:id="rId9" imgW="1173480" imgH="259080" progId="Paint.Picture">
+                <p:oleObj r:id="rId12" imgW="1173480" imgH="259080" progId="Paint.Picture">
                   <p:embed/>
                   <p:pic>
                     <p:nvPicPr>
@@ -10981,7 +10936,7 @@
                       <p:nvPr/>
                     </p:nvPicPr>
                     <p:blipFill>
-                      <a:blip r:embed="rId10"/>
+                      <a:blip r:embed="rId13"/>
                       <a:stretch>
                         <a:fillRect/>
                       </a:stretch>
@@ -11032,13 +10987,12 @@
               <a:rPr lang="zh-CN" altLang="en-US"/>
               <a:t>状态转换</a:t>
             </a:r>
-            <a:endParaRPr lang="zh-CN" altLang="en-US"/>
           </a:p>
         </p:txBody>
       </p:sp>
     </p:spTree>
     <p:custDataLst>
-      <p:tags r:id="rId11"/>
+      <p:tags r:id="rId2"/>
     </p:custDataLst>
   </p:cSld>
   <p:clrMapOvr>
@@ -11472,9 +11426,6 @@
               </a:rPr>
               <a:t>培训班状态图</a:t>
             </a:r>
-            <a:endParaRPr lang="zh-CN" altLang="en-US" sz="4400">
-              <a:latin typeface="+mj-ea"/>
-            </a:endParaRPr>
           </a:p>
         </p:txBody>
       </p:sp>
@@ -11496,12 +11447,12 @@
           <a:graphicData uri="http://schemas.openxmlformats.org/presentationml/2006/ole">
             <mc:AlternateContent xmlns:mc="http://schemas.openxmlformats.org/markup-compatibility/2006">
               <mc:Choice xmlns:v="urn:schemas-microsoft-com:vml" Requires="v">
-                <p:oleObj spid="_x0000_s6146" name="" r:id="rId1" imgW="8823960" imgH="3710940" progId="Paint.Picture">
+                <p:oleObj spid="_x0000_s6149" r:id="rId4" imgW="8823960" imgH="3710940" progId="Paint.Picture">
                   <p:embed/>
                 </p:oleObj>
               </mc:Choice>
               <mc:Fallback>
-                <p:oleObj name="" r:id="rId1" imgW="8823960" imgH="3710940" progId="Paint.Picture">
+                <p:oleObj r:id="rId4" imgW="8823960" imgH="3710940" progId="Paint.Picture">
                   <p:embed/>
                   <p:pic>
                     <p:nvPicPr>
@@ -11510,7 +11461,7 @@
                       <p:nvPr/>
                     </p:nvPicPr>
                     <p:blipFill>
-                      <a:blip r:embed="rId2"/>
+                      <a:blip r:embed="rId5"/>
                       <a:stretch>
                         <a:fillRect/>
                       </a:stretch>
@@ -11533,7 +11484,7 @@
       </p:graphicFrame>
     </p:spTree>
     <p:custDataLst>
-      <p:tags r:id="rId3"/>
+      <p:tags r:id="rId2"/>
     </p:custDataLst>
   </p:cSld>
   <p:clrMapOvr>
@@ -11663,9 +11614,6 @@
               </a:rPr>
               <a:t>软件工程系列课程教学辅助网站状态图</a:t>
             </a:r>
-            <a:endParaRPr lang="zh-CN" altLang="en-US" sz="4400">
-              <a:sym typeface="+mn-ea"/>
-            </a:endParaRPr>
           </a:p>
         </p:txBody>
       </p:sp>
@@ -11680,7 +11628,7 @@
           </p:nvPr>
         </p:nvPicPr>
         <p:blipFill>
-          <a:blip r:embed="rId1"/>
+          <a:blip r:embed="rId3"/>
           <a:srcRect r="1244" b="6543"/>
           <a:stretch>
             <a:fillRect/>
@@ -11698,7 +11646,7 @@
       </p:pic>
     </p:spTree>
     <p:custDataLst>
-      <p:tags r:id="rId2"/>
+      <p:tags r:id="rId1"/>
     </p:custDataLst>
   </p:cSld>
   <p:clrMapOvr>
@@ -11733,7 +11681,7 @@
           <p:nvPr>
             <p:ph type="title"/>
             <p:custDataLst>
-              <p:tags r:id="rId1"/>
+              <p:tags r:id="rId2"/>
             </p:custDataLst>
           </p:nvPr>
         </p:nvSpPr>
@@ -11757,7 +11705,6 @@
               <a:rPr lang="en-US" altLang="zh-CN" dirty="0"/>
               <a:t>SEQUENCE DIAGRAM</a:t>
             </a:r>
-            <a:endParaRPr lang="en-US" altLang="zh-CN" dirty="0"/>
           </a:p>
         </p:txBody>
       </p:sp>
@@ -11767,7 +11714,7 @@
           <p:cNvSpPr txBox="1"/>
           <p:nvPr>
             <p:custDataLst>
-              <p:tags r:id="rId2"/>
+              <p:tags r:id="rId3"/>
             </p:custDataLst>
           </p:nvPr>
         </p:nvSpPr>
@@ -11800,17 +11747,12 @@
               </a:rPr>
               <a:t>Chapter4</a:t>
             </a:r>
-            <a:endParaRPr lang="en-US" altLang="zh-CN" sz="41040" b="1" dirty="0">
-              <a:solidFill>
-                <a:schemeClr val="accent1"/>
-              </a:solidFill>
-            </a:endParaRPr>
           </a:p>
         </p:txBody>
       </p:sp>
     </p:spTree>
     <p:custDataLst>
-      <p:tags r:id="rId3"/>
+      <p:tags r:id="rId1"/>
     </p:custDataLst>
   </p:cSld>
   <p:clrMapOvr>
@@ -11864,9 +11806,6 @@
               </a:rPr>
               <a:t>顺序图的概述</a:t>
             </a:r>
-            <a:endParaRPr lang="zh-CN" altLang="en-US" sz="4400">
-              <a:latin typeface="+mj-ea"/>
-            </a:endParaRPr>
           </a:p>
         </p:txBody>
       </p:sp>
@@ -11898,11 +11837,6 @@
               </a:rPr>
               <a:t>顺序图是强调消息时间顺序的交互图，描述了对象之间传送消息的时间顺序，用于表示用例中的行为顺序。</a:t>
             </a:r>
-            <a:endParaRPr lang="zh-CN" altLang="en-US" sz="3200" dirty="0">
-              <a:solidFill>
-                <a:schemeClr val="tx1"/>
-              </a:solidFill>
-            </a:endParaRPr>
           </a:p>
           <a:p>
             <a:endParaRPr lang="zh-CN" altLang="en-US" sz="3200" dirty="0">
@@ -11920,11 +11854,6 @@
               </a:rPr>
               <a:t>顺序图将交互关系表示为一个二维图。</a:t>
             </a:r>
-            <a:endParaRPr lang="zh-CN" altLang="en-US" sz="3200" dirty="0">
-              <a:solidFill>
-                <a:schemeClr val="tx1"/>
-              </a:solidFill>
-            </a:endParaRPr>
           </a:p>
           <a:p>
             <a:endParaRPr lang="zh-CN" altLang="en-US" sz="3200" dirty="0">
@@ -11942,11 +11871,6 @@
               </a:rPr>
               <a:t>横向轴代表了在协作中各独立对象的类元角色。纵向轴是时间轴，时间沿竖线向下延伸。</a:t>
             </a:r>
-            <a:endParaRPr lang="zh-CN" altLang="en-US" sz="3200" dirty="0">
-              <a:solidFill>
-                <a:schemeClr val="tx1"/>
-              </a:solidFill>
-            </a:endParaRPr>
           </a:p>
         </p:txBody>
       </p:sp>
@@ -12176,9 +12100,6 @@
               </a:rPr>
               <a:t>顺序图的创建和名词解释</a:t>
             </a:r>
-            <a:endParaRPr lang="zh-CN" altLang="en-US" sz="4400">
-              <a:latin typeface="+mj-ea"/>
-            </a:endParaRPr>
           </a:p>
         </p:txBody>
       </p:sp>
@@ -12196,12 +12117,12 @@
           <a:graphicData uri="http://schemas.openxmlformats.org/presentationml/2006/ole">
             <mc:AlternateContent xmlns:mc="http://schemas.openxmlformats.org/markup-compatibility/2006">
               <mc:Choice xmlns:v="urn:schemas-microsoft-com:vml" Requires="v">
-                <p:oleObj spid="_x0000_s7175" name="" r:id="rId1" imgW="4792980" imgH="3688080" progId="Paint.Picture">
+                <p:oleObj spid="_x0000_s7183" r:id="rId4" imgW="4792980" imgH="3688080" progId="Paint.Picture">
                   <p:embed/>
                 </p:oleObj>
               </mc:Choice>
               <mc:Fallback>
-                <p:oleObj name="" r:id="rId1" imgW="4792980" imgH="3688080" progId="Paint.Picture">
+                <p:oleObj r:id="rId4" imgW="4792980" imgH="3688080" progId="Paint.Picture">
                   <p:embed/>
                   <p:pic>
                     <p:nvPicPr>
@@ -12210,7 +12131,7 @@
                       <p:nvPr/>
                     </p:nvPicPr>
                     <p:blipFill>
-                      <a:blip r:embed="rId2"/>
+                      <a:blip r:embed="rId5"/>
                       <a:stretch>
                         <a:fillRect/>
                       </a:stretch>
@@ -12245,12 +12166,12 @@
           <a:graphicData uri="http://schemas.openxmlformats.org/presentationml/2006/ole">
             <mc:AlternateContent xmlns:mc="http://schemas.openxmlformats.org/markup-compatibility/2006">
               <mc:Choice xmlns:v="urn:schemas-microsoft-com:vml" Requires="v">
-                <p:oleObj spid="_x0000_s7176" name="" r:id="rId3" imgW="1607820" imgH="1196340" progId="Paint.Picture">
+                <p:oleObj spid="_x0000_s7184" r:id="rId6" imgW="1607820" imgH="1196340" progId="Paint.Picture">
                   <p:embed/>
                 </p:oleObj>
               </mc:Choice>
               <mc:Fallback>
-                <p:oleObj name="" r:id="rId3" imgW="1607820" imgH="1196340" progId="Paint.Picture">
+                <p:oleObj r:id="rId6" imgW="1607820" imgH="1196340" progId="Paint.Picture">
                   <p:embed/>
                   <p:pic>
                     <p:nvPicPr>
@@ -12259,7 +12180,7 @@
                       <p:nvPr/>
                     </p:nvPicPr>
                     <p:blipFill>
-                      <a:blip r:embed="rId4"/>
+                      <a:blip r:embed="rId7"/>
                       <a:stretch>
                         <a:fillRect/>
                       </a:stretch>
@@ -12324,12 +12245,12 @@
           <a:graphicData uri="http://schemas.openxmlformats.org/presentationml/2006/ole">
             <mc:AlternateContent xmlns:mc="http://schemas.openxmlformats.org/markup-compatibility/2006">
               <mc:Choice xmlns:v="urn:schemas-microsoft-com:vml" Requires="v">
-                <p:oleObj spid="_x0000_s7177" name="" r:id="rId5" imgW="1386840" imgH="266700" progId="Paint.Picture">
+                <p:oleObj spid="_x0000_s7185" r:id="rId8" imgW="1386840" imgH="266700" progId="Paint.Picture">
                   <p:embed/>
                 </p:oleObj>
               </mc:Choice>
               <mc:Fallback>
-                <p:oleObj name="" r:id="rId5" imgW="1386840" imgH="266700" progId="Paint.Picture">
+                <p:oleObj r:id="rId8" imgW="1386840" imgH="266700" progId="Paint.Picture">
                   <p:embed/>
                   <p:pic>
                     <p:nvPicPr>
@@ -12338,7 +12259,7 @@
                       <p:nvPr/>
                     </p:nvPicPr>
                     <p:blipFill>
-                      <a:blip r:embed="rId6"/>
+                      <a:blip r:embed="rId9"/>
                       <a:stretch>
                         <a:fillRect/>
                       </a:stretch>
@@ -12393,9 +12314,6 @@
               </a:rPr>
               <a:t>返回消息</a:t>
             </a:r>
-            <a:endParaRPr lang="zh-CN" altLang="en-US" sz="3200">
-              <a:latin typeface="+mn-ea"/>
-            </a:endParaRPr>
           </a:p>
         </p:txBody>
       </p:sp>
@@ -12413,12 +12331,12 @@
           <a:graphicData uri="http://schemas.openxmlformats.org/presentationml/2006/ole">
             <mc:AlternateContent xmlns:mc="http://schemas.openxmlformats.org/markup-compatibility/2006">
               <mc:Choice xmlns:v="urn:schemas-microsoft-com:vml" Requires="v">
-                <p:oleObj spid="_x0000_s7178" name="" r:id="rId7" imgW="1051560" imgH="731520" progId="Paint.Picture">
+                <p:oleObj spid="_x0000_s7186" r:id="rId10" imgW="1051560" imgH="731520" progId="Paint.Picture">
                   <p:embed/>
                 </p:oleObj>
               </mc:Choice>
               <mc:Fallback>
-                <p:oleObj name="" r:id="rId7" imgW="1051560" imgH="731520" progId="Paint.Picture">
+                <p:oleObj r:id="rId10" imgW="1051560" imgH="731520" progId="Paint.Picture">
                   <p:embed/>
                   <p:pic>
                     <p:nvPicPr>
@@ -12427,7 +12345,7 @@
                       <p:nvPr/>
                     </p:nvPicPr>
                     <p:blipFill>
-                      <a:blip r:embed="rId8"/>
+                      <a:blip r:embed="rId11"/>
                       <a:stretch>
                         <a:fillRect/>
                       </a:stretch>
@@ -12482,9 +12400,6 @@
               </a:rPr>
               <a:t>自关联消息</a:t>
             </a:r>
-            <a:endParaRPr lang="zh-CN" altLang="en-US" sz="3200">
-              <a:latin typeface="+mn-ea"/>
-            </a:endParaRPr>
           </a:p>
         </p:txBody>
       </p:sp>
@@ -12502,12 +12417,12 @@
           <a:graphicData uri="http://schemas.openxmlformats.org/presentationml/2006/ole">
             <mc:AlternateContent xmlns:mc="http://schemas.openxmlformats.org/markup-compatibility/2006">
               <mc:Choice xmlns:v="urn:schemas-microsoft-com:vml" Requires="v">
-                <p:oleObj spid="_x0000_s7179" name="" r:id="rId9" imgW="1546860" imgH="365760" progId="Paint.Picture">
+                <p:oleObj spid="_x0000_s7187" r:id="rId12" imgW="1546860" imgH="365760" progId="Paint.Picture">
                   <p:embed/>
                 </p:oleObj>
               </mc:Choice>
               <mc:Fallback>
-                <p:oleObj name="" r:id="rId9" imgW="1546860" imgH="365760" progId="Paint.Picture">
+                <p:oleObj r:id="rId12" imgW="1546860" imgH="365760" progId="Paint.Picture">
                   <p:embed/>
                   <p:pic>
                     <p:nvPicPr>
@@ -12516,7 +12431,7 @@
                       <p:nvPr/>
                     </p:nvPicPr>
                     <p:blipFill>
-                      <a:blip r:embed="rId10"/>
+                      <a:blip r:embed="rId13"/>
                       <a:stretch>
                         <a:fillRect/>
                       </a:stretch>
@@ -12571,9 +12486,6 @@
               </a:rPr>
               <a:t>对象消息</a:t>
             </a:r>
-            <a:endParaRPr lang="zh-CN" altLang="en-US" sz="3200">
-              <a:latin typeface="+mn-ea"/>
-            </a:endParaRPr>
           </a:p>
         </p:txBody>
       </p:sp>
@@ -12591,12 +12503,12 @@
           <a:graphicData uri="http://schemas.openxmlformats.org/presentationml/2006/ole">
             <mc:AlternateContent xmlns:mc="http://schemas.openxmlformats.org/markup-compatibility/2006">
               <mc:Choice xmlns:v="urn:schemas-microsoft-com:vml" Requires="v">
-                <p:oleObj spid="_x0000_s7180" name="" r:id="rId11" imgW="480060" imgH="403860" progId="Paint.Picture">
+                <p:oleObj spid="_x0000_s7188" r:id="rId14" imgW="480060" imgH="403860" progId="Paint.Picture">
                   <p:embed/>
                 </p:oleObj>
               </mc:Choice>
               <mc:Fallback>
-                <p:oleObj name="" r:id="rId11" imgW="480060" imgH="403860" progId="Paint.Picture">
+                <p:oleObj r:id="rId14" imgW="480060" imgH="403860" progId="Paint.Picture">
                   <p:embed/>
                   <p:pic>
                     <p:nvPicPr>
@@ -12605,7 +12517,7 @@
                       <p:nvPr/>
                     </p:nvPicPr>
                     <p:blipFill>
-                      <a:blip r:embed="rId12"/>
+                      <a:blip r:embed="rId15"/>
                       <a:stretch>
                         <a:fillRect/>
                       </a:stretch>
@@ -12654,9 +12566,6 @@
               </a:rPr>
               <a:t>Destruction Marker</a:t>
             </a:r>
-            <a:endParaRPr lang="en-US" altLang="zh-CN" sz="3200">
-              <a:latin typeface="+mn-ea"/>
-            </a:endParaRPr>
           </a:p>
           <a:p>
             <a:r>
@@ -12665,15 +12574,12 @@
               </a:rPr>
               <a:t>撤销标记</a:t>
             </a:r>
-            <a:endParaRPr lang="zh-CN" altLang="en-US" sz="3200">
-              <a:latin typeface="+mn-ea"/>
-            </a:endParaRPr>
           </a:p>
         </p:txBody>
       </p:sp>
     </p:spTree>
     <p:custDataLst>
-      <p:tags r:id="rId13"/>
+      <p:tags r:id="rId2"/>
     </p:custDataLst>
   </p:cSld>
   <p:clrMapOvr>
@@ -13196,9 +13102,6 @@
               </a:rPr>
               <a:t>管理员处理借书顺序图</a:t>
             </a:r>
-            <a:endParaRPr lang="zh-CN" altLang="en-US" sz="4400">
-              <a:latin typeface="+mj-ea"/>
-            </a:endParaRPr>
           </a:p>
         </p:txBody>
       </p:sp>
@@ -13216,12 +13119,12 @@
           <a:graphicData uri="http://schemas.openxmlformats.org/presentationml/2006/ole">
             <mc:AlternateContent xmlns:mc="http://schemas.openxmlformats.org/markup-compatibility/2006">
               <mc:Choice xmlns:v="urn:schemas-microsoft-com:vml" Requires="v">
-                <p:oleObj spid="_x0000_s8194" name="" r:id="rId1" imgW="11430000" imgH="5852160" progId="Paint.Picture">
+                <p:oleObj spid="_x0000_s8197" r:id="rId4" imgW="11430000" imgH="5852160" progId="Paint.Picture">
                   <p:embed/>
                 </p:oleObj>
               </mc:Choice>
               <mc:Fallback>
-                <p:oleObj name="" r:id="rId1" imgW="11430000" imgH="5852160" progId="Paint.Picture">
+                <p:oleObj r:id="rId4" imgW="11430000" imgH="5852160" progId="Paint.Picture">
                   <p:embed/>
                   <p:pic>
                     <p:nvPicPr>
@@ -13230,7 +13133,7 @@
                       <p:nvPr/>
                     </p:nvPicPr>
                     <p:blipFill>
-                      <a:blip r:embed="rId2"/>
+                      <a:blip r:embed="rId5"/>
                       <a:stretch>
                         <a:fillRect/>
                       </a:stretch>
@@ -13253,7 +13156,7 @@
       </p:graphicFrame>
     </p:spTree>
     <p:custDataLst>
-      <p:tags r:id="rId3"/>
+      <p:tags r:id="rId2"/>
     </p:custDataLst>
   </p:cSld>
   <p:clrMapOvr>
@@ -13307,9 +13210,6 @@
               </a:rPr>
               <a:t>软件工程系列课程教学辅助网站顺序图</a:t>
             </a:r>
-            <a:endParaRPr lang="zh-CN" altLang="en-US" sz="4400">
-              <a:sym typeface="+mn-ea"/>
-            </a:endParaRPr>
           </a:p>
         </p:txBody>
       </p:sp>
@@ -13324,7 +13224,7 @@
           </p:nvPr>
         </p:nvPicPr>
         <p:blipFill>
-          <a:blip r:embed="rId1"/>
+          <a:blip r:embed="rId3"/>
           <a:stretch>
             <a:fillRect/>
           </a:stretch>
@@ -13348,7 +13248,7 @@
           <p:nvPr/>
         </p:nvPicPr>
         <p:blipFill>
-          <a:blip r:embed="rId2"/>
+          <a:blip r:embed="rId4"/>
           <a:stretch>
             <a:fillRect/>
           </a:stretch>
@@ -13365,7 +13265,7 @@
       </p:pic>
     </p:spTree>
     <p:custDataLst>
-      <p:tags r:id="rId3"/>
+      <p:tags r:id="rId1"/>
     </p:custDataLst>
   </p:cSld>
   <p:clrMapOvr>
@@ -13400,7 +13300,7 @@
           <p:nvPr>
             <p:ph type="title"/>
             <p:custDataLst>
-              <p:tags r:id="rId1"/>
+              <p:tags r:id="rId2"/>
             </p:custDataLst>
           </p:nvPr>
         </p:nvSpPr>
@@ -13424,7 +13324,6 @@
               <a:rPr lang="en-US" altLang="zh-CN" dirty="0"/>
               <a:t>COLLABORATION DIAGRAM</a:t>
             </a:r>
-            <a:endParaRPr lang="en-US" altLang="zh-CN" dirty="0"/>
           </a:p>
         </p:txBody>
       </p:sp>
@@ -13434,7 +13333,7 @@
           <p:cNvSpPr txBox="1"/>
           <p:nvPr>
             <p:custDataLst>
-              <p:tags r:id="rId2"/>
+              <p:tags r:id="rId3"/>
             </p:custDataLst>
           </p:nvPr>
         </p:nvSpPr>
@@ -13467,17 +13366,12 @@
               </a:rPr>
               <a:t>Chapter5</a:t>
             </a:r>
-            <a:endParaRPr lang="en-US" altLang="zh-CN" sz="41040" b="1" dirty="0">
-              <a:solidFill>
-                <a:schemeClr val="accent1"/>
-              </a:solidFill>
-            </a:endParaRPr>
           </a:p>
         </p:txBody>
       </p:sp>
     </p:spTree>
     <p:custDataLst>
-      <p:tags r:id="rId3"/>
+      <p:tags r:id="rId1"/>
     </p:custDataLst>
   </p:cSld>
   <p:clrMapOvr>
@@ -13531,9 +13425,6 @@
               </a:rPr>
               <a:t>协作图的概述</a:t>
             </a:r>
-            <a:endParaRPr lang="zh-CN" altLang="en-US" sz="4400">
-              <a:latin typeface="+mj-ea"/>
-            </a:endParaRPr>
           </a:p>
         </p:txBody>
       </p:sp>
@@ -13567,11 +13458,6 @@
               </a:rPr>
               <a:t>是一种交互图，强调的是发送和接收消息的对象之间的组织结构。一个协作图显示了一系列的对象和在这些对象之间的联系以及对象间发送和接收的消息。</a:t>
             </a:r>
-            <a:endParaRPr lang="zh-CN" altLang="en-US" sz="3200" dirty="0">
-              <a:solidFill>
-                <a:schemeClr val="tx1"/>
-              </a:solidFill>
-            </a:endParaRPr>
           </a:p>
           <a:p>
             <a:endParaRPr lang="zh-CN" altLang="en-US" sz="3200" dirty="0">
@@ -13589,11 +13475,6 @@
               </a:rPr>
               <a:t>协作图用于显示对象之间如何进行交互以执行特定用例或用例中特定部分的行为。</a:t>
             </a:r>
-            <a:endParaRPr lang="zh-CN" altLang="en-US" sz="3200" dirty="0">
-              <a:solidFill>
-                <a:schemeClr val="tx1"/>
-              </a:solidFill>
-            </a:endParaRPr>
           </a:p>
           <a:p>
             <a:endParaRPr lang="zh-CN" altLang="en-US" sz="3200" dirty="0">
@@ -13611,11 +13492,6 @@
               </a:rPr>
               <a:t>协作图用于表示对象间的消息往来。</a:t>
             </a:r>
-            <a:endParaRPr lang="zh-CN" altLang="en-US" sz="3200" dirty="0">
-              <a:solidFill>
-                <a:schemeClr val="tx1"/>
-              </a:solidFill>
-            </a:endParaRPr>
           </a:p>
         </p:txBody>
       </p:sp>
@@ -13869,7 +13745,7 @@
           <p:cNvGrpSpPr/>
           <p:nvPr>
             <p:custDataLst>
-              <p:tags r:id="rId1"/>
+              <p:tags r:id="rId2"/>
             </p:custDataLst>
           </p:nvPr>
         </p:nvGrpSpPr>
@@ -13889,7 +13765,7 @@
             </p:cNvSpPr>
             <p:nvPr>
               <p:custDataLst>
-                <p:tags r:id="rId2"/>
+                <p:tags r:id="rId33"/>
               </p:custDataLst>
             </p:nvPr>
           </p:nvSpPr>
@@ -14124,7 +14000,7 @@
             <p:cNvSpPr/>
             <p:nvPr>
               <p:custDataLst>
-                <p:tags r:id="rId3"/>
+                <p:tags r:id="rId34"/>
               </p:custDataLst>
             </p:nvPr>
           </p:nvSpPr>
@@ -14173,11 +14049,6 @@
                 </a:rPr>
                 <a:t>协作图</a:t>
               </a:r>
-              <a:endParaRPr lang="zh-CN" altLang="en-US" sz="3200" spc="63" dirty="0">
-                <a:solidFill>
-                  <a:srgbClr val="FFFFFF"/>
-                </a:solidFill>
-              </a:endParaRPr>
             </a:p>
           </p:txBody>
         </p:sp>
@@ -14187,7 +14058,7 @@
             <p:cNvCxnSpPr/>
             <p:nvPr>
               <p:custDataLst>
-                <p:tags r:id="rId4"/>
+                <p:tags r:id="rId35"/>
               </p:custDataLst>
             </p:nvPr>
           </p:nvCxnSpPr>
@@ -14227,7 +14098,7 @@
           <p:cNvGrpSpPr/>
           <p:nvPr>
             <p:custDataLst>
-              <p:tags r:id="rId5"/>
+              <p:tags r:id="rId3"/>
             </p:custDataLst>
           </p:nvPr>
         </p:nvGrpSpPr>
@@ -14247,7 +14118,7 @@
             </p:cNvSpPr>
             <p:nvPr>
               <p:custDataLst>
-                <p:tags r:id="rId6"/>
+                <p:tags r:id="rId30"/>
               </p:custDataLst>
             </p:nvPr>
           </p:nvSpPr>
@@ -14482,7 +14353,7 @@
             <p:cNvSpPr/>
             <p:nvPr>
               <p:custDataLst>
-                <p:tags r:id="rId7"/>
+                <p:tags r:id="rId31"/>
               </p:custDataLst>
             </p:nvPr>
           </p:nvSpPr>
@@ -14531,11 +14402,6 @@
                 </a:rPr>
                 <a:t>用例图</a:t>
               </a:r>
-              <a:endParaRPr lang="zh-CN" altLang="en-US" sz="3200" spc="63" dirty="0">
-                <a:solidFill>
-                  <a:srgbClr val="FFFFFF"/>
-                </a:solidFill>
-              </a:endParaRPr>
             </a:p>
           </p:txBody>
         </p:sp>
@@ -14545,7 +14411,7 @@
             <p:cNvCxnSpPr/>
             <p:nvPr>
               <p:custDataLst>
-                <p:tags r:id="rId8"/>
+                <p:tags r:id="rId32"/>
               </p:custDataLst>
             </p:nvPr>
           </p:nvCxnSpPr>
@@ -14585,7 +14451,7 @@
           <p:cNvGrpSpPr/>
           <p:nvPr>
             <p:custDataLst>
-              <p:tags r:id="rId9"/>
+              <p:tags r:id="rId4"/>
             </p:custDataLst>
           </p:nvPr>
         </p:nvGrpSpPr>
@@ -14605,7 +14471,7 @@
             </p:cNvSpPr>
             <p:nvPr>
               <p:custDataLst>
-                <p:tags r:id="rId10"/>
+                <p:tags r:id="rId27"/>
               </p:custDataLst>
             </p:nvPr>
           </p:nvSpPr>
@@ -14840,7 +14706,7 @@
             <p:cNvSpPr/>
             <p:nvPr>
               <p:custDataLst>
-                <p:tags r:id="rId11"/>
+                <p:tags r:id="rId28"/>
               </p:custDataLst>
             </p:nvPr>
           </p:nvSpPr>
@@ -14889,11 +14755,6 @@
                 </a:rPr>
                 <a:t>类图</a:t>
               </a:r>
-              <a:endParaRPr lang="zh-CN" altLang="en-US" sz="3200" spc="63" dirty="0">
-                <a:solidFill>
-                  <a:srgbClr val="FFFFFF"/>
-                </a:solidFill>
-              </a:endParaRPr>
             </a:p>
           </p:txBody>
         </p:sp>
@@ -14903,7 +14764,7 @@
             <p:cNvCxnSpPr/>
             <p:nvPr>
               <p:custDataLst>
-                <p:tags r:id="rId12"/>
+                <p:tags r:id="rId29"/>
               </p:custDataLst>
             </p:nvPr>
           </p:nvCxnSpPr>
@@ -14943,7 +14804,7 @@
           <p:cNvGrpSpPr/>
           <p:nvPr>
             <p:custDataLst>
-              <p:tags r:id="rId13"/>
+              <p:tags r:id="rId5"/>
             </p:custDataLst>
           </p:nvPr>
         </p:nvGrpSpPr>
@@ -14963,7 +14824,7 @@
             </p:cNvSpPr>
             <p:nvPr>
               <p:custDataLst>
-                <p:tags r:id="rId14"/>
+                <p:tags r:id="rId24"/>
               </p:custDataLst>
             </p:nvPr>
           </p:nvSpPr>
@@ -15198,7 +15059,7 @@
             <p:cNvSpPr/>
             <p:nvPr>
               <p:custDataLst>
-                <p:tags r:id="rId15"/>
+                <p:tags r:id="rId25"/>
               </p:custDataLst>
             </p:nvPr>
           </p:nvSpPr>
@@ -15247,11 +15108,6 @@
                 </a:rPr>
                 <a:t>状态图</a:t>
               </a:r>
-              <a:endParaRPr lang="zh-CN" altLang="en-US" sz="3200" spc="63" dirty="0">
-                <a:solidFill>
-                  <a:srgbClr val="FFFFFF"/>
-                </a:solidFill>
-              </a:endParaRPr>
             </a:p>
           </p:txBody>
         </p:sp>
@@ -15261,7 +15117,7 @@
             <p:cNvCxnSpPr/>
             <p:nvPr>
               <p:custDataLst>
-                <p:tags r:id="rId16"/>
+                <p:tags r:id="rId26"/>
               </p:custDataLst>
             </p:nvPr>
           </p:nvCxnSpPr>
@@ -15301,7 +15157,7 @@
           <p:cNvGrpSpPr/>
           <p:nvPr>
             <p:custDataLst>
-              <p:tags r:id="rId17"/>
+              <p:tags r:id="rId6"/>
             </p:custDataLst>
           </p:nvPr>
         </p:nvGrpSpPr>
@@ -15321,7 +15177,7 @@
             </p:cNvSpPr>
             <p:nvPr>
               <p:custDataLst>
-                <p:tags r:id="rId18"/>
+                <p:tags r:id="rId21"/>
               </p:custDataLst>
             </p:nvPr>
           </p:nvSpPr>
@@ -15556,7 +15412,7 @@
             <p:cNvSpPr/>
             <p:nvPr>
               <p:custDataLst>
-                <p:tags r:id="rId19"/>
+                <p:tags r:id="rId22"/>
               </p:custDataLst>
             </p:nvPr>
           </p:nvSpPr>
@@ -15605,11 +15461,6 @@
                 </a:rPr>
                 <a:t>顺序图</a:t>
               </a:r>
-              <a:endParaRPr lang="zh-CN" altLang="en-US" sz="3200" spc="63" dirty="0">
-                <a:solidFill>
-                  <a:srgbClr val="FFFFFF"/>
-                </a:solidFill>
-              </a:endParaRPr>
             </a:p>
           </p:txBody>
         </p:sp>
@@ -15619,7 +15470,7 @@
             <p:cNvCxnSpPr/>
             <p:nvPr>
               <p:custDataLst>
-                <p:tags r:id="rId20"/>
+                <p:tags r:id="rId23"/>
               </p:custDataLst>
             </p:nvPr>
           </p:nvCxnSpPr>
@@ -15659,7 +15510,7 @@
           <p:cNvGrpSpPr/>
           <p:nvPr>
             <p:custDataLst>
-              <p:tags r:id="rId21"/>
+              <p:tags r:id="rId7"/>
             </p:custDataLst>
           </p:nvPr>
         </p:nvGrpSpPr>
@@ -15679,7 +15530,7 @@
             </p:cNvSpPr>
             <p:nvPr>
               <p:custDataLst>
-                <p:tags r:id="rId22"/>
+                <p:tags r:id="rId18"/>
               </p:custDataLst>
             </p:nvPr>
           </p:nvSpPr>
@@ -15914,7 +15765,7 @@
             <p:cNvSpPr/>
             <p:nvPr>
               <p:custDataLst>
-                <p:tags r:id="rId23"/>
+                <p:tags r:id="rId19"/>
               </p:custDataLst>
             </p:nvPr>
           </p:nvSpPr>
@@ -15963,11 +15814,6 @@
                 </a:rPr>
                 <a:t>部署图</a:t>
               </a:r>
-              <a:endParaRPr lang="zh-CN" altLang="en-US" sz="3200" spc="63" dirty="0">
-                <a:solidFill>
-                  <a:srgbClr val="FFFFFF"/>
-                </a:solidFill>
-              </a:endParaRPr>
             </a:p>
           </p:txBody>
         </p:sp>
@@ -15977,7 +15823,7 @@
             <p:cNvCxnSpPr/>
             <p:nvPr>
               <p:custDataLst>
-                <p:tags r:id="rId24"/>
+                <p:tags r:id="rId20"/>
               </p:custDataLst>
             </p:nvPr>
           </p:nvCxnSpPr>
@@ -16017,7 +15863,7 @@
           <p:cNvSpPr txBox="1"/>
           <p:nvPr>
             <p:custDataLst>
-              <p:tags r:id="rId25"/>
+              <p:tags r:id="rId8"/>
             </p:custDataLst>
           </p:nvPr>
         </p:nvSpPr>
@@ -16064,7 +15910,7 @@
           <p:cNvSpPr txBox="1"/>
           <p:nvPr>
             <p:custDataLst>
-              <p:tags r:id="rId26"/>
+              <p:tags r:id="rId9"/>
             </p:custDataLst>
           </p:nvPr>
         </p:nvSpPr>
@@ -16117,7 +15963,7 @@
           <p:cNvGrpSpPr/>
           <p:nvPr>
             <p:custDataLst>
-              <p:tags r:id="rId27"/>
+              <p:tags r:id="rId10"/>
             </p:custDataLst>
           </p:nvPr>
         </p:nvGrpSpPr>
@@ -16137,7 +15983,7 @@
             </p:cNvSpPr>
             <p:nvPr>
               <p:custDataLst>
-                <p:tags r:id="rId28"/>
+                <p:tags r:id="rId15"/>
               </p:custDataLst>
             </p:nvPr>
           </p:nvSpPr>
@@ -16359,10 +16205,6 @@
                 </a:rPr>
                 <a:t>7</a:t>
               </a:r>
-              <a:endParaRPr lang="en-US" altLang="zh-CN" sz="3200">
-                <a:latin typeface="+mn-lt"/>
-                <a:ea typeface="+mn-ea"/>
-              </a:endParaRPr>
             </a:p>
           </p:txBody>
         </p:sp>
@@ -16372,7 +16214,7 @@
             <p:cNvSpPr/>
             <p:nvPr>
               <p:custDataLst>
-                <p:tags r:id="rId29"/>
+                <p:tags r:id="rId16"/>
               </p:custDataLst>
             </p:nvPr>
           </p:nvSpPr>
@@ -16436,7 +16278,7 @@
             <p:cNvCxnSpPr/>
             <p:nvPr>
               <p:custDataLst>
-                <p:tags r:id="rId30"/>
+                <p:tags r:id="rId17"/>
               </p:custDataLst>
             </p:nvPr>
           </p:nvCxnSpPr>
@@ -16476,7 +16318,7 @@
           <p:cNvGrpSpPr/>
           <p:nvPr>
             <p:custDataLst>
-              <p:tags r:id="rId31"/>
+              <p:tags r:id="rId11"/>
             </p:custDataLst>
           </p:nvPr>
         </p:nvGrpSpPr>
@@ -16496,7 +16338,7 @@
             </p:cNvSpPr>
             <p:nvPr>
               <p:custDataLst>
-                <p:tags r:id="rId32"/>
+                <p:tags r:id="rId12"/>
               </p:custDataLst>
             </p:nvPr>
           </p:nvSpPr>
@@ -16718,10 +16560,6 @@
                 </a:rPr>
                 <a:t>8</a:t>
               </a:r>
-              <a:endParaRPr lang="en-US" altLang="zh-CN" sz="3200">
-                <a:latin typeface="+mn-lt"/>
-                <a:ea typeface="+mn-ea"/>
-              </a:endParaRPr>
             </a:p>
           </p:txBody>
         </p:sp>
@@ -16731,7 +16569,7 @@
             <p:cNvSpPr/>
             <p:nvPr>
               <p:custDataLst>
-                <p:tags r:id="rId33"/>
+                <p:tags r:id="rId13"/>
               </p:custDataLst>
             </p:nvPr>
           </p:nvSpPr>
@@ -16780,11 +16618,6 @@
                 </a:rPr>
                 <a:t>小组分工</a:t>
               </a:r>
-              <a:endParaRPr lang="zh-CN" altLang="zh-CN" sz="3200" spc="63" dirty="0">
-                <a:solidFill>
-                  <a:srgbClr val="FFFFFF"/>
-                </a:solidFill>
-              </a:endParaRPr>
             </a:p>
           </p:txBody>
         </p:sp>
@@ -16794,7 +16627,7 @@
             <p:cNvCxnSpPr/>
             <p:nvPr>
               <p:custDataLst>
-                <p:tags r:id="rId34"/>
+                <p:tags r:id="rId14"/>
               </p:custDataLst>
             </p:nvPr>
           </p:nvCxnSpPr>
@@ -16830,7 +16663,7 @@
       </p:grpSp>
     </p:spTree>
     <p:custDataLst>
-      <p:tags r:id="rId35"/>
+      <p:tags r:id="rId1"/>
     </p:custDataLst>
   </p:cSld>
   <p:clrMapOvr>
@@ -16905,12 +16738,12 @@
           <a:graphicData uri="http://schemas.openxmlformats.org/presentationml/2006/ole">
             <mc:AlternateContent xmlns:mc="http://schemas.openxmlformats.org/markup-compatibility/2006">
               <mc:Choice xmlns:v="urn:schemas-microsoft-com:vml" Requires="v">
-                <p:oleObj spid="_x0000_s9221" name="" r:id="rId1" imgW="4701540" imgH="3848100" progId="Paint.Picture">
+                <p:oleObj spid="_x0000_s9227" r:id="rId4" imgW="4701540" imgH="3848100" progId="Paint.Picture">
                   <p:embed/>
                 </p:oleObj>
               </mc:Choice>
               <mc:Fallback>
-                <p:oleObj name="" r:id="rId1" imgW="4701540" imgH="3848100" progId="Paint.Picture">
+                <p:oleObj r:id="rId4" imgW="4701540" imgH="3848100" progId="Paint.Picture">
                   <p:embed/>
                   <p:pic>
                     <p:nvPicPr>
@@ -16919,7 +16752,7 @@
                       <p:nvPr/>
                     </p:nvPicPr>
                     <p:blipFill>
-                      <a:blip r:embed="rId2"/>
+                      <a:blip r:embed="rId5"/>
                       <a:stretch>
                         <a:fillRect/>
                       </a:stretch>
@@ -16954,12 +16787,12 @@
           <a:graphicData uri="http://schemas.openxmlformats.org/presentationml/2006/ole">
             <mc:AlternateContent xmlns:mc="http://schemas.openxmlformats.org/markup-compatibility/2006">
               <mc:Choice xmlns:v="urn:schemas-microsoft-com:vml" Requires="v">
-                <p:oleObj spid="_x0000_s9222" name="" r:id="rId3" imgW="723900" imgH="457200" progId="Paint.Picture">
+                <p:oleObj spid="_x0000_s9228" r:id="rId6" imgW="723900" imgH="457200" progId="Paint.Picture">
                   <p:embed/>
                 </p:oleObj>
               </mc:Choice>
               <mc:Fallback>
-                <p:oleObj name="" r:id="rId3" imgW="723900" imgH="457200" progId="Paint.Picture">
+                <p:oleObj r:id="rId6" imgW="723900" imgH="457200" progId="Paint.Picture">
                   <p:embed/>
                   <p:pic>
                     <p:nvPicPr>
@@ -16968,7 +16801,7 @@
                       <p:nvPr/>
                     </p:nvPicPr>
                     <p:blipFill>
-                      <a:blip r:embed="rId4"/>
+                      <a:blip r:embed="rId7"/>
                       <a:stretch>
                         <a:fillRect/>
                       </a:stretch>
@@ -17019,7 +16852,6 @@
               <a:rPr lang="zh-CN" altLang="en-US" sz="3200"/>
               <a:t>对象</a:t>
             </a:r>
-            <a:endParaRPr lang="zh-CN" altLang="en-US" sz="3200"/>
           </a:p>
         </p:txBody>
       </p:sp>
@@ -17037,12 +16869,12 @@
           <a:graphicData uri="http://schemas.openxmlformats.org/presentationml/2006/ole">
             <mc:AlternateContent xmlns:mc="http://schemas.openxmlformats.org/markup-compatibility/2006">
               <mc:Choice xmlns:v="urn:schemas-microsoft-com:vml" Requires="v">
-                <p:oleObj spid="_x0000_s9223" name="" r:id="rId5" imgW="746760" imgH="464820" progId="Paint.Picture">
+                <p:oleObj spid="_x0000_s9229" r:id="rId8" imgW="746760" imgH="464820" progId="Paint.Picture">
                   <p:embed/>
                 </p:oleObj>
               </mc:Choice>
               <mc:Fallback>
-                <p:oleObj name="" r:id="rId5" imgW="746760" imgH="464820" progId="Paint.Picture">
+                <p:oleObj r:id="rId8" imgW="746760" imgH="464820" progId="Paint.Picture">
                   <p:embed/>
                   <p:pic>
                     <p:nvPicPr>
@@ -17051,7 +16883,7 @@
                       <p:nvPr/>
                     </p:nvPicPr>
                     <p:blipFill>
-                      <a:blip r:embed="rId6"/>
+                      <a:blip r:embed="rId9"/>
                       <a:stretch>
                         <a:fillRect/>
                       </a:stretch>
@@ -17102,7 +16934,6 @@
               <a:rPr lang="zh-CN" altLang="en-US" sz="3200"/>
               <a:t>类别实例</a:t>
             </a:r>
-            <a:endParaRPr lang="zh-CN" altLang="en-US" sz="3200"/>
           </a:p>
         </p:txBody>
       </p:sp>
@@ -17120,12 +16951,12 @@
           <a:graphicData uri="http://schemas.openxmlformats.org/presentationml/2006/ole">
             <mc:AlternateContent xmlns:mc="http://schemas.openxmlformats.org/markup-compatibility/2006">
               <mc:Choice xmlns:v="urn:schemas-microsoft-com:vml" Requires="v">
-                <p:oleObj spid="_x0000_s9224" name="" r:id="rId7" imgW="685800" imgH="624840" progId="Paint.Picture">
+                <p:oleObj spid="_x0000_s9230" r:id="rId10" imgW="685800" imgH="624840" progId="Paint.Picture">
                   <p:embed/>
                 </p:oleObj>
               </mc:Choice>
               <mc:Fallback>
-                <p:oleObj name="" r:id="rId7" imgW="685800" imgH="624840" progId="Paint.Picture">
+                <p:oleObj r:id="rId10" imgW="685800" imgH="624840" progId="Paint.Picture">
                   <p:embed/>
                   <p:pic>
                     <p:nvPicPr>
@@ -17134,7 +16965,7 @@
                       <p:nvPr/>
                     </p:nvPicPr>
                     <p:blipFill>
-                      <a:blip r:embed="rId8"/>
+                      <a:blip r:embed="rId11"/>
                       <a:stretch>
                         <a:fillRect/>
                       </a:stretch>
@@ -17185,13 +17016,12 @@
               <a:rPr lang="zh-CN" altLang="en-US" sz="3200"/>
               <a:t>自身调用</a:t>
             </a:r>
-            <a:endParaRPr lang="zh-CN" altLang="en-US" sz="3200"/>
           </a:p>
         </p:txBody>
       </p:sp>
     </p:spTree>
     <p:custDataLst>
-      <p:tags r:id="rId9"/>
+      <p:tags r:id="rId2"/>
     </p:custDataLst>
   </p:cSld>
   <p:clrMapOvr>
@@ -17581,12 +17411,12 @@
           <a:graphicData uri="http://schemas.openxmlformats.org/presentationml/2006/ole">
             <mc:AlternateContent xmlns:mc="http://schemas.openxmlformats.org/markup-compatibility/2006">
               <mc:Choice xmlns:v="urn:schemas-microsoft-com:vml" Requires="v">
-                <p:oleObj spid="_x0000_s10244" name="" r:id="rId1" imgW="220980" imgH="449580" progId="Paint.Picture">
+                <p:oleObj spid="_x0000_s10249" r:id="rId4" imgW="220980" imgH="449580" progId="Paint.Picture">
                   <p:embed/>
                 </p:oleObj>
               </mc:Choice>
               <mc:Fallback>
-                <p:oleObj name="" r:id="rId1" imgW="220980" imgH="449580" progId="Paint.Picture">
+                <p:oleObj r:id="rId4" imgW="220980" imgH="449580" progId="Paint.Picture">
                   <p:embed/>
                   <p:pic>
                     <p:nvPicPr>
@@ -17595,7 +17425,7 @@
                       <p:nvPr/>
                     </p:nvPicPr>
                     <p:blipFill>
-                      <a:blip r:embed="rId2"/>
+                      <a:blip r:embed="rId5"/>
                       <a:stretch>
                         <a:fillRect/>
                       </a:stretch>
@@ -17649,9 +17479,6 @@
               </a:rPr>
               <a:t>Data Token</a:t>
             </a:r>
-            <a:endParaRPr lang="en-US" altLang="zh-CN" sz="3200">
-              <a:sym typeface="+mn-ea"/>
-            </a:endParaRPr>
           </a:p>
           <a:p>
             <a:pPr algn="l"/>
@@ -17667,7 +17494,6 @@
               <a:rPr lang="zh-CN" altLang="en-US" sz="3200"/>
               <a:t>反向信息流</a:t>
             </a:r>
-            <a:endParaRPr lang="zh-CN" altLang="en-US" sz="3200"/>
           </a:p>
         </p:txBody>
       </p:sp>
@@ -17685,12 +17511,12 @@
           <a:graphicData uri="http://schemas.openxmlformats.org/presentationml/2006/ole">
             <mc:AlternateContent xmlns:mc="http://schemas.openxmlformats.org/markup-compatibility/2006">
               <mc:Choice xmlns:v="urn:schemas-microsoft-com:vml" Requires="v">
-                <p:oleObj spid="_x0000_s10245" name="" r:id="rId3" imgW="640080" imgH="335280" progId="Paint.Picture">
+                <p:oleObj spid="_x0000_s10250" r:id="rId6" imgW="640080" imgH="335280" progId="Paint.Picture">
                   <p:embed/>
                 </p:oleObj>
               </mc:Choice>
               <mc:Fallback>
-                <p:oleObj name="" r:id="rId3" imgW="640080" imgH="335280" progId="Paint.Picture">
+                <p:oleObj r:id="rId6" imgW="640080" imgH="335280" progId="Paint.Picture">
                   <p:embed/>
                   <p:pic>
                     <p:nvPicPr>
@@ -17699,7 +17525,7 @@
                       <p:nvPr/>
                     </p:nvPicPr>
                     <p:blipFill>
-                      <a:blip r:embed="rId4"/>
+                      <a:blip r:embed="rId7"/>
                       <a:stretch>
                         <a:fillRect/>
                       </a:stretch>
@@ -17734,12 +17560,12 @@
           <a:graphicData uri="http://schemas.openxmlformats.org/presentationml/2006/ole">
             <mc:AlternateContent xmlns:mc="http://schemas.openxmlformats.org/markup-compatibility/2006">
               <mc:Choice xmlns:v="urn:schemas-microsoft-com:vml" Requires="v">
-                <p:oleObj spid="_x0000_s10246" name="" r:id="rId5" imgW="396240" imgH="510540" progId="Paint.Picture">
+                <p:oleObj spid="_x0000_s10251" r:id="rId8" imgW="396240" imgH="510540" progId="Paint.Picture">
                   <p:embed/>
                 </p:oleObj>
               </mc:Choice>
               <mc:Fallback>
-                <p:oleObj name="" r:id="rId5" imgW="396240" imgH="510540" progId="Paint.Picture">
+                <p:oleObj r:id="rId8" imgW="396240" imgH="510540" progId="Paint.Picture">
                   <p:embed/>
                   <p:pic>
                     <p:nvPicPr>
@@ -17748,7 +17574,7 @@
                       <p:nvPr/>
                     </p:nvPicPr>
                     <p:blipFill>
-                      <a:blip r:embed="rId6"/>
+                      <a:blip r:embed="rId9"/>
                       <a:stretch>
                         <a:fillRect/>
                       </a:stretch>
@@ -17802,9 +17628,6 @@
               </a:rPr>
               <a:t>Link Message</a:t>
             </a:r>
-            <a:endParaRPr lang="en-US" altLang="zh-CN" sz="3200">
-              <a:sym typeface="+mn-ea"/>
-            </a:endParaRPr>
           </a:p>
           <a:p>
             <a:pPr algn="l"/>
@@ -17826,15 +17649,12 @@
               </a:rPr>
               <a:t>返回调用消息</a:t>
             </a:r>
-            <a:endParaRPr lang="zh-CN" altLang="en-US" sz="3200">
-              <a:sym typeface="+mn-ea"/>
-            </a:endParaRPr>
           </a:p>
         </p:txBody>
       </p:sp>
     </p:spTree>
     <p:custDataLst>
-      <p:tags r:id="rId7"/>
+      <p:tags r:id="rId2"/>
     </p:custDataLst>
   </p:cSld>
   <p:clrMapOvr>
@@ -18124,7 +17944,6 @@
               <a:rPr lang="zh-CN" altLang="en-US" sz="4400"/>
               <a:t>教师查询信息协作图</a:t>
             </a:r>
-            <a:endParaRPr lang="zh-CN" altLang="en-US" sz="4400"/>
           </a:p>
         </p:txBody>
       </p:sp>
@@ -18146,12 +17965,12 @@
           <a:graphicData uri="http://schemas.openxmlformats.org/presentationml/2006/ole">
             <mc:AlternateContent xmlns:mc="http://schemas.openxmlformats.org/markup-compatibility/2006">
               <mc:Choice xmlns:v="urn:schemas-microsoft-com:vml" Requires="v">
-                <p:oleObj spid="_x0000_s11266" name="" r:id="rId1" imgW="8321040" imgH="5158740" progId="Paint.Picture">
+                <p:oleObj spid="_x0000_s11269" r:id="rId4" imgW="8321040" imgH="5158740" progId="Paint.Picture">
                   <p:embed/>
                 </p:oleObj>
               </mc:Choice>
               <mc:Fallback>
-                <p:oleObj name="" r:id="rId1" imgW="8321040" imgH="5158740" progId="Paint.Picture">
+                <p:oleObj r:id="rId4" imgW="8321040" imgH="5158740" progId="Paint.Picture">
                   <p:embed/>
                   <p:pic>
                     <p:nvPicPr>
@@ -18160,7 +17979,7 @@
                       <p:nvPr/>
                     </p:nvPicPr>
                     <p:blipFill>
-                      <a:blip r:embed="rId2"/>
+                      <a:blip r:embed="rId5"/>
                       <a:stretch>
                         <a:fillRect/>
                       </a:stretch>
@@ -18183,7 +18002,7 @@
       </p:graphicFrame>
     </p:spTree>
     <p:custDataLst>
-      <p:tags r:id="rId3"/>
+      <p:tags r:id="rId2"/>
     </p:custDataLst>
   </p:cSld>
   <p:clrMapOvr>
@@ -18230,9 +18049,6 @@
               </a:rPr>
               <a:t>软件工程系列课程教学辅助网站协作图</a:t>
             </a:r>
-            <a:endParaRPr lang="zh-CN" altLang="en-US" sz="4400">
-              <a:sym typeface="+mn-ea"/>
-            </a:endParaRPr>
           </a:p>
         </p:txBody>
       </p:sp>
@@ -18247,7 +18063,7 @@
           </p:nvPr>
         </p:nvPicPr>
         <p:blipFill>
-          <a:blip r:embed="rId1"/>
+          <a:blip r:embed="rId3"/>
           <a:stretch>
             <a:fillRect/>
           </a:stretch>
@@ -18264,7 +18080,7 @@
       </p:pic>
     </p:spTree>
     <p:custDataLst>
-      <p:tags r:id="rId2"/>
+      <p:tags r:id="rId1"/>
     </p:custDataLst>
   </p:cSld>
   <p:clrMapOvr>
@@ -18299,7 +18115,7 @@
           <p:nvPr>
             <p:ph type="title"/>
             <p:custDataLst>
-              <p:tags r:id="rId1"/>
+              <p:tags r:id="rId2"/>
             </p:custDataLst>
           </p:nvPr>
         </p:nvSpPr>
@@ -18323,7 +18139,6 @@
               <a:rPr lang="en-US" altLang="zh-CN" dirty="0"/>
               <a:t>DEPLOYMENT VIEW</a:t>
             </a:r>
-            <a:endParaRPr lang="en-US" altLang="zh-CN" dirty="0"/>
           </a:p>
         </p:txBody>
       </p:sp>
@@ -18333,7 +18148,7 @@
           <p:cNvSpPr txBox="1"/>
           <p:nvPr>
             <p:custDataLst>
-              <p:tags r:id="rId2"/>
+              <p:tags r:id="rId3"/>
             </p:custDataLst>
           </p:nvPr>
         </p:nvSpPr>
@@ -18366,17 +18181,12 @@
               </a:rPr>
               <a:t>Chapter6</a:t>
             </a:r>
-            <a:endParaRPr lang="en-US" altLang="zh-CN" sz="41040" b="1" dirty="0">
-              <a:solidFill>
-                <a:schemeClr val="accent1"/>
-              </a:solidFill>
-            </a:endParaRPr>
           </a:p>
         </p:txBody>
       </p:sp>
     </p:spTree>
     <p:custDataLst>
-      <p:tags r:id="rId3"/>
+      <p:tags r:id="rId1"/>
     </p:custDataLst>
   </p:cSld>
   <p:clrMapOvr>
@@ -18430,9 +18240,6 @@
               </a:rPr>
               <a:t>部署图的概述</a:t>
             </a:r>
-            <a:endParaRPr lang="zh-CN" altLang="en-US" sz="4400">
-              <a:latin typeface="+mj-ea"/>
-            </a:endParaRPr>
           </a:p>
         </p:txBody>
       </p:sp>
@@ -18466,11 +18273,6 @@
               </a:rPr>
               <a:t>部署图用于静态建模，是表示运行时过程结点（Node）</a:t>
             </a:r>
-            <a:endParaRPr lang="zh-CN" altLang="en-US" sz="3200" dirty="0">
-              <a:solidFill>
-                <a:schemeClr val="tx1"/>
-              </a:solidFill>
-            </a:endParaRPr>
           </a:p>
           <a:p>
             <a:r>
@@ -18481,11 +18283,6 @@
               </a:rPr>
               <a:t>结构、组件实例及其对象结构的图。</a:t>
             </a:r>
-            <a:endParaRPr lang="zh-CN" altLang="en-US" sz="3200" dirty="0">
-              <a:solidFill>
-                <a:schemeClr val="tx1"/>
-              </a:solidFill>
-            </a:endParaRPr>
           </a:p>
           <a:p>
             <a:endParaRPr lang="zh-CN" altLang="en-US" sz="3200" dirty="0">
@@ -18503,11 +18300,6 @@
               </a:rPr>
               <a:t>部署图可以显示计算结点的拓扑结构、通信路径、结</a:t>
             </a:r>
-            <a:endParaRPr lang="zh-CN" altLang="en-US" sz="3200" dirty="0">
-              <a:solidFill>
-                <a:schemeClr val="tx1"/>
-              </a:solidFill>
-            </a:endParaRPr>
           </a:p>
           <a:p>
             <a:r>
@@ -18518,11 +18310,6 @@
               </a:rPr>
               <a:t>点上运行的软件、软件包含的逻辑单元。</a:t>
             </a:r>
-            <a:endParaRPr lang="zh-CN" altLang="en-US" sz="3200" dirty="0">
-              <a:solidFill>
-                <a:schemeClr val="tx1"/>
-              </a:solidFill>
-            </a:endParaRPr>
           </a:p>
           <a:p>
             <a:endParaRPr lang="zh-CN" altLang="en-US" sz="3200" dirty="0">
@@ -18540,11 +18327,6 @@
               </a:rPr>
               <a:t>部署图是描述基于计算机的应用系统的物理配置的有</a:t>
             </a:r>
-            <a:endParaRPr lang="zh-CN" altLang="en-US" sz="3200" dirty="0">
-              <a:solidFill>
-                <a:schemeClr val="tx1"/>
-              </a:solidFill>
-            </a:endParaRPr>
           </a:p>
           <a:p>
             <a:r>
@@ -18555,11 +18337,6 @@
               </a:rPr>
               <a:t>力工具。</a:t>
             </a:r>
-            <a:endParaRPr lang="zh-CN" altLang="en-US" sz="3200" dirty="0">
-              <a:solidFill>
-                <a:schemeClr val="tx1"/>
-              </a:solidFill>
-            </a:endParaRPr>
           </a:p>
           <a:p>
             <a:endParaRPr lang="zh-CN" altLang="en-US" sz="3200" dirty="0">
@@ -19044,12 +18821,12 @@
           <a:graphicData uri="http://schemas.openxmlformats.org/presentationml/2006/ole">
             <mc:AlternateContent xmlns:mc="http://schemas.openxmlformats.org/markup-compatibility/2006">
               <mc:Choice xmlns:v="urn:schemas-microsoft-com:vml" Requires="v">
-                <p:oleObj spid="_x0000_s12292" name="" r:id="rId1" imgW="868680" imgH="762000" progId="Paint.Picture">
+                <p:oleObj spid="_x0000_s12297" r:id="rId4" imgW="868680" imgH="762000" progId="Paint.Picture">
                   <p:embed/>
                 </p:oleObj>
               </mc:Choice>
               <mc:Fallback>
-                <p:oleObj name="" r:id="rId1" imgW="868680" imgH="762000" progId="Paint.Picture">
+                <p:oleObj r:id="rId4" imgW="868680" imgH="762000" progId="Paint.Picture">
                   <p:embed/>
                   <p:pic>
                     <p:nvPicPr>
@@ -19058,7 +18835,7 @@
                       <p:nvPr/>
                     </p:nvPicPr>
                     <p:blipFill>
-                      <a:blip r:embed="rId2"/>
+                      <a:blip r:embed="rId5"/>
                       <a:stretch>
                         <a:fillRect/>
                       </a:stretch>
@@ -19093,12 +18870,12 @@
           <a:graphicData uri="http://schemas.openxmlformats.org/presentationml/2006/ole">
             <mc:AlternateContent xmlns:mc="http://schemas.openxmlformats.org/markup-compatibility/2006">
               <mc:Choice xmlns:v="urn:schemas-microsoft-com:vml" Requires="v">
-                <p:oleObj spid="_x0000_s12293" name="" r:id="rId3" imgW="838200" imgH="708660" progId="Paint.Picture">
+                <p:oleObj spid="_x0000_s12298" r:id="rId6" imgW="838200" imgH="708660" progId="Paint.Picture">
                   <p:embed/>
                 </p:oleObj>
               </mc:Choice>
               <mc:Fallback>
-                <p:oleObj name="" r:id="rId3" imgW="838200" imgH="708660" progId="Paint.Picture">
+                <p:oleObj r:id="rId6" imgW="838200" imgH="708660" progId="Paint.Picture">
                   <p:embed/>
                   <p:pic>
                     <p:nvPicPr>
@@ -19107,7 +18884,7 @@
                       <p:nvPr/>
                     </p:nvPicPr>
                     <p:blipFill>
-                      <a:blip r:embed="rId4"/>
+                      <a:blip r:embed="rId7"/>
                       <a:stretch>
                         <a:fillRect/>
                       </a:stretch>
@@ -19142,12 +18919,12 @@
           <a:graphicData uri="http://schemas.openxmlformats.org/presentationml/2006/ole">
             <mc:AlternateContent xmlns:mc="http://schemas.openxmlformats.org/markup-compatibility/2006">
               <mc:Choice xmlns:v="urn:schemas-microsoft-com:vml" Requires="v">
-                <p:oleObj spid="_x0000_s12294" name="" r:id="rId5" imgW="2148840" imgH="624840" progId="Paint.Picture">
+                <p:oleObj spid="_x0000_s12299" r:id="rId8" imgW="2148840" imgH="624840" progId="Paint.Picture">
                   <p:embed/>
                 </p:oleObj>
               </mc:Choice>
               <mc:Fallback>
-                <p:oleObj name="" r:id="rId5" imgW="2148840" imgH="624840" progId="Paint.Picture">
+                <p:oleObj r:id="rId8" imgW="2148840" imgH="624840" progId="Paint.Picture">
                   <p:embed/>
                   <p:pic>
                     <p:nvPicPr>
@@ -19156,7 +18933,7 @@
                       <p:nvPr/>
                     </p:nvPicPr>
                     <p:blipFill>
-                      <a:blip r:embed="rId6"/>
+                      <a:blip r:embed="rId9"/>
                       <a:stretch>
                         <a:fillRect/>
                       </a:stretch>
@@ -19203,7 +18980,6 @@
               <a:rPr lang="zh-CN" altLang="en-US" sz="3200"/>
               <a:t>双击打开部署图界面</a:t>
             </a:r>
-            <a:endParaRPr lang="zh-CN" altLang="en-US" sz="3200"/>
           </a:p>
         </p:txBody>
       </p:sp>
@@ -19233,7 +19009,6 @@
               <a:rPr lang="zh-CN" altLang="en-US" sz="3200"/>
               <a:t>Device：设备</a:t>
             </a:r>
-            <a:endParaRPr lang="zh-CN" altLang="en-US" sz="3200"/>
           </a:p>
           <a:p>
             <a:r>
@@ -19270,14 +19045,12 @@
               <a:rPr lang="zh-CN" altLang="en-US" sz="3200"/>
               <a:t>Processor：处理器</a:t>
             </a:r>
-            <a:endParaRPr lang="zh-CN" altLang="en-US" sz="3200"/>
           </a:p>
           <a:p>
             <a:r>
               <a:rPr lang="zh-CN" altLang="en-US" sz="3200"/>
               <a:t>可以执行程序的硬件</a:t>
             </a:r>
-            <a:endParaRPr lang="zh-CN" altLang="en-US" sz="3200"/>
           </a:p>
           <a:p>
             <a:r>
@@ -19290,7 +19063,7 @@
       </p:sp>
     </p:spTree>
     <p:custDataLst>
-      <p:tags r:id="rId7"/>
+      <p:tags r:id="rId2"/>
     </p:custDataLst>
   </p:cSld>
   <p:clrMapOvr>
@@ -19624,9 +19397,6 @@
               </a:rPr>
               <a:t>系统部署图</a:t>
             </a:r>
-            <a:endParaRPr lang="zh-CN" altLang="zh-CN" sz="4400">
-              <a:latin typeface="+mj-ea"/>
-            </a:endParaRPr>
           </a:p>
         </p:txBody>
       </p:sp>
@@ -19644,12 +19414,12 @@
           <a:graphicData uri="http://schemas.openxmlformats.org/presentationml/2006/ole">
             <mc:AlternateContent xmlns:mc="http://schemas.openxmlformats.org/markup-compatibility/2006">
               <mc:Choice xmlns:v="urn:schemas-microsoft-com:vml" Requires="v">
-                <p:oleObj spid="_x0000_s13314" name="" r:id="rId1" imgW="11132820" imgH="4579620" progId="Paint.Picture">
+                <p:oleObj spid="_x0000_s13317" r:id="rId4" imgW="11132820" imgH="4579620" progId="Paint.Picture">
                   <p:embed/>
                 </p:oleObj>
               </mc:Choice>
               <mc:Fallback>
-                <p:oleObj name="" r:id="rId1" imgW="11132820" imgH="4579620" progId="Paint.Picture">
+                <p:oleObj r:id="rId4" imgW="11132820" imgH="4579620" progId="Paint.Picture">
                   <p:embed/>
                   <p:pic>
                     <p:nvPicPr>
@@ -19658,7 +19428,7 @@
                       <p:nvPr/>
                     </p:nvPicPr>
                     <p:blipFill>
-                      <a:blip r:embed="rId2"/>
+                      <a:blip r:embed="rId5"/>
                       <a:stretch>
                         <a:fillRect/>
                       </a:stretch>
@@ -19681,7 +19451,7 @@
       </p:graphicFrame>
     </p:spTree>
     <p:custDataLst>
-      <p:tags r:id="rId3"/>
+      <p:tags r:id="rId2"/>
     </p:custDataLst>
   </p:cSld>
   <p:clrMapOvr>
@@ -19809,7 +19579,6 @@
               <a:rPr lang="zh-CN" altLang="en-US" sz="4400"/>
               <a:t>软件工程系列课程教学辅助网站部署图</a:t>
             </a:r>
-            <a:endParaRPr lang="zh-CN" altLang="en-US" sz="4400"/>
           </a:p>
         </p:txBody>
       </p:sp>
@@ -19824,7 +19593,7 @@
           </p:nvPr>
         </p:nvPicPr>
         <p:blipFill>
-          <a:blip r:embed="rId1"/>
+          <a:blip r:embed="rId3"/>
           <a:srcRect l="664" t="1399" r="6573" b="27660"/>
           <a:stretch>
             <a:fillRect/>
@@ -19842,7 +19611,7 @@
       </p:pic>
     </p:spTree>
     <p:custDataLst>
-      <p:tags r:id="rId2"/>
+      <p:tags r:id="rId1"/>
     </p:custDataLst>
   </p:cSld>
   <p:clrMapOvr>
@@ -19877,7 +19646,7 @@
           <p:nvPr>
             <p:ph type="title"/>
             <p:custDataLst>
-              <p:tags r:id="rId1"/>
+              <p:tags r:id="rId2"/>
             </p:custDataLst>
           </p:nvPr>
         </p:nvSpPr>
@@ -19898,7 +19667,6 @@
               <a:rPr lang="zh-CN" altLang="en-US" dirty="0"/>
               <a:t>参考文献</a:t>
             </a:r>
-            <a:endParaRPr lang="zh-CN" altLang="en-US" dirty="0"/>
           </a:p>
         </p:txBody>
       </p:sp>
@@ -19908,7 +19676,7 @@
           <p:cNvSpPr txBox="1"/>
           <p:nvPr>
             <p:custDataLst>
-              <p:tags r:id="rId2"/>
+              <p:tags r:id="rId3"/>
             </p:custDataLst>
           </p:nvPr>
         </p:nvSpPr>
@@ -19941,17 +19709,12 @@
               </a:rPr>
               <a:t>Chapter7</a:t>
             </a:r>
-            <a:endParaRPr lang="en-US" altLang="zh-CN" sz="41040" b="1" dirty="0">
-              <a:solidFill>
-                <a:schemeClr val="accent1"/>
-              </a:solidFill>
-            </a:endParaRPr>
           </a:p>
         </p:txBody>
       </p:sp>
     </p:spTree>
     <p:custDataLst>
-      <p:tags r:id="rId3"/>
+      <p:tags r:id="rId1"/>
     </p:custDataLst>
   </p:cSld>
   <p:clrMapOvr>
@@ -19993,7 +19756,7 @@
           <p:nvPr>
             <p:ph type="title"/>
             <p:custDataLst>
-              <p:tags r:id="rId1"/>
+              <p:tags r:id="rId2"/>
             </p:custDataLst>
           </p:nvPr>
         </p:nvSpPr>
@@ -20012,7 +19775,6 @@
               <a:rPr lang="en-US" altLang="zh-CN" dirty="0"/>
               <a:t>USE CASE DIAGRAM</a:t>
             </a:r>
-            <a:endParaRPr lang="en-US" altLang="zh-CN" dirty="0"/>
           </a:p>
         </p:txBody>
       </p:sp>
@@ -20022,7 +19784,7 @@
           <p:cNvSpPr txBox="1"/>
           <p:nvPr>
             <p:custDataLst>
-              <p:tags r:id="rId2"/>
+              <p:tags r:id="rId3"/>
             </p:custDataLst>
           </p:nvPr>
         </p:nvSpPr>
@@ -20055,17 +19817,12 @@
               </a:rPr>
               <a:t>chapter1</a:t>
             </a:r>
-            <a:endParaRPr lang="zh-CN" altLang="en-US" sz="41040" b="1" dirty="0">
-              <a:solidFill>
-                <a:schemeClr val="accent1"/>
-              </a:solidFill>
-            </a:endParaRPr>
           </a:p>
         </p:txBody>
       </p:sp>
     </p:spTree>
     <p:custDataLst>
-      <p:tags r:id="rId3"/>
+      <p:tags r:id="rId1"/>
     </p:custDataLst>
   </p:cSld>
   <p:clrMapOvr>
@@ -20119,9 +19876,6 @@
               </a:rPr>
               <a:t>参考文献</a:t>
             </a:r>
-            <a:endParaRPr lang="zh-CN" altLang="zh-CN" sz="4400">
-              <a:latin typeface="+mj-ea"/>
-            </a:endParaRPr>
           </a:p>
         </p:txBody>
       </p:sp>
@@ -20158,13 +19912,6 @@
               </a:rPr>
               <a:t>《UML2基础、建模与设计教程》</a:t>
             </a:r>
-            <a:endParaRPr lang="zh-CN" altLang="en-US" sz="3200" dirty="0">
-              <a:solidFill>
-                <a:schemeClr val="tx1"/>
-              </a:solidFill>
-              <a:latin typeface="+mn-ea"/>
-              <a:sym typeface="+mn-ea"/>
-            </a:endParaRPr>
           </a:p>
           <a:p>
             <a:pPr algn="l"/>
@@ -20218,13 +19965,6 @@
               </a:rPr>
               <a:t>》</a:t>
             </a:r>
-            <a:endParaRPr lang="zh-CN" altLang="en-US" sz="3200" dirty="0">
-              <a:solidFill>
-                <a:schemeClr val="tx1"/>
-              </a:solidFill>
-              <a:latin typeface="+mn-ea"/>
-              <a:sym typeface="+mn-ea"/>
-            </a:endParaRPr>
           </a:p>
           <a:p>
             <a:pPr algn="l"/>
@@ -20278,13 +20018,6 @@
               </a:rPr>
               <a:t>图详解</a:t>
             </a:r>
-            <a:endParaRPr lang="zh-CN" altLang="en-US" sz="3200" dirty="0">
-              <a:solidFill>
-                <a:schemeClr val="tx1"/>
-              </a:solidFill>
-              <a:latin typeface="+mn-ea"/>
-              <a:sym typeface="+mn-ea"/>
-            </a:endParaRPr>
           </a:p>
           <a:p>
             <a:pPr algn="l"/>
@@ -20328,13 +20061,6 @@
               </a:rPr>
               <a:t>协作图</a:t>
             </a:r>
-            <a:endParaRPr lang="zh-CN" altLang="en-US" sz="3200" dirty="0">
-              <a:solidFill>
-                <a:schemeClr val="tx1"/>
-              </a:solidFill>
-              <a:latin typeface="+mn-ea"/>
-              <a:sym typeface="+mn-ea"/>
-            </a:endParaRPr>
           </a:p>
         </p:txBody>
       </p:sp>
@@ -20382,7 +20108,7 @@
           <p:nvPr>
             <p:ph type="title"/>
             <p:custDataLst>
-              <p:tags r:id="rId1"/>
+              <p:tags r:id="rId2"/>
             </p:custDataLst>
           </p:nvPr>
         </p:nvSpPr>
@@ -20413,7 +20139,7 @@
           <p:cNvSpPr txBox="1"/>
           <p:nvPr>
             <p:custDataLst>
-              <p:tags r:id="rId2"/>
+              <p:tags r:id="rId3"/>
             </p:custDataLst>
           </p:nvPr>
         </p:nvSpPr>
@@ -20446,17 +20172,12 @@
               </a:rPr>
               <a:t>Chapter8</a:t>
             </a:r>
-            <a:endParaRPr lang="en-US" altLang="zh-CN" sz="41040" b="1" dirty="0">
-              <a:solidFill>
-                <a:schemeClr val="accent1"/>
-              </a:solidFill>
-            </a:endParaRPr>
           </a:p>
         </p:txBody>
       </p:sp>
     </p:spTree>
     <p:custDataLst>
-      <p:tags r:id="rId3"/>
+      <p:tags r:id="rId1"/>
     </p:custDataLst>
   </p:cSld>
   <p:clrMapOvr>
@@ -20495,7 +20216,7 @@
           <p:cNvSpPr txBox="1"/>
           <p:nvPr>
             <p:custDataLst>
-              <p:tags r:id="rId1"/>
+              <p:tags r:id="rId2"/>
             </p:custDataLst>
           </p:nvPr>
         </p:nvSpPr>
@@ -20537,7 +20258,6 @@
               <a:rPr lang="zh-CN" altLang="zh-CN" sz="4400" dirty="0"/>
               <a:t>小组分工</a:t>
             </a:r>
-            <a:endParaRPr lang="zh-CN" altLang="zh-CN" sz="4400" dirty="0"/>
           </a:p>
         </p:txBody>
       </p:sp>
@@ -20549,12 +20269,12 @@
           </p:cNvPicPr>
           <p:nvPr>
             <p:custDataLst>
-              <p:tags r:id="rId2"/>
+              <p:tags r:id="rId3"/>
             </p:custDataLst>
           </p:nvPr>
         </p:nvPicPr>
         <p:blipFill>
-          <a:blip r:embed="rId3">
+          <a:blip r:embed="rId6">
             <a:extLst>
               <a:ext uri="{28A0092B-C50C-407E-A947-70E740481C1C}">
                 <a14:useLocalDpi xmlns:a14="http://schemas.microsoft.com/office/drawing/2010/main" val="0"/>
@@ -20736,13 +20456,6 @@
               </a:rPr>
               <a:t>8.5</a:t>
             </a:r>
-            <a:endParaRPr lang="en-US" altLang="zh-CN" sz="3200" dirty="0" smtClean="0">
-              <a:solidFill>
-                <a:schemeClr val="tx1"/>
-              </a:solidFill>
-              <a:latin typeface="+mn-ea"/>
-              <a:sym typeface="+mn-ea"/>
-            </a:endParaRPr>
           </a:p>
           <a:p>
             <a:pPr algn="l"/>
@@ -20778,7 +20491,7 @@
       </p:sp>
     </p:spTree>
     <p:custDataLst>
-      <p:tags r:id="rId4"/>
+      <p:tags r:id="rId1"/>
     </p:custDataLst>
   </p:cSld>
   <p:clrMapOvr>
@@ -20812,7 +20525,7 @@
           </p:cNvSpPr>
           <p:nvPr>
             <p:custDataLst>
-              <p:tags r:id="rId1"/>
+              <p:tags r:id="rId2"/>
             </p:custDataLst>
           </p:nvPr>
         </p:nvSpPr>
@@ -21030,13 +20743,6 @@
               </a:rPr>
               <a:t>感</a:t>
             </a:r>
-            <a:endParaRPr lang="zh-CN" altLang="en-US" sz="4400">
-              <a:solidFill>
-                <a:srgbClr val="FFFFFF"/>
-              </a:solidFill>
-              <a:latin typeface="Arial" panose="020B0604020202020204" pitchFamily="34" charset="0"/>
-              <a:ea typeface="黑体" panose="02010609060101010101" pitchFamily="49" charset="-122"/>
-            </a:endParaRPr>
           </a:p>
         </p:txBody>
       </p:sp>
@@ -21048,7 +20754,7 @@
           </p:cNvSpPr>
           <p:nvPr>
             <p:custDataLst>
-              <p:tags r:id="rId2"/>
+              <p:tags r:id="rId3"/>
             </p:custDataLst>
           </p:nvPr>
         </p:nvSpPr>
@@ -21266,13 +20972,6 @@
               </a:rPr>
               <a:t>谢</a:t>
             </a:r>
-            <a:endParaRPr lang="zh-CN" altLang="en-US" sz="4400">
-              <a:solidFill>
-                <a:srgbClr val="FFFFFF"/>
-              </a:solidFill>
-              <a:latin typeface="Arial" panose="020B0604020202020204" pitchFamily="34" charset="0"/>
-              <a:ea typeface="黑体" panose="02010609060101010101" pitchFamily="49" charset="-122"/>
-            </a:endParaRPr>
           </a:p>
         </p:txBody>
       </p:sp>
@@ -21284,7 +20983,7 @@
           </p:cNvSpPr>
           <p:nvPr>
             <p:custDataLst>
-              <p:tags r:id="rId3"/>
+              <p:tags r:id="rId4"/>
             </p:custDataLst>
           </p:nvPr>
         </p:nvSpPr>
@@ -21502,13 +21201,6 @@
               </a:rPr>
               <a:t>聆</a:t>
             </a:r>
-            <a:endParaRPr lang="zh-CN" altLang="en-US" sz="4400" dirty="0">
-              <a:solidFill>
-                <a:srgbClr val="FFFFFF"/>
-              </a:solidFill>
-              <a:latin typeface="Arial" panose="020B0604020202020204" pitchFamily="34" charset="0"/>
-              <a:ea typeface="黑体" panose="02010609060101010101" pitchFamily="49" charset="-122"/>
-            </a:endParaRPr>
           </a:p>
         </p:txBody>
       </p:sp>
@@ -21520,7 +21212,7 @@
           </p:cNvSpPr>
           <p:nvPr>
             <p:custDataLst>
-              <p:tags r:id="rId4"/>
+              <p:tags r:id="rId5"/>
             </p:custDataLst>
           </p:nvPr>
         </p:nvSpPr>
@@ -21738,13 +21430,6 @@
               </a:rPr>
               <a:t>听</a:t>
             </a:r>
-            <a:endParaRPr lang="zh-CN" altLang="en-US" sz="4400">
-              <a:solidFill>
-                <a:srgbClr val="FFFFFF"/>
-              </a:solidFill>
-              <a:latin typeface="Arial" panose="020B0604020202020204" pitchFamily="34" charset="0"/>
-              <a:ea typeface="黑体" panose="02010609060101010101" pitchFamily="49" charset="-122"/>
-            </a:endParaRPr>
           </a:p>
         </p:txBody>
       </p:sp>
@@ -21756,7 +21441,7 @@
           </p:cNvSpPr>
           <p:nvPr>
             <p:custDataLst>
-              <p:tags r:id="rId5"/>
+              <p:tags r:id="rId6"/>
             </p:custDataLst>
           </p:nvPr>
         </p:nvSpPr>
@@ -21988,7 +21673,7 @@
       </p:sp>
     </p:spTree>
     <p:custDataLst>
-      <p:tags r:id="rId6"/>
+      <p:tags r:id="rId1"/>
     </p:custDataLst>
   </p:cSld>
   <p:clrMapOvr>
@@ -22033,7 +21718,6 @@
               <a:rPr lang="zh-CN" altLang="en-US" sz="4400"/>
               <a:t>用例图的概述</a:t>
             </a:r>
-            <a:endParaRPr lang="zh-CN" altLang="en-US" sz="4400"/>
           </a:p>
         </p:txBody>
       </p:sp>
@@ -22076,11 +21760,6 @@
               </a:rPr>
               <a:t>是显示一组用例、参与者以及它们之间关系的一种图。</a:t>
             </a:r>
-            <a:endParaRPr lang="zh-CN" altLang="en-US" sz="3200" dirty="0">
-              <a:solidFill>
-                <a:schemeClr val="tx1"/>
-              </a:solidFill>
-            </a:endParaRPr>
           </a:p>
           <a:p>
             <a:endParaRPr lang="zh-CN" altLang="en-US" sz="3200" dirty="0">
@@ -22098,11 +21777,6 @@
               </a:rPr>
               <a:t>用例图在UML中是非常特别的图形元素，描述了用户希望如何使用一个系统。</a:t>
             </a:r>
-            <a:endParaRPr lang="zh-CN" altLang="en-US" sz="3200" dirty="0">
-              <a:solidFill>
-                <a:schemeClr val="tx1"/>
-              </a:solidFill>
-            </a:endParaRPr>
           </a:p>
         </p:txBody>
       </p:sp>
@@ -22313,7 +21987,6 @@
               <a:rPr lang="zh-CN" altLang="en-US" sz="4400"/>
               <a:t>作用</a:t>
             </a:r>
-            <a:endParaRPr lang="zh-CN" altLang="en-US" sz="4400"/>
           </a:p>
         </p:txBody>
       </p:sp>
@@ -22345,11 +22018,6 @@
               </a:rPr>
               <a:t>（1）用来描述将要开发系统的功能需求和系统的使用场景</a:t>
             </a:r>
-            <a:endParaRPr lang="zh-CN" altLang="en-US" sz="3200" dirty="0">
-              <a:solidFill>
-                <a:schemeClr val="tx1"/>
-              </a:solidFill>
-            </a:endParaRPr>
           </a:p>
           <a:p>
             <a:endParaRPr lang="zh-CN" altLang="en-US" sz="3200" dirty="0">
@@ -22367,11 +22035,6 @@
               </a:rPr>
               <a:t>（2）作为设计和开发过程的基础，促进各阶段开发工作的进展</a:t>
             </a:r>
-            <a:endParaRPr lang="zh-CN" altLang="en-US" sz="3200" dirty="0">
-              <a:solidFill>
-                <a:schemeClr val="tx1"/>
-              </a:solidFill>
-            </a:endParaRPr>
           </a:p>
           <a:p>
             <a:endParaRPr lang="zh-CN" altLang="en-US" sz="3200" dirty="0">
@@ -22389,11 +22052,6 @@
               </a:rPr>
               <a:t>（3）用于验证与确认系统需求</a:t>
             </a:r>
-            <a:endParaRPr lang="zh-CN" altLang="en-US" sz="3200" dirty="0">
-              <a:solidFill>
-                <a:schemeClr val="tx1"/>
-              </a:solidFill>
-            </a:endParaRPr>
           </a:p>
         </p:txBody>
       </p:sp>
@@ -22644,7 +22302,7 @@
           <p:cNvSpPr txBox="1"/>
           <p:nvPr>
             <p:custDataLst>
-              <p:tags r:id="rId1"/>
+              <p:tags r:id="rId3"/>
             </p:custDataLst>
           </p:nvPr>
         </p:nvSpPr>
@@ -22686,7 +22344,6 @@
               <a:rPr lang="zh-CN" altLang="en-US" sz="4400" dirty="0"/>
               <a:t>用例图的创建和名词介绍</a:t>
             </a:r>
-            <a:endParaRPr lang="zh-CN" altLang="en-US" sz="4400" dirty="0"/>
           </a:p>
         </p:txBody>
       </p:sp>
@@ -22699,7 +22356,7 @@
           <p:nvPr/>
         </p:nvPicPr>
         <p:blipFill>
-          <a:blip r:embed="rId2"/>
+          <a:blip r:embed="rId6"/>
           <a:srcRect r="52164" b="37985"/>
           <a:stretch>
             <a:fillRect/>
@@ -22729,12 +22386,12 @@
           <a:graphicData uri="http://schemas.openxmlformats.org/presentationml/2006/ole">
             <mc:AlternateContent xmlns:mc="http://schemas.openxmlformats.org/markup-compatibility/2006">
               <mc:Choice xmlns:v="urn:schemas-microsoft-com:vml" Requires="v">
-                <p:oleObj spid="_x0000_s1027" name="" r:id="rId3" imgW="1013460" imgH="693420" progId="Paint.Picture">
+                <p:oleObj spid="_x0000_s1031" r:id="rId7" imgW="1013460" imgH="693420" progId="Paint.Picture">
                   <p:embed/>
                 </p:oleObj>
               </mc:Choice>
               <mc:Fallback>
-                <p:oleObj name="" r:id="rId3" imgW="1013460" imgH="693420" progId="Paint.Picture">
+                <p:oleObj r:id="rId7" imgW="1013460" imgH="693420" progId="Paint.Picture">
                   <p:embed/>
                   <p:pic>
                     <p:nvPicPr>
@@ -22743,7 +22400,7 @@
                       <p:nvPr/>
                     </p:nvPicPr>
                     <p:blipFill>
-                      <a:blip r:embed="rId4"/>
+                      <a:blip r:embed="rId8"/>
                       <a:stretch>
                         <a:fillRect/>
                       </a:stretch>
@@ -22790,7 +22447,6 @@
               <a:rPr lang="zh-CN" altLang="en-US" sz="2400"/>
               <a:t>用例：代表系统提供的服务</a:t>
             </a:r>
-            <a:endParaRPr lang="zh-CN" altLang="en-US" sz="2400"/>
           </a:p>
         </p:txBody>
       </p:sp>
@@ -22808,12 +22464,12 @@
           <a:graphicData uri="http://schemas.openxmlformats.org/presentationml/2006/ole">
             <mc:AlternateContent xmlns:mc="http://schemas.openxmlformats.org/markup-compatibility/2006">
               <mc:Choice xmlns:v="urn:schemas-microsoft-com:vml" Requires="v">
-                <p:oleObj spid="_x0000_s1028" name="" r:id="rId5" imgW="883920" imgH="853440" progId="Paint.Picture">
+                <p:oleObj spid="_x0000_s1032" r:id="rId9" imgW="883920" imgH="853440" progId="Paint.Picture">
                   <p:embed/>
                 </p:oleObj>
               </mc:Choice>
               <mc:Fallback>
-                <p:oleObj name="" r:id="rId5" imgW="883920" imgH="853440" progId="Paint.Picture">
+                <p:oleObj r:id="rId9" imgW="883920" imgH="853440" progId="Paint.Picture">
                   <p:embed/>
                   <p:pic>
                     <p:nvPicPr>
@@ -22822,7 +22478,7 @@
                       <p:nvPr/>
                     </p:nvPicPr>
                     <p:blipFill>
-                      <a:blip r:embed="rId6"/>
+                      <a:blip r:embed="rId10"/>
                       <a:stretch>
                         <a:fillRect/>
                       </a:stretch>
@@ -22873,7 +22529,6 @@
               <a:rPr lang="zh-CN" altLang="en-US" sz="2400"/>
               <a:t>参与者：角色，代表系统的用户</a:t>
             </a:r>
-            <a:endParaRPr lang="zh-CN" altLang="en-US" sz="2400"/>
           </a:p>
         </p:txBody>
       </p:sp>
@@ -22907,7 +22562,6 @@
               <a:rPr lang="zh-CN" altLang="zh-CN" sz="2400"/>
               <a:t>单向关联：</a:t>
             </a:r>
-            <a:endParaRPr lang="zh-CN" altLang="zh-CN" sz="2400"/>
           </a:p>
           <a:p>
             <a:r>
@@ -22929,14 +22583,12 @@
               <a:rPr lang="zh-CN" altLang="en-US" sz="2400"/>
               <a:t>依赖或实例化：</a:t>
             </a:r>
-            <a:endParaRPr lang="zh-CN" altLang="en-US" sz="2400"/>
           </a:p>
           <a:p>
             <a:r>
               <a:rPr lang="zh-CN" altLang="en-US" sz="2400"/>
               <a:t>包含关系与扩展关系</a:t>
             </a:r>
-            <a:endParaRPr lang="zh-CN" altLang="en-US" sz="2400"/>
           </a:p>
           <a:p>
             <a:r>
@@ -22947,27 +22599,24 @@
               <a:rPr lang="zh-CN" altLang="en-US" sz="2400"/>
               <a:t>泛化：</a:t>
             </a:r>
-            <a:endParaRPr lang="zh-CN" altLang="en-US" sz="2400"/>
           </a:p>
           <a:p>
             <a:r>
               <a:rPr lang="zh-CN" altLang="en-US" sz="2400"/>
               <a:t>一般与特殊的关系</a:t>
             </a:r>
-            <a:endParaRPr lang="zh-CN" altLang="en-US" sz="2400"/>
           </a:p>
           <a:p>
             <a:r>
               <a:rPr lang="zh-CN" altLang="en-US" sz="2400"/>
               <a:t>子用例是父用例的一种特殊形式</a:t>
             </a:r>
-            <a:endParaRPr lang="zh-CN" altLang="en-US" sz="2400"/>
           </a:p>
         </p:txBody>
       </p:sp>
     </p:spTree>
     <p:custDataLst>
-      <p:tags r:id="rId7"/>
+      <p:tags r:id="rId2"/>
     </p:custDataLst>
   </p:cSld>
   <p:clrMapOvr>
@@ -23329,7 +22978,6 @@
               <a:rPr lang="zh-CN" altLang="en-US" sz="4400"/>
               <a:t>问题一：如何确定系统的参与者？</a:t>
             </a:r>
-            <a:endParaRPr lang="zh-CN" altLang="en-US" sz="4400"/>
           </a:p>
         </p:txBody>
       </p:sp>
@@ -23370,11 +23018,6 @@
               </a:rPr>
               <a:t>可以根据下面的一些问题来寻找系统的参与者：①谁使用系统？②谁安装系统、维护系统？③谁启动系统、关闭系统？④谁从系统中获取信息，谁提供信息给系统？⑤在系统交互中，谁扮演了什么角色？⑥系统会与哪些其他系统相关联？</a:t>
             </a:r>
-            <a:endParaRPr lang="zh-CN" altLang="en-US" sz="3200" dirty="0">
-              <a:solidFill>
-                <a:schemeClr val="tx1"/>
-              </a:solidFill>
-            </a:endParaRPr>
           </a:p>
         </p:txBody>
       </p:sp>
@@ -23559,7 +23202,7 @@
           <p:cNvSpPr txBox="1"/>
           <p:nvPr>
             <p:custDataLst>
-              <p:tags r:id="rId1"/>
+              <p:tags r:id="rId2"/>
             </p:custDataLst>
           </p:nvPr>
         </p:nvSpPr>
@@ -23601,7 +23244,6 @@
               <a:rPr lang="zh-CN" altLang="en-US" sz="4400" dirty="0"/>
               <a:t>图书管理系统的整体用例图</a:t>
             </a:r>
-            <a:endParaRPr lang="zh-CN" altLang="en-US" sz="4400" dirty="0"/>
           </a:p>
         </p:txBody>
       </p:sp>
@@ -23614,7 +23256,7 @@
           <p:nvPr/>
         </p:nvPicPr>
         <p:blipFill>
-          <a:blip r:embed="rId2"/>
+          <a:blip r:embed="rId5"/>
           <a:srcRect r="26522" b="32298"/>
           <a:stretch>
             <a:fillRect/>
@@ -23632,7 +23274,7 @@
       </p:pic>
     </p:spTree>
     <p:custDataLst>
-      <p:tags r:id="rId3"/>
+      <p:tags r:id="rId1"/>
     </p:custDataLst>
   </p:cSld>
   <p:clrMapOvr>
@@ -23725,34 +23367,35 @@
 </file>
 
 <file path=ppt/tags/tag1.xml><?xml version="1.0" encoding="utf-8"?>
-<p:tagLst xmlns:p="http://schemas.openxmlformats.org/presentationml/2006/main">
-  <p:tag name="MH" val="20150923145622"/>
-  <p:tag name="MH_LIBRARY" val="GRAPHIC"/>
-  <p:tag name="MH_ORDER" val="Freeform 9"/>
+<p:tagLst xmlns:a="http://schemas.openxmlformats.org/drawingml/2006/main" xmlns:r="http://schemas.openxmlformats.org/officeDocument/2006/relationships" xmlns:p="http://schemas.openxmlformats.org/presentationml/2006/main">
+  <p:tag name="KSO_WM_TAG_VERSION" val="1.0"/>
+  <p:tag name="KSO_WM_TEMPLATE_CATEGORY" val="custom"/>
+  <p:tag name="KSO_WM_TEMPLATE_INDEX" val="160564"/>
 </p:tagLst>
 </file>
 
 <file path=ppt/tags/tag10.xml><?xml version="1.0" encoding="utf-8"?>
-<p:tagLst xmlns:p="http://schemas.openxmlformats.org/presentationml/2006/main">
+<p:tagLst xmlns:a="http://schemas.openxmlformats.org/drawingml/2006/main" xmlns:r="http://schemas.openxmlformats.org/officeDocument/2006/relationships" xmlns:p="http://schemas.openxmlformats.org/presentationml/2006/main">
   <p:tag name="KSO_WM_TAG_VERSION" val="1.0"/>
   <p:tag name="KSO_WM_BEAUTIFY_FLAG" val="#wm#"/>
   <p:tag name="KSO_WM_TEMPLATE_CATEGORY" val="custom"/>
   <p:tag name="KSO_WM_TEMPLATE_INDEX" val="160564"/>
-  <p:tag name="KSO_WM_UNIT_TYPE" val="f"/>
+  <p:tag name="KSO_WM_UNIT_TYPE" val="a"/>
   <p:tag name="KSO_WM_UNIT_INDEX" val="1"/>
-  <p:tag name="KSO_WM_UNIT_ID" val="custom160564_5*f*1"/>
+  <p:tag name="KSO_WM_UNIT_ID" val="custom160564_5*a*1"/>
   <p:tag name="KSO_WM_UNIT_CLEAR" val="1"/>
   <p:tag name="KSO_WM_UNIT_LAYERLEVEL" val="1"/>
-  <p:tag name="KSO_WM_UNIT_VALUE" val="76"/>
+  <p:tag name="KSO_WM_UNIT_VALUE" val="21"/>
+  <p:tag name="KSO_WM_UNIT_ISCONTENTSTITLE" val="0"/>
   <p:tag name="KSO_WM_UNIT_HIGHLIGHT" val="0"/>
   <p:tag name="KSO_WM_UNIT_COMPATIBLE" val="0"/>
-  <p:tag name="KSO_WM_UNIT_PRESET_TEXT_INDEX" val="4"/>
-  <p:tag name="KSO_WM_UNIT_PRESET_TEXT_LEN" val="57"/>
+  <p:tag name="KSO_WM_UNIT_PRESET_TEXT_INDEX" val="3"/>
+  <p:tag name="KSO_WM_UNIT_PRESET_TEXT_LEN" val="17"/>
 </p:tagLst>
 </file>
 
 <file path=ppt/tags/tag100.xml><?xml version="1.0" encoding="utf-8"?>
-<p:tagLst xmlns:p="http://schemas.openxmlformats.org/presentationml/2006/main">
+<p:tagLst xmlns:a="http://schemas.openxmlformats.org/drawingml/2006/main" xmlns:r="http://schemas.openxmlformats.org/officeDocument/2006/relationships" xmlns:p="http://schemas.openxmlformats.org/presentationml/2006/main">
   <p:tag name="KSO_WM_BEAUTIFY_FLAG" val="#wm#"/>
   <p:tag name="KSO_WM_TEMPLATE_CATEGORY" val="custom"/>
   <p:tag name="KSO_WM_TEMPLATE_INDEX" val="160564"/>
@@ -23760,7 +23403,24 @@
 </file>
 
 <file path=ppt/tags/tag101.xml><?xml version="1.0" encoding="utf-8"?>
-<p:tagLst xmlns:p="http://schemas.openxmlformats.org/presentationml/2006/main">
+<p:tagLst xmlns:a="http://schemas.openxmlformats.org/drawingml/2006/main" xmlns:r="http://schemas.openxmlformats.org/officeDocument/2006/relationships" xmlns:p="http://schemas.openxmlformats.org/presentationml/2006/main">
+  <p:tag name="MH" val="20150923145622"/>
+  <p:tag name="MH_LIBRARY" val="GRAPHIC"/>
+  <p:tag name="KSO_WM_TEMPLATE_CATEGORY" val="custom"/>
+  <p:tag name="KSO_WM_TEMPLATE_INDEX" val="160564"/>
+  <p:tag name="KSO_WM_TAG_VERSION" val="1.0"/>
+  <p:tag name="KSO_WM_SLIDE_ID" val="custom160564_12"/>
+  <p:tag name="KSO_WM_SLIDE_INDEX" val="12"/>
+  <p:tag name="KSO_WM_SLIDE_ITEM_CNT" val="1"/>
+  <p:tag name="KSO_WM_SLIDE_LAYOUT" val="a_e"/>
+  <p:tag name="KSO_WM_SLIDE_LAYOUT_CNT" val="1_1"/>
+  <p:tag name="KSO_WM_SLIDE_TYPE" val="sectionTitle"/>
+  <p:tag name="KSO_WM_BEAUTIFY_FLAG" val="#wm#"/>
+</p:tagLst>
+</file>
+
+<file path=ppt/tags/tag102.xml><?xml version="1.0" encoding="utf-8"?>
+<p:tagLst xmlns:a="http://schemas.openxmlformats.org/drawingml/2006/main" xmlns:r="http://schemas.openxmlformats.org/officeDocument/2006/relationships" xmlns:p="http://schemas.openxmlformats.org/presentationml/2006/main">
   <p:tag name="KSO_WM_TAG_VERSION" val="1.0"/>
   <p:tag name="KSO_WM_BEAUTIFY_FLAG" val="#wm#"/>
   <p:tag name="KSO_WM_TEMPLATE_CATEGORY" val="custom"/>
@@ -23779,8 +23439,8 @@
 </p:tagLst>
 </file>
 
-<file path=ppt/tags/tag102.xml><?xml version="1.0" encoding="utf-8"?>
-<p:tagLst xmlns:p="http://schemas.openxmlformats.org/presentationml/2006/main">
+<file path=ppt/tags/tag103.xml><?xml version="1.0" encoding="utf-8"?>
+<p:tagLst xmlns:a="http://schemas.openxmlformats.org/drawingml/2006/main" xmlns:r="http://schemas.openxmlformats.org/officeDocument/2006/relationships" xmlns:p="http://schemas.openxmlformats.org/presentationml/2006/main">
   <p:tag name="KSO_WM_TAG_VERSION" val="1.0"/>
   <p:tag name="KSO_WM_BEAUTIFY_FLAG" val="#wm#"/>
   <p:tag name="KSO_WM_TEMPLATE_CATEGORY" val="custom"/>
@@ -23800,8 +23460,40 @@
 </p:tagLst>
 </file>
 
-<file path=ppt/tags/tag103.xml><?xml version="1.0" encoding="utf-8"?>
-<p:tagLst xmlns:p="http://schemas.openxmlformats.org/presentationml/2006/main">
+<file path=ppt/tags/tag104.xml><?xml version="1.0" encoding="utf-8"?>
+<p:tagLst xmlns:a="http://schemas.openxmlformats.org/drawingml/2006/main" xmlns:r="http://schemas.openxmlformats.org/officeDocument/2006/relationships" xmlns:p="http://schemas.openxmlformats.org/presentationml/2006/main">
+  <p:tag name="KSO_WM_BEAUTIFY_FLAG" val="#wm#"/>
+  <p:tag name="KSO_WM_TEMPLATE_CATEGORY" val="custom"/>
+  <p:tag name="KSO_WM_TEMPLATE_INDEX" val="160564"/>
+</p:tagLst>
+</file>
+
+<file path=ppt/tags/tag105.xml><?xml version="1.0" encoding="utf-8"?>
+<p:tagLst xmlns:a="http://schemas.openxmlformats.org/drawingml/2006/main" xmlns:r="http://schemas.openxmlformats.org/officeDocument/2006/relationships" xmlns:p="http://schemas.openxmlformats.org/presentationml/2006/main">
+  <p:tag name="KSO_WM_BEAUTIFY_FLAG" val="#wm#"/>
+  <p:tag name="KSO_WM_TEMPLATE_CATEGORY" val="custom"/>
+  <p:tag name="KSO_WM_TEMPLATE_INDEX" val="160564"/>
+</p:tagLst>
+</file>
+
+<file path=ppt/tags/tag106.xml><?xml version="1.0" encoding="utf-8"?>
+<p:tagLst xmlns:a="http://schemas.openxmlformats.org/drawingml/2006/main" xmlns:r="http://schemas.openxmlformats.org/officeDocument/2006/relationships" xmlns:p="http://schemas.openxmlformats.org/presentationml/2006/main">
+  <p:tag name="KSO_WM_BEAUTIFY_FLAG" val="#wm#"/>
+  <p:tag name="KSO_WM_TEMPLATE_CATEGORY" val="custom"/>
+  <p:tag name="KSO_WM_TEMPLATE_INDEX" val="160564"/>
+</p:tagLst>
+</file>
+
+<file path=ppt/tags/tag107.xml><?xml version="1.0" encoding="utf-8"?>
+<p:tagLst xmlns:a="http://schemas.openxmlformats.org/drawingml/2006/main" xmlns:r="http://schemas.openxmlformats.org/officeDocument/2006/relationships" xmlns:p="http://schemas.openxmlformats.org/presentationml/2006/main">
+  <p:tag name="KSO_WM_BEAUTIFY_FLAG" val="#wm#"/>
+  <p:tag name="KSO_WM_TEMPLATE_CATEGORY" val="custom"/>
+  <p:tag name="KSO_WM_TEMPLATE_INDEX" val="160564"/>
+</p:tagLst>
+</file>
+
+<file path=ppt/tags/tag108.xml><?xml version="1.0" encoding="utf-8"?>
+<p:tagLst xmlns:a="http://schemas.openxmlformats.org/drawingml/2006/main" xmlns:r="http://schemas.openxmlformats.org/officeDocument/2006/relationships" xmlns:p="http://schemas.openxmlformats.org/presentationml/2006/main">
   <p:tag name="MH" val="20150923145622"/>
   <p:tag name="MH_LIBRARY" val="GRAPHIC"/>
   <p:tag name="KSO_WM_TEMPLATE_CATEGORY" val="custom"/>
@@ -23817,40 +23509,8 @@
 </p:tagLst>
 </file>
 
-<file path=ppt/tags/tag104.xml><?xml version="1.0" encoding="utf-8"?>
-<p:tagLst xmlns:p="http://schemas.openxmlformats.org/presentationml/2006/main">
-  <p:tag name="KSO_WM_BEAUTIFY_FLAG" val="#wm#"/>
-  <p:tag name="KSO_WM_TEMPLATE_CATEGORY" val="custom"/>
-  <p:tag name="KSO_WM_TEMPLATE_INDEX" val="160564"/>
-</p:tagLst>
-</file>
-
-<file path=ppt/tags/tag105.xml><?xml version="1.0" encoding="utf-8"?>
-<p:tagLst xmlns:p="http://schemas.openxmlformats.org/presentationml/2006/main">
-  <p:tag name="KSO_WM_BEAUTIFY_FLAG" val="#wm#"/>
-  <p:tag name="KSO_WM_TEMPLATE_CATEGORY" val="custom"/>
-  <p:tag name="KSO_WM_TEMPLATE_INDEX" val="160564"/>
-</p:tagLst>
-</file>
-
-<file path=ppt/tags/tag106.xml><?xml version="1.0" encoding="utf-8"?>
-<p:tagLst xmlns:p="http://schemas.openxmlformats.org/presentationml/2006/main">
-  <p:tag name="KSO_WM_BEAUTIFY_FLAG" val="#wm#"/>
-  <p:tag name="KSO_WM_TEMPLATE_CATEGORY" val="custom"/>
-  <p:tag name="KSO_WM_TEMPLATE_INDEX" val="160564"/>
-</p:tagLst>
-</file>
-
-<file path=ppt/tags/tag107.xml><?xml version="1.0" encoding="utf-8"?>
-<p:tagLst xmlns:p="http://schemas.openxmlformats.org/presentationml/2006/main">
-  <p:tag name="KSO_WM_BEAUTIFY_FLAG" val="#wm#"/>
-  <p:tag name="KSO_WM_TEMPLATE_CATEGORY" val="custom"/>
-  <p:tag name="KSO_WM_TEMPLATE_INDEX" val="160564"/>
-</p:tagLst>
-</file>
-
-<file path=ppt/tags/tag108.xml><?xml version="1.0" encoding="utf-8"?>
-<p:tagLst xmlns:p="http://schemas.openxmlformats.org/presentationml/2006/main">
+<file path=ppt/tags/tag109.xml><?xml version="1.0" encoding="utf-8"?>
+<p:tagLst xmlns:a="http://schemas.openxmlformats.org/drawingml/2006/main" xmlns:r="http://schemas.openxmlformats.org/officeDocument/2006/relationships" xmlns:p="http://schemas.openxmlformats.org/presentationml/2006/main">
   <p:tag name="KSO_WM_TAG_VERSION" val="1.0"/>
   <p:tag name="KSO_WM_BEAUTIFY_FLAG" val="#wm#"/>
   <p:tag name="KSO_WM_TEMPLATE_CATEGORY" val="custom"/>
@@ -23869,8 +23529,27 @@
 </p:tagLst>
 </file>
 
-<file path=ppt/tags/tag109.xml><?xml version="1.0" encoding="utf-8"?>
-<p:tagLst xmlns:p="http://schemas.openxmlformats.org/presentationml/2006/main">
+<file path=ppt/tags/tag11.xml><?xml version="1.0" encoding="utf-8"?>
+<p:tagLst xmlns:a="http://schemas.openxmlformats.org/drawingml/2006/main" xmlns:r="http://schemas.openxmlformats.org/officeDocument/2006/relationships" xmlns:p="http://schemas.openxmlformats.org/presentationml/2006/main">
+  <p:tag name="KSO_WM_TAG_VERSION" val="1.0"/>
+  <p:tag name="KSO_WM_BEAUTIFY_FLAG" val="#wm#"/>
+  <p:tag name="KSO_WM_TEMPLATE_CATEGORY" val="custom"/>
+  <p:tag name="KSO_WM_TEMPLATE_INDEX" val="160564"/>
+  <p:tag name="KSO_WM_UNIT_TYPE" val="f"/>
+  <p:tag name="KSO_WM_UNIT_INDEX" val="1"/>
+  <p:tag name="KSO_WM_UNIT_ID" val="custom160564_5*f*1"/>
+  <p:tag name="KSO_WM_UNIT_CLEAR" val="1"/>
+  <p:tag name="KSO_WM_UNIT_LAYERLEVEL" val="1"/>
+  <p:tag name="KSO_WM_UNIT_VALUE" val="76"/>
+  <p:tag name="KSO_WM_UNIT_HIGHLIGHT" val="0"/>
+  <p:tag name="KSO_WM_UNIT_COMPATIBLE" val="0"/>
+  <p:tag name="KSO_WM_UNIT_PRESET_TEXT_INDEX" val="4"/>
+  <p:tag name="KSO_WM_UNIT_PRESET_TEXT_LEN" val="57"/>
+</p:tagLst>
+</file>
+
+<file path=ppt/tags/tag110.xml><?xml version="1.0" encoding="utf-8"?>
+<p:tagLst xmlns:a="http://schemas.openxmlformats.org/drawingml/2006/main" xmlns:r="http://schemas.openxmlformats.org/officeDocument/2006/relationships" xmlns:p="http://schemas.openxmlformats.org/presentationml/2006/main">
   <p:tag name="KSO_WM_TAG_VERSION" val="1.0"/>
   <p:tag name="KSO_WM_BEAUTIFY_FLAG" val="#wm#"/>
   <p:tag name="KSO_WM_TEMPLATE_CATEGORY" val="custom"/>
@@ -23890,25 +23569,16 @@
 </p:tagLst>
 </file>
 
-<file path=ppt/tags/tag11.xml><?xml version="1.0" encoding="utf-8"?>
-<p:tagLst xmlns:p="http://schemas.openxmlformats.org/presentationml/2006/main">
+<file path=ppt/tags/tag111.xml><?xml version="1.0" encoding="utf-8"?>
+<p:tagLst xmlns:a="http://schemas.openxmlformats.org/drawingml/2006/main" xmlns:r="http://schemas.openxmlformats.org/officeDocument/2006/relationships" xmlns:p="http://schemas.openxmlformats.org/presentationml/2006/main">
+  <p:tag name="KSO_WM_BEAUTIFY_FLAG" val="#wm#"/>
   <p:tag name="KSO_WM_TEMPLATE_CATEGORY" val="custom"/>
   <p:tag name="KSO_WM_TEMPLATE_INDEX" val="160564"/>
-  <p:tag name="KSO_WM_TAG_VERSION" val="1.0"/>
-  <p:tag name="KSO_WM_SLIDE_ID" val="custom160564_5"/>
-  <p:tag name="KSO_WM_SLIDE_INDEX" val="5"/>
-  <p:tag name="KSO_WM_SLIDE_ITEM_CNT" val="2"/>
-  <p:tag name="KSO_WM_SLIDE_LAYOUT" val="a_d_f"/>
-  <p:tag name="KSO_WM_SLIDE_LAYOUT_CNT" val="1_1_1"/>
-  <p:tag name="KSO_WM_SLIDE_TYPE" val="text"/>
-  <p:tag name="KSO_WM_BEAUTIFY_FLAG" val="#wm#"/>
-  <p:tag name="KSO_WM_SLIDE_POSITION" val="122*101"/>
-  <p:tag name="KSO_WM_SLIDE_SIZE" val="715*419"/>
 </p:tagLst>
 </file>
 
-<file path=ppt/tags/tag110.xml><?xml version="1.0" encoding="utf-8"?>
-<p:tagLst xmlns:p="http://schemas.openxmlformats.org/presentationml/2006/main">
+<file path=ppt/tags/tag112.xml><?xml version="1.0" encoding="utf-8"?>
+<p:tagLst xmlns:a="http://schemas.openxmlformats.org/drawingml/2006/main" xmlns:r="http://schemas.openxmlformats.org/officeDocument/2006/relationships" xmlns:p="http://schemas.openxmlformats.org/presentationml/2006/main">
   <p:tag name="MH" val="20150923145622"/>
   <p:tag name="MH_LIBRARY" val="GRAPHIC"/>
   <p:tag name="KSO_WM_TEMPLATE_CATEGORY" val="custom"/>
@@ -23924,16 +23594,8 @@
 </p:tagLst>
 </file>
 
-<file path=ppt/tags/tag111.xml><?xml version="1.0" encoding="utf-8"?>
-<p:tagLst xmlns:p="http://schemas.openxmlformats.org/presentationml/2006/main">
-  <p:tag name="KSO_WM_BEAUTIFY_FLAG" val="#wm#"/>
-  <p:tag name="KSO_WM_TEMPLATE_CATEGORY" val="custom"/>
-  <p:tag name="KSO_WM_TEMPLATE_INDEX" val="160564"/>
-</p:tagLst>
-</file>
-
-<file path=ppt/tags/tag112.xml><?xml version="1.0" encoding="utf-8"?>
-<p:tagLst xmlns:p="http://schemas.openxmlformats.org/presentationml/2006/main">
+<file path=ppt/tags/tag113.xml><?xml version="1.0" encoding="utf-8"?>
+<p:tagLst xmlns:a="http://schemas.openxmlformats.org/drawingml/2006/main" xmlns:r="http://schemas.openxmlformats.org/officeDocument/2006/relationships" xmlns:p="http://schemas.openxmlformats.org/presentationml/2006/main">
   <p:tag name="KSO_WM_TAG_VERSION" val="1.0"/>
   <p:tag name="KSO_WM_BEAUTIFY_FLAG" val="#wm#"/>
   <p:tag name="KSO_WM_TEMPLATE_CATEGORY" val="custom"/>
@@ -23952,8 +23614,8 @@
 </p:tagLst>
 </file>
 
-<file path=ppt/tags/tag113.xml><?xml version="1.0" encoding="utf-8"?>
-<p:tagLst xmlns:p="http://schemas.openxmlformats.org/presentationml/2006/main">
+<file path=ppt/tags/tag114.xml><?xml version="1.0" encoding="utf-8"?>
+<p:tagLst xmlns:a="http://schemas.openxmlformats.org/drawingml/2006/main" xmlns:r="http://schemas.openxmlformats.org/officeDocument/2006/relationships" xmlns:p="http://schemas.openxmlformats.org/presentationml/2006/main">
   <p:tag name="KSO_WM_TAG_VERSION" val="1.0"/>
   <p:tag name="KSO_WM_BEAUTIFY_FLAG" val="#wm#"/>
   <p:tag name="KSO_WM_TEMPLATE_CATEGORY" val="custom"/>
@@ -23973,25 +23635,31 @@
 </p:tagLst>
 </file>
 
-<file path=ppt/tags/tag114.xml><?xml version="1.0" encoding="utf-8"?>
-<p:tagLst xmlns:p="http://schemas.openxmlformats.org/presentationml/2006/main">
-  <p:tag name="MH" val="20150923145622"/>
+<file path=ppt/tags/tag115.xml><?xml version="1.0" encoding="utf-8"?>
+<p:tagLst xmlns:a="http://schemas.openxmlformats.org/drawingml/2006/main" xmlns:r="http://schemas.openxmlformats.org/officeDocument/2006/relationships" xmlns:p="http://schemas.openxmlformats.org/presentationml/2006/main">
+  <p:tag name="MH_TYPE" val="#NeiR#"/>
+  <p:tag name="MH_NUMBER" val="1"/>
+  <p:tag name="MH_CATEGORY" val="#TuWHP#"/>
+  <p:tag name="MH_LAYOUT" val="SubTitle"/>
+  <p:tag name="MH" val="20150923151412"/>
   <p:tag name="MH_LIBRARY" val="GRAPHIC"/>
   <p:tag name="KSO_WM_TEMPLATE_CATEGORY" val="custom"/>
   <p:tag name="KSO_WM_TEMPLATE_INDEX" val="160564"/>
   <p:tag name="KSO_WM_TAG_VERSION" val="1.0"/>
-  <p:tag name="KSO_WM_SLIDE_ID" val="custom160564_12"/>
-  <p:tag name="KSO_WM_SLIDE_INDEX" val="12"/>
-  <p:tag name="KSO_WM_SLIDE_ITEM_CNT" val="1"/>
-  <p:tag name="KSO_WM_SLIDE_LAYOUT" val="a_e"/>
-  <p:tag name="KSO_WM_SLIDE_LAYOUT_CNT" val="1_1"/>
-  <p:tag name="KSO_WM_SLIDE_TYPE" val="sectionTitle"/>
+  <p:tag name="KSO_WM_SLIDE_ID" val="custom160564_28"/>
+  <p:tag name="KSO_WM_SLIDE_INDEX" val="28"/>
+  <p:tag name="KSO_WM_SLIDE_ITEM_CNT" val="2"/>
+  <p:tag name="KSO_WM_SLIDE_LAYOUT" val="a_f_d"/>
+  <p:tag name="KSO_WM_SLIDE_LAYOUT_CNT" val="1_1_1"/>
+  <p:tag name="KSO_WM_SLIDE_TYPE" val="text"/>
   <p:tag name="KSO_WM_BEAUTIFY_FLAG" val="#wm#"/>
+  <p:tag name="KSO_WM_SLIDE_POSITION" val="199*141"/>
+  <p:tag name="KSO_WM_SLIDE_SIZE" val="562*362"/>
 </p:tagLst>
 </file>
 
-<file path=ppt/tags/tag115.xml><?xml version="1.0" encoding="utf-8"?>
-<p:tagLst xmlns:p="http://schemas.openxmlformats.org/presentationml/2006/main">
+<file path=ppt/tags/tag116.xml><?xml version="1.0" encoding="utf-8"?>
+<p:tagLst xmlns:a="http://schemas.openxmlformats.org/drawingml/2006/main" xmlns:r="http://schemas.openxmlformats.org/officeDocument/2006/relationships" xmlns:p="http://schemas.openxmlformats.org/presentationml/2006/main">
   <p:tag name="KSO_WM_TAG_VERSION" val="1.0"/>
   <p:tag name="KSO_WM_BEAUTIFY_FLAG" val="#wm#"/>
   <p:tag name="KSO_WM_TEMPLATE_CATEGORY" val="custom"/>
@@ -24014,8 +23682,8 @@
 </p:tagLst>
 </file>
 
-<file path=ppt/tags/tag116.xml><?xml version="1.0" encoding="utf-8"?>
-<p:tagLst xmlns:p="http://schemas.openxmlformats.org/presentationml/2006/main">
+<file path=ppt/tags/tag117.xml><?xml version="1.0" encoding="utf-8"?>
+<p:tagLst xmlns:a="http://schemas.openxmlformats.org/drawingml/2006/main" xmlns:r="http://schemas.openxmlformats.org/officeDocument/2006/relationships" xmlns:p="http://schemas.openxmlformats.org/presentationml/2006/main">
   <p:tag name="KSO_WM_TAG_VERSION" val="1.0"/>
   <p:tag name="KSO_WM_BEAUTIFY_FLAG" val="#wm#"/>
   <p:tag name="KSO_WM_TEMPLATE_CATEGORY" val="custom"/>
@@ -24031,31 +23699,23 @@
 </p:tagLst>
 </file>
 
-<file path=ppt/tags/tag117.xml><?xml version="1.0" encoding="utf-8"?>
-<p:tagLst xmlns:p="http://schemas.openxmlformats.org/presentationml/2006/main">
-  <p:tag name="MH_TYPE" val="#NeiR#"/>
-  <p:tag name="MH_NUMBER" val="1"/>
-  <p:tag name="MH_CATEGORY" val="#TuWHP#"/>
-  <p:tag name="MH_LAYOUT" val="SubTitle"/>
-  <p:tag name="MH" val="20150923151412"/>
+<file path=ppt/tags/tag118.xml><?xml version="1.0" encoding="utf-8"?>
+<p:tagLst xmlns:a="http://schemas.openxmlformats.org/drawingml/2006/main" xmlns:r="http://schemas.openxmlformats.org/officeDocument/2006/relationships" xmlns:p="http://schemas.openxmlformats.org/presentationml/2006/main">
+  <p:tag name="MH" val="20150923151546"/>
   <p:tag name="MH_LIBRARY" val="GRAPHIC"/>
   <p:tag name="KSO_WM_TEMPLATE_CATEGORY" val="custom"/>
   <p:tag name="KSO_WM_TEMPLATE_INDEX" val="160564"/>
   <p:tag name="KSO_WM_TAG_VERSION" val="1.0"/>
-  <p:tag name="KSO_WM_SLIDE_ID" val="custom160564_28"/>
-  <p:tag name="KSO_WM_SLIDE_INDEX" val="28"/>
-  <p:tag name="KSO_WM_SLIDE_ITEM_CNT" val="2"/>
-  <p:tag name="KSO_WM_SLIDE_LAYOUT" val="a_f_d"/>
-  <p:tag name="KSO_WM_SLIDE_LAYOUT_CNT" val="1_1_1"/>
-  <p:tag name="KSO_WM_SLIDE_TYPE" val="text"/>
+  <p:tag name="KSO_WM_SLIDE_ID" val="custom160564_29"/>
+  <p:tag name="KSO_WM_SLIDE_INDEX" val="29"/>
+  <p:tag name="KSO_WM_SLIDE_ITEM_CNT" val="0"/>
+  <p:tag name="KSO_WM_SLIDE_TYPE" val="endPage"/>
   <p:tag name="KSO_WM_BEAUTIFY_FLAG" val="#wm#"/>
-  <p:tag name="KSO_WM_SLIDE_POSITION" val="199*141"/>
-  <p:tag name="KSO_WM_SLIDE_SIZE" val="562*362"/>
 </p:tagLst>
 </file>
 
-<file path=ppt/tags/tag118.xml><?xml version="1.0" encoding="utf-8"?>
-<p:tagLst xmlns:p="http://schemas.openxmlformats.org/presentationml/2006/main">
+<file path=ppt/tags/tag119.xml><?xml version="1.0" encoding="utf-8"?>
+<p:tagLst xmlns:a="http://schemas.openxmlformats.org/drawingml/2006/main" xmlns:r="http://schemas.openxmlformats.org/officeDocument/2006/relationships" xmlns:p="http://schemas.openxmlformats.org/presentationml/2006/main">
   <p:tag name="MH" val="20150923151546"/>
   <p:tag name="MH_LIBRARY" val="GRAPHIC"/>
   <p:tag name="MH_ORDER" val="矩形 2"/>
@@ -24069,8 +23729,29 @@
 </p:tagLst>
 </file>
 
-<file path=ppt/tags/tag119.xml><?xml version="1.0" encoding="utf-8"?>
-<p:tagLst xmlns:p="http://schemas.openxmlformats.org/presentationml/2006/main">
+<file path=ppt/tags/tag12.xml><?xml version="1.0" encoding="utf-8"?>
+<p:tagLst xmlns:a="http://schemas.openxmlformats.org/drawingml/2006/main" xmlns:r="http://schemas.openxmlformats.org/officeDocument/2006/relationships" xmlns:p="http://schemas.openxmlformats.org/presentationml/2006/main">
+  <p:tag name="MH" val="20150923145210"/>
+  <p:tag name="MH_LIBRARY" val="CONTENTS"/>
+  <p:tag name="MH_AUTOCOLOR" val="TRUE"/>
+  <p:tag name="MH_TYPE" val="CONTENTS"/>
+  <p:tag name="ID" val="553526"/>
+  <p:tag name="KSO_WM_TEMPLATE_CATEGORY" val="custom"/>
+  <p:tag name="KSO_WM_TEMPLATE_INDEX" val="160564"/>
+  <p:tag name="KSO_WM_TAG_VERSION" val="1.0"/>
+  <p:tag name="KSO_WM_SLIDE_ID" val="custom160564_11"/>
+  <p:tag name="KSO_WM_SLIDE_INDEX" val="11"/>
+  <p:tag name="KSO_WM_SLIDE_ITEM_CNT" val="6"/>
+  <p:tag name="KSO_WM_SLIDE_LAYOUT" val="a_l"/>
+  <p:tag name="KSO_WM_SLIDE_LAYOUT_CNT" val="1_1"/>
+  <p:tag name="KSO_WM_SLIDE_TYPE" val="contents"/>
+  <p:tag name="KSO_WM_BEAUTIFY_FLAG" val="#wm#"/>
+  <p:tag name="KSO_WM_DIAGRAM_GROUP_CODE" val="l1-1"/>
+</p:tagLst>
+</file>
+
+<file path=ppt/tags/tag120.xml><?xml version="1.0" encoding="utf-8"?>
+<p:tagLst xmlns:a="http://schemas.openxmlformats.org/drawingml/2006/main" xmlns:r="http://schemas.openxmlformats.org/officeDocument/2006/relationships" xmlns:p="http://schemas.openxmlformats.org/presentationml/2006/main">
   <p:tag name="MH" val="20150923151546"/>
   <p:tag name="MH_LIBRARY" val="GRAPHIC"/>
   <p:tag name="MH_ORDER" val="矩形 3"/>
@@ -24084,20 +23765,8 @@
 </p:tagLst>
 </file>
 
-<file path=ppt/tags/tag12.xml><?xml version="1.0" encoding="utf-8"?>
-<p:tagLst xmlns:p="http://schemas.openxmlformats.org/presentationml/2006/main">
-  <p:tag name="KSO_WM_TAG_VERSION" val="1.0"/>
-  <p:tag name="KSO_WM_BEAUTIFY_FLAG" val="#wm#"/>
-  <p:tag name="KSO_WM_UNIT_TYPE" val="i"/>
-  <p:tag name="KSO_WM_UNIT_ID" val="custom160564_11*i*0"/>
-  <p:tag name="KSO_WM_TEMPLATE_CATEGORY" val="custom"/>
-  <p:tag name="KSO_WM_TEMPLATE_INDEX" val="160564"/>
-  <p:tag name="KSO_WM_UNIT_INDEX" val="0"/>
-</p:tagLst>
-</file>
-
-<file path=ppt/tags/tag120.xml><?xml version="1.0" encoding="utf-8"?>
-<p:tagLst xmlns:p="http://schemas.openxmlformats.org/presentationml/2006/main">
+<file path=ppt/tags/tag121.xml><?xml version="1.0" encoding="utf-8"?>
+<p:tagLst xmlns:a="http://schemas.openxmlformats.org/drawingml/2006/main" xmlns:r="http://schemas.openxmlformats.org/officeDocument/2006/relationships" xmlns:p="http://schemas.openxmlformats.org/presentationml/2006/main">
   <p:tag name="MH" val="20150923151546"/>
   <p:tag name="MH_LIBRARY" val="GRAPHIC"/>
   <p:tag name="MH_ORDER" val="矩形 4"/>
@@ -24111,8 +23780,8 @@
 </p:tagLst>
 </file>
 
-<file path=ppt/tags/tag121.xml><?xml version="1.0" encoding="utf-8"?>
-<p:tagLst xmlns:p="http://schemas.openxmlformats.org/presentationml/2006/main">
+<file path=ppt/tags/tag122.xml><?xml version="1.0" encoding="utf-8"?>
+<p:tagLst xmlns:a="http://schemas.openxmlformats.org/drawingml/2006/main" xmlns:r="http://schemas.openxmlformats.org/officeDocument/2006/relationships" xmlns:p="http://schemas.openxmlformats.org/presentationml/2006/main">
   <p:tag name="MH" val="20150923151546"/>
   <p:tag name="MH_LIBRARY" val="GRAPHIC"/>
   <p:tag name="MH_ORDER" val="矩形 5"/>
@@ -24126,8 +23795,8 @@
 </p:tagLst>
 </file>
 
-<file path=ppt/tags/tag122.xml><?xml version="1.0" encoding="utf-8"?>
-<p:tagLst xmlns:p="http://schemas.openxmlformats.org/presentationml/2006/main">
+<file path=ppt/tags/tag123.xml><?xml version="1.0" encoding="utf-8"?>
+<p:tagLst xmlns:a="http://schemas.openxmlformats.org/drawingml/2006/main" xmlns:r="http://schemas.openxmlformats.org/officeDocument/2006/relationships" xmlns:p="http://schemas.openxmlformats.org/presentationml/2006/main">
   <p:tag name="MH" val="20150923151546"/>
   <p:tag name="MH_LIBRARY" val="GRAPHIC"/>
   <p:tag name="MH_ORDER" val="矩形 6"/>
@@ -24141,23 +23810,616 @@
 </p:tagLst>
 </file>
 
-<file path=ppt/tags/tag123.xml><?xml version="1.0" encoding="utf-8"?>
-<p:tagLst xmlns:p="http://schemas.openxmlformats.org/presentationml/2006/main">
-  <p:tag name="MH" val="20150923151546"/>
-  <p:tag name="MH_LIBRARY" val="GRAPHIC"/>
+<file path=ppt/tags/tag13.xml><?xml version="1.0" encoding="utf-8"?>
+<p:tagLst xmlns:a="http://schemas.openxmlformats.org/drawingml/2006/main" xmlns:r="http://schemas.openxmlformats.org/officeDocument/2006/relationships" xmlns:p="http://schemas.openxmlformats.org/presentationml/2006/main">
+  <p:tag name="KSO_WM_TAG_VERSION" val="1.0"/>
+  <p:tag name="KSO_WM_BEAUTIFY_FLAG" val="#wm#"/>
+  <p:tag name="KSO_WM_UNIT_TYPE" val="i"/>
+  <p:tag name="KSO_WM_UNIT_ID" val="custom160564_11*i*0"/>
   <p:tag name="KSO_WM_TEMPLATE_CATEGORY" val="custom"/>
   <p:tag name="KSO_WM_TEMPLATE_INDEX" val="160564"/>
-  <p:tag name="KSO_WM_TAG_VERSION" val="1.0"/>
-  <p:tag name="KSO_WM_SLIDE_ID" val="custom160564_29"/>
-  <p:tag name="KSO_WM_SLIDE_INDEX" val="29"/>
-  <p:tag name="KSO_WM_SLIDE_ITEM_CNT" val="0"/>
-  <p:tag name="KSO_WM_SLIDE_TYPE" val="endPage"/>
-  <p:tag name="KSO_WM_BEAUTIFY_FLAG" val="#wm#"/>
+  <p:tag name="KSO_WM_UNIT_INDEX" val="0"/>
 </p:tagLst>
 </file>
 
-<file path=ppt/tags/tag13.xml><?xml version="1.0" encoding="utf-8"?>
-<p:tagLst xmlns:p="http://schemas.openxmlformats.org/presentationml/2006/main">
+<file path=ppt/tags/tag14.xml><?xml version="1.0" encoding="utf-8"?>
+<p:tagLst xmlns:a="http://schemas.openxmlformats.org/drawingml/2006/main" xmlns:r="http://schemas.openxmlformats.org/officeDocument/2006/relationships" xmlns:p="http://schemas.openxmlformats.org/presentationml/2006/main">
+  <p:tag name="KSO_WM_TAG_VERSION" val="1.0"/>
+  <p:tag name="KSO_WM_BEAUTIFY_FLAG" val="#wm#"/>
+  <p:tag name="KSO_WM_UNIT_TYPE" val="i"/>
+  <p:tag name="KSO_WM_UNIT_ID" val="custom160564_11*i*7"/>
+  <p:tag name="KSO_WM_TEMPLATE_CATEGORY" val="custom"/>
+  <p:tag name="KSO_WM_TEMPLATE_INDEX" val="160564"/>
+  <p:tag name="KSO_WM_UNIT_INDEX" val="7"/>
+</p:tagLst>
+</file>
+
+<file path=ppt/tags/tag15.xml><?xml version="1.0" encoding="utf-8"?>
+<p:tagLst xmlns:a="http://schemas.openxmlformats.org/drawingml/2006/main" xmlns:r="http://schemas.openxmlformats.org/officeDocument/2006/relationships" xmlns:p="http://schemas.openxmlformats.org/presentationml/2006/main">
+  <p:tag name="KSO_WM_TAG_VERSION" val="1.0"/>
+  <p:tag name="KSO_WM_BEAUTIFY_FLAG" val="#wm#"/>
+  <p:tag name="KSO_WM_UNIT_TYPE" val="i"/>
+  <p:tag name="KSO_WM_UNIT_ID" val="custom160564_11*i*14"/>
+  <p:tag name="KSO_WM_TEMPLATE_CATEGORY" val="custom"/>
+  <p:tag name="KSO_WM_TEMPLATE_INDEX" val="160564"/>
+  <p:tag name="KSO_WM_UNIT_INDEX" val="14"/>
+</p:tagLst>
+</file>
+
+<file path=ppt/tags/tag16.xml><?xml version="1.0" encoding="utf-8"?>
+<p:tagLst xmlns:a="http://schemas.openxmlformats.org/drawingml/2006/main" xmlns:r="http://schemas.openxmlformats.org/officeDocument/2006/relationships" xmlns:p="http://schemas.openxmlformats.org/presentationml/2006/main">
+  <p:tag name="KSO_WM_TAG_VERSION" val="1.0"/>
+  <p:tag name="KSO_WM_BEAUTIFY_FLAG" val="#wm#"/>
+  <p:tag name="KSO_WM_UNIT_TYPE" val="i"/>
+  <p:tag name="KSO_WM_UNIT_ID" val="custom160564_11*i*21"/>
+  <p:tag name="KSO_WM_TEMPLATE_CATEGORY" val="custom"/>
+  <p:tag name="KSO_WM_TEMPLATE_INDEX" val="160564"/>
+  <p:tag name="KSO_WM_UNIT_INDEX" val="21"/>
+</p:tagLst>
+</file>
+
+<file path=ppt/tags/tag17.xml><?xml version="1.0" encoding="utf-8"?>
+<p:tagLst xmlns:a="http://schemas.openxmlformats.org/drawingml/2006/main" xmlns:r="http://schemas.openxmlformats.org/officeDocument/2006/relationships" xmlns:p="http://schemas.openxmlformats.org/presentationml/2006/main">
+  <p:tag name="KSO_WM_TAG_VERSION" val="1.0"/>
+  <p:tag name="KSO_WM_BEAUTIFY_FLAG" val="#wm#"/>
+  <p:tag name="KSO_WM_UNIT_TYPE" val="i"/>
+  <p:tag name="KSO_WM_UNIT_ID" val="custom160564_11*i*28"/>
+  <p:tag name="KSO_WM_TEMPLATE_CATEGORY" val="custom"/>
+  <p:tag name="KSO_WM_TEMPLATE_INDEX" val="160564"/>
+  <p:tag name="KSO_WM_UNIT_INDEX" val="28"/>
+</p:tagLst>
+</file>
+
+<file path=ppt/tags/tag18.xml><?xml version="1.0" encoding="utf-8"?>
+<p:tagLst xmlns:a="http://schemas.openxmlformats.org/drawingml/2006/main" xmlns:r="http://schemas.openxmlformats.org/officeDocument/2006/relationships" xmlns:p="http://schemas.openxmlformats.org/presentationml/2006/main">
+  <p:tag name="KSO_WM_TAG_VERSION" val="1.0"/>
+  <p:tag name="KSO_WM_BEAUTIFY_FLAG" val="#wm#"/>
+  <p:tag name="KSO_WM_UNIT_TYPE" val="i"/>
+  <p:tag name="KSO_WM_UNIT_ID" val="custom160564_11*i*35"/>
+  <p:tag name="KSO_WM_TEMPLATE_CATEGORY" val="custom"/>
+  <p:tag name="KSO_WM_TEMPLATE_INDEX" val="160564"/>
+  <p:tag name="KSO_WM_UNIT_INDEX" val="35"/>
+</p:tagLst>
+</file>
+
+<file path=ppt/tags/tag19.xml><?xml version="1.0" encoding="utf-8"?>
+<p:tagLst xmlns:a="http://schemas.openxmlformats.org/drawingml/2006/main" xmlns:r="http://schemas.openxmlformats.org/officeDocument/2006/relationships" xmlns:p="http://schemas.openxmlformats.org/presentationml/2006/main">
+  <p:tag name="MH" val="20150923145210"/>
+  <p:tag name="MH_LIBRARY" val="CONTENTS"/>
+  <p:tag name="MH_TYPE" val="OTHERS"/>
+  <p:tag name="ID" val="553526"/>
+  <p:tag name="KSO_WM_TAG_VERSION" val="1.0"/>
+  <p:tag name="KSO_WM_BEAUTIFY_FLAG" val="#wm#"/>
+  <p:tag name="KSO_WM_UNIT_TYPE" val="i"/>
+  <p:tag name="KSO_WM_UNIT_ID" val="custom160564_11*i*42"/>
+  <p:tag name="KSO_WM_TEMPLATE_CATEGORY" val="custom"/>
+  <p:tag name="KSO_WM_TEMPLATE_INDEX" val="160564"/>
+  <p:tag name="KSO_WM_UNIT_INDEX" val="42"/>
+</p:tagLst>
+</file>
+
+<file path=ppt/tags/tag2.xml><?xml version="1.0" encoding="utf-8"?>
+<p:tagLst xmlns:a="http://schemas.openxmlformats.org/drawingml/2006/main" xmlns:r="http://schemas.openxmlformats.org/officeDocument/2006/relationships" xmlns:p="http://schemas.openxmlformats.org/presentationml/2006/main">
+  <p:tag name="KSO_WM_TAG_VERSION" val="1.0"/>
+  <p:tag name="KSO_WM_TEMPLATE_CATEGORY" val="custom"/>
+  <p:tag name="KSO_WM_TEMPLATE_INDEX" val="160564"/>
+</p:tagLst>
+</file>
+
+<file path=ppt/tags/tag20.xml><?xml version="1.0" encoding="utf-8"?>
+<p:tagLst xmlns:a="http://schemas.openxmlformats.org/drawingml/2006/main" xmlns:r="http://schemas.openxmlformats.org/officeDocument/2006/relationships" xmlns:p="http://schemas.openxmlformats.org/presentationml/2006/main">
+  <p:tag name="KSO_WM_TAG_VERSION" val="1.0"/>
+  <p:tag name="KSO_WM_BEAUTIFY_FLAG" val="#wm#"/>
+  <p:tag name="KSO_WM_TEMPLATE_CATEGORY" val="custom"/>
+  <p:tag name="KSO_WM_TEMPLATE_INDEX" val="160564"/>
+  <p:tag name="MH" val="20150923145210"/>
+  <p:tag name="MH_LIBRARY" val="CONTENTS"/>
+  <p:tag name="MH_TYPE" val="OTHERS"/>
+  <p:tag name="ID" val="553526"/>
+  <p:tag name="KSO_WM_UNIT_TYPE" val="a"/>
+  <p:tag name="KSO_WM_UNIT_INDEX" val="1"/>
+  <p:tag name="KSO_WM_UNIT_ID" val="custom160564_11*a*1"/>
+  <p:tag name="KSO_WM_UNIT_CLEAR" val="1"/>
+  <p:tag name="KSO_WM_UNIT_LAYERLEVEL" val="1"/>
+  <p:tag name="KSO_WM_UNIT_ISCONTENTSTITLE" val="1"/>
+  <p:tag name="KSO_WM_UNIT_VALUE" val="5"/>
+  <p:tag name="KSO_WM_UNIT_HIGHLIGHT" val="0"/>
+  <p:tag name="KSO_WM_UNIT_COMPATIBLE" val="0"/>
+  <p:tag name="KSO_WM_UNIT_BIND_DECORATION_IDS" val="custom160564_11*i*42"/>
+  <p:tag name="KSO_WM_UNIT_PRESET_TEXT" val="目录"/>
+</p:tagLst>
+</file>
+
+<file path=ppt/tags/tag21.xml><?xml version="1.0" encoding="utf-8"?>
+<p:tagLst xmlns:a="http://schemas.openxmlformats.org/drawingml/2006/main" xmlns:r="http://schemas.openxmlformats.org/officeDocument/2006/relationships" xmlns:p="http://schemas.openxmlformats.org/presentationml/2006/main">
+  <p:tag name="KSO_WM_TAG_VERSION" val="1.0"/>
+  <p:tag name="KSO_WM_BEAUTIFY_FLAG" val="#wm#"/>
+  <p:tag name="KSO_WM_UNIT_TYPE" val="i"/>
+  <p:tag name="KSO_WM_UNIT_ID" val="custom160564_11*i*7"/>
+  <p:tag name="KSO_WM_TEMPLATE_CATEGORY" val="custom"/>
+  <p:tag name="KSO_WM_TEMPLATE_INDEX" val="160564"/>
+  <p:tag name="KSO_WM_UNIT_INDEX" val="7"/>
+</p:tagLst>
+</file>
+
+<file path=ppt/tags/tag22.xml><?xml version="1.0" encoding="utf-8"?>
+<p:tagLst xmlns:a="http://schemas.openxmlformats.org/drawingml/2006/main" xmlns:r="http://schemas.openxmlformats.org/officeDocument/2006/relationships" xmlns:p="http://schemas.openxmlformats.org/presentationml/2006/main">
+  <p:tag name="KSO_WM_TAG_VERSION" val="1.0"/>
+  <p:tag name="KSO_WM_BEAUTIFY_FLAG" val="#wm#"/>
+  <p:tag name="KSO_WM_UNIT_TYPE" val="i"/>
+  <p:tag name="KSO_WM_UNIT_ID" val="custom160564_11*i*7"/>
+  <p:tag name="KSO_WM_TEMPLATE_CATEGORY" val="custom"/>
+  <p:tag name="KSO_WM_TEMPLATE_INDEX" val="160564"/>
+  <p:tag name="KSO_WM_UNIT_INDEX" val="7"/>
+</p:tagLst>
+</file>
+
+<file path=ppt/tags/tag23.xml><?xml version="1.0" encoding="utf-8"?>
+<p:tagLst xmlns:a="http://schemas.openxmlformats.org/drawingml/2006/main" xmlns:r="http://schemas.openxmlformats.org/officeDocument/2006/relationships" xmlns:p="http://schemas.openxmlformats.org/presentationml/2006/main">
+  <p:tag name="KSO_WM_TAG_VERSION" val="1.0"/>
+  <p:tag name="KSO_WM_BEAUTIFY_FLAG" val="#wm#"/>
+  <p:tag name="KSO_WM_TEMPLATE_CATEGORY" val="custom"/>
+  <p:tag name="KSO_WM_TEMPLATE_INDEX" val="160564"/>
+  <p:tag name="MH" val="20150923145210"/>
+  <p:tag name="MH_LIBRARY" val="CONTENTS"/>
+  <p:tag name="MH_TYPE" val="NUMBER"/>
+  <p:tag name="ID" val="553526"/>
+  <p:tag name="MH_ORDER" val="1"/>
+  <p:tag name="KSO_WM_UNIT_TYPE" val="l_i"/>
+  <p:tag name="KSO_WM_UNIT_INDEX" val="1_1"/>
+  <p:tag name="KSO_WM_UNIT_ID" val="custom160564_11*l_i*1_1"/>
+  <p:tag name="KSO_WM_UNIT_CLEAR" val="1"/>
+  <p:tag name="KSO_WM_UNIT_LAYERLEVEL" val="1_1"/>
+  <p:tag name="KSO_WM_DIAGRAM_GROUP_CODE" val="l1-1"/>
+</p:tagLst>
+</file>
+
+<file path=ppt/tags/tag24.xml><?xml version="1.0" encoding="utf-8"?>
+<p:tagLst xmlns:a="http://schemas.openxmlformats.org/drawingml/2006/main" xmlns:r="http://schemas.openxmlformats.org/officeDocument/2006/relationships" xmlns:p="http://schemas.openxmlformats.org/presentationml/2006/main">
+  <p:tag name="KSO_WM_TAG_VERSION" val="1.0"/>
+  <p:tag name="KSO_WM_BEAUTIFY_FLAG" val="#wm#"/>
+  <p:tag name="KSO_WM_TEMPLATE_CATEGORY" val="custom"/>
+  <p:tag name="KSO_WM_TEMPLATE_INDEX" val="160564"/>
+  <p:tag name="MH" val="20150923145210"/>
+  <p:tag name="MH_LIBRARY" val="CONTENTS"/>
+  <p:tag name="MH_TYPE" val="ENTRY"/>
+  <p:tag name="ID" val="553526"/>
+  <p:tag name="MH_ORDER" val="1"/>
+  <p:tag name="KSO_WM_UNIT_TYPE" val="l_h_f"/>
+  <p:tag name="KSO_WM_UNIT_INDEX" val="1_1_1"/>
+  <p:tag name="KSO_WM_UNIT_ID" val="custom160564_11*l_h_f*1_1_1"/>
+  <p:tag name="KSO_WM_UNIT_CLEAR" val="1"/>
+  <p:tag name="KSO_WM_UNIT_LAYERLEVEL" val="1_1_1"/>
+  <p:tag name="KSO_WM_UNIT_VALUE" val="28"/>
+  <p:tag name="KSO_WM_UNIT_HIGHLIGHT" val="0"/>
+  <p:tag name="KSO_WM_UNIT_COMPATIBLE" val="0"/>
+  <p:tag name="KSO_WM_UNIT_PRESET_TEXT_INDEX" val="3"/>
+  <p:tag name="KSO_WM_UNIT_PRESET_TEXT_LEN" val="17"/>
+  <p:tag name="KSO_WM_DIAGRAM_GROUP_CODE" val="l1-1"/>
+</p:tagLst>
+</file>
+
+<file path=ppt/tags/tag25.xml><?xml version="1.0" encoding="utf-8"?>
+<p:tagLst xmlns:a="http://schemas.openxmlformats.org/drawingml/2006/main" xmlns:r="http://schemas.openxmlformats.org/officeDocument/2006/relationships" xmlns:p="http://schemas.openxmlformats.org/presentationml/2006/main">
+  <p:tag name="KSO_WM_TAG_VERSION" val="1.0"/>
+  <p:tag name="KSO_WM_BEAUTIFY_FLAG" val="#wm#"/>
+  <p:tag name="KSO_WM_TEMPLATE_CATEGORY" val="custom"/>
+  <p:tag name="KSO_WM_TEMPLATE_INDEX" val="160564"/>
+  <p:tag name="MH" val="20150923145210"/>
+  <p:tag name="MH_LIBRARY" val="CONTENTS"/>
+  <p:tag name="MH_TYPE" val="OTHERS"/>
+  <p:tag name="ID" val="553526"/>
+  <p:tag name="KSO_WM_UNIT_TYPE" val="l_i"/>
+  <p:tag name="KSO_WM_UNIT_INDEX" val="1_2"/>
+  <p:tag name="KSO_WM_UNIT_ID" val="custom160564_11*l_i*1_2"/>
+  <p:tag name="KSO_WM_UNIT_CLEAR" val="1"/>
+  <p:tag name="KSO_WM_UNIT_LAYERLEVEL" val="1_1"/>
+  <p:tag name="KSO_WM_DIAGRAM_GROUP_CODE" val="l1-1"/>
+</p:tagLst>
+</file>
+
+<file path=ppt/tags/tag26.xml><?xml version="1.0" encoding="utf-8"?>
+<p:tagLst xmlns:a="http://schemas.openxmlformats.org/drawingml/2006/main" xmlns:r="http://schemas.openxmlformats.org/officeDocument/2006/relationships" xmlns:p="http://schemas.openxmlformats.org/presentationml/2006/main">
+  <p:tag name="KSO_WM_TAG_VERSION" val="1.0"/>
+  <p:tag name="KSO_WM_BEAUTIFY_FLAG" val="#wm#"/>
+  <p:tag name="KSO_WM_TEMPLATE_CATEGORY" val="custom"/>
+  <p:tag name="KSO_WM_TEMPLATE_INDEX" val="160564"/>
+  <p:tag name="MH" val="20150923145210"/>
+  <p:tag name="MH_LIBRARY" val="CONTENTS"/>
+  <p:tag name="MH_TYPE" val="NUMBER"/>
+  <p:tag name="ID" val="553526"/>
+  <p:tag name="MH_ORDER" val="1"/>
+  <p:tag name="KSO_WM_UNIT_TYPE" val="l_i"/>
+  <p:tag name="KSO_WM_UNIT_INDEX" val="1_1"/>
+  <p:tag name="KSO_WM_UNIT_ID" val="custom160564_11*l_i*1_1"/>
+  <p:tag name="KSO_WM_UNIT_CLEAR" val="1"/>
+  <p:tag name="KSO_WM_UNIT_LAYERLEVEL" val="1_1"/>
+  <p:tag name="KSO_WM_DIAGRAM_GROUP_CODE" val="l1-1"/>
+</p:tagLst>
+</file>
+
+<file path=ppt/tags/tag27.xml><?xml version="1.0" encoding="utf-8"?>
+<p:tagLst xmlns:a="http://schemas.openxmlformats.org/drawingml/2006/main" xmlns:r="http://schemas.openxmlformats.org/officeDocument/2006/relationships" xmlns:p="http://schemas.openxmlformats.org/presentationml/2006/main">
+  <p:tag name="KSO_WM_TAG_VERSION" val="1.0"/>
+  <p:tag name="KSO_WM_BEAUTIFY_FLAG" val="#wm#"/>
+  <p:tag name="KSO_WM_TEMPLATE_CATEGORY" val="custom"/>
+  <p:tag name="KSO_WM_TEMPLATE_INDEX" val="160564"/>
+  <p:tag name="MH" val="20150923145210"/>
+  <p:tag name="MH_LIBRARY" val="CONTENTS"/>
+  <p:tag name="MH_TYPE" val="ENTRY"/>
+  <p:tag name="ID" val="553526"/>
+  <p:tag name="MH_ORDER" val="1"/>
+  <p:tag name="KSO_WM_UNIT_TYPE" val="l_h_f"/>
+  <p:tag name="KSO_WM_UNIT_INDEX" val="1_1_1"/>
+  <p:tag name="KSO_WM_UNIT_ID" val="custom160564_11*l_h_f*1_1_1"/>
+  <p:tag name="KSO_WM_UNIT_CLEAR" val="1"/>
+  <p:tag name="KSO_WM_UNIT_LAYERLEVEL" val="1_1_1"/>
+  <p:tag name="KSO_WM_UNIT_VALUE" val="28"/>
+  <p:tag name="KSO_WM_UNIT_HIGHLIGHT" val="0"/>
+  <p:tag name="KSO_WM_UNIT_COMPATIBLE" val="0"/>
+  <p:tag name="KSO_WM_UNIT_PRESET_TEXT_INDEX" val="3"/>
+  <p:tag name="KSO_WM_UNIT_PRESET_TEXT_LEN" val="17"/>
+  <p:tag name="KSO_WM_DIAGRAM_GROUP_CODE" val="l1-1"/>
+</p:tagLst>
+</file>
+
+<file path=ppt/tags/tag28.xml><?xml version="1.0" encoding="utf-8"?>
+<p:tagLst xmlns:a="http://schemas.openxmlformats.org/drawingml/2006/main" xmlns:r="http://schemas.openxmlformats.org/officeDocument/2006/relationships" xmlns:p="http://schemas.openxmlformats.org/presentationml/2006/main">
+  <p:tag name="KSO_WM_TAG_VERSION" val="1.0"/>
+  <p:tag name="KSO_WM_BEAUTIFY_FLAG" val="#wm#"/>
+  <p:tag name="KSO_WM_TEMPLATE_CATEGORY" val="custom"/>
+  <p:tag name="KSO_WM_TEMPLATE_INDEX" val="160564"/>
+  <p:tag name="MH" val="20150923145210"/>
+  <p:tag name="MH_LIBRARY" val="CONTENTS"/>
+  <p:tag name="MH_TYPE" val="OTHERS"/>
+  <p:tag name="ID" val="553526"/>
+  <p:tag name="KSO_WM_UNIT_TYPE" val="l_i"/>
+  <p:tag name="KSO_WM_UNIT_INDEX" val="1_2"/>
+  <p:tag name="KSO_WM_UNIT_ID" val="custom160564_11*l_i*1_2"/>
+  <p:tag name="KSO_WM_UNIT_CLEAR" val="1"/>
+  <p:tag name="KSO_WM_UNIT_LAYERLEVEL" val="1_1"/>
+  <p:tag name="KSO_WM_DIAGRAM_GROUP_CODE" val="l1-1"/>
+</p:tagLst>
+</file>
+
+<file path=ppt/tags/tag29.xml><?xml version="1.0" encoding="utf-8"?>
+<p:tagLst xmlns:a="http://schemas.openxmlformats.org/drawingml/2006/main" xmlns:r="http://schemas.openxmlformats.org/officeDocument/2006/relationships" xmlns:p="http://schemas.openxmlformats.org/presentationml/2006/main">
+  <p:tag name="KSO_WM_TAG_VERSION" val="1.0"/>
+  <p:tag name="KSO_WM_BEAUTIFY_FLAG" val="#wm#"/>
+  <p:tag name="KSO_WM_TEMPLATE_CATEGORY" val="custom"/>
+  <p:tag name="KSO_WM_TEMPLATE_INDEX" val="160564"/>
+  <p:tag name="MH" val="20150923145210"/>
+  <p:tag name="MH_LIBRARY" val="CONTENTS"/>
+  <p:tag name="MH_TYPE" val="NUMBER"/>
+  <p:tag name="ID" val="553526"/>
+  <p:tag name="MH_ORDER" val="6"/>
+  <p:tag name="KSO_WM_UNIT_TYPE" val="l_i"/>
+  <p:tag name="KSO_WM_UNIT_INDEX" val="1_11"/>
+  <p:tag name="KSO_WM_UNIT_ID" val="custom160564_11*l_i*1_11"/>
+  <p:tag name="KSO_WM_UNIT_CLEAR" val="1"/>
+  <p:tag name="KSO_WM_UNIT_LAYERLEVEL" val="1_1"/>
+  <p:tag name="KSO_WM_DIAGRAM_GROUP_CODE" val="l1-1"/>
+</p:tagLst>
+</file>
+
+<file path=ppt/tags/tag3.xml><?xml version="1.0" encoding="utf-8"?>
+<p:tagLst xmlns:a="http://schemas.openxmlformats.org/drawingml/2006/main" xmlns:r="http://schemas.openxmlformats.org/officeDocument/2006/relationships" xmlns:p="http://schemas.openxmlformats.org/presentationml/2006/main">
+  <p:tag name="MH" val="20150923145622"/>
+  <p:tag name="MH_LIBRARY" val="GRAPHIC"/>
+  <p:tag name="MH_ORDER" val="Freeform 9"/>
+</p:tagLst>
+</file>
+
+<file path=ppt/tags/tag30.xml><?xml version="1.0" encoding="utf-8"?>
+<p:tagLst xmlns:a="http://schemas.openxmlformats.org/drawingml/2006/main" xmlns:r="http://schemas.openxmlformats.org/officeDocument/2006/relationships" xmlns:p="http://schemas.openxmlformats.org/presentationml/2006/main">
+  <p:tag name="KSO_WM_TAG_VERSION" val="1.0"/>
+  <p:tag name="KSO_WM_BEAUTIFY_FLAG" val="#wm#"/>
+  <p:tag name="KSO_WM_TEMPLATE_CATEGORY" val="custom"/>
+  <p:tag name="KSO_WM_TEMPLATE_INDEX" val="160564"/>
+  <p:tag name="MH" val="20150923145210"/>
+  <p:tag name="MH_LIBRARY" val="CONTENTS"/>
+  <p:tag name="MH_TYPE" val="ENTRY"/>
+  <p:tag name="ID" val="553526"/>
+  <p:tag name="MH_ORDER" val="6"/>
+  <p:tag name="KSO_WM_UNIT_TYPE" val="l_h_f"/>
+  <p:tag name="KSO_WM_UNIT_INDEX" val="1_6_1"/>
+  <p:tag name="KSO_WM_UNIT_ID" val="custom160564_11*l_h_f*1_6_1"/>
+  <p:tag name="KSO_WM_UNIT_CLEAR" val="1"/>
+  <p:tag name="KSO_WM_UNIT_LAYERLEVEL" val="1_1_1"/>
+  <p:tag name="KSO_WM_UNIT_VALUE" val="28"/>
+  <p:tag name="KSO_WM_UNIT_HIGHLIGHT" val="0"/>
+  <p:tag name="KSO_WM_UNIT_COMPATIBLE" val="0"/>
+  <p:tag name="KSO_WM_UNIT_PRESET_TEXT_INDEX" val="3"/>
+  <p:tag name="KSO_WM_UNIT_PRESET_TEXT_LEN" val="17"/>
+  <p:tag name="KSO_WM_DIAGRAM_GROUP_CODE" val="l1-1"/>
+</p:tagLst>
+</file>
+
+<file path=ppt/tags/tag31.xml><?xml version="1.0" encoding="utf-8"?>
+<p:tagLst xmlns:a="http://schemas.openxmlformats.org/drawingml/2006/main" xmlns:r="http://schemas.openxmlformats.org/officeDocument/2006/relationships" xmlns:p="http://schemas.openxmlformats.org/presentationml/2006/main">
+  <p:tag name="KSO_WM_TAG_VERSION" val="1.0"/>
+  <p:tag name="KSO_WM_BEAUTIFY_FLAG" val="#wm#"/>
+  <p:tag name="KSO_WM_TEMPLATE_CATEGORY" val="custom"/>
+  <p:tag name="KSO_WM_TEMPLATE_INDEX" val="160564"/>
+  <p:tag name="MH" val="20150923145210"/>
+  <p:tag name="MH_LIBRARY" val="CONTENTS"/>
+  <p:tag name="MH_TYPE" val="OTHERS"/>
+  <p:tag name="ID" val="553526"/>
+  <p:tag name="KSO_WM_UNIT_TYPE" val="l_i"/>
+  <p:tag name="KSO_WM_UNIT_INDEX" val="1_12"/>
+  <p:tag name="KSO_WM_UNIT_ID" val="custom160564_11*l_i*1_12"/>
+  <p:tag name="KSO_WM_UNIT_CLEAR" val="1"/>
+  <p:tag name="KSO_WM_UNIT_LAYERLEVEL" val="1_1"/>
+  <p:tag name="KSO_WM_DIAGRAM_GROUP_CODE" val="l1-1"/>
+</p:tagLst>
+</file>
+
+<file path=ppt/tags/tag32.xml><?xml version="1.0" encoding="utf-8"?>
+<p:tagLst xmlns:a="http://schemas.openxmlformats.org/drawingml/2006/main" xmlns:r="http://schemas.openxmlformats.org/officeDocument/2006/relationships" xmlns:p="http://schemas.openxmlformats.org/presentationml/2006/main">
+  <p:tag name="KSO_WM_TAG_VERSION" val="1.0"/>
+  <p:tag name="KSO_WM_BEAUTIFY_FLAG" val="#wm#"/>
+  <p:tag name="KSO_WM_TEMPLATE_CATEGORY" val="custom"/>
+  <p:tag name="KSO_WM_TEMPLATE_INDEX" val="160564"/>
+  <p:tag name="MH" val="20150923145210"/>
+  <p:tag name="MH_LIBRARY" val="CONTENTS"/>
+  <p:tag name="MH_TYPE" val="NUMBER"/>
+  <p:tag name="ID" val="553526"/>
+  <p:tag name="MH_ORDER" val="4"/>
+  <p:tag name="KSO_WM_UNIT_TYPE" val="l_i"/>
+  <p:tag name="KSO_WM_UNIT_INDEX" val="1_7"/>
+  <p:tag name="KSO_WM_UNIT_ID" val="custom160564_11*l_i*1_7"/>
+  <p:tag name="KSO_WM_UNIT_CLEAR" val="1"/>
+  <p:tag name="KSO_WM_UNIT_LAYERLEVEL" val="1_1"/>
+  <p:tag name="KSO_WM_DIAGRAM_GROUP_CODE" val="l1-1"/>
+</p:tagLst>
+</file>
+
+<file path=ppt/tags/tag33.xml><?xml version="1.0" encoding="utf-8"?>
+<p:tagLst xmlns:a="http://schemas.openxmlformats.org/drawingml/2006/main" xmlns:r="http://schemas.openxmlformats.org/officeDocument/2006/relationships" xmlns:p="http://schemas.openxmlformats.org/presentationml/2006/main">
+  <p:tag name="KSO_WM_TAG_VERSION" val="1.0"/>
+  <p:tag name="KSO_WM_BEAUTIFY_FLAG" val="#wm#"/>
+  <p:tag name="KSO_WM_TEMPLATE_CATEGORY" val="custom"/>
+  <p:tag name="KSO_WM_TEMPLATE_INDEX" val="160564"/>
+  <p:tag name="MH" val="20150923145210"/>
+  <p:tag name="MH_LIBRARY" val="CONTENTS"/>
+  <p:tag name="MH_TYPE" val="ENTRY"/>
+  <p:tag name="ID" val="553526"/>
+  <p:tag name="MH_ORDER" val="4"/>
+  <p:tag name="KSO_WM_UNIT_TYPE" val="l_h_f"/>
+  <p:tag name="KSO_WM_UNIT_INDEX" val="1_4_1"/>
+  <p:tag name="KSO_WM_UNIT_ID" val="custom160564_11*l_h_f*1_4_1"/>
+  <p:tag name="KSO_WM_UNIT_CLEAR" val="1"/>
+  <p:tag name="KSO_WM_UNIT_LAYERLEVEL" val="1_1_1"/>
+  <p:tag name="KSO_WM_UNIT_VALUE" val="28"/>
+  <p:tag name="KSO_WM_UNIT_HIGHLIGHT" val="0"/>
+  <p:tag name="KSO_WM_UNIT_COMPATIBLE" val="0"/>
+  <p:tag name="KSO_WM_UNIT_PRESET_TEXT_INDEX" val="3"/>
+  <p:tag name="KSO_WM_UNIT_PRESET_TEXT_LEN" val="17"/>
+  <p:tag name="KSO_WM_DIAGRAM_GROUP_CODE" val="l1-1"/>
+</p:tagLst>
+</file>
+
+<file path=ppt/tags/tag34.xml><?xml version="1.0" encoding="utf-8"?>
+<p:tagLst xmlns:a="http://schemas.openxmlformats.org/drawingml/2006/main" xmlns:r="http://schemas.openxmlformats.org/officeDocument/2006/relationships" xmlns:p="http://schemas.openxmlformats.org/presentationml/2006/main">
+  <p:tag name="KSO_WM_TAG_VERSION" val="1.0"/>
+  <p:tag name="KSO_WM_BEAUTIFY_FLAG" val="#wm#"/>
+  <p:tag name="KSO_WM_TEMPLATE_CATEGORY" val="custom"/>
+  <p:tag name="KSO_WM_TEMPLATE_INDEX" val="160564"/>
+  <p:tag name="MH" val="20150923145210"/>
+  <p:tag name="MH_LIBRARY" val="CONTENTS"/>
+  <p:tag name="MH_TYPE" val="OTHERS"/>
+  <p:tag name="ID" val="553526"/>
+  <p:tag name="KSO_WM_UNIT_TYPE" val="l_i"/>
+  <p:tag name="KSO_WM_UNIT_INDEX" val="1_8"/>
+  <p:tag name="KSO_WM_UNIT_ID" val="custom160564_11*l_i*1_8"/>
+  <p:tag name="KSO_WM_UNIT_CLEAR" val="1"/>
+  <p:tag name="KSO_WM_UNIT_LAYERLEVEL" val="1_1"/>
+  <p:tag name="KSO_WM_DIAGRAM_GROUP_CODE" val="l1-1"/>
+</p:tagLst>
+</file>
+
+<file path=ppt/tags/tag35.xml><?xml version="1.0" encoding="utf-8"?>
+<p:tagLst xmlns:a="http://schemas.openxmlformats.org/drawingml/2006/main" xmlns:r="http://schemas.openxmlformats.org/officeDocument/2006/relationships" xmlns:p="http://schemas.openxmlformats.org/presentationml/2006/main">
+  <p:tag name="KSO_WM_TAG_VERSION" val="1.0"/>
+  <p:tag name="KSO_WM_BEAUTIFY_FLAG" val="#wm#"/>
+  <p:tag name="KSO_WM_TEMPLATE_CATEGORY" val="custom"/>
+  <p:tag name="KSO_WM_TEMPLATE_INDEX" val="160564"/>
+  <p:tag name="MH" val="20150923145210"/>
+  <p:tag name="MH_LIBRARY" val="CONTENTS"/>
+  <p:tag name="MH_TYPE" val="NUMBER"/>
+  <p:tag name="ID" val="553526"/>
+  <p:tag name="MH_ORDER" val="3"/>
+  <p:tag name="KSO_WM_UNIT_TYPE" val="l_i"/>
+  <p:tag name="KSO_WM_UNIT_INDEX" val="1_5"/>
+  <p:tag name="KSO_WM_UNIT_ID" val="custom160564_11*l_i*1_5"/>
+  <p:tag name="KSO_WM_UNIT_CLEAR" val="1"/>
+  <p:tag name="KSO_WM_UNIT_LAYERLEVEL" val="1_1"/>
+  <p:tag name="KSO_WM_DIAGRAM_GROUP_CODE" val="l1-1"/>
+</p:tagLst>
+</file>
+
+<file path=ppt/tags/tag36.xml><?xml version="1.0" encoding="utf-8"?>
+<p:tagLst xmlns:a="http://schemas.openxmlformats.org/drawingml/2006/main" xmlns:r="http://schemas.openxmlformats.org/officeDocument/2006/relationships" xmlns:p="http://schemas.openxmlformats.org/presentationml/2006/main">
+  <p:tag name="KSO_WM_TAG_VERSION" val="1.0"/>
+  <p:tag name="KSO_WM_BEAUTIFY_FLAG" val="#wm#"/>
+  <p:tag name="KSO_WM_TEMPLATE_CATEGORY" val="custom"/>
+  <p:tag name="KSO_WM_TEMPLATE_INDEX" val="160564"/>
+  <p:tag name="MH" val="20150923145210"/>
+  <p:tag name="MH_LIBRARY" val="CONTENTS"/>
+  <p:tag name="MH_TYPE" val="ENTRY"/>
+  <p:tag name="ID" val="553526"/>
+  <p:tag name="MH_ORDER" val="3"/>
+  <p:tag name="KSO_WM_UNIT_TYPE" val="l_h_f"/>
+  <p:tag name="KSO_WM_UNIT_INDEX" val="1_3_1"/>
+  <p:tag name="KSO_WM_UNIT_ID" val="custom160564_11*l_h_f*1_3_1"/>
+  <p:tag name="KSO_WM_UNIT_CLEAR" val="1"/>
+  <p:tag name="KSO_WM_UNIT_LAYERLEVEL" val="1_1_1"/>
+  <p:tag name="KSO_WM_UNIT_VALUE" val="28"/>
+  <p:tag name="KSO_WM_UNIT_HIGHLIGHT" val="0"/>
+  <p:tag name="KSO_WM_UNIT_COMPATIBLE" val="0"/>
+  <p:tag name="KSO_WM_UNIT_PRESET_TEXT_INDEX" val="3"/>
+  <p:tag name="KSO_WM_UNIT_PRESET_TEXT_LEN" val="17"/>
+  <p:tag name="KSO_WM_DIAGRAM_GROUP_CODE" val="l1-1"/>
+</p:tagLst>
+</file>
+
+<file path=ppt/tags/tag37.xml><?xml version="1.0" encoding="utf-8"?>
+<p:tagLst xmlns:a="http://schemas.openxmlformats.org/drawingml/2006/main" xmlns:r="http://schemas.openxmlformats.org/officeDocument/2006/relationships" xmlns:p="http://schemas.openxmlformats.org/presentationml/2006/main">
+  <p:tag name="KSO_WM_TAG_VERSION" val="1.0"/>
+  <p:tag name="KSO_WM_BEAUTIFY_FLAG" val="#wm#"/>
+  <p:tag name="KSO_WM_TEMPLATE_CATEGORY" val="custom"/>
+  <p:tag name="KSO_WM_TEMPLATE_INDEX" val="160564"/>
+  <p:tag name="MH" val="20150923145210"/>
+  <p:tag name="MH_LIBRARY" val="CONTENTS"/>
+  <p:tag name="MH_TYPE" val="OTHERS"/>
+  <p:tag name="ID" val="553526"/>
+  <p:tag name="KSO_WM_UNIT_TYPE" val="l_i"/>
+  <p:tag name="KSO_WM_UNIT_INDEX" val="1_6"/>
+  <p:tag name="KSO_WM_UNIT_ID" val="custom160564_11*l_i*1_6"/>
+  <p:tag name="KSO_WM_UNIT_CLEAR" val="1"/>
+  <p:tag name="KSO_WM_UNIT_LAYERLEVEL" val="1_1"/>
+  <p:tag name="KSO_WM_DIAGRAM_GROUP_CODE" val="l1-1"/>
+</p:tagLst>
+</file>
+
+<file path=ppt/tags/tag38.xml><?xml version="1.0" encoding="utf-8"?>
+<p:tagLst xmlns:a="http://schemas.openxmlformats.org/drawingml/2006/main" xmlns:r="http://schemas.openxmlformats.org/officeDocument/2006/relationships" xmlns:p="http://schemas.openxmlformats.org/presentationml/2006/main">
+  <p:tag name="KSO_WM_TAG_VERSION" val="1.0"/>
+  <p:tag name="KSO_WM_BEAUTIFY_FLAG" val="#wm#"/>
+  <p:tag name="KSO_WM_TEMPLATE_CATEGORY" val="custom"/>
+  <p:tag name="KSO_WM_TEMPLATE_INDEX" val="160564"/>
+  <p:tag name="MH" val="20150923145210"/>
+  <p:tag name="MH_LIBRARY" val="CONTENTS"/>
+  <p:tag name="MH_TYPE" val="NUMBER"/>
+  <p:tag name="ID" val="553526"/>
+  <p:tag name="MH_ORDER" val="2"/>
+  <p:tag name="KSO_WM_UNIT_TYPE" val="l_i"/>
+  <p:tag name="KSO_WM_UNIT_INDEX" val="1_3"/>
+  <p:tag name="KSO_WM_UNIT_ID" val="custom160564_11*l_i*1_3"/>
+  <p:tag name="KSO_WM_UNIT_CLEAR" val="1"/>
+  <p:tag name="KSO_WM_UNIT_LAYERLEVEL" val="1_1"/>
+  <p:tag name="KSO_WM_DIAGRAM_GROUP_CODE" val="l1-1"/>
+</p:tagLst>
+</file>
+
+<file path=ppt/tags/tag39.xml><?xml version="1.0" encoding="utf-8"?>
+<p:tagLst xmlns:a="http://schemas.openxmlformats.org/drawingml/2006/main" xmlns:r="http://schemas.openxmlformats.org/officeDocument/2006/relationships" xmlns:p="http://schemas.openxmlformats.org/presentationml/2006/main">
+  <p:tag name="KSO_WM_TAG_VERSION" val="1.0"/>
+  <p:tag name="KSO_WM_BEAUTIFY_FLAG" val="#wm#"/>
+  <p:tag name="KSO_WM_TEMPLATE_CATEGORY" val="custom"/>
+  <p:tag name="KSO_WM_TEMPLATE_INDEX" val="160564"/>
+  <p:tag name="MH" val="20150923145210"/>
+  <p:tag name="MH_LIBRARY" val="CONTENTS"/>
+  <p:tag name="MH_TYPE" val="ENTRY"/>
+  <p:tag name="ID" val="553526"/>
+  <p:tag name="MH_ORDER" val="2"/>
+  <p:tag name="KSO_WM_UNIT_TYPE" val="l_h_f"/>
+  <p:tag name="KSO_WM_UNIT_INDEX" val="1_2_1"/>
+  <p:tag name="KSO_WM_UNIT_ID" val="custom160564_11*l_h_f*1_2_1"/>
+  <p:tag name="KSO_WM_UNIT_CLEAR" val="1"/>
+  <p:tag name="KSO_WM_UNIT_LAYERLEVEL" val="1_1_1"/>
+  <p:tag name="KSO_WM_UNIT_VALUE" val="28"/>
+  <p:tag name="KSO_WM_UNIT_HIGHLIGHT" val="0"/>
+  <p:tag name="KSO_WM_UNIT_COMPATIBLE" val="0"/>
+  <p:tag name="KSO_WM_UNIT_PRESET_TEXT_INDEX" val="3"/>
+  <p:tag name="KSO_WM_UNIT_PRESET_TEXT_LEN" val="17"/>
+  <p:tag name="KSO_WM_DIAGRAM_GROUP_CODE" val="l1-1"/>
+</p:tagLst>
+</file>
+
+<file path=ppt/tags/tag4.xml><?xml version="1.0" encoding="utf-8"?>
+<p:tagLst xmlns:a="http://schemas.openxmlformats.org/drawingml/2006/main" xmlns:r="http://schemas.openxmlformats.org/officeDocument/2006/relationships" xmlns:p="http://schemas.openxmlformats.org/presentationml/2006/main">
+  <p:tag name="MH" val="20150923145622"/>
+  <p:tag name="MH_LIBRARY" val="GRAPHIC"/>
+  <p:tag name="MH_ORDER" val="Straight Connector 13"/>
+</p:tagLst>
+</file>
+
+<file path=ppt/tags/tag40.xml><?xml version="1.0" encoding="utf-8"?>
+<p:tagLst xmlns:a="http://schemas.openxmlformats.org/drawingml/2006/main" xmlns:r="http://schemas.openxmlformats.org/officeDocument/2006/relationships" xmlns:p="http://schemas.openxmlformats.org/presentationml/2006/main">
+  <p:tag name="KSO_WM_TAG_VERSION" val="1.0"/>
+  <p:tag name="KSO_WM_BEAUTIFY_FLAG" val="#wm#"/>
+  <p:tag name="KSO_WM_TEMPLATE_CATEGORY" val="custom"/>
+  <p:tag name="KSO_WM_TEMPLATE_INDEX" val="160564"/>
+  <p:tag name="MH" val="20150923145210"/>
+  <p:tag name="MH_LIBRARY" val="CONTENTS"/>
+  <p:tag name="MH_TYPE" val="OTHERS"/>
+  <p:tag name="ID" val="553526"/>
+  <p:tag name="KSO_WM_UNIT_TYPE" val="l_i"/>
+  <p:tag name="KSO_WM_UNIT_INDEX" val="1_4"/>
+  <p:tag name="KSO_WM_UNIT_ID" val="custom160564_11*l_i*1_4"/>
+  <p:tag name="KSO_WM_UNIT_CLEAR" val="1"/>
+  <p:tag name="KSO_WM_UNIT_LAYERLEVEL" val="1_1"/>
+  <p:tag name="KSO_WM_DIAGRAM_GROUP_CODE" val="l1-1"/>
+</p:tagLst>
+</file>
+
+<file path=ppt/tags/tag41.xml><?xml version="1.0" encoding="utf-8"?>
+<p:tagLst xmlns:a="http://schemas.openxmlformats.org/drawingml/2006/main" xmlns:r="http://schemas.openxmlformats.org/officeDocument/2006/relationships" xmlns:p="http://schemas.openxmlformats.org/presentationml/2006/main">
+  <p:tag name="KSO_WM_TAG_VERSION" val="1.0"/>
+  <p:tag name="KSO_WM_BEAUTIFY_FLAG" val="#wm#"/>
+  <p:tag name="KSO_WM_TEMPLATE_CATEGORY" val="custom"/>
+  <p:tag name="KSO_WM_TEMPLATE_INDEX" val="160564"/>
+  <p:tag name="MH" val="20150923145210"/>
+  <p:tag name="MH_LIBRARY" val="CONTENTS"/>
+  <p:tag name="MH_TYPE" val="NUMBER"/>
+  <p:tag name="ID" val="553526"/>
+  <p:tag name="MH_ORDER" val="1"/>
+  <p:tag name="KSO_WM_UNIT_TYPE" val="l_i"/>
+  <p:tag name="KSO_WM_UNIT_INDEX" val="1_1"/>
+  <p:tag name="KSO_WM_UNIT_ID" val="custom160564_11*l_i*1_1"/>
+  <p:tag name="KSO_WM_UNIT_CLEAR" val="1"/>
+  <p:tag name="KSO_WM_UNIT_LAYERLEVEL" val="1_1"/>
+  <p:tag name="KSO_WM_DIAGRAM_GROUP_CODE" val="l1-1"/>
+</p:tagLst>
+</file>
+
+<file path=ppt/tags/tag42.xml><?xml version="1.0" encoding="utf-8"?>
+<p:tagLst xmlns:a="http://schemas.openxmlformats.org/drawingml/2006/main" xmlns:r="http://schemas.openxmlformats.org/officeDocument/2006/relationships" xmlns:p="http://schemas.openxmlformats.org/presentationml/2006/main">
+  <p:tag name="KSO_WM_TAG_VERSION" val="1.0"/>
+  <p:tag name="KSO_WM_BEAUTIFY_FLAG" val="#wm#"/>
+  <p:tag name="KSO_WM_TEMPLATE_CATEGORY" val="custom"/>
+  <p:tag name="KSO_WM_TEMPLATE_INDEX" val="160564"/>
+  <p:tag name="MH" val="20150923145210"/>
+  <p:tag name="MH_LIBRARY" val="CONTENTS"/>
+  <p:tag name="MH_TYPE" val="ENTRY"/>
+  <p:tag name="ID" val="553526"/>
+  <p:tag name="MH_ORDER" val="1"/>
+  <p:tag name="KSO_WM_UNIT_TYPE" val="l_h_f"/>
+  <p:tag name="KSO_WM_UNIT_INDEX" val="1_1_1"/>
+  <p:tag name="KSO_WM_UNIT_ID" val="custom160564_11*l_h_f*1_1_1"/>
+  <p:tag name="KSO_WM_UNIT_CLEAR" val="1"/>
+  <p:tag name="KSO_WM_UNIT_LAYERLEVEL" val="1_1_1"/>
+  <p:tag name="KSO_WM_UNIT_VALUE" val="28"/>
+  <p:tag name="KSO_WM_UNIT_HIGHLIGHT" val="0"/>
+  <p:tag name="KSO_WM_UNIT_COMPATIBLE" val="0"/>
+  <p:tag name="KSO_WM_UNIT_PRESET_TEXT_INDEX" val="3"/>
+  <p:tag name="KSO_WM_UNIT_PRESET_TEXT_LEN" val="17"/>
+  <p:tag name="KSO_WM_DIAGRAM_GROUP_CODE" val="l1-1"/>
+</p:tagLst>
+</file>
+
+<file path=ppt/tags/tag43.xml><?xml version="1.0" encoding="utf-8"?>
+<p:tagLst xmlns:a="http://schemas.openxmlformats.org/drawingml/2006/main" xmlns:r="http://schemas.openxmlformats.org/officeDocument/2006/relationships" xmlns:p="http://schemas.openxmlformats.org/presentationml/2006/main">
+  <p:tag name="KSO_WM_TAG_VERSION" val="1.0"/>
+  <p:tag name="KSO_WM_BEAUTIFY_FLAG" val="#wm#"/>
+  <p:tag name="KSO_WM_TEMPLATE_CATEGORY" val="custom"/>
+  <p:tag name="KSO_WM_TEMPLATE_INDEX" val="160564"/>
+  <p:tag name="MH" val="20150923145210"/>
+  <p:tag name="MH_LIBRARY" val="CONTENTS"/>
+  <p:tag name="MH_TYPE" val="OTHERS"/>
+  <p:tag name="ID" val="553526"/>
+  <p:tag name="KSO_WM_UNIT_TYPE" val="l_i"/>
+  <p:tag name="KSO_WM_UNIT_INDEX" val="1_2"/>
+  <p:tag name="KSO_WM_UNIT_ID" val="custom160564_11*l_i*1_2"/>
+  <p:tag name="KSO_WM_UNIT_CLEAR" val="1"/>
+  <p:tag name="KSO_WM_UNIT_LAYERLEVEL" val="1_1"/>
+  <p:tag name="KSO_WM_DIAGRAM_GROUP_CODE" val="l1-1"/>
+</p:tagLst>
+</file>
+
+<file path=ppt/tags/tag44.xml><?xml version="1.0" encoding="utf-8"?>
+<p:tagLst xmlns:a="http://schemas.openxmlformats.org/drawingml/2006/main" xmlns:r="http://schemas.openxmlformats.org/officeDocument/2006/relationships" xmlns:p="http://schemas.openxmlformats.org/presentationml/2006/main">
   <p:tag name="KSO_WM_TAG_VERSION" val="1.0"/>
   <p:tag name="KSO_WM_BEAUTIFY_FLAG" val="#wm#"/>
   <p:tag name="KSO_WM_TEMPLATE_CATEGORY" val="custom"/>
@@ -24176,8 +24438,8 @@
 </p:tagLst>
 </file>
 
-<file path=ppt/tags/tag14.xml><?xml version="1.0" encoding="utf-8"?>
-<p:tagLst xmlns:p="http://schemas.openxmlformats.org/presentationml/2006/main">
+<file path=ppt/tags/tag45.xml><?xml version="1.0" encoding="utf-8"?>
+<p:tagLst xmlns:a="http://schemas.openxmlformats.org/drawingml/2006/main" xmlns:r="http://schemas.openxmlformats.org/officeDocument/2006/relationships" xmlns:p="http://schemas.openxmlformats.org/presentationml/2006/main">
   <p:tag name="KSO_WM_TAG_VERSION" val="1.0"/>
   <p:tag name="KSO_WM_BEAUTIFY_FLAG" val="#wm#"/>
   <p:tag name="KSO_WM_TEMPLATE_CATEGORY" val="custom"/>
@@ -24201,8 +24463,8 @@
 </p:tagLst>
 </file>
 
-<file path=ppt/tags/tag15.xml><?xml version="1.0" encoding="utf-8"?>
-<p:tagLst xmlns:p="http://schemas.openxmlformats.org/presentationml/2006/main">
+<file path=ppt/tags/tag46.xml><?xml version="1.0" encoding="utf-8"?>
+<p:tagLst xmlns:a="http://schemas.openxmlformats.org/drawingml/2006/main" xmlns:r="http://schemas.openxmlformats.org/officeDocument/2006/relationships" xmlns:p="http://schemas.openxmlformats.org/presentationml/2006/main">
   <p:tag name="KSO_WM_TAG_VERSION" val="1.0"/>
   <p:tag name="KSO_WM_BEAUTIFY_FLAG" val="#wm#"/>
   <p:tag name="KSO_WM_TEMPLATE_CATEGORY" val="custom"/>
@@ -24220,625 +24482,25 @@
 </p:tagLst>
 </file>
 
-<file path=ppt/tags/tag16.xml><?xml version="1.0" encoding="utf-8"?>
-<p:tagLst xmlns:p="http://schemas.openxmlformats.org/presentationml/2006/main">
-  <p:tag name="KSO_WM_TAG_VERSION" val="1.0"/>
-  <p:tag name="KSO_WM_BEAUTIFY_FLAG" val="#wm#"/>
-  <p:tag name="KSO_WM_UNIT_TYPE" val="i"/>
-  <p:tag name="KSO_WM_UNIT_ID" val="custom160564_11*i*7"/>
+<file path=ppt/tags/tag47.xml><?xml version="1.0" encoding="utf-8"?>
+<p:tagLst xmlns:a="http://schemas.openxmlformats.org/drawingml/2006/main" xmlns:r="http://schemas.openxmlformats.org/officeDocument/2006/relationships" xmlns:p="http://schemas.openxmlformats.org/presentationml/2006/main">
+  <p:tag name="MH" val="20150923145622"/>
+  <p:tag name="MH_LIBRARY" val="GRAPHIC"/>
   <p:tag name="KSO_WM_TEMPLATE_CATEGORY" val="custom"/>
   <p:tag name="KSO_WM_TEMPLATE_INDEX" val="160564"/>
-  <p:tag name="KSO_WM_UNIT_INDEX" val="7"/>
+  <p:tag name="KSO_WM_TAG_VERSION" val="1.0"/>
+  <p:tag name="KSO_WM_SLIDE_ID" val="custom160564_12"/>
+  <p:tag name="KSO_WM_SLIDE_INDEX" val="12"/>
+  <p:tag name="KSO_WM_SLIDE_ITEM_CNT" val="1"/>
+  <p:tag name="KSO_WM_SLIDE_LAYOUT" val="a_e"/>
+  <p:tag name="KSO_WM_SLIDE_LAYOUT_CNT" val="1_1"/>
+  <p:tag name="KSO_WM_SLIDE_TYPE" val="sectionTitle"/>
+  <p:tag name="KSO_WM_BEAUTIFY_FLAG" val="#wm#"/>
 </p:tagLst>
 </file>
 
-<file path=ppt/tags/tag17.xml><?xml version="1.0" encoding="utf-8"?>
-<p:tagLst xmlns:p="http://schemas.openxmlformats.org/presentationml/2006/main">
-  <p:tag name="KSO_WM_TAG_VERSION" val="1.0"/>
-  <p:tag name="KSO_WM_BEAUTIFY_FLAG" val="#wm#"/>
-  <p:tag name="KSO_WM_TEMPLATE_CATEGORY" val="custom"/>
-  <p:tag name="KSO_WM_TEMPLATE_INDEX" val="160564"/>
-  <p:tag name="MH" val="20150923145210"/>
-  <p:tag name="MH_LIBRARY" val="CONTENTS"/>
-  <p:tag name="MH_TYPE" val="NUMBER"/>
-  <p:tag name="ID" val="553526"/>
-  <p:tag name="MH_ORDER" val="1"/>
-  <p:tag name="KSO_WM_UNIT_TYPE" val="l_i"/>
-  <p:tag name="KSO_WM_UNIT_INDEX" val="1_1"/>
-  <p:tag name="KSO_WM_UNIT_ID" val="custom160564_11*l_i*1_1"/>
-  <p:tag name="KSO_WM_UNIT_CLEAR" val="1"/>
-  <p:tag name="KSO_WM_UNIT_LAYERLEVEL" val="1_1"/>
-  <p:tag name="KSO_WM_DIAGRAM_GROUP_CODE" val="l1-1"/>
-</p:tagLst>
-</file>
-
-<file path=ppt/tags/tag18.xml><?xml version="1.0" encoding="utf-8"?>
-<p:tagLst xmlns:p="http://schemas.openxmlformats.org/presentationml/2006/main">
-  <p:tag name="KSO_WM_TAG_VERSION" val="1.0"/>
-  <p:tag name="KSO_WM_BEAUTIFY_FLAG" val="#wm#"/>
-  <p:tag name="KSO_WM_TEMPLATE_CATEGORY" val="custom"/>
-  <p:tag name="KSO_WM_TEMPLATE_INDEX" val="160564"/>
-  <p:tag name="MH" val="20150923145210"/>
-  <p:tag name="MH_LIBRARY" val="CONTENTS"/>
-  <p:tag name="MH_TYPE" val="ENTRY"/>
-  <p:tag name="ID" val="553526"/>
-  <p:tag name="MH_ORDER" val="1"/>
-  <p:tag name="KSO_WM_UNIT_TYPE" val="l_h_f"/>
-  <p:tag name="KSO_WM_UNIT_INDEX" val="1_1_1"/>
-  <p:tag name="KSO_WM_UNIT_ID" val="custom160564_11*l_h_f*1_1_1"/>
-  <p:tag name="KSO_WM_UNIT_CLEAR" val="1"/>
-  <p:tag name="KSO_WM_UNIT_LAYERLEVEL" val="1_1_1"/>
-  <p:tag name="KSO_WM_UNIT_VALUE" val="28"/>
-  <p:tag name="KSO_WM_UNIT_HIGHLIGHT" val="0"/>
-  <p:tag name="KSO_WM_UNIT_COMPATIBLE" val="0"/>
-  <p:tag name="KSO_WM_UNIT_PRESET_TEXT_INDEX" val="3"/>
-  <p:tag name="KSO_WM_UNIT_PRESET_TEXT_LEN" val="17"/>
-  <p:tag name="KSO_WM_DIAGRAM_GROUP_CODE" val="l1-1"/>
-</p:tagLst>
-</file>
-
-<file path=ppt/tags/tag19.xml><?xml version="1.0" encoding="utf-8"?>
-<p:tagLst xmlns:p="http://schemas.openxmlformats.org/presentationml/2006/main">
-  <p:tag name="KSO_WM_TAG_VERSION" val="1.0"/>
-  <p:tag name="KSO_WM_BEAUTIFY_FLAG" val="#wm#"/>
-  <p:tag name="KSO_WM_TEMPLATE_CATEGORY" val="custom"/>
-  <p:tag name="KSO_WM_TEMPLATE_INDEX" val="160564"/>
-  <p:tag name="MH" val="20150923145210"/>
-  <p:tag name="MH_LIBRARY" val="CONTENTS"/>
-  <p:tag name="MH_TYPE" val="OTHERS"/>
-  <p:tag name="ID" val="553526"/>
-  <p:tag name="KSO_WM_UNIT_TYPE" val="l_i"/>
-  <p:tag name="KSO_WM_UNIT_INDEX" val="1_2"/>
-  <p:tag name="KSO_WM_UNIT_ID" val="custom160564_11*l_i*1_2"/>
-  <p:tag name="KSO_WM_UNIT_CLEAR" val="1"/>
-  <p:tag name="KSO_WM_UNIT_LAYERLEVEL" val="1_1"/>
-  <p:tag name="KSO_WM_DIAGRAM_GROUP_CODE" val="l1-1"/>
-</p:tagLst>
-</file>
-
-<file path=ppt/tags/tag2.xml><?xml version="1.0" encoding="utf-8"?>
-<p:tagLst xmlns:p="http://schemas.openxmlformats.org/presentationml/2006/main">
-  <p:tag name="MH" val="20150923145622"/>
-  <p:tag name="MH_LIBRARY" val="GRAPHIC"/>
-  <p:tag name="MH_ORDER" val="Straight Connector 13"/>
-</p:tagLst>
-</file>
-
-<file path=ppt/tags/tag20.xml><?xml version="1.0" encoding="utf-8"?>
-<p:tagLst xmlns:p="http://schemas.openxmlformats.org/presentationml/2006/main">
-  <p:tag name="KSO_WM_TAG_VERSION" val="1.0"/>
-  <p:tag name="KSO_WM_BEAUTIFY_FLAG" val="#wm#"/>
-  <p:tag name="KSO_WM_UNIT_TYPE" val="i"/>
-  <p:tag name="KSO_WM_UNIT_ID" val="custom160564_11*i*14"/>
-  <p:tag name="KSO_WM_TEMPLATE_CATEGORY" val="custom"/>
-  <p:tag name="KSO_WM_TEMPLATE_INDEX" val="160564"/>
-  <p:tag name="KSO_WM_UNIT_INDEX" val="14"/>
-</p:tagLst>
-</file>
-
-<file path=ppt/tags/tag21.xml><?xml version="1.0" encoding="utf-8"?>
-<p:tagLst xmlns:p="http://schemas.openxmlformats.org/presentationml/2006/main">
-  <p:tag name="KSO_WM_TAG_VERSION" val="1.0"/>
-  <p:tag name="KSO_WM_BEAUTIFY_FLAG" val="#wm#"/>
-  <p:tag name="KSO_WM_TEMPLATE_CATEGORY" val="custom"/>
-  <p:tag name="KSO_WM_TEMPLATE_INDEX" val="160564"/>
-  <p:tag name="MH" val="20150923145210"/>
-  <p:tag name="MH_LIBRARY" val="CONTENTS"/>
-  <p:tag name="MH_TYPE" val="NUMBER"/>
-  <p:tag name="ID" val="553526"/>
-  <p:tag name="MH_ORDER" val="2"/>
-  <p:tag name="KSO_WM_UNIT_TYPE" val="l_i"/>
-  <p:tag name="KSO_WM_UNIT_INDEX" val="1_3"/>
-  <p:tag name="KSO_WM_UNIT_ID" val="custom160564_11*l_i*1_3"/>
-  <p:tag name="KSO_WM_UNIT_CLEAR" val="1"/>
-  <p:tag name="KSO_WM_UNIT_LAYERLEVEL" val="1_1"/>
-  <p:tag name="KSO_WM_DIAGRAM_GROUP_CODE" val="l1-1"/>
-</p:tagLst>
-</file>
-
-<file path=ppt/tags/tag22.xml><?xml version="1.0" encoding="utf-8"?>
-<p:tagLst xmlns:p="http://schemas.openxmlformats.org/presentationml/2006/main">
-  <p:tag name="KSO_WM_TAG_VERSION" val="1.0"/>
-  <p:tag name="KSO_WM_BEAUTIFY_FLAG" val="#wm#"/>
-  <p:tag name="KSO_WM_TEMPLATE_CATEGORY" val="custom"/>
-  <p:tag name="KSO_WM_TEMPLATE_INDEX" val="160564"/>
-  <p:tag name="MH" val="20150923145210"/>
-  <p:tag name="MH_LIBRARY" val="CONTENTS"/>
-  <p:tag name="MH_TYPE" val="ENTRY"/>
-  <p:tag name="ID" val="553526"/>
-  <p:tag name="MH_ORDER" val="2"/>
-  <p:tag name="KSO_WM_UNIT_TYPE" val="l_h_f"/>
-  <p:tag name="KSO_WM_UNIT_INDEX" val="1_2_1"/>
-  <p:tag name="KSO_WM_UNIT_ID" val="custom160564_11*l_h_f*1_2_1"/>
-  <p:tag name="KSO_WM_UNIT_CLEAR" val="1"/>
-  <p:tag name="KSO_WM_UNIT_LAYERLEVEL" val="1_1_1"/>
-  <p:tag name="KSO_WM_UNIT_VALUE" val="28"/>
-  <p:tag name="KSO_WM_UNIT_HIGHLIGHT" val="0"/>
-  <p:tag name="KSO_WM_UNIT_COMPATIBLE" val="0"/>
-  <p:tag name="KSO_WM_UNIT_PRESET_TEXT_INDEX" val="3"/>
-  <p:tag name="KSO_WM_UNIT_PRESET_TEXT_LEN" val="17"/>
-  <p:tag name="KSO_WM_DIAGRAM_GROUP_CODE" val="l1-1"/>
-</p:tagLst>
-</file>
-
-<file path=ppt/tags/tag23.xml><?xml version="1.0" encoding="utf-8"?>
-<p:tagLst xmlns:p="http://schemas.openxmlformats.org/presentationml/2006/main">
-  <p:tag name="KSO_WM_TAG_VERSION" val="1.0"/>
-  <p:tag name="KSO_WM_BEAUTIFY_FLAG" val="#wm#"/>
-  <p:tag name="KSO_WM_TEMPLATE_CATEGORY" val="custom"/>
-  <p:tag name="KSO_WM_TEMPLATE_INDEX" val="160564"/>
-  <p:tag name="MH" val="20150923145210"/>
-  <p:tag name="MH_LIBRARY" val="CONTENTS"/>
-  <p:tag name="MH_TYPE" val="OTHERS"/>
-  <p:tag name="ID" val="553526"/>
-  <p:tag name="KSO_WM_UNIT_TYPE" val="l_i"/>
-  <p:tag name="KSO_WM_UNIT_INDEX" val="1_4"/>
-  <p:tag name="KSO_WM_UNIT_ID" val="custom160564_11*l_i*1_4"/>
-  <p:tag name="KSO_WM_UNIT_CLEAR" val="1"/>
-  <p:tag name="KSO_WM_UNIT_LAYERLEVEL" val="1_1"/>
-  <p:tag name="KSO_WM_DIAGRAM_GROUP_CODE" val="l1-1"/>
-</p:tagLst>
-</file>
-
-<file path=ppt/tags/tag24.xml><?xml version="1.0" encoding="utf-8"?>
-<p:tagLst xmlns:p="http://schemas.openxmlformats.org/presentationml/2006/main">
-  <p:tag name="KSO_WM_TAG_VERSION" val="1.0"/>
-  <p:tag name="KSO_WM_BEAUTIFY_FLAG" val="#wm#"/>
-  <p:tag name="KSO_WM_UNIT_TYPE" val="i"/>
-  <p:tag name="KSO_WM_UNIT_ID" val="custom160564_11*i*21"/>
-  <p:tag name="KSO_WM_TEMPLATE_CATEGORY" val="custom"/>
-  <p:tag name="KSO_WM_TEMPLATE_INDEX" val="160564"/>
-  <p:tag name="KSO_WM_UNIT_INDEX" val="21"/>
-</p:tagLst>
-</file>
-
-<file path=ppt/tags/tag25.xml><?xml version="1.0" encoding="utf-8"?>
-<p:tagLst xmlns:p="http://schemas.openxmlformats.org/presentationml/2006/main">
-  <p:tag name="KSO_WM_TAG_VERSION" val="1.0"/>
-  <p:tag name="KSO_WM_BEAUTIFY_FLAG" val="#wm#"/>
-  <p:tag name="KSO_WM_TEMPLATE_CATEGORY" val="custom"/>
-  <p:tag name="KSO_WM_TEMPLATE_INDEX" val="160564"/>
-  <p:tag name="MH" val="20150923145210"/>
-  <p:tag name="MH_LIBRARY" val="CONTENTS"/>
-  <p:tag name="MH_TYPE" val="NUMBER"/>
-  <p:tag name="ID" val="553526"/>
-  <p:tag name="MH_ORDER" val="3"/>
-  <p:tag name="KSO_WM_UNIT_TYPE" val="l_i"/>
-  <p:tag name="KSO_WM_UNIT_INDEX" val="1_5"/>
-  <p:tag name="KSO_WM_UNIT_ID" val="custom160564_11*l_i*1_5"/>
-  <p:tag name="KSO_WM_UNIT_CLEAR" val="1"/>
-  <p:tag name="KSO_WM_UNIT_LAYERLEVEL" val="1_1"/>
-  <p:tag name="KSO_WM_DIAGRAM_GROUP_CODE" val="l1-1"/>
-</p:tagLst>
-</file>
-
-<file path=ppt/tags/tag26.xml><?xml version="1.0" encoding="utf-8"?>
-<p:tagLst xmlns:p="http://schemas.openxmlformats.org/presentationml/2006/main">
-  <p:tag name="KSO_WM_TAG_VERSION" val="1.0"/>
-  <p:tag name="KSO_WM_BEAUTIFY_FLAG" val="#wm#"/>
-  <p:tag name="KSO_WM_TEMPLATE_CATEGORY" val="custom"/>
-  <p:tag name="KSO_WM_TEMPLATE_INDEX" val="160564"/>
-  <p:tag name="MH" val="20150923145210"/>
-  <p:tag name="MH_LIBRARY" val="CONTENTS"/>
-  <p:tag name="MH_TYPE" val="ENTRY"/>
-  <p:tag name="ID" val="553526"/>
-  <p:tag name="MH_ORDER" val="3"/>
-  <p:tag name="KSO_WM_UNIT_TYPE" val="l_h_f"/>
-  <p:tag name="KSO_WM_UNIT_INDEX" val="1_3_1"/>
-  <p:tag name="KSO_WM_UNIT_ID" val="custom160564_11*l_h_f*1_3_1"/>
-  <p:tag name="KSO_WM_UNIT_CLEAR" val="1"/>
-  <p:tag name="KSO_WM_UNIT_LAYERLEVEL" val="1_1_1"/>
-  <p:tag name="KSO_WM_UNIT_VALUE" val="28"/>
-  <p:tag name="KSO_WM_UNIT_HIGHLIGHT" val="0"/>
-  <p:tag name="KSO_WM_UNIT_COMPATIBLE" val="0"/>
-  <p:tag name="KSO_WM_UNIT_PRESET_TEXT_INDEX" val="3"/>
-  <p:tag name="KSO_WM_UNIT_PRESET_TEXT_LEN" val="17"/>
-  <p:tag name="KSO_WM_DIAGRAM_GROUP_CODE" val="l1-1"/>
-</p:tagLst>
-</file>
-
-<file path=ppt/tags/tag27.xml><?xml version="1.0" encoding="utf-8"?>
-<p:tagLst xmlns:p="http://schemas.openxmlformats.org/presentationml/2006/main">
-  <p:tag name="KSO_WM_TAG_VERSION" val="1.0"/>
-  <p:tag name="KSO_WM_BEAUTIFY_FLAG" val="#wm#"/>
-  <p:tag name="KSO_WM_TEMPLATE_CATEGORY" val="custom"/>
-  <p:tag name="KSO_WM_TEMPLATE_INDEX" val="160564"/>
-  <p:tag name="MH" val="20150923145210"/>
-  <p:tag name="MH_LIBRARY" val="CONTENTS"/>
-  <p:tag name="MH_TYPE" val="OTHERS"/>
-  <p:tag name="ID" val="553526"/>
-  <p:tag name="KSO_WM_UNIT_TYPE" val="l_i"/>
-  <p:tag name="KSO_WM_UNIT_INDEX" val="1_6"/>
-  <p:tag name="KSO_WM_UNIT_ID" val="custom160564_11*l_i*1_6"/>
-  <p:tag name="KSO_WM_UNIT_CLEAR" val="1"/>
-  <p:tag name="KSO_WM_UNIT_LAYERLEVEL" val="1_1"/>
-  <p:tag name="KSO_WM_DIAGRAM_GROUP_CODE" val="l1-1"/>
-</p:tagLst>
-</file>
-
-<file path=ppt/tags/tag28.xml><?xml version="1.0" encoding="utf-8"?>
-<p:tagLst xmlns:p="http://schemas.openxmlformats.org/presentationml/2006/main">
-  <p:tag name="KSO_WM_TAG_VERSION" val="1.0"/>
-  <p:tag name="KSO_WM_BEAUTIFY_FLAG" val="#wm#"/>
-  <p:tag name="KSO_WM_UNIT_TYPE" val="i"/>
-  <p:tag name="KSO_WM_UNIT_ID" val="custom160564_11*i*28"/>
-  <p:tag name="KSO_WM_TEMPLATE_CATEGORY" val="custom"/>
-  <p:tag name="KSO_WM_TEMPLATE_INDEX" val="160564"/>
-  <p:tag name="KSO_WM_UNIT_INDEX" val="28"/>
-</p:tagLst>
-</file>
-
-<file path=ppt/tags/tag29.xml><?xml version="1.0" encoding="utf-8"?>
-<p:tagLst xmlns:p="http://schemas.openxmlformats.org/presentationml/2006/main">
-  <p:tag name="KSO_WM_TAG_VERSION" val="1.0"/>
-  <p:tag name="KSO_WM_BEAUTIFY_FLAG" val="#wm#"/>
-  <p:tag name="KSO_WM_TEMPLATE_CATEGORY" val="custom"/>
-  <p:tag name="KSO_WM_TEMPLATE_INDEX" val="160564"/>
-  <p:tag name="MH" val="20150923145210"/>
-  <p:tag name="MH_LIBRARY" val="CONTENTS"/>
-  <p:tag name="MH_TYPE" val="NUMBER"/>
-  <p:tag name="ID" val="553526"/>
-  <p:tag name="MH_ORDER" val="4"/>
-  <p:tag name="KSO_WM_UNIT_TYPE" val="l_i"/>
-  <p:tag name="KSO_WM_UNIT_INDEX" val="1_7"/>
-  <p:tag name="KSO_WM_UNIT_ID" val="custom160564_11*l_i*1_7"/>
-  <p:tag name="KSO_WM_UNIT_CLEAR" val="1"/>
-  <p:tag name="KSO_WM_UNIT_LAYERLEVEL" val="1_1"/>
-  <p:tag name="KSO_WM_DIAGRAM_GROUP_CODE" val="l1-1"/>
-</p:tagLst>
-</file>
-
-<file path=ppt/tags/tag3.xml><?xml version="1.0" encoding="utf-8"?>
-<p:tagLst xmlns:p="http://schemas.openxmlformats.org/presentationml/2006/main">
-  <p:tag name="KSO_WM_TAG_VERSION" val="1.0"/>
-  <p:tag name="KSO_WM_TEMPLATE_CATEGORY" val="custom"/>
-  <p:tag name="KSO_WM_TEMPLATE_INDEX" val="160564"/>
-</p:tagLst>
-</file>
-
-<file path=ppt/tags/tag30.xml><?xml version="1.0" encoding="utf-8"?>
-<p:tagLst xmlns:p="http://schemas.openxmlformats.org/presentationml/2006/main">
-  <p:tag name="KSO_WM_TAG_VERSION" val="1.0"/>
-  <p:tag name="KSO_WM_BEAUTIFY_FLAG" val="#wm#"/>
-  <p:tag name="KSO_WM_TEMPLATE_CATEGORY" val="custom"/>
-  <p:tag name="KSO_WM_TEMPLATE_INDEX" val="160564"/>
-  <p:tag name="MH" val="20150923145210"/>
-  <p:tag name="MH_LIBRARY" val="CONTENTS"/>
-  <p:tag name="MH_TYPE" val="ENTRY"/>
-  <p:tag name="ID" val="553526"/>
-  <p:tag name="MH_ORDER" val="4"/>
-  <p:tag name="KSO_WM_UNIT_TYPE" val="l_h_f"/>
-  <p:tag name="KSO_WM_UNIT_INDEX" val="1_4_1"/>
-  <p:tag name="KSO_WM_UNIT_ID" val="custom160564_11*l_h_f*1_4_1"/>
-  <p:tag name="KSO_WM_UNIT_CLEAR" val="1"/>
-  <p:tag name="KSO_WM_UNIT_LAYERLEVEL" val="1_1_1"/>
-  <p:tag name="KSO_WM_UNIT_VALUE" val="28"/>
-  <p:tag name="KSO_WM_UNIT_HIGHLIGHT" val="0"/>
-  <p:tag name="KSO_WM_UNIT_COMPATIBLE" val="0"/>
-  <p:tag name="KSO_WM_UNIT_PRESET_TEXT_INDEX" val="3"/>
-  <p:tag name="KSO_WM_UNIT_PRESET_TEXT_LEN" val="17"/>
-  <p:tag name="KSO_WM_DIAGRAM_GROUP_CODE" val="l1-1"/>
-</p:tagLst>
-</file>
-
-<file path=ppt/tags/tag31.xml><?xml version="1.0" encoding="utf-8"?>
-<p:tagLst xmlns:p="http://schemas.openxmlformats.org/presentationml/2006/main">
-  <p:tag name="KSO_WM_TAG_VERSION" val="1.0"/>
-  <p:tag name="KSO_WM_BEAUTIFY_FLAG" val="#wm#"/>
-  <p:tag name="KSO_WM_TEMPLATE_CATEGORY" val="custom"/>
-  <p:tag name="KSO_WM_TEMPLATE_INDEX" val="160564"/>
-  <p:tag name="MH" val="20150923145210"/>
-  <p:tag name="MH_LIBRARY" val="CONTENTS"/>
-  <p:tag name="MH_TYPE" val="OTHERS"/>
-  <p:tag name="ID" val="553526"/>
-  <p:tag name="KSO_WM_UNIT_TYPE" val="l_i"/>
-  <p:tag name="KSO_WM_UNIT_INDEX" val="1_8"/>
-  <p:tag name="KSO_WM_UNIT_ID" val="custom160564_11*l_i*1_8"/>
-  <p:tag name="KSO_WM_UNIT_CLEAR" val="1"/>
-  <p:tag name="KSO_WM_UNIT_LAYERLEVEL" val="1_1"/>
-  <p:tag name="KSO_WM_DIAGRAM_GROUP_CODE" val="l1-1"/>
-</p:tagLst>
-</file>
-
-<file path=ppt/tags/tag32.xml><?xml version="1.0" encoding="utf-8"?>
-<p:tagLst xmlns:p="http://schemas.openxmlformats.org/presentationml/2006/main">
-  <p:tag name="KSO_WM_TAG_VERSION" val="1.0"/>
-  <p:tag name="KSO_WM_BEAUTIFY_FLAG" val="#wm#"/>
-  <p:tag name="KSO_WM_UNIT_TYPE" val="i"/>
-  <p:tag name="KSO_WM_UNIT_ID" val="custom160564_11*i*35"/>
-  <p:tag name="KSO_WM_TEMPLATE_CATEGORY" val="custom"/>
-  <p:tag name="KSO_WM_TEMPLATE_INDEX" val="160564"/>
-  <p:tag name="KSO_WM_UNIT_INDEX" val="35"/>
-</p:tagLst>
-</file>
-
-<file path=ppt/tags/tag33.xml><?xml version="1.0" encoding="utf-8"?>
-<p:tagLst xmlns:p="http://schemas.openxmlformats.org/presentationml/2006/main">
-  <p:tag name="KSO_WM_TAG_VERSION" val="1.0"/>
-  <p:tag name="KSO_WM_BEAUTIFY_FLAG" val="#wm#"/>
-  <p:tag name="KSO_WM_TEMPLATE_CATEGORY" val="custom"/>
-  <p:tag name="KSO_WM_TEMPLATE_INDEX" val="160564"/>
-  <p:tag name="MH" val="20150923145210"/>
-  <p:tag name="MH_LIBRARY" val="CONTENTS"/>
-  <p:tag name="MH_TYPE" val="NUMBER"/>
-  <p:tag name="ID" val="553526"/>
-  <p:tag name="MH_ORDER" val="6"/>
-  <p:tag name="KSO_WM_UNIT_TYPE" val="l_i"/>
-  <p:tag name="KSO_WM_UNIT_INDEX" val="1_11"/>
-  <p:tag name="KSO_WM_UNIT_ID" val="custom160564_11*l_i*1_11"/>
-  <p:tag name="KSO_WM_UNIT_CLEAR" val="1"/>
-  <p:tag name="KSO_WM_UNIT_LAYERLEVEL" val="1_1"/>
-  <p:tag name="KSO_WM_DIAGRAM_GROUP_CODE" val="l1-1"/>
-</p:tagLst>
-</file>
-
-<file path=ppt/tags/tag34.xml><?xml version="1.0" encoding="utf-8"?>
-<p:tagLst xmlns:p="http://schemas.openxmlformats.org/presentationml/2006/main">
-  <p:tag name="KSO_WM_TAG_VERSION" val="1.0"/>
-  <p:tag name="KSO_WM_BEAUTIFY_FLAG" val="#wm#"/>
-  <p:tag name="KSO_WM_TEMPLATE_CATEGORY" val="custom"/>
-  <p:tag name="KSO_WM_TEMPLATE_INDEX" val="160564"/>
-  <p:tag name="MH" val="20150923145210"/>
-  <p:tag name="MH_LIBRARY" val="CONTENTS"/>
-  <p:tag name="MH_TYPE" val="ENTRY"/>
-  <p:tag name="ID" val="553526"/>
-  <p:tag name="MH_ORDER" val="6"/>
-  <p:tag name="KSO_WM_UNIT_TYPE" val="l_h_f"/>
-  <p:tag name="KSO_WM_UNIT_INDEX" val="1_6_1"/>
-  <p:tag name="KSO_WM_UNIT_ID" val="custom160564_11*l_h_f*1_6_1"/>
-  <p:tag name="KSO_WM_UNIT_CLEAR" val="1"/>
-  <p:tag name="KSO_WM_UNIT_LAYERLEVEL" val="1_1_1"/>
-  <p:tag name="KSO_WM_UNIT_VALUE" val="28"/>
-  <p:tag name="KSO_WM_UNIT_HIGHLIGHT" val="0"/>
-  <p:tag name="KSO_WM_UNIT_COMPATIBLE" val="0"/>
-  <p:tag name="KSO_WM_UNIT_PRESET_TEXT_INDEX" val="3"/>
-  <p:tag name="KSO_WM_UNIT_PRESET_TEXT_LEN" val="17"/>
-  <p:tag name="KSO_WM_DIAGRAM_GROUP_CODE" val="l1-1"/>
-</p:tagLst>
-</file>
-
-<file path=ppt/tags/tag35.xml><?xml version="1.0" encoding="utf-8"?>
-<p:tagLst xmlns:p="http://schemas.openxmlformats.org/presentationml/2006/main">
-  <p:tag name="KSO_WM_TAG_VERSION" val="1.0"/>
-  <p:tag name="KSO_WM_BEAUTIFY_FLAG" val="#wm#"/>
-  <p:tag name="KSO_WM_TEMPLATE_CATEGORY" val="custom"/>
-  <p:tag name="KSO_WM_TEMPLATE_INDEX" val="160564"/>
-  <p:tag name="MH" val="20150923145210"/>
-  <p:tag name="MH_LIBRARY" val="CONTENTS"/>
-  <p:tag name="MH_TYPE" val="OTHERS"/>
-  <p:tag name="ID" val="553526"/>
-  <p:tag name="KSO_WM_UNIT_TYPE" val="l_i"/>
-  <p:tag name="KSO_WM_UNIT_INDEX" val="1_12"/>
-  <p:tag name="KSO_WM_UNIT_ID" val="custom160564_11*l_i*1_12"/>
-  <p:tag name="KSO_WM_UNIT_CLEAR" val="1"/>
-  <p:tag name="KSO_WM_UNIT_LAYERLEVEL" val="1_1"/>
-  <p:tag name="KSO_WM_DIAGRAM_GROUP_CODE" val="l1-1"/>
-</p:tagLst>
-</file>
-
-<file path=ppt/tags/tag36.xml><?xml version="1.0" encoding="utf-8"?>
-<p:tagLst xmlns:p="http://schemas.openxmlformats.org/presentationml/2006/main">
-  <p:tag name="MH" val="20150923145210"/>
-  <p:tag name="MH_LIBRARY" val="CONTENTS"/>
-  <p:tag name="MH_TYPE" val="OTHERS"/>
-  <p:tag name="ID" val="553526"/>
-  <p:tag name="KSO_WM_TAG_VERSION" val="1.0"/>
-  <p:tag name="KSO_WM_BEAUTIFY_FLAG" val="#wm#"/>
-  <p:tag name="KSO_WM_UNIT_TYPE" val="i"/>
-  <p:tag name="KSO_WM_UNIT_ID" val="custom160564_11*i*42"/>
-  <p:tag name="KSO_WM_TEMPLATE_CATEGORY" val="custom"/>
-  <p:tag name="KSO_WM_TEMPLATE_INDEX" val="160564"/>
-  <p:tag name="KSO_WM_UNIT_INDEX" val="42"/>
-</p:tagLst>
-</file>
-
-<file path=ppt/tags/tag37.xml><?xml version="1.0" encoding="utf-8"?>
-<p:tagLst xmlns:p="http://schemas.openxmlformats.org/presentationml/2006/main">
-  <p:tag name="KSO_WM_TAG_VERSION" val="1.0"/>
-  <p:tag name="KSO_WM_BEAUTIFY_FLAG" val="#wm#"/>
-  <p:tag name="KSO_WM_TEMPLATE_CATEGORY" val="custom"/>
-  <p:tag name="KSO_WM_TEMPLATE_INDEX" val="160564"/>
-  <p:tag name="MH" val="20150923145210"/>
-  <p:tag name="MH_LIBRARY" val="CONTENTS"/>
-  <p:tag name="MH_TYPE" val="OTHERS"/>
-  <p:tag name="ID" val="553526"/>
-  <p:tag name="KSO_WM_UNIT_TYPE" val="a"/>
-  <p:tag name="KSO_WM_UNIT_INDEX" val="1"/>
-  <p:tag name="KSO_WM_UNIT_ID" val="custom160564_11*a*1"/>
-  <p:tag name="KSO_WM_UNIT_CLEAR" val="1"/>
-  <p:tag name="KSO_WM_UNIT_LAYERLEVEL" val="1"/>
-  <p:tag name="KSO_WM_UNIT_ISCONTENTSTITLE" val="1"/>
-  <p:tag name="KSO_WM_UNIT_VALUE" val="5"/>
-  <p:tag name="KSO_WM_UNIT_HIGHLIGHT" val="0"/>
-  <p:tag name="KSO_WM_UNIT_COMPATIBLE" val="0"/>
-  <p:tag name="KSO_WM_UNIT_BIND_DECORATION_IDS" val="custom160564_11*i*42"/>
-  <p:tag name="KSO_WM_UNIT_PRESET_TEXT" val="目录"/>
-</p:tagLst>
-</file>
-
-<file path=ppt/tags/tag38.xml><?xml version="1.0" encoding="utf-8"?>
-<p:tagLst xmlns:p="http://schemas.openxmlformats.org/presentationml/2006/main">
-  <p:tag name="KSO_WM_TAG_VERSION" val="1.0"/>
-  <p:tag name="KSO_WM_BEAUTIFY_FLAG" val="#wm#"/>
-  <p:tag name="KSO_WM_UNIT_TYPE" val="i"/>
-  <p:tag name="KSO_WM_UNIT_ID" val="custom160564_11*i*7"/>
-  <p:tag name="KSO_WM_TEMPLATE_CATEGORY" val="custom"/>
-  <p:tag name="KSO_WM_TEMPLATE_INDEX" val="160564"/>
-  <p:tag name="KSO_WM_UNIT_INDEX" val="7"/>
-</p:tagLst>
-</file>
-
-<file path=ppt/tags/tag39.xml><?xml version="1.0" encoding="utf-8"?>
-<p:tagLst xmlns:p="http://schemas.openxmlformats.org/presentationml/2006/main">
-  <p:tag name="KSO_WM_TAG_VERSION" val="1.0"/>
-  <p:tag name="KSO_WM_BEAUTIFY_FLAG" val="#wm#"/>
-  <p:tag name="KSO_WM_TEMPLATE_CATEGORY" val="custom"/>
-  <p:tag name="KSO_WM_TEMPLATE_INDEX" val="160564"/>
-  <p:tag name="MH" val="20150923145210"/>
-  <p:tag name="MH_LIBRARY" val="CONTENTS"/>
-  <p:tag name="MH_TYPE" val="NUMBER"/>
-  <p:tag name="ID" val="553526"/>
-  <p:tag name="MH_ORDER" val="1"/>
-  <p:tag name="KSO_WM_UNIT_TYPE" val="l_i"/>
-  <p:tag name="KSO_WM_UNIT_INDEX" val="1_1"/>
-  <p:tag name="KSO_WM_UNIT_ID" val="custom160564_11*l_i*1_1"/>
-  <p:tag name="KSO_WM_UNIT_CLEAR" val="1"/>
-  <p:tag name="KSO_WM_UNIT_LAYERLEVEL" val="1_1"/>
-  <p:tag name="KSO_WM_DIAGRAM_GROUP_CODE" val="l1-1"/>
-</p:tagLst>
-</file>
-
-<file path=ppt/tags/tag4.xml><?xml version="1.0" encoding="utf-8"?>
-<p:tagLst xmlns:p="http://schemas.openxmlformats.org/presentationml/2006/main">
-  <p:tag name="KSO_WM_TAG_VERSION" val="1.0"/>
-  <p:tag name="KSO_WM_TEMPLATE_CATEGORY" val="custom"/>
-  <p:tag name="KSO_WM_TEMPLATE_INDEX" val="160564"/>
-</p:tagLst>
-</file>
-
-<file path=ppt/tags/tag40.xml><?xml version="1.0" encoding="utf-8"?>
-<p:tagLst xmlns:p="http://schemas.openxmlformats.org/presentationml/2006/main">
-  <p:tag name="KSO_WM_TAG_VERSION" val="1.0"/>
-  <p:tag name="KSO_WM_BEAUTIFY_FLAG" val="#wm#"/>
-  <p:tag name="KSO_WM_TEMPLATE_CATEGORY" val="custom"/>
-  <p:tag name="KSO_WM_TEMPLATE_INDEX" val="160564"/>
-  <p:tag name="MH" val="20150923145210"/>
-  <p:tag name="MH_LIBRARY" val="CONTENTS"/>
-  <p:tag name="MH_TYPE" val="ENTRY"/>
-  <p:tag name="ID" val="553526"/>
-  <p:tag name="MH_ORDER" val="1"/>
-  <p:tag name="KSO_WM_UNIT_TYPE" val="l_h_f"/>
-  <p:tag name="KSO_WM_UNIT_INDEX" val="1_1_1"/>
-  <p:tag name="KSO_WM_UNIT_ID" val="custom160564_11*l_h_f*1_1_1"/>
-  <p:tag name="KSO_WM_UNIT_CLEAR" val="1"/>
-  <p:tag name="KSO_WM_UNIT_LAYERLEVEL" val="1_1_1"/>
-  <p:tag name="KSO_WM_UNIT_VALUE" val="28"/>
-  <p:tag name="KSO_WM_UNIT_HIGHLIGHT" val="0"/>
-  <p:tag name="KSO_WM_UNIT_COMPATIBLE" val="0"/>
-  <p:tag name="KSO_WM_UNIT_PRESET_TEXT_INDEX" val="3"/>
-  <p:tag name="KSO_WM_UNIT_PRESET_TEXT_LEN" val="17"/>
-  <p:tag name="KSO_WM_DIAGRAM_GROUP_CODE" val="l1-1"/>
-</p:tagLst>
-</file>
-
-<file path=ppt/tags/tag41.xml><?xml version="1.0" encoding="utf-8"?>
-<p:tagLst xmlns:p="http://schemas.openxmlformats.org/presentationml/2006/main">
-  <p:tag name="KSO_WM_TAG_VERSION" val="1.0"/>
-  <p:tag name="KSO_WM_BEAUTIFY_FLAG" val="#wm#"/>
-  <p:tag name="KSO_WM_TEMPLATE_CATEGORY" val="custom"/>
-  <p:tag name="KSO_WM_TEMPLATE_INDEX" val="160564"/>
-  <p:tag name="MH" val="20150923145210"/>
-  <p:tag name="MH_LIBRARY" val="CONTENTS"/>
-  <p:tag name="MH_TYPE" val="OTHERS"/>
-  <p:tag name="ID" val="553526"/>
-  <p:tag name="KSO_WM_UNIT_TYPE" val="l_i"/>
-  <p:tag name="KSO_WM_UNIT_INDEX" val="1_2"/>
-  <p:tag name="KSO_WM_UNIT_ID" val="custom160564_11*l_i*1_2"/>
-  <p:tag name="KSO_WM_UNIT_CLEAR" val="1"/>
-  <p:tag name="KSO_WM_UNIT_LAYERLEVEL" val="1_1"/>
-  <p:tag name="KSO_WM_DIAGRAM_GROUP_CODE" val="l1-1"/>
-</p:tagLst>
-</file>
-
-<file path=ppt/tags/tag42.xml><?xml version="1.0" encoding="utf-8"?>
-<p:tagLst xmlns:p="http://schemas.openxmlformats.org/presentationml/2006/main">
-  <p:tag name="KSO_WM_TAG_VERSION" val="1.0"/>
-  <p:tag name="KSO_WM_BEAUTIFY_FLAG" val="#wm#"/>
-  <p:tag name="KSO_WM_UNIT_TYPE" val="i"/>
-  <p:tag name="KSO_WM_UNIT_ID" val="custom160564_11*i*7"/>
-  <p:tag name="KSO_WM_TEMPLATE_CATEGORY" val="custom"/>
-  <p:tag name="KSO_WM_TEMPLATE_INDEX" val="160564"/>
-  <p:tag name="KSO_WM_UNIT_INDEX" val="7"/>
-</p:tagLst>
-</file>
-
-<file path=ppt/tags/tag43.xml><?xml version="1.0" encoding="utf-8"?>
-<p:tagLst xmlns:p="http://schemas.openxmlformats.org/presentationml/2006/main">
-  <p:tag name="KSO_WM_TAG_VERSION" val="1.0"/>
-  <p:tag name="KSO_WM_BEAUTIFY_FLAG" val="#wm#"/>
-  <p:tag name="KSO_WM_TEMPLATE_CATEGORY" val="custom"/>
-  <p:tag name="KSO_WM_TEMPLATE_INDEX" val="160564"/>
-  <p:tag name="MH" val="20150923145210"/>
-  <p:tag name="MH_LIBRARY" val="CONTENTS"/>
-  <p:tag name="MH_TYPE" val="NUMBER"/>
-  <p:tag name="ID" val="553526"/>
-  <p:tag name="MH_ORDER" val="1"/>
-  <p:tag name="KSO_WM_UNIT_TYPE" val="l_i"/>
-  <p:tag name="KSO_WM_UNIT_INDEX" val="1_1"/>
-  <p:tag name="KSO_WM_UNIT_ID" val="custom160564_11*l_i*1_1"/>
-  <p:tag name="KSO_WM_UNIT_CLEAR" val="1"/>
-  <p:tag name="KSO_WM_UNIT_LAYERLEVEL" val="1_1"/>
-  <p:tag name="KSO_WM_DIAGRAM_GROUP_CODE" val="l1-1"/>
-</p:tagLst>
-</file>
-
-<file path=ppt/tags/tag44.xml><?xml version="1.0" encoding="utf-8"?>
-<p:tagLst xmlns:p="http://schemas.openxmlformats.org/presentationml/2006/main">
-  <p:tag name="KSO_WM_TAG_VERSION" val="1.0"/>
-  <p:tag name="KSO_WM_BEAUTIFY_FLAG" val="#wm#"/>
-  <p:tag name="KSO_WM_TEMPLATE_CATEGORY" val="custom"/>
-  <p:tag name="KSO_WM_TEMPLATE_INDEX" val="160564"/>
-  <p:tag name="MH" val="20150923145210"/>
-  <p:tag name="MH_LIBRARY" val="CONTENTS"/>
-  <p:tag name="MH_TYPE" val="ENTRY"/>
-  <p:tag name="ID" val="553526"/>
-  <p:tag name="MH_ORDER" val="1"/>
-  <p:tag name="KSO_WM_UNIT_TYPE" val="l_h_f"/>
-  <p:tag name="KSO_WM_UNIT_INDEX" val="1_1_1"/>
-  <p:tag name="KSO_WM_UNIT_ID" val="custom160564_11*l_h_f*1_1_1"/>
-  <p:tag name="KSO_WM_UNIT_CLEAR" val="1"/>
-  <p:tag name="KSO_WM_UNIT_LAYERLEVEL" val="1_1_1"/>
-  <p:tag name="KSO_WM_UNIT_VALUE" val="28"/>
-  <p:tag name="KSO_WM_UNIT_HIGHLIGHT" val="0"/>
-  <p:tag name="KSO_WM_UNIT_COMPATIBLE" val="0"/>
-  <p:tag name="KSO_WM_UNIT_PRESET_TEXT_INDEX" val="3"/>
-  <p:tag name="KSO_WM_UNIT_PRESET_TEXT_LEN" val="17"/>
-  <p:tag name="KSO_WM_DIAGRAM_GROUP_CODE" val="l1-1"/>
-</p:tagLst>
-</file>
-
-<file path=ppt/tags/tag45.xml><?xml version="1.0" encoding="utf-8"?>
-<p:tagLst xmlns:p="http://schemas.openxmlformats.org/presentationml/2006/main">
-  <p:tag name="KSO_WM_TAG_VERSION" val="1.0"/>
-  <p:tag name="KSO_WM_BEAUTIFY_FLAG" val="#wm#"/>
-  <p:tag name="KSO_WM_TEMPLATE_CATEGORY" val="custom"/>
-  <p:tag name="KSO_WM_TEMPLATE_INDEX" val="160564"/>
-  <p:tag name="MH" val="20150923145210"/>
-  <p:tag name="MH_LIBRARY" val="CONTENTS"/>
-  <p:tag name="MH_TYPE" val="OTHERS"/>
-  <p:tag name="ID" val="553526"/>
-  <p:tag name="KSO_WM_UNIT_TYPE" val="l_i"/>
-  <p:tag name="KSO_WM_UNIT_INDEX" val="1_2"/>
-  <p:tag name="KSO_WM_UNIT_ID" val="custom160564_11*l_i*1_2"/>
-  <p:tag name="KSO_WM_UNIT_CLEAR" val="1"/>
-  <p:tag name="KSO_WM_UNIT_LAYERLEVEL" val="1_1"/>
-  <p:tag name="KSO_WM_DIAGRAM_GROUP_CODE" val="l1-1"/>
-</p:tagLst>
-</file>
-
-<file path=ppt/tags/tag46.xml><?xml version="1.0" encoding="utf-8"?>
-<p:tagLst xmlns:p="http://schemas.openxmlformats.org/presentationml/2006/main">
-  <p:tag name="MH" val="20150923145210"/>
-  <p:tag name="MH_LIBRARY" val="CONTENTS"/>
-  <p:tag name="MH_AUTOCOLOR" val="TRUE"/>
-  <p:tag name="MH_TYPE" val="CONTENTS"/>
-  <p:tag name="ID" val="553526"/>
-  <p:tag name="KSO_WM_TEMPLATE_CATEGORY" val="custom"/>
-  <p:tag name="KSO_WM_TEMPLATE_INDEX" val="160564"/>
-  <p:tag name="KSO_WM_TAG_VERSION" val="1.0"/>
-  <p:tag name="KSO_WM_SLIDE_ID" val="custom160564_11"/>
-  <p:tag name="KSO_WM_SLIDE_INDEX" val="11"/>
-  <p:tag name="KSO_WM_SLIDE_ITEM_CNT" val="6"/>
-  <p:tag name="KSO_WM_SLIDE_LAYOUT" val="a_l"/>
-  <p:tag name="KSO_WM_SLIDE_LAYOUT_CNT" val="1_1"/>
-  <p:tag name="KSO_WM_SLIDE_TYPE" val="contents"/>
-  <p:tag name="KSO_WM_BEAUTIFY_FLAG" val="#wm#"/>
-  <p:tag name="KSO_WM_DIAGRAM_GROUP_CODE" val="l1-1"/>
-</p:tagLst>
-</file>
-
-<file path=ppt/tags/tag47.xml><?xml version="1.0" encoding="utf-8"?>
-<p:tagLst xmlns:p="http://schemas.openxmlformats.org/presentationml/2006/main">
+<file path=ppt/tags/tag48.xml><?xml version="1.0" encoding="utf-8"?>
+<p:tagLst xmlns:a="http://schemas.openxmlformats.org/drawingml/2006/main" xmlns:r="http://schemas.openxmlformats.org/officeDocument/2006/relationships" xmlns:p="http://schemas.openxmlformats.org/presentationml/2006/main">
   <p:tag name="KSO_WM_TAG_VERSION" val="1.0"/>
   <p:tag name="KSO_WM_BEAUTIFY_FLAG" val="#wm#"/>
   <p:tag name="KSO_WM_TEMPLATE_CATEGORY" val="custom"/>
@@ -24857,8 +24519,8 @@
 </p:tagLst>
 </file>
 
-<file path=ppt/tags/tag48.xml><?xml version="1.0" encoding="utf-8"?>
-<p:tagLst xmlns:p="http://schemas.openxmlformats.org/presentationml/2006/main">
+<file path=ppt/tags/tag49.xml><?xml version="1.0" encoding="utf-8"?>
+<p:tagLst xmlns:a="http://schemas.openxmlformats.org/drawingml/2006/main" xmlns:r="http://schemas.openxmlformats.org/officeDocument/2006/relationships" xmlns:p="http://schemas.openxmlformats.org/presentationml/2006/main">
   <p:tag name="KSO_WM_TAG_VERSION" val="1.0"/>
   <p:tag name="KSO_WM_BEAUTIFY_FLAG" val="#wm#"/>
   <p:tag name="KSO_WM_TEMPLATE_CATEGORY" val="custom"/>
@@ -24878,45 +24540,24 @@
 </p:tagLst>
 </file>
 
-<file path=ppt/tags/tag49.xml><?xml version="1.0" encoding="utf-8"?>
-<p:tagLst xmlns:p="http://schemas.openxmlformats.org/presentationml/2006/main">
-  <p:tag name="MH" val="20150923145622"/>
-  <p:tag name="MH_LIBRARY" val="GRAPHIC"/>
+<file path=ppt/tags/tag5.xml><?xml version="1.0" encoding="utf-8"?>
+<p:tagLst xmlns:a="http://schemas.openxmlformats.org/drawingml/2006/main" xmlns:r="http://schemas.openxmlformats.org/officeDocument/2006/relationships" xmlns:p="http://schemas.openxmlformats.org/presentationml/2006/main">
+  <p:tag name="KSO_WM_TEMPLATE_THUMBS_INDEX" val="1、4、5、8、12、16、19、25、27、28、29"/>
   <p:tag name="KSO_WM_TEMPLATE_CATEGORY" val="custom"/>
   <p:tag name="KSO_WM_TEMPLATE_INDEX" val="160564"/>
   <p:tag name="KSO_WM_TAG_VERSION" val="1.0"/>
-  <p:tag name="KSO_WM_SLIDE_ID" val="custom160564_12"/>
-  <p:tag name="KSO_WM_SLIDE_INDEX" val="12"/>
-  <p:tag name="KSO_WM_SLIDE_ITEM_CNT" val="1"/>
-  <p:tag name="KSO_WM_SLIDE_LAYOUT" val="a_e"/>
+  <p:tag name="KSO_WM_SLIDE_ID" val="custom160564_1"/>
+  <p:tag name="KSO_WM_SLIDE_INDEX" val="1"/>
+  <p:tag name="KSO_WM_SLIDE_ITEM_CNT" val="2"/>
+  <p:tag name="KSO_WM_SLIDE_LAYOUT" val="a_b"/>
   <p:tag name="KSO_WM_SLIDE_LAYOUT_CNT" val="1_1"/>
-  <p:tag name="KSO_WM_SLIDE_TYPE" val="sectionTitle"/>
+  <p:tag name="KSO_WM_SLIDE_TYPE" val="title"/>
   <p:tag name="KSO_WM_BEAUTIFY_FLAG" val="#wm#"/>
 </p:tagLst>
 </file>
 
-<file path=ppt/tags/tag5.xml><?xml version="1.0" encoding="utf-8"?>
-<p:tagLst xmlns:p="http://schemas.openxmlformats.org/presentationml/2006/main">
-  <p:tag name="KSO_WM_TAG_VERSION" val="1.0"/>
-  <p:tag name="KSO_WM_BEAUTIFY_FLAG" val="#wm#"/>
-  <p:tag name="KSO_WM_TEMPLATE_CATEGORY" val="custom"/>
-  <p:tag name="KSO_WM_TEMPLATE_INDEX" val="160564"/>
-  <p:tag name="KSO_WM_UNIT_TYPE" val="a"/>
-  <p:tag name="KSO_WM_UNIT_INDEX" val="1"/>
-  <p:tag name="KSO_WM_UNIT_ID" val="custom160564_1*a*1"/>
-  <p:tag name="KSO_WM_UNIT_CLEAR" val="1"/>
-  <p:tag name="KSO_WM_UNIT_LAYERLEVEL" val="1"/>
-  <p:tag name="KSO_WM_UNIT_VALUE" val="28"/>
-  <p:tag name="KSO_WM_UNIT_ISCONTENTSTITLE" val="0"/>
-  <p:tag name="KSO_WM_UNIT_HIGHLIGHT" val="0"/>
-  <p:tag name="KSO_WM_UNIT_COMPATIBLE" val="0"/>
-  <p:tag name="KSO_WM_UNIT_PRESET_TEXT_INDEX" val="3"/>
-  <p:tag name="KSO_WM_UNIT_PRESET_TEXT_LEN" val="17"/>
-</p:tagLst>
-</file>
-
 <file path=ppt/tags/tag50.xml><?xml version="1.0" encoding="utf-8"?>
-<p:tagLst xmlns:p="http://schemas.openxmlformats.org/presentationml/2006/main">
+<p:tagLst xmlns:a="http://schemas.openxmlformats.org/drawingml/2006/main" xmlns:r="http://schemas.openxmlformats.org/officeDocument/2006/relationships" xmlns:p="http://schemas.openxmlformats.org/presentationml/2006/main">
   <p:tag name="KSO_WM_BEAUTIFY_FLAG" val="#wm#"/>
   <p:tag name="KSO_WM_TEMPLATE_CATEGORY" val="custom"/>
   <p:tag name="KSO_WM_TEMPLATE_INDEX" val="160564"/>
@@ -24924,7 +24565,7 @@
 </file>
 
 <file path=ppt/tags/tag51.xml><?xml version="1.0" encoding="utf-8"?>
-<p:tagLst xmlns:p="http://schemas.openxmlformats.org/presentationml/2006/main">
+<p:tagLst xmlns:a="http://schemas.openxmlformats.org/drawingml/2006/main" xmlns:r="http://schemas.openxmlformats.org/officeDocument/2006/relationships" xmlns:p="http://schemas.openxmlformats.org/presentationml/2006/main">
   <p:tag name="KSO_WM_BEAUTIFY_FLAG" val="#wm#"/>
   <p:tag name="KSO_WM_TEMPLATE_CATEGORY" val="custom"/>
   <p:tag name="KSO_WM_TEMPLATE_INDEX" val="160564"/>
@@ -24932,7 +24573,31 @@
 </file>
 
 <file path=ppt/tags/tag52.xml><?xml version="1.0" encoding="utf-8"?>
-<p:tagLst xmlns:p="http://schemas.openxmlformats.org/presentationml/2006/main">
+<p:tagLst xmlns:a="http://schemas.openxmlformats.org/drawingml/2006/main" xmlns:r="http://schemas.openxmlformats.org/officeDocument/2006/relationships" xmlns:p="http://schemas.openxmlformats.org/presentationml/2006/main">
+  <p:tag name="MH_TYPE" val="#NeiR#"/>
+  <p:tag name="MH_NUMBER" val="4"/>
+  <p:tag name="MH_CATEGORY" val="#BingLLB#"/>
+  <p:tag name="MH_LAYOUT" val="SubTitle"/>
+  <p:tag name="MH" val="20150923145735"/>
+  <p:tag name="MH_LIBRARY" val="GRAPHIC"/>
+  <p:tag name="KSO_WM_TEMPLATE_CATEGORY" val="custom"/>
+  <p:tag name="KSO_WM_TEMPLATE_INDEX" val="160564"/>
+  <p:tag name="KSO_WM_TAG_VERSION" val="1.0"/>
+  <p:tag name="KSO_WM_SLIDE_ID" val="custom160564_13"/>
+  <p:tag name="KSO_WM_SLIDE_INDEX" val="13"/>
+  <p:tag name="KSO_WM_SLIDE_ITEM_CNT" val="1"/>
+  <p:tag name="KSO_WM_SLIDE_LAYOUT" val="a_l"/>
+  <p:tag name="KSO_WM_SLIDE_LAYOUT_CNT" val="1_1"/>
+  <p:tag name="KSO_WM_SLIDE_TYPE" val="text"/>
+  <p:tag name="KSO_WM_BEAUTIFY_FLAG" val="#wm#"/>
+  <p:tag name="KSO_WM_SLIDE_POSITION" val="296*272"/>
+  <p:tag name="KSO_WM_SLIDE_SIZE" val="368*56"/>
+  <p:tag name="KSO_WM_DIAGRAM_GROUP_CODE" val="l1-2"/>
+</p:tagLst>
+</file>
+
+<file path=ppt/tags/tag53.xml><?xml version="1.0" encoding="utf-8"?>
+<p:tagLst xmlns:a="http://schemas.openxmlformats.org/drawingml/2006/main" xmlns:r="http://schemas.openxmlformats.org/officeDocument/2006/relationships" xmlns:p="http://schemas.openxmlformats.org/presentationml/2006/main">
   <p:tag name="KSO_WM_TAG_VERSION" val="1.0"/>
   <p:tag name="KSO_WM_BEAUTIFY_FLAG" val="#wm#"/>
   <p:tag name="KSO_WM_TEMPLATE_CATEGORY" val="custom"/>
@@ -24955,8 +24620,16 @@
 </p:tagLst>
 </file>
 
-<file path=ppt/tags/tag53.xml><?xml version="1.0" encoding="utf-8"?>
-<p:tagLst xmlns:p="http://schemas.openxmlformats.org/presentationml/2006/main">
+<file path=ppt/tags/tag54.xml><?xml version="1.0" encoding="utf-8"?>
+<p:tagLst xmlns:a="http://schemas.openxmlformats.org/drawingml/2006/main" xmlns:r="http://schemas.openxmlformats.org/officeDocument/2006/relationships" xmlns:p="http://schemas.openxmlformats.org/presentationml/2006/main">
+  <p:tag name="KSO_WM_BEAUTIFY_FLAG" val="#wm#"/>
+  <p:tag name="KSO_WM_TEMPLATE_CATEGORY" val="custom"/>
+  <p:tag name="KSO_WM_TEMPLATE_INDEX" val="160564"/>
+</p:tagLst>
+</file>
+
+<file path=ppt/tags/tag55.xml><?xml version="1.0" encoding="utf-8"?>
+<p:tagLst xmlns:a="http://schemas.openxmlformats.org/drawingml/2006/main" xmlns:r="http://schemas.openxmlformats.org/officeDocument/2006/relationships" xmlns:p="http://schemas.openxmlformats.org/presentationml/2006/main">
   <p:tag name="MH_TYPE" val="#NeiR#"/>
   <p:tag name="MH_NUMBER" val="4"/>
   <p:tag name="MH_CATEGORY" val="#BingLLB#"/>
@@ -24966,29 +24639,21 @@
   <p:tag name="KSO_WM_TEMPLATE_CATEGORY" val="custom"/>
   <p:tag name="KSO_WM_TEMPLATE_INDEX" val="160564"/>
   <p:tag name="KSO_WM_TAG_VERSION" val="1.0"/>
-  <p:tag name="KSO_WM_SLIDE_ID" val="custom160564_13"/>
-  <p:tag name="KSO_WM_SLIDE_INDEX" val="13"/>
-  <p:tag name="KSO_WM_SLIDE_ITEM_CNT" val="1"/>
+  <p:tag name="KSO_WM_SLIDE_ID" val="custom160564_14"/>
+  <p:tag name="KSO_WM_SLIDE_INDEX" val="14"/>
+  <p:tag name="KSO_WM_SLIDE_ITEM_CNT" val="2"/>
   <p:tag name="KSO_WM_SLIDE_LAYOUT" val="a_l"/>
   <p:tag name="KSO_WM_SLIDE_LAYOUT_CNT" val="1_1"/>
   <p:tag name="KSO_WM_SLIDE_TYPE" val="text"/>
   <p:tag name="KSO_WM_BEAUTIFY_FLAG" val="#wm#"/>
-  <p:tag name="KSO_WM_SLIDE_POSITION" val="296*272"/>
-  <p:tag name="KSO_WM_SLIDE_SIZE" val="368*56"/>
+  <p:tag name="KSO_WM_SLIDE_POSITION" val="128*207"/>
+  <p:tag name="KSO_WM_SLIDE_SIZE" val="704*210"/>
   <p:tag name="KSO_WM_DIAGRAM_GROUP_CODE" val="l1-2"/>
 </p:tagLst>
 </file>
 
-<file path=ppt/tags/tag54.xml><?xml version="1.0" encoding="utf-8"?>
-<p:tagLst xmlns:p="http://schemas.openxmlformats.org/presentationml/2006/main">
-  <p:tag name="KSO_WM_BEAUTIFY_FLAG" val="#wm#"/>
-  <p:tag name="KSO_WM_TEMPLATE_CATEGORY" val="custom"/>
-  <p:tag name="KSO_WM_TEMPLATE_INDEX" val="160564"/>
-</p:tagLst>
-</file>
-
-<file path=ppt/tags/tag55.xml><?xml version="1.0" encoding="utf-8"?>
-<p:tagLst xmlns:p="http://schemas.openxmlformats.org/presentationml/2006/main">
+<file path=ppt/tags/tag56.xml><?xml version="1.0" encoding="utf-8"?>
+<p:tagLst xmlns:a="http://schemas.openxmlformats.org/drawingml/2006/main" xmlns:r="http://schemas.openxmlformats.org/officeDocument/2006/relationships" xmlns:p="http://schemas.openxmlformats.org/presentationml/2006/main">
   <p:tag name="KSO_WM_TAG_VERSION" val="1.0"/>
   <p:tag name="KSO_WM_BEAUTIFY_FLAG" val="#wm#"/>
   <p:tag name="KSO_WM_TEMPLATE_CATEGORY" val="custom"/>
@@ -25011,32 +24676,8 @@
 </p:tagLst>
 </file>
 
-<file path=ppt/tags/tag56.xml><?xml version="1.0" encoding="utf-8"?>
-<p:tagLst xmlns:p="http://schemas.openxmlformats.org/presentationml/2006/main">
-  <p:tag name="MH_TYPE" val="#NeiR#"/>
-  <p:tag name="MH_NUMBER" val="4"/>
-  <p:tag name="MH_CATEGORY" val="#BingLLB#"/>
-  <p:tag name="MH_LAYOUT" val="SubTitle"/>
-  <p:tag name="MH" val="20150923145735"/>
-  <p:tag name="MH_LIBRARY" val="GRAPHIC"/>
-  <p:tag name="KSO_WM_TEMPLATE_CATEGORY" val="custom"/>
-  <p:tag name="KSO_WM_TEMPLATE_INDEX" val="160564"/>
-  <p:tag name="KSO_WM_TAG_VERSION" val="1.0"/>
-  <p:tag name="KSO_WM_SLIDE_ID" val="custom160564_14"/>
-  <p:tag name="KSO_WM_SLIDE_INDEX" val="14"/>
-  <p:tag name="KSO_WM_SLIDE_ITEM_CNT" val="2"/>
-  <p:tag name="KSO_WM_SLIDE_LAYOUT" val="a_l"/>
-  <p:tag name="KSO_WM_SLIDE_LAYOUT_CNT" val="1_1"/>
-  <p:tag name="KSO_WM_SLIDE_TYPE" val="text"/>
-  <p:tag name="KSO_WM_BEAUTIFY_FLAG" val="#wm#"/>
-  <p:tag name="KSO_WM_SLIDE_POSITION" val="128*207"/>
-  <p:tag name="KSO_WM_SLIDE_SIZE" val="704*210"/>
-  <p:tag name="KSO_WM_DIAGRAM_GROUP_CODE" val="l1-2"/>
-</p:tagLst>
-</file>
-
 <file path=ppt/tags/tag57.xml><?xml version="1.0" encoding="utf-8"?>
-<p:tagLst xmlns:p="http://schemas.openxmlformats.org/presentationml/2006/main">
+<p:tagLst xmlns:a="http://schemas.openxmlformats.org/drawingml/2006/main" xmlns:r="http://schemas.openxmlformats.org/officeDocument/2006/relationships" xmlns:p="http://schemas.openxmlformats.org/presentationml/2006/main">
   <p:tag name="KSO_WM_BEAUTIFY_FLAG" val="#wm#"/>
   <p:tag name="KSO_WM_TEMPLATE_CATEGORY" val="custom"/>
   <p:tag name="KSO_WM_TEMPLATE_INDEX" val="160564"/>
@@ -25044,7 +24685,24 @@
 </file>
 
 <file path=ppt/tags/tag58.xml><?xml version="1.0" encoding="utf-8"?>
-<p:tagLst xmlns:p="http://schemas.openxmlformats.org/presentationml/2006/main">
+<p:tagLst xmlns:a="http://schemas.openxmlformats.org/drawingml/2006/main" xmlns:r="http://schemas.openxmlformats.org/officeDocument/2006/relationships" xmlns:p="http://schemas.openxmlformats.org/presentationml/2006/main">
+  <p:tag name="MH" val="20150923145622"/>
+  <p:tag name="MH_LIBRARY" val="GRAPHIC"/>
+  <p:tag name="KSO_WM_TEMPLATE_CATEGORY" val="custom"/>
+  <p:tag name="KSO_WM_TEMPLATE_INDEX" val="160564"/>
+  <p:tag name="KSO_WM_TAG_VERSION" val="1.0"/>
+  <p:tag name="KSO_WM_SLIDE_ID" val="custom160564_12"/>
+  <p:tag name="KSO_WM_SLIDE_INDEX" val="12"/>
+  <p:tag name="KSO_WM_SLIDE_ITEM_CNT" val="1"/>
+  <p:tag name="KSO_WM_SLIDE_LAYOUT" val="a_e"/>
+  <p:tag name="KSO_WM_SLIDE_LAYOUT_CNT" val="1_1"/>
+  <p:tag name="KSO_WM_SLIDE_TYPE" val="sectionTitle"/>
+  <p:tag name="KSO_WM_BEAUTIFY_FLAG" val="#wm#"/>
+</p:tagLst>
+</file>
+
+<file path=ppt/tags/tag59.xml><?xml version="1.0" encoding="utf-8"?>
+<p:tagLst xmlns:a="http://schemas.openxmlformats.org/drawingml/2006/main" xmlns:r="http://schemas.openxmlformats.org/officeDocument/2006/relationships" xmlns:p="http://schemas.openxmlformats.org/presentationml/2006/main">
   <p:tag name="KSO_WM_TAG_VERSION" val="1.0"/>
   <p:tag name="KSO_WM_BEAUTIFY_FLAG" val="#wm#"/>
   <p:tag name="KSO_WM_TEMPLATE_CATEGORY" val="custom"/>
@@ -25063,8 +24721,28 @@
 </p:tagLst>
 </file>
 
-<file path=ppt/tags/tag59.xml><?xml version="1.0" encoding="utf-8"?>
-<p:tagLst xmlns:p="http://schemas.openxmlformats.org/presentationml/2006/main">
+<file path=ppt/tags/tag6.xml><?xml version="1.0" encoding="utf-8"?>
+<p:tagLst xmlns:a="http://schemas.openxmlformats.org/drawingml/2006/main" xmlns:r="http://schemas.openxmlformats.org/officeDocument/2006/relationships" xmlns:p="http://schemas.openxmlformats.org/presentationml/2006/main">
+  <p:tag name="KSO_WM_TAG_VERSION" val="1.0"/>
+  <p:tag name="KSO_WM_BEAUTIFY_FLAG" val="#wm#"/>
+  <p:tag name="KSO_WM_TEMPLATE_CATEGORY" val="custom"/>
+  <p:tag name="KSO_WM_TEMPLATE_INDEX" val="160564"/>
+  <p:tag name="KSO_WM_UNIT_TYPE" val="a"/>
+  <p:tag name="KSO_WM_UNIT_INDEX" val="1"/>
+  <p:tag name="KSO_WM_UNIT_ID" val="custom160564_1*a*1"/>
+  <p:tag name="KSO_WM_UNIT_CLEAR" val="1"/>
+  <p:tag name="KSO_WM_UNIT_LAYERLEVEL" val="1"/>
+  <p:tag name="KSO_WM_UNIT_VALUE" val="28"/>
+  <p:tag name="KSO_WM_UNIT_ISCONTENTSTITLE" val="0"/>
+  <p:tag name="KSO_WM_UNIT_HIGHLIGHT" val="0"/>
+  <p:tag name="KSO_WM_UNIT_COMPATIBLE" val="0"/>
+  <p:tag name="KSO_WM_UNIT_PRESET_TEXT_INDEX" val="3"/>
+  <p:tag name="KSO_WM_UNIT_PRESET_TEXT_LEN" val="17"/>
+</p:tagLst>
+</file>
+
+<file path=ppt/tags/tag60.xml><?xml version="1.0" encoding="utf-8"?>
+<p:tagLst xmlns:a="http://schemas.openxmlformats.org/drawingml/2006/main" xmlns:r="http://schemas.openxmlformats.org/officeDocument/2006/relationships" xmlns:p="http://schemas.openxmlformats.org/presentationml/2006/main">
   <p:tag name="KSO_WM_TAG_VERSION" val="1.0"/>
   <p:tag name="KSO_WM_BEAUTIFY_FLAG" val="#wm#"/>
   <p:tag name="KSO_WM_TEMPLATE_CATEGORY" val="custom"/>
@@ -25084,160 +24762,8 @@
 </p:tagLst>
 </file>
 
-<file path=ppt/tags/tag6.xml><?xml version="1.0" encoding="utf-8"?>
-<p:tagLst xmlns:p="http://schemas.openxmlformats.org/presentationml/2006/main">
-  <p:tag name="KSO_WM_TAG_VERSION" val="1.0"/>
-  <p:tag name="KSO_WM_BEAUTIFY_FLAG" val="#wm#"/>
-  <p:tag name="KSO_WM_TEMPLATE_CATEGORY" val="custom"/>
-  <p:tag name="KSO_WM_TEMPLATE_INDEX" val="160564"/>
-  <p:tag name="KSO_WM_UNIT_TYPE" val="b"/>
-  <p:tag name="KSO_WM_UNIT_INDEX" val="1"/>
-  <p:tag name="KSO_WM_UNIT_ID" val="custom160564_1*b*1"/>
-  <p:tag name="KSO_WM_UNIT_CLEAR" val="1"/>
-  <p:tag name="KSO_WM_UNIT_LAYERLEVEL" val="1"/>
-  <p:tag name="KSO_WM_UNIT_VALUE" val="35"/>
-  <p:tag name="KSO_WM_UNIT_ISCONTENTSTITLE" val="0"/>
-  <p:tag name="KSO_WM_UNIT_HIGHLIGHT" val="0"/>
-  <p:tag name="KSO_WM_UNIT_COMPATIBLE" val="0"/>
-  <p:tag name="KSO_WM_UNIT_PRESET_TEXT_INDEX" val="3"/>
-  <p:tag name="KSO_WM_UNIT_PRESET_TEXT_LEN" val="17"/>
-</p:tagLst>
-</file>
-
-<file path=ppt/tags/tag60.xml><?xml version="1.0" encoding="utf-8"?>
-<p:tagLst xmlns:p="http://schemas.openxmlformats.org/presentationml/2006/main">
-  <p:tag name="MH" val="20150923145622"/>
-  <p:tag name="MH_LIBRARY" val="GRAPHIC"/>
-  <p:tag name="KSO_WM_TEMPLATE_CATEGORY" val="custom"/>
-  <p:tag name="KSO_WM_TEMPLATE_INDEX" val="160564"/>
-  <p:tag name="KSO_WM_TAG_VERSION" val="1.0"/>
-  <p:tag name="KSO_WM_SLIDE_ID" val="custom160564_12"/>
-  <p:tag name="KSO_WM_SLIDE_INDEX" val="12"/>
-  <p:tag name="KSO_WM_SLIDE_ITEM_CNT" val="1"/>
-  <p:tag name="KSO_WM_SLIDE_LAYOUT" val="a_e"/>
-  <p:tag name="KSO_WM_SLIDE_LAYOUT_CNT" val="1_1"/>
-  <p:tag name="KSO_WM_SLIDE_TYPE" val="sectionTitle"/>
-  <p:tag name="KSO_WM_BEAUTIFY_FLAG" val="#wm#"/>
-</p:tagLst>
-</file>
-
 <file path=ppt/tags/tag61.xml><?xml version="1.0" encoding="utf-8"?>
-<p:tagLst xmlns:p="http://schemas.openxmlformats.org/presentationml/2006/main">
-  <p:tag name="KSO_WM_TAG_VERSION" val="1.0"/>
-  <p:tag name="KSO_WM_BEAUTIFY_FLAG" val="#wm#"/>
-  <p:tag name="KSO_WM_UNIT_TYPE" val="i"/>
-  <p:tag name="KSO_WM_UNIT_ID" val="custom160564_19*i*0"/>
-  <p:tag name="KSO_WM_TEMPLATE_CATEGORY" val="custom"/>
-  <p:tag name="KSO_WM_TEMPLATE_INDEX" val="160564"/>
-  <p:tag name="KSO_WM_UNIT_INDEX" val="0"/>
-</p:tagLst>
-</file>
-
-<file path=ppt/tags/tag62.xml><?xml version="1.0" encoding="utf-8"?>
-<p:tagLst xmlns:p="http://schemas.openxmlformats.org/presentationml/2006/main">
-  <p:tag name="MH" val="20150923150227"/>
-  <p:tag name="MH_LIBRARY" val="GRAPHIC"/>
-  <p:tag name="MH_TYPE" val="Other"/>
-  <p:tag name="MH_ORDER" val="1"/>
-  <p:tag name="KSO_WM_TAG_VERSION" val="1.0"/>
-  <p:tag name="KSO_WM_BEAUTIFY_FLAG" val="#wm#"/>
-  <p:tag name="KSO_WM_UNIT_TYPE" val="i"/>
-  <p:tag name="KSO_WM_UNIT_ID" val="custom160564_19*i*5"/>
-  <p:tag name="KSO_WM_TEMPLATE_CATEGORY" val="custom"/>
-  <p:tag name="KSO_WM_TEMPLATE_INDEX" val="160564"/>
-  <p:tag name="KSO_WM_UNIT_INDEX" val="5"/>
-</p:tagLst>
-</file>
-
-<file path=ppt/tags/tag63.xml><?xml version="1.0" encoding="utf-8"?>
-<p:tagLst xmlns:p="http://schemas.openxmlformats.org/presentationml/2006/main">
-  <p:tag name="MH" val="20150923150227"/>
-  <p:tag name="MH_LIBRARY" val="GRAPHIC"/>
-  <p:tag name="MH_TYPE" val="Other"/>
-  <p:tag name="MH_ORDER" val="3"/>
-  <p:tag name="KSO_WM_TAG_VERSION" val="1.0"/>
-  <p:tag name="KSO_WM_BEAUTIFY_FLAG" val="#wm#"/>
-  <p:tag name="KSO_WM_UNIT_TYPE" val="i"/>
-  <p:tag name="KSO_WM_UNIT_ID" val="custom160564_19*i*6"/>
-  <p:tag name="KSO_WM_TEMPLATE_CATEGORY" val="custom"/>
-  <p:tag name="KSO_WM_TEMPLATE_INDEX" val="160564"/>
-  <p:tag name="KSO_WM_UNIT_INDEX" val="6"/>
-</p:tagLst>
-</file>
-
-<file path=ppt/tags/tag64.xml><?xml version="1.0" encoding="utf-8"?>
-<p:tagLst xmlns:p="http://schemas.openxmlformats.org/presentationml/2006/main">
-  <p:tag name="MH" val="20150923150227"/>
-  <p:tag name="MH_LIBRARY" val="GRAPHIC"/>
-  <p:tag name="MH_TYPE" val="Other"/>
-  <p:tag name="MH_ORDER" val="4"/>
-  <p:tag name="KSO_WM_TAG_VERSION" val="1.0"/>
-  <p:tag name="KSO_WM_BEAUTIFY_FLAG" val="#wm#"/>
-  <p:tag name="KSO_WM_UNIT_TYPE" val="i"/>
-  <p:tag name="KSO_WM_UNIT_ID" val="custom160564_19*i*7"/>
-  <p:tag name="KSO_WM_TEMPLATE_CATEGORY" val="custom"/>
-  <p:tag name="KSO_WM_TEMPLATE_INDEX" val="160564"/>
-  <p:tag name="KSO_WM_UNIT_INDEX" val="7"/>
-</p:tagLst>
-</file>
-
-<file path=ppt/tags/tag65.xml><?xml version="1.0" encoding="utf-8"?>
-<p:tagLst xmlns:p="http://schemas.openxmlformats.org/presentationml/2006/main">
-  <p:tag name="MH" val="20150923150227"/>
-  <p:tag name="MH_LIBRARY" val="GRAPHIC"/>
-  <p:tag name="MH_TYPE" val="Other"/>
-  <p:tag name="MH_ORDER" val="5"/>
-  <p:tag name="KSO_WM_TAG_VERSION" val="1.0"/>
-  <p:tag name="KSO_WM_BEAUTIFY_FLAG" val="#wm#"/>
-  <p:tag name="KSO_WM_UNIT_TYPE" val="i"/>
-  <p:tag name="KSO_WM_UNIT_ID" val="custom160564_19*i*8"/>
-  <p:tag name="KSO_WM_TEMPLATE_CATEGORY" val="custom"/>
-  <p:tag name="KSO_WM_TEMPLATE_INDEX" val="160564"/>
-  <p:tag name="KSO_WM_UNIT_INDEX" val="8"/>
-</p:tagLst>
-</file>
-
-<file path=ppt/tags/tag66.xml><?xml version="1.0" encoding="utf-8"?>
-<p:tagLst xmlns:p="http://schemas.openxmlformats.org/presentationml/2006/main">
-  <p:tag name="KSO_WM_TAG_VERSION" val="1.0"/>
-  <p:tag name="KSO_WM_BEAUTIFY_FLAG" val="#wm#"/>
-  <p:tag name="KSO_WM_TEMPLATE_CATEGORY" val="custom"/>
-  <p:tag name="KSO_WM_TEMPLATE_INDEX" val="160564"/>
-  <p:tag name="KSO_WM_UNIT_TYPE" val="a"/>
-  <p:tag name="KSO_WM_UNIT_INDEX" val="1"/>
-  <p:tag name="KSO_WM_UNIT_ID" val="custom160564_19*a*1"/>
-  <p:tag name="KSO_WM_UNIT_CLEAR" val="1"/>
-  <p:tag name="KSO_WM_UNIT_LAYERLEVEL" val="1"/>
-  <p:tag name="KSO_WM_UNIT_VALUE" val="25"/>
-  <p:tag name="KSO_WM_UNIT_ISCONTENTSTITLE" val="0"/>
-  <p:tag name="KSO_WM_UNIT_HIGHLIGHT" val="0"/>
-  <p:tag name="KSO_WM_UNIT_COMPATIBLE" val="0"/>
-  <p:tag name="KSO_WM_UNIT_PRESET_TEXT_INDEX" val="3"/>
-  <p:tag name="KSO_WM_UNIT_PRESET_TEXT_LEN" val="17"/>
-</p:tagLst>
-</file>
-
-<file path=ppt/tags/tag67.xml><?xml version="1.0" encoding="utf-8"?>
-<p:tagLst xmlns:p="http://schemas.openxmlformats.org/presentationml/2006/main">
-  <p:tag name="KSO_WM_TAG_VERSION" val="1.0"/>
-  <p:tag name="KSO_WM_BEAUTIFY_FLAG" val="#wm#"/>
-  <p:tag name="KSO_WM_TEMPLATE_CATEGORY" val="custom"/>
-  <p:tag name="KSO_WM_TEMPLATE_INDEX" val="160564"/>
-  <p:tag name="KSO_WM_UNIT_TYPE" val="f"/>
-  <p:tag name="KSO_WM_UNIT_INDEX" val="1"/>
-  <p:tag name="KSO_WM_UNIT_ID" val="custom160564_19*f*1"/>
-  <p:tag name="KSO_WM_UNIT_CLEAR" val="1"/>
-  <p:tag name="KSO_WM_UNIT_LAYERLEVEL" val="1"/>
-  <p:tag name="KSO_WM_UNIT_VALUE" val="143"/>
-  <p:tag name="KSO_WM_UNIT_HIGHLIGHT" val="0"/>
-  <p:tag name="KSO_WM_UNIT_COMPATIBLE" val="0"/>
-  <p:tag name="KSO_WM_UNIT_PRESET_TEXT_INDEX" val="5"/>
-  <p:tag name="KSO_WM_UNIT_PRESET_TEXT_LEN" val="232"/>
-</p:tagLst>
-</file>
-
-<file path=ppt/tags/tag68.xml><?xml version="1.0" encoding="utf-8"?>
-<p:tagLst xmlns:p="http://schemas.openxmlformats.org/presentationml/2006/main">
+<p:tagLst xmlns:a="http://schemas.openxmlformats.org/drawingml/2006/main" xmlns:r="http://schemas.openxmlformats.org/officeDocument/2006/relationships" xmlns:p="http://schemas.openxmlformats.org/presentationml/2006/main">
   <p:tag name="MH_TYPE" val="#NeiR#"/>
   <p:tag name="MH_NUMBER" val="1"/>
   <p:tag name="MH_CATEGORY" val="#QiTTB#"/>
@@ -25259,63 +24785,27 @@
 </p:tagLst>
 </file>
 
-<file path=ppt/tags/tag69.xml><?xml version="1.0" encoding="utf-8"?>
-<p:tagLst xmlns:p="http://schemas.openxmlformats.org/presentationml/2006/main">
-  <p:tag name="MH" val="20150923150227"/>
-  <p:tag name="MH_LIBRARY" val="GRAPHIC"/>
-  <p:tag name="MH_TYPE" val="Other"/>
-  <p:tag name="MH_ORDER" val="1"/>
+<file path=ppt/tags/tag62.xml><?xml version="1.0" encoding="utf-8"?>
+<p:tagLst xmlns:a="http://schemas.openxmlformats.org/drawingml/2006/main" xmlns:r="http://schemas.openxmlformats.org/officeDocument/2006/relationships" xmlns:p="http://schemas.openxmlformats.org/presentationml/2006/main">
   <p:tag name="KSO_WM_TAG_VERSION" val="1.0"/>
   <p:tag name="KSO_WM_BEAUTIFY_FLAG" val="#wm#"/>
   <p:tag name="KSO_WM_UNIT_TYPE" val="i"/>
-  <p:tag name="KSO_WM_UNIT_ID" val="custom160564_20*i*0"/>
+  <p:tag name="KSO_WM_UNIT_ID" val="custom160564_19*i*0"/>
   <p:tag name="KSO_WM_TEMPLATE_CATEGORY" val="custom"/>
   <p:tag name="KSO_WM_TEMPLATE_INDEX" val="160564"/>
   <p:tag name="KSO_WM_UNIT_INDEX" val="0"/>
 </p:tagLst>
 </file>
 
-<file path=ppt/tags/tag7.xml><?xml version="1.0" encoding="utf-8"?>
-<p:tagLst xmlns:p="http://schemas.openxmlformats.org/presentationml/2006/main">
-  <p:tag name="KSO_WM_TEMPLATE_THUMBS_INDEX" val="1、4、5、8、12、16、19、25、27、28、29"/>
-  <p:tag name="KSO_WM_TEMPLATE_CATEGORY" val="custom"/>
-  <p:tag name="KSO_WM_TEMPLATE_INDEX" val="160564"/>
-  <p:tag name="KSO_WM_TAG_VERSION" val="1.0"/>
-  <p:tag name="KSO_WM_SLIDE_ID" val="custom160564_1"/>
-  <p:tag name="KSO_WM_SLIDE_INDEX" val="1"/>
-  <p:tag name="KSO_WM_SLIDE_ITEM_CNT" val="2"/>
-  <p:tag name="KSO_WM_SLIDE_LAYOUT" val="a_b"/>
-  <p:tag name="KSO_WM_SLIDE_LAYOUT_CNT" val="1_1"/>
-  <p:tag name="KSO_WM_SLIDE_TYPE" val="title"/>
-  <p:tag name="KSO_WM_BEAUTIFY_FLAG" val="#wm#"/>
-</p:tagLst>
-</file>
-
-<file path=ppt/tags/tag70.xml><?xml version="1.0" encoding="utf-8"?>
-<p:tagLst xmlns:p="http://schemas.openxmlformats.org/presentationml/2006/main">
-  <p:tag name="MH" val="20150923150227"/>
-  <p:tag name="MH_LIBRARY" val="GRAPHIC"/>
-  <p:tag name="MH_TYPE" val="Other"/>
-  <p:tag name="MH_ORDER" val="5"/>
-  <p:tag name="KSO_WM_TAG_VERSION" val="1.0"/>
-  <p:tag name="KSO_WM_BEAUTIFY_FLAG" val="#wm#"/>
-  <p:tag name="KSO_WM_UNIT_TYPE" val="i"/>
-  <p:tag name="KSO_WM_UNIT_ID" val="custom160564_20*i*1"/>
-  <p:tag name="KSO_WM_TEMPLATE_CATEGORY" val="custom"/>
-  <p:tag name="KSO_WM_TEMPLATE_INDEX" val="160564"/>
-  <p:tag name="KSO_WM_UNIT_INDEX" val="1"/>
-</p:tagLst>
-</file>
-
-<file path=ppt/tags/tag71.xml><?xml version="1.0" encoding="utf-8"?>
-<p:tagLst xmlns:p="http://schemas.openxmlformats.org/presentationml/2006/main">
+<file path=ppt/tags/tag63.xml><?xml version="1.0" encoding="utf-8"?>
+<p:tagLst xmlns:a="http://schemas.openxmlformats.org/drawingml/2006/main" xmlns:r="http://schemas.openxmlformats.org/officeDocument/2006/relationships" xmlns:p="http://schemas.openxmlformats.org/presentationml/2006/main">
   <p:tag name="KSO_WM_TAG_VERSION" val="1.0"/>
   <p:tag name="KSO_WM_BEAUTIFY_FLAG" val="#wm#"/>
   <p:tag name="KSO_WM_TEMPLATE_CATEGORY" val="custom"/>
   <p:tag name="KSO_WM_TEMPLATE_INDEX" val="160564"/>
   <p:tag name="KSO_WM_UNIT_TYPE" val="a"/>
   <p:tag name="KSO_WM_UNIT_INDEX" val="1"/>
-  <p:tag name="KSO_WM_UNIT_ID" val="custom160564_20*a*1"/>
+  <p:tag name="KSO_WM_UNIT_ID" val="custom160564_19*a*1"/>
   <p:tag name="KSO_WM_UNIT_CLEAR" val="1"/>
   <p:tag name="KSO_WM_UNIT_LAYERLEVEL" val="1"/>
   <p:tag name="KSO_WM_UNIT_VALUE" val="25"/>
@@ -25327,8 +24817,27 @@
 </p:tagLst>
 </file>
 
-<file path=ppt/tags/tag72.xml><?xml version="1.0" encoding="utf-8"?>
-<p:tagLst xmlns:p="http://schemas.openxmlformats.org/presentationml/2006/main">
+<file path=ppt/tags/tag64.xml><?xml version="1.0" encoding="utf-8"?>
+<p:tagLst xmlns:a="http://schemas.openxmlformats.org/drawingml/2006/main" xmlns:r="http://schemas.openxmlformats.org/officeDocument/2006/relationships" xmlns:p="http://schemas.openxmlformats.org/presentationml/2006/main">
+  <p:tag name="KSO_WM_TAG_VERSION" val="1.0"/>
+  <p:tag name="KSO_WM_BEAUTIFY_FLAG" val="#wm#"/>
+  <p:tag name="KSO_WM_TEMPLATE_CATEGORY" val="custom"/>
+  <p:tag name="KSO_WM_TEMPLATE_INDEX" val="160564"/>
+  <p:tag name="KSO_WM_UNIT_TYPE" val="f"/>
+  <p:tag name="KSO_WM_UNIT_INDEX" val="1"/>
+  <p:tag name="KSO_WM_UNIT_ID" val="custom160564_19*f*1"/>
+  <p:tag name="KSO_WM_UNIT_CLEAR" val="1"/>
+  <p:tag name="KSO_WM_UNIT_LAYERLEVEL" val="1"/>
+  <p:tag name="KSO_WM_UNIT_VALUE" val="143"/>
+  <p:tag name="KSO_WM_UNIT_HIGHLIGHT" val="0"/>
+  <p:tag name="KSO_WM_UNIT_COMPATIBLE" val="0"/>
+  <p:tag name="KSO_WM_UNIT_PRESET_TEXT_INDEX" val="5"/>
+  <p:tag name="KSO_WM_UNIT_PRESET_TEXT_LEN" val="232"/>
+</p:tagLst>
+</file>
+
+<file path=ppt/tags/tag65.xml><?xml version="1.0" encoding="utf-8"?>
+<p:tagLst xmlns:a="http://schemas.openxmlformats.org/drawingml/2006/main" xmlns:r="http://schemas.openxmlformats.org/officeDocument/2006/relationships" xmlns:p="http://schemas.openxmlformats.org/presentationml/2006/main">
   <p:tag name="MH" val="20150923150227"/>
   <p:tag name="MH_LIBRARY" val="GRAPHIC"/>
   <p:tag name="MH_TYPE" val="Other"/>
@@ -25336,15 +24845,47 @@
   <p:tag name="KSO_WM_TAG_VERSION" val="1.0"/>
   <p:tag name="KSO_WM_BEAUTIFY_FLAG" val="#wm#"/>
   <p:tag name="KSO_WM_UNIT_TYPE" val="i"/>
-  <p:tag name="KSO_WM_UNIT_ID" val="custom160564_20*i*5"/>
+  <p:tag name="KSO_WM_UNIT_ID" val="custom160564_19*i*5"/>
   <p:tag name="KSO_WM_TEMPLATE_CATEGORY" val="custom"/>
   <p:tag name="KSO_WM_TEMPLATE_INDEX" val="160564"/>
   <p:tag name="KSO_WM_UNIT_INDEX" val="5"/>
 </p:tagLst>
 </file>
 
-<file path=ppt/tags/tag73.xml><?xml version="1.0" encoding="utf-8"?>
-<p:tagLst xmlns:p="http://schemas.openxmlformats.org/presentationml/2006/main">
+<file path=ppt/tags/tag66.xml><?xml version="1.0" encoding="utf-8"?>
+<p:tagLst xmlns:a="http://schemas.openxmlformats.org/drawingml/2006/main" xmlns:r="http://schemas.openxmlformats.org/officeDocument/2006/relationships" xmlns:p="http://schemas.openxmlformats.org/presentationml/2006/main">
+  <p:tag name="MH" val="20150923150227"/>
+  <p:tag name="MH_LIBRARY" val="GRAPHIC"/>
+  <p:tag name="MH_TYPE" val="Other"/>
+  <p:tag name="MH_ORDER" val="3"/>
+  <p:tag name="KSO_WM_TAG_VERSION" val="1.0"/>
+  <p:tag name="KSO_WM_BEAUTIFY_FLAG" val="#wm#"/>
+  <p:tag name="KSO_WM_UNIT_TYPE" val="i"/>
+  <p:tag name="KSO_WM_UNIT_ID" val="custom160564_19*i*6"/>
+  <p:tag name="KSO_WM_TEMPLATE_CATEGORY" val="custom"/>
+  <p:tag name="KSO_WM_TEMPLATE_INDEX" val="160564"/>
+  <p:tag name="KSO_WM_UNIT_INDEX" val="6"/>
+</p:tagLst>
+</file>
+
+<file path=ppt/tags/tag67.xml><?xml version="1.0" encoding="utf-8"?>
+<p:tagLst xmlns:a="http://schemas.openxmlformats.org/drawingml/2006/main" xmlns:r="http://schemas.openxmlformats.org/officeDocument/2006/relationships" xmlns:p="http://schemas.openxmlformats.org/presentationml/2006/main">
+  <p:tag name="MH" val="20150923150227"/>
+  <p:tag name="MH_LIBRARY" val="GRAPHIC"/>
+  <p:tag name="MH_TYPE" val="Other"/>
+  <p:tag name="MH_ORDER" val="4"/>
+  <p:tag name="KSO_WM_TAG_VERSION" val="1.0"/>
+  <p:tag name="KSO_WM_BEAUTIFY_FLAG" val="#wm#"/>
+  <p:tag name="KSO_WM_UNIT_TYPE" val="i"/>
+  <p:tag name="KSO_WM_UNIT_ID" val="custom160564_19*i*7"/>
+  <p:tag name="KSO_WM_TEMPLATE_CATEGORY" val="custom"/>
+  <p:tag name="KSO_WM_TEMPLATE_INDEX" val="160564"/>
+  <p:tag name="KSO_WM_UNIT_INDEX" val="7"/>
+</p:tagLst>
+</file>
+
+<file path=ppt/tags/tag68.xml><?xml version="1.0" encoding="utf-8"?>
+<p:tagLst xmlns:a="http://schemas.openxmlformats.org/drawingml/2006/main" xmlns:r="http://schemas.openxmlformats.org/officeDocument/2006/relationships" xmlns:p="http://schemas.openxmlformats.org/presentationml/2006/main">
   <p:tag name="MH" val="20150923150227"/>
   <p:tag name="MH_LIBRARY" val="GRAPHIC"/>
   <p:tag name="MH_TYPE" val="Other"/>
@@ -25352,15 +24893,15 @@
   <p:tag name="KSO_WM_TAG_VERSION" val="1.0"/>
   <p:tag name="KSO_WM_BEAUTIFY_FLAG" val="#wm#"/>
   <p:tag name="KSO_WM_UNIT_TYPE" val="i"/>
-  <p:tag name="KSO_WM_UNIT_ID" val="custom160564_20*i*6"/>
+  <p:tag name="KSO_WM_UNIT_ID" val="custom160564_19*i*8"/>
   <p:tag name="KSO_WM_TEMPLATE_CATEGORY" val="custom"/>
   <p:tag name="KSO_WM_TEMPLATE_INDEX" val="160564"/>
-  <p:tag name="KSO_WM_UNIT_INDEX" val="6"/>
+  <p:tag name="KSO_WM_UNIT_INDEX" val="8"/>
 </p:tagLst>
 </file>
 
-<file path=ppt/tags/tag74.xml><?xml version="1.0" encoding="utf-8"?>
-<p:tagLst xmlns:p="http://schemas.openxmlformats.org/presentationml/2006/main">
+<file path=ppt/tags/tag69.xml><?xml version="1.0" encoding="utf-8"?>
+<p:tagLst xmlns:a="http://schemas.openxmlformats.org/drawingml/2006/main" xmlns:r="http://schemas.openxmlformats.org/officeDocument/2006/relationships" xmlns:p="http://schemas.openxmlformats.org/presentationml/2006/main">
   <p:tag name="MH_TYPE" val="#NeiR#"/>
   <p:tag name="MH_NUMBER" val="1"/>
   <p:tag name="MH_CATEGORY" val="#QiTTB#"/>
@@ -25382,8 +24923,112 @@
 </p:tagLst>
 </file>
 
+<file path=ppt/tags/tag7.xml><?xml version="1.0" encoding="utf-8"?>
+<p:tagLst xmlns:a="http://schemas.openxmlformats.org/drawingml/2006/main" xmlns:r="http://schemas.openxmlformats.org/officeDocument/2006/relationships" xmlns:p="http://schemas.openxmlformats.org/presentationml/2006/main">
+  <p:tag name="KSO_WM_TAG_VERSION" val="1.0"/>
+  <p:tag name="KSO_WM_BEAUTIFY_FLAG" val="#wm#"/>
+  <p:tag name="KSO_WM_TEMPLATE_CATEGORY" val="custom"/>
+  <p:tag name="KSO_WM_TEMPLATE_INDEX" val="160564"/>
+  <p:tag name="KSO_WM_UNIT_TYPE" val="b"/>
+  <p:tag name="KSO_WM_UNIT_INDEX" val="1"/>
+  <p:tag name="KSO_WM_UNIT_ID" val="custom160564_1*b*1"/>
+  <p:tag name="KSO_WM_UNIT_CLEAR" val="1"/>
+  <p:tag name="KSO_WM_UNIT_LAYERLEVEL" val="1"/>
+  <p:tag name="KSO_WM_UNIT_VALUE" val="35"/>
+  <p:tag name="KSO_WM_UNIT_ISCONTENTSTITLE" val="0"/>
+  <p:tag name="KSO_WM_UNIT_HIGHLIGHT" val="0"/>
+  <p:tag name="KSO_WM_UNIT_COMPATIBLE" val="0"/>
+  <p:tag name="KSO_WM_UNIT_PRESET_TEXT_INDEX" val="3"/>
+  <p:tag name="KSO_WM_UNIT_PRESET_TEXT_LEN" val="17"/>
+</p:tagLst>
+</file>
+
+<file path=ppt/tags/tag70.xml><?xml version="1.0" encoding="utf-8"?>
+<p:tagLst xmlns:a="http://schemas.openxmlformats.org/drawingml/2006/main" xmlns:r="http://schemas.openxmlformats.org/officeDocument/2006/relationships" xmlns:p="http://schemas.openxmlformats.org/presentationml/2006/main">
+  <p:tag name="MH" val="20150923150227"/>
+  <p:tag name="MH_LIBRARY" val="GRAPHIC"/>
+  <p:tag name="MH_TYPE" val="Other"/>
+  <p:tag name="MH_ORDER" val="1"/>
+  <p:tag name="KSO_WM_TAG_VERSION" val="1.0"/>
+  <p:tag name="KSO_WM_BEAUTIFY_FLAG" val="#wm#"/>
+  <p:tag name="KSO_WM_UNIT_TYPE" val="i"/>
+  <p:tag name="KSO_WM_UNIT_ID" val="custom160564_20*i*0"/>
+  <p:tag name="KSO_WM_TEMPLATE_CATEGORY" val="custom"/>
+  <p:tag name="KSO_WM_TEMPLATE_INDEX" val="160564"/>
+  <p:tag name="KSO_WM_UNIT_INDEX" val="0"/>
+</p:tagLst>
+</file>
+
+<file path=ppt/tags/tag71.xml><?xml version="1.0" encoding="utf-8"?>
+<p:tagLst xmlns:a="http://schemas.openxmlformats.org/drawingml/2006/main" xmlns:r="http://schemas.openxmlformats.org/officeDocument/2006/relationships" xmlns:p="http://schemas.openxmlformats.org/presentationml/2006/main">
+  <p:tag name="MH" val="20150923150227"/>
+  <p:tag name="MH_LIBRARY" val="GRAPHIC"/>
+  <p:tag name="MH_TYPE" val="Other"/>
+  <p:tag name="MH_ORDER" val="5"/>
+  <p:tag name="KSO_WM_TAG_VERSION" val="1.0"/>
+  <p:tag name="KSO_WM_BEAUTIFY_FLAG" val="#wm#"/>
+  <p:tag name="KSO_WM_UNIT_TYPE" val="i"/>
+  <p:tag name="KSO_WM_UNIT_ID" val="custom160564_20*i*1"/>
+  <p:tag name="KSO_WM_TEMPLATE_CATEGORY" val="custom"/>
+  <p:tag name="KSO_WM_TEMPLATE_INDEX" val="160564"/>
+  <p:tag name="KSO_WM_UNIT_INDEX" val="1"/>
+</p:tagLst>
+</file>
+
+<file path=ppt/tags/tag72.xml><?xml version="1.0" encoding="utf-8"?>
+<p:tagLst xmlns:a="http://schemas.openxmlformats.org/drawingml/2006/main" xmlns:r="http://schemas.openxmlformats.org/officeDocument/2006/relationships" xmlns:p="http://schemas.openxmlformats.org/presentationml/2006/main">
+  <p:tag name="KSO_WM_TAG_VERSION" val="1.0"/>
+  <p:tag name="KSO_WM_BEAUTIFY_FLAG" val="#wm#"/>
+  <p:tag name="KSO_WM_TEMPLATE_CATEGORY" val="custom"/>
+  <p:tag name="KSO_WM_TEMPLATE_INDEX" val="160564"/>
+  <p:tag name="KSO_WM_UNIT_TYPE" val="a"/>
+  <p:tag name="KSO_WM_UNIT_INDEX" val="1"/>
+  <p:tag name="KSO_WM_UNIT_ID" val="custom160564_20*a*1"/>
+  <p:tag name="KSO_WM_UNIT_CLEAR" val="1"/>
+  <p:tag name="KSO_WM_UNIT_LAYERLEVEL" val="1"/>
+  <p:tag name="KSO_WM_UNIT_VALUE" val="25"/>
+  <p:tag name="KSO_WM_UNIT_ISCONTENTSTITLE" val="0"/>
+  <p:tag name="KSO_WM_UNIT_HIGHLIGHT" val="0"/>
+  <p:tag name="KSO_WM_UNIT_COMPATIBLE" val="0"/>
+  <p:tag name="KSO_WM_UNIT_PRESET_TEXT_INDEX" val="3"/>
+  <p:tag name="KSO_WM_UNIT_PRESET_TEXT_LEN" val="17"/>
+</p:tagLst>
+</file>
+
+<file path=ppt/tags/tag73.xml><?xml version="1.0" encoding="utf-8"?>
+<p:tagLst xmlns:a="http://schemas.openxmlformats.org/drawingml/2006/main" xmlns:r="http://schemas.openxmlformats.org/officeDocument/2006/relationships" xmlns:p="http://schemas.openxmlformats.org/presentationml/2006/main">
+  <p:tag name="MH" val="20150923150227"/>
+  <p:tag name="MH_LIBRARY" val="GRAPHIC"/>
+  <p:tag name="MH_TYPE" val="Other"/>
+  <p:tag name="MH_ORDER" val="1"/>
+  <p:tag name="KSO_WM_TAG_VERSION" val="1.0"/>
+  <p:tag name="KSO_WM_BEAUTIFY_FLAG" val="#wm#"/>
+  <p:tag name="KSO_WM_UNIT_TYPE" val="i"/>
+  <p:tag name="KSO_WM_UNIT_ID" val="custom160564_20*i*5"/>
+  <p:tag name="KSO_WM_TEMPLATE_CATEGORY" val="custom"/>
+  <p:tag name="KSO_WM_TEMPLATE_INDEX" val="160564"/>
+  <p:tag name="KSO_WM_UNIT_INDEX" val="5"/>
+</p:tagLst>
+</file>
+
+<file path=ppt/tags/tag74.xml><?xml version="1.0" encoding="utf-8"?>
+<p:tagLst xmlns:a="http://schemas.openxmlformats.org/drawingml/2006/main" xmlns:r="http://schemas.openxmlformats.org/officeDocument/2006/relationships" xmlns:p="http://schemas.openxmlformats.org/presentationml/2006/main">
+  <p:tag name="MH" val="20150923150227"/>
+  <p:tag name="MH_LIBRARY" val="GRAPHIC"/>
+  <p:tag name="MH_TYPE" val="Other"/>
+  <p:tag name="MH_ORDER" val="5"/>
+  <p:tag name="KSO_WM_TAG_VERSION" val="1.0"/>
+  <p:tag name="KSO_WM_BEAUTIFY_FLAG" val="#wm#"/>
+  <p:tag name="KSO_WM_UNIT_TYPE" val="i"/>
+  <p:tag name="KSO_WM_UNIT_ID" val="custom160564_20*i*6"/>
+  <p:tag name="KSO_WM_TEMPLATE_CATEGORY" val="custom"/>
+  <p:tag name="KSO_WM_TEMPLATE_INDEX" val="160564"/>
+  <p:tag name="KSO_WM_UNIT_INDEX" val="6"/>
+</p:tagLst>
+</file>
+
 <file path=ppt/tags/tag75.xml><?xml version="1.0" encoding="utf-8"?>
-<p:tagLst xmlns:p="http://schemas.openxmlformats.org/presentationml/2006/main">
+<p:tagLst xmlns:a="http://schemas.openxmlformats.org/drawingml/2006/main" xmlns:r="http://schemas.openxmlformats.org/officeDocument/2006/relationships" xmlns:p="http://schemas.openxmlformats.org/presentationml/2006/main">
   <p:tag name="KSO_WM_BEAUTIFY_FLAG" val="#wm#"/>
   <p:tag name="KSO_WM_TEMPLATE_CATEGORY" val="custom"/>
   <p:tag name="KSO_WM_TEMPLATE_INDEX" val="160564"/>
@@ -25391,7 +25036,7 @@
 </file>
 
 <file path=ppt/tags/tag76.xml><?xml version="1.0" encoding="utf-8"?>
-<p:tagLst xmlns:p="http://schemas.openxmlformats.org/presentationml/2006/main">
+<p:tagLst xmlns:a="http://schemas.openxmlformats.org/drawingml/2006/main" xmlns:r="http://schemas.openxmlformats.org/officeDocument/2006/relationships" xmlns:p="http://schemas.openxmlformats.org/presentationml/2006/main">
   <p:tag name="KSO_WM_BEAUTIFY_FLAG" val="#wm#"/>
   <p:tag name="KSO_WM_TEMPLATE_CATEGORY" val="custom"/>
   <p:tag name="KSO_WM_TEMPLATE_INDEX" val="160564"/>
@@ -25399,7 +25044,7 @@
 </file>
 
 <file path=ppt/tags/tag77.xml><?xml version="1.0" encoding="utf-8"?>
-<p:tagLst xmlns:p="http://schemas.openxmlformats.org/presentationml/2006/main">
+<p:tagLst xmlns:a="http://schemas.openxmlformats.org/drawingml/2006/main" xmlns:r="http://schemas.openxmlformats.org/officeDocument/2006/relationships" xmlns:p="http://schemas.openxmlformats.org/presentationml/2006/main">
   <p:tag name="KSO_WM_BEAUTIFY_FLAG" val="#wm#"/>
   <p:tag name="KSO_WM_TEMPLATE_CATEGORY" val="custom"/>
   <p:tag name="KSO_WM_TEMPLATE_INDEX" val="160564"/>
@@ -25407,7 +25052,7 @@
 </file>
 
 <file path=ppt/tags/tag78.xml><?xml version="1.0" encoding="utf-8"?>
-<p:tagLst xmlns:p="http://schemas.openxmlformats.org/presentationml/2006/main">
+<p:tagLst xmlns:a="http://schemas.openxmlformats.org/drawingml/2006/main" xmlns:r="http://schemas.openxmlformats.org/officeDocument/2006/relationships" xmlns:p="http://schemas.openxmlformats.org/presentationml/2006/main">
   <p:tag name="KSO_WM_BEAUTIFY_FLAG" val="#wm#"/>
   <p:tag name="KSO_WM_TEMPLATE_CATEGORY" val="custom"/>
   <p:tag name="KSO_WM_TEMPLATE_INDEX" val="160564"/>
@@ -25415,7 +25060,41 @@
 </file>
 
 <file path=ppt/tags/tag79.xml><?xml version="1.0" encoding="utf-8"?>
-<p:tagLst xmlns:p="http://schemas.openxmlformats.org/presentationml/2006/main">
+<p:tagLst xmlns:a="http://schemas.openxmlformats.org/drawingml/2006/main" xmlns:r="http://schemas.openxmlformats.org/officeDocument/2006/relationships" xmlns:p="http://schemas.openxmlformats.org/presentationml/2006/main">
+  <p:tag name="MH" val="20150923145622"/>
+  <p:tag name="MH_LIBRARY" val="GRAPHIC"/>
+  <p:tag name="KSO_WM_TEMPLATE_CATEGORY" val="custom"/>
+  <p:tag name="KSO_WM_TEMPLATE_INDEX" val="160564"/>
+  <p:tag name="KSO_WM_TAG_VERSION" val="1.0"/>
+  <p:tag name="KSO_WM_SLIDE_ID" val="custom160564_12"/>
+  <p:tag name="KSO_WM_SLIDE_INDEX" val="12"/>
+  <p:tag name="KSO_WM_SLIDE_ITEM_CNT" val="1"/>
+  <p:tag name="KSO_WM_SLIDE_LAYOUT" val="a_e"/>
+  <p:tag name="KSO_WM_SLIDE_LAYOUT_CNT" val="1_1"/>
+  <p:tag name="KSO_WM_SLIDE_TYPE" val="sectionTitle"/>
+  <p:tag name="KSO_WM_BEAUTIFY_FLAG" val="#wm#"/>
+</p:tagLst>
+</file>
+
+<file path=ppt/tags/tag8.xml><?xml version="1.0" encoding="utf-8"?>
+<p:tagLst xmlns:a="http://schemas.openxmlformats.org/drawingml/2006/main" xmlns:r="http://schemas.openxmlformats.org/officeDocument/2006/relationships" xmlns:p="http://schemas.openxmlformats.org/presentationml/2006/main">
+  <p:tag name="KSO_WM_TEMPLATE_CATEGORY" val="custom"/>
+  <p:tag name="KSO_WM_TEMPLATE_INDEX" val="160564"/>
+  <p:tag name="KSO_WM_TAG_VERSION" val="1.0"/>
+  <p:tag name="KSO_WM_SLIDE_ID" val="custom160564_5"/>
+  <p:tag name="KSO_WM_SLIDE_INDEX" val="5"/>
+  <p:tag name="KSO_WM_SLIDE_ITEM_CNT" val="2"/>
+  <p:tag name="KSO_WM_SLIDE_LAYOUT" val="a_d_f"/>
+  <p:tag name="KSO_WM_SLIDE_LAYOUT_CNT" val="1_1_1"/>
+  <p:tag name="KSO_WM_SLIDE_TYPE" val="text"/>
+  <p:tag name="KSO_WM_BEAUTIFY_FLAG" val="#wm#"/>
+  <p:tag name="KSO_WM_SLIDE_POSITION" val="122*101"/>
+  <p:tag name="KSO_WM_SLIDE_SIZE" val="715*419"/>
+</p:tagLst>
+</file>
+
+<file path=ppt/tags/tag80.xml><?xml version="1.0" encoding="utf-8"?>
+<p:tagLst xmlns:a="http://schemas.openxmlformats.org/drawingml/2006/main" xmlns:r="http://schemas.openxmlformats.org/officeDocument/2006/relationships" xmlns:p="http://schemas.openxmlformats.org/presentationml/2006/main">
   <p:tag name="KSO_WM_TAG_VERSION" val="1.0"/>
   <p:tag name="KSO_WM_BEAUTIFY_FLAG" val="#wm#"/>
   <p:tag name="KSO_WM_TEMPLATE_CATEGORY" val="custom"/>
@@ -25434,25 +25113,8 @@
 </p:tagLst>
 </file>
 
-<file path=ppt/tags/tag8.xml><?xml version="1.0" encoding="utf-8"?>
-<p:tagLst xmlns:p="http://schemas.openxmlformats.org/presentationml/2006/main">
-  <p:tag name="KSO_WM_TAG_VERSION" val="1.0"/>
-  <p:tag name="KSO_WM_BEAUTIFY_FLAG" val="#wm#"/>
-  <p:tag name="KSO_WM_TEMPLATE_CATEGORY" val="custom"/>
-  <p:tag name="KSO_WM_TEMPLATE_INDEX" val="160564"/>
-  <p:tag name="KSO_WM_UNIT_TYPE" val="d"/>
-  <p:tag name="KSO_WM_UNIT_INDEX" val="1"/>
-  <p:tag name="KSO_WM_UNIT_ID" val="custom160564_5*d*1"/>
-  <p:tag name="KSO_WM_UNIT_CLEAR" val="0"/>
-  <p:tag name="KSO_WM_UNIT_LAYERLEVEL" val="1"/>
-  <p:tag name="KSO_WM_UNIT_VALUE" val="1261*2521"/>
-  <p:tag name="KSO_WM_UNIT_HIGHLIGHT" val="0"/>
-  <p:tag name="KSO_WM_UNIT_COMPATIBLE" val="0"/>
-</p:tagLst>
-</file>
-
-<file path=ppt/tags/tag80.xml><?xml version="1.0" encoding="utf-8"?>
-<p:tagLst xmlns:p="http://schemas.openxmlformats.org/presentationml/2006/main">
+<file path=ppt/tags/tag81.xml><?xml version="1.0" encoding="utf-8"?>
+<p:tagLst xmlns:a="http://schemas.openxmlformats.org/drawingml/2006/main" xmlns:r="http://schemas.openxmlformats.org/officeDocument/2006/relationships" xmlns:p="http://schemas.openxmlformats.org/presentationml/2006/main">
   <p:tag name="KSO_WM_TAG_VERSION" val="1.0"/>
   <p:tag name="KSO_WM_BEAUTIFY_FLAG" val="#wm#"/>
   <p:tag name="KSO_WM_TEMPLATE_CATEGORY" val="custom"/>
@@ -25472,8 +25134,40 @@
 </p:tagLst>
 </file>
 
-<file path=ppt/tags/tag81.xml><?xml version="1.0" encoding="utf-8"?>
-<p:tagLst xmlns:p="http://schemas.openxmlformats.org/presentationml/2006/main">
+<file path=ppt/tags/tag82.xml><?xml version="1.0" encoding="utf-8"?>
+<p:tagLst xmlns:a="http://schemas.openxmlformats.org/drawingml/2006/main" xmlns:r="http://schemas.openxmlformats.org/officeDocument/2006/relationships" xmlns:p="http://schemas.openxmlformats.org/presentationml/2006/main">
+  <p:tag name="KSO_WM_BEAUTIFY_FLAG" val="#wm#"/>
+  <p:tag name="KSO_WM_TEMPLATE_CATEGORY" val="custom"/>
+  <p:tag name="KSO_WM_TEMPLATE_INDEX" val="160564"/>
+</p:tagLst>
+</file>
+
+<file path=ppt/tags/tag83.xml><?xml version="1.0" encoding="utf-8"?>
+<p:tagLst xmlns:a="http://schemas.openxmlformats.org/drawingml/2006/main" xmlns:r="http://schemas.openxmlformats.org/officeDocument/2006/relationships" xmlns:p="http://schemas.openxmlformats.org/presentationml/2006/main">
+  <p:tag name="KSO_WM_BEAUTIFY_FLAG" val="#wm#"/>
+  <p:tag name="KSO_WM_TEMPLATE_CATEGORY" val="custom"/>
+  <p:tag name="KSO_WM_TEMPLATE_INDEX" val="160564"/>
+</p:tagLst>
+</file>
+
+<file path=ppt/tags/tag84.xml><?xml version="1.0" encoding="utf-8"?>
+<p:tagLst xmlns:a="http://schemas.openxmlformats.org/drawingml/2006/main" xmlns:r="http://schemas.openxmlformats.org/officeDocument/2006/relationships" xmlns:p="http://schemas.openxmlformats.org/presentationml/2006/main">
+  <p:tag name="KSO_WM_BEAUTIFY_FLAG" val="#wm#"/>
+  <p:tag name="KSO_WM_TEMPLATE_CATEGORY" val="custom"/>
+  <p:tag name="KSO_WM_TEMPLATE_INDEX" val="160564"/>
+</p:tagLst>
+</file>
+
+<file path=ppt/tags/tag85.xml><?xml version="1.0" encoding="utf-8"?>
+<p:tagLst xmlns:a="http://schemas.openxmlformats.org/drawingml/2006/main" xmlns:r="http://schemas.openxmlformats.org/officeDocument/2006/relationships" xmlns:p="http://schemas.openxmlformats.org/presentationml/2006/main">
+  <p:tag name="KSO_WM_BEAUTIFY_FLAG" val="#wm#"/>
+  <p:tag name="KSO_WM_TEMPLATE_CATEGORY" val="custom"/>
+  <p:tag name="KSO_WM_TEMPLATE_INDEX" val="160564"/>
+</p:tagLst>
+</file>
+
+<file path=ppt/tags/tag86.xml><?xml version="1.0" encoding="utf-8"?>
+<p:tagLst xmlns:a="http://schemas.openxmlformats.org/drawingml/2006/main" xmlns:r="http://schemas.openxmlformats.org/officeDocument/2006/relationships" xmlns:p="http://schemas.openxmlformats.org/presentationml/2006/main">
   <p:tag name="MH" val="20150923145622"/>
   <p:tag name="MH_LIBRARY" val="GRAPHIC"/>
   <p:tag name="KSO_WM_TEMPLATE_CATEGORY" val="custom"/>
@@ -25489,40 +25183,8 @@
 </p:tagLst>
 </file>
 
-<file path=ppt/tags/tag82.xml><?xml version="1.0" encoding="utf-8"?>
-<p:tagLst xmlns:p="http://schemas.openxmlformats.org/presentationml/2006/main">
-  <p:tag name="KSO_WM_BEAUTIFY_FLAG" val="#wm#"/>
-  <p:tag name="KSO_WM_TEMPLATE_CATEGORY" val="custom"/>
-  <p:tag name="KSO_WM_TEMPLATE_INDEX" val="160564"/>
-</p:tagLst>
-</file>
-
-<file path=ppt/tags/tag83.xml><?xml version="1.0" encoding="utf-8"?>
-<p:tagLst xmlns:p="http://schemas.openxmlformats.org/presentationml/2006/main">
-  <p:tag name="KSO_WM_BEAUTIFY_FLAG" val="#wm#"/>
-  <p:tag name="KSO_WM_TEMPLATE_CATEGORY" val="custom"/>
-  <p:tag name="KSO_WM_TEMPLATE_INDEX" val="160564"/>
-</p:tagLst>
-</file>
-
-<file path=ppt/tags/tag84.xml><?xml version="1.0" encoding="utf-8"?>
-<p:tagLst xmlns:p="http://schemas.openxmlformats.org/presentationml/2006/main">
-  <p:tag name="KSO_WM_BEAUTIFY_FLAG" val="#wm#"/>
-  <p:tag name="KSO_WM_TEMPLATE_CATEGORY" val="custom"/>
-  <p:tag name="KSO_WM_TEMPLATE_INDEX" val="160564"/>
-</p:tagLst>
-</file>
-
-<file path=ppt/tags/tag85.xml><?xml version="1.0" encoding="utf-8"?>
-<p:tagLst xmlns:p="http://schemas.openxmlformats.org/presentationml/2006/main">
-  <p:tag name="KSO_WM_BEAUTIFY_FLAG" val="#wm#"/>
-  <p:tag name="KSO_WM_TEMPLATE_CATEGORY" val="custom"/>
-  <p:tag name="KSO_WM_TEMPLATE_INDEX" val="160564"/>
-</p:tagLst>
-</file>
-
-<file path=ppt/tags/tag86.xml><?xml version="1.0" encoding="utf-8"?>
-<p:tagLst xmlns:p="http://schemas.openxmlformats.org/presentationml/2006/main">
+<file path=ppt/tags/tag87.xml><?xml version="1.0" encoding="utf-8"?>
+<p:tagLst xmlns:a="http://schemas.openxmlformats.org/drawingml/2006/main" xmlns:r="http://schemas.openxmlformats.org/officeDocument/2006/relationships" xmlns:p="http://schemas.openxmlformats.org/presentationml/2006/main">
   <p:tag name="KSO_WM_TAG_VERSION" val="1.0"/>
   <p:tag name="KSO_WM_BEAUTIFY_FLAG" val="#wm#"/>
   <p:tag name="KSO_WM_TEMPLATE_CATEGORY" val="custom"/>
@@ -25541,8 +25203,8 @@
 </p:tagLst>
 </file>
 
-<file path=ppt/tags/tag87.xml><?xml version="1.0" encoding="utf-8"?>
-<p:tagLst xmlns:p="http://schemas.openxmlformats.org/presentationml/2006/main">
+<file path=ppt/tags/tag88.xml><?xml version="1.0" encoding="utf-8"?>
+<p:tagLst xmlns:a="http://schemas.openxmlformats.org/drawingml/2006/main" xmlns:r="http://schemas.openxmlformats.org/officeDocument/2006/relationships" xmlns:p="http://schemas.openxmlformats.org/presentationml/2006/main">
   <p:tag name="KSO_WM_TAG_VERSION" val="1.0"/>
   <p:tag name="KSO_WM_BEAUTIFY_FLAG" val="#wm#"/>
   <p:tag name="KSO_WM_TEMPLATE_CATEGORY" val="custom"/>
@@ -25562,8 +25224,57 @@
 </p:tagLst>
 </file>
 
-<file path=ppt/tags/tag88.xml><?xml version="1.0" encoding="utf-8"?>
-<p:tagLst xmlns:p="http://schemas.openxmlformats.org/presentationml/2006/main">
+<file path=ppt/tags/tag89.xml><?xml version="1.0" encoding="utf-8"?>
+<p:tagLst xmlns:a="http://schemas.openxmlformats.org/drawingml/2006/main" xmlns:r="http://schemas.openxmlformats.org/officeDocument/2006/relationships" xmlns:p="http://schemas.openxmlformats.org/presentationml/2006/main">
+  <p:tag name="KSO_WM_BEAUTIFY_FLAG" val="#wm#"/>
+  <p:tag name="KSO_WM_TEMPLATE_CATEGORY" val="custom"/>
+  <p:tag name="KSO_WM_TEMPLATE_INDEX" val="160564"/>
+</p:tagLst>
+</file>
+
+<file path=ppt/tags/tag9.xml><?xml version="1.0" encoding="utf-8"?>
+<p:tagLst xmlns:a="http://schemas.openxmlformats.org/drawingml/2006/main" xmlns:r="http://schemas.openxmlformats.org/officeDocument/2006/relationships" xmlns:p="http://schemas.openxmlformats.org/presentationml/2006/main">
+  <p:tag name="KSO_WM_TAG_VERSION" val="1.0"/>
+  <p:tag name="KSO_WM_BEAUTIFY_FLAG" val="#wm#"/>
+  <p:tag name="KSO_WM_TEMPLATE_CATEGORY" val="custom"/>
+  <p:tag name="KSO_WM_TEMPLATE_INDEX" val="160564"/>
+  <p:tag name="KSO_WM_UNIT_TYPE" val="d"/>
+  <p:tag name="KSO_WM_UNIT_INDEX" val="1"/>
+  <p:tag name="KSO_WM_UNIT_ID" val="custom160564_5*d*1"/>
+  <p:tag name="KSO_WM_UNIT_CLEAR" val="0"/>
+  <p:tag name="KSO_WM_UNIT_LAYERLEVEL" val="1"/>
+  <p:tag name="KSO_WM_UNIT_VALUE" val="1261*2521"/>
+  <p:tag name="KSO_WM_UNIT_HIGHLIGHT" val="0"/>
+  <p:tag name="KSO_WM_UNIT_COMPATIBLE" val="0"/>
+</p:tagLst>
+</file>
+
+<file path=ppt/tags/tag90.xml><?xml version="1.0" encoding="utf-8"?>
+<p:tagLst xmlns:a="http://schemas.openxmlformats.org/drawingml/2006/main" xmlns:r="http://schemas.openxmlformats.org/officeDocument/2006/relationships" xmlns:p="http://schemas.openxmlformats.org/presentationml/2006/main">
+  <p:tag name="KSO_WM_BEAUTIFY_FLAG" val="#wm#"/>
+  <p:tag name="KSO_WM_TEMPLATE_CATEGORY" val="custom"/>
+  <p:tag name="KSO_WM_TEMPLATE_INDEX" val="160564"/>
+</p:tagLst>
+</file>
+
+<file path=ppt/tags/tag91.xml><?xml version="1.0" encoding="utf-8"?>
+<p:tagLst xmlns:a="http://schemas.openxmlformats.org/drawingml/2006/main" xmlns:r="http://schemas.openxmlformats.org/officeDocument/2006/relationships" xmlns:p="http://schemas.openxmlformats.org/presentationml/2006/main">
+  <p:tag name="KSO_WM_BEAUTIFY_FLAG" val="#wm#"/>
+  <p:tag name="KSO_WM_TEMPLATE_CATEGORY" val="custom"/>
+  <p:tag name="KSO_WM_TEMPLATE_INDEX" val="160564"/>
+</p:tagLst>
+</file>
+
+<file path=ppt/tags/tag92.xml><?xml version="1.0" encoding="utf-8"?>
+<p:tagLst xmlns:a="http://schemas.openxmlformats.org/drawingml/2006/main" xmlns:r="http://schemas.openxmlformats.org/officeDocument/2006/relationships" xmlns:p="http://schemas.openxmlformats.org/presentationml/2006/main">
+  <p:tag name="KSO_WM_BEAUTIFY_FLAG" val="#wm#"/>
+  <p:tag name="KSO_WM_TEMPLATE_CATEGORY" val="custom"/>
+  <p:tag name="KSO_WM_TEMPLATE_INDEX" val="160564"/>
+</p:tagLst>
+</file>
+
+<file path=ppt/tags/tag93.xml><?xml version="1.0" encoding="utf-8"?>
+<p:tagLst xmlns:a="http://schemas.openxmlformats.org/drawingml/2006/main" xmlns:r="http://schemas.openxmlformats.org/officeDocument/2006/relationships" xmlns:p="http://schemas.openxmlformats.org/presentationml/2006/main">
   <p:tag name="MH" val="20150923145622"/>
   <p:tag name="MH_LIBRARY" val="GRAPHIC"/>
   <p:tag name="KSO_WM_TEMPLATE_CATEGORY" val="custom"/>
@@ -25579,60 +25290,8 @@
 </p:tagLst>
 </file>
 
-<file path=ppt/tags/tag89.xml><?xml version="1.0" encoding="utf-8"?>
-<p:tagLst xmlns:p="http://schemas.openxmlformats.org/presentationml/2006/main">
-  <p:tag name="KSO_WM_BEAUTIFY_FLAG" val="#wm#"/>
-  <p:tag name="KSO_WM_TEMPLATE_CATEGORY" val="custom"/>
-  <p:tag name="KSO_WM_TEMPLATE_INDEX" val="160564"/>
-</p:tagLst>
-</file>
-
-<file path=ppt/tags/tag9.xml><?xml version="1.0" encoding="utf-8"?>
-<p:tagLst xmlns:p="http://schemas.openxmlformats.org/presentationml/2006/main">
-  <p:tag name="KSO_WM_TAG_VERSION" val="1.0"/>
-  <p:tag name="KSO_WM_BEAUTIFY_FLAG" val="#wm#"/>
-  <p:tag name="KSO_WM_TEMPLATE_CATEGORY" val="custom"/>
-  <p:tag name="KSO_WM_TEMPLATE_INDEX" val="160564"/>
-  <p:tag name="KSO_WM_UNIT_TYPE" val="a"/>
-  <p:tag name="KSO_WM_UNIT_INDEX" val="1"/>
-  <p:tag name="KSO_WM_UNIT_ID" val="custom160564_5*a*1"/>
-  <p:tag name="KSO_WM_UNIT_CLEAR" val="1"/>
-  <p:tag name="KSO_WM_UNIT_LAYERLEVEL" val="1"/>
-  <p:tag name="KSO_WM_UNIT_VALUE" val="21"/>
-  <p:tag name="KSO_WM_UNIT_ISCONTENTSTITLE" val="0"/>
-  <p:tag name="KSO_WM_UNIT_HIGHLIGHT" val="0"/>
-  <p:tag name="KSO_WM_UNIT_COMPATIBLE" val="0"/>
-  <p:tag name="KSO_WM_UNIT_PRESET_TEXT_INDEX" val="3"/>
-  <p:tag name="KSO_WM_UNIT_PRESET_TEXT_LEN" val="17"/>
-</p:tagLst>
-</file>
-
-<file path=ppt/tags/tag90.xml><?xml version="1.0" encoding="utf-8"?>
-<p:tagLst xmlns:p="http://schemas.openxmlformats.org/presentationml/2006/main">
-  <p:tag name="KSO_WM_BEAUTIFY_FLAG" val="#wm#"/>
-  <p:tag name="KSO_WM_TEMPLATE_CATEGORY" val="custom"/>
-  <p:tag name="KSO_WM_TEMPLATE_INDEX" val="160564"/>
-</p:tagLst>
-</file>
-
-<file path=ppt/tags/tag91.xml><?xml version="1.0" encoding="utf-8"?>
-<p:tagLst xmlns:p="http://schemas.openxmlformats.org/presentationml/2006/main">
-  <p:tag name="KSO_WM_BEAUTIFY_FLAG" val="#wm#"/>
-  <p:tag name="KSO_WM_TEMPLATE_CATEGORY" val="custom"/>
-  <p:tag name="KSO_WM_TEMPLATE_INDEX" val="160564"/>
-</p:tagLst>
-</file>
-
-<file path=ppt/tags/tag92.xml><?xml version="1.0" encoding="utf-8"?>
-<p:tagLst xmlns:p="http://schemas.openxmlformats.org/presentationml/2006/main">
-  <p:tag name="KSO_WM_BEAUTIFY_FLAG" val="#wm#"/>
-  <p:tag name="KSO_WM_TEMPLATE_CATEGORY" val="custom"/>
-  <p:tag name="KSO_WM_TEMPLATE_INDEX" val="160564"/>
-</p:tagLst>
-</file>
-
-<file path=ppt/tags/tag93.xml><?xml version="1.0" encoding="utf-8"?>
-<p:tagLst xmlns:p="http://schemas.openxmlformats.org/presentationml/2006/main">
+<file path=ppt/tags/tag94.xml><?xml version="1.0" encoding="utf-8"?>
+<p:tagLst xmlns:a="http://schemas.openxmlformats.org/drawingml/2006/main" xmlns:r="http://schemas.openxmlformats.org/officeDocument/2006/relationships" xmlns:p="http://schemas.openxmlformats.org/presentationml/2006/main">
   <p:tag name="KSO_WM_TAG_VERSION" val="1.0"/>
   <p:tag name="KSO_WM_BEAUTIFY_FLAG" val="#wm#"/>
   <p:tag name="KSO_WM_TEMPLATE_CATEGORY" val="custom"/>
@@ -25651,8 +25310,8 @@
 </p:tagLst>
 </file>
 
-<file path=ppt/tags/tag94.xml><?xml version="1.0" encoding="utf-8"?>
-<p:tagLst xmlns:p="http://schemas.openxmlformats.org/presentationml/2006/main">
+<file path=ppt/tags/tag95.xml><?xml version="1.0" encoding="utf-8"?>
+<p:tagLst xmlns:a="http://schemas.openxmlformats.org/drawingml/2006/main" xmlns:r="http://schemas.openxmlformats.org/officeDocument/2006/relationships" xmlns:p="http://schemas.openxmlformats.org/presentationml/2006/main">
   <p:tag name="KSO_WM_TAG_VERSION" val="1.0"/>
   <p:tag name="KSO_WM_BEAUTIFY_FLAG" val="#wm#"/>
   <p:tag name="KSO_WM_TEMPLATE_CATEGORY" val="custom"/>
@@ -25672,25 +25331,8 @@
 </p:tagLst>
 </file>
 
-<file path=ppt/tags/tag95.xml><?xml version="1.0" encoding="utf-8"?>
-<p:tagLst xmlns:p="http://schemas.openxmlformats.org/presentationml/2006/main">
-  <p:tag name="MH" val="20150923145622"/>
-  <p:tag name="MH_LIBRARY" val="GRAPHIC"/>
-  <p:tag name="KSO_WM_TEMPLATE_CATEGORY" val="custom"/>
-  <p:tag name="KSO_WM_TEMPLATE_INDEX" val="160564"/>
-  <p:tag name="KSO_WM_TAG_VERSION" val="1.0"/>
-  <p:tag name="KSO_WM_SLIDE_ID" val="custom160564_12"/>
-  <p:tag name="KSO_WM_SLIDE_INDEX" val="12"/>
-  <p:tag name="KSO_WM_SLIDE_ITEM_CNT" val="1"/>
-  <p:tag name="KSO_WM_SLIDE_LAYOUT" val="a_e"/>
-  <p:tag name="KSO_WM_SLIDE_LAYOUT_CNT" val="1_1"/>
-  <p:tag name="KSO_WM_SLIDE_TYPE" val="sectionTitle"/>
-  <p:tag name="KSO_WM_BEAUTIFY_FLAG" val="#wm#"/>
-</p:tagLst>
-</file>
-
 <file path=ppt/tags/tag96.xml><?xml version="1.0" encoding="utf-8"?>
-<p:tagLst xmlns:p="http://schemas.openxmlformats.org/presentationml/2006/main">
+<p:tagLst xmlns:a="http://schemas.openxmlformats.org/drawingml/2006/main" xmlns:r="http://schemas.openxmlformats.org/officeDocument/2006/relationships" xmlns:p="http://schemas.openxmlformats.org/presentationml/2006/main">
   <p:tag name="KSO_WM_BEAUTIFY_FLAG" val="#wm#"/>
   <p:tag name="KSO_WM_TEMPLATE_CATEGORY" val="custom"/>
   <p:tag name="KSO_WM_TEMPLATE_INDEX" val="160564"/>
@@ -25698,7 +25340,7 @@
 </file>
 
 <file path=ppt/tags/tag97.xml><?xml version="1.0" encoding="utf-8"?>
-<p:tagLst xmlns:p="http://schemas.openxmlformats.org/presentationml/2006/main">
+<p:tagLst xmlns:a="http://schemas.openxmlformats.org/drawingml/2006/main" xmlns:r="http://schemas.openxmlformats.org/officeDocument/2006/relationships" xmlns:p="http://schemas.openxmlformats.org/presentationml/2006/main">
   <p:tag name="KSO_WM_BEAUTIFY_FLAG" val="#wm#"/>
   <p:tag name="KSO_WM_TEMPLATE_CATEGORY" val="custom"/>
   <p:tag name="KSO_WM_TEMPLATE_INDEX" val="160564"/>
@@ -25706,7 +25348,7 @@
 </file>
 
 <file path=ppt/tags/tag98.xml><?xml version="1.0" encoding="utf-8"?>
-<p:tagLst xmlns:p="http://schemas.openxmlformats.org/presentationml/2006/main">
+<p:tagLst xmlns:a="http://schemas.openxmlformats.org/drawingml/2006/main" xmlns:r="http://schemas.openxmlformats.org/officeDocument/2006/relationships" xmlns:p="http://schemas.openxmlformats.org/presentationml/2006/main">
   <p:tag name="KSO_WM_BEAUTIFY_FLAG" val="#wm#"/>
   <p:tag name="KSO_WM_TEMPLATE_CATEGORY" val="custom"/>
   <p:tag name="KSO_WM_TEMPLATE_INDEX" val="160564"/>
@@ -25714,7 +25356,7 @@
 </file>
 
 <file path=ppt/tags/tag99.xml><?xml version="1.0" encoding="utf-8"?>
-<p:tagLst xmlns:p="http://schemas.openxmlformats.org/presentationml/2006/main">
+<p:tagLst xmlns:a="http://schemas.openxmlformats.org/drawingml/2006/main" xmlns:r="http://schemas.openxmlformats.org/officeDocument/2006/relationships" xmlns:p="http://schemas.openxmlformats.org/presentationml/2006/main">
   <p:tag name="KSO_WM_BEAUTIFY_FLAG" val="#wm#"/>
   <p:tag name="KSO_WM_TEMPLATE_CATEGORY" val="custom"/>
   <p:tag name="KSO_WM_TEMPLATE_INDEX" val="160564"/>
@@ -25912,9 +25554,11 @@
       </a:bgFillStyleLst>
     </a:fmtScheme>
   </a:themeElements>
+  <a:objectDefaults/>
+  <a:extraClrSchemeLst/>
   <a:extLst>
     <a:ext uri="{05A4C25C-085E-4340-85A3-A5531E510DB2}">
-      <thm15:themeFamily xmlns:thm15="http://schemas.microsoft.com/office/thememl/2012/main" name="Office Theme" id="{62F939B6-93AF-4DB8-9C6B-D6C7DFDC589F}" vid="{4A3C46E8-61CC-4603-A589-7422A47A8E4A}"/>
+      <thm15:themeFamily xmlns:thm15="http://schemas.microsoft.com/office/thememl/2012/main" xmlns="" name="Office Theme" id="{62F939B6-93AF-4DB8-9C6B-D6C7DFDC589F}" vid="{4A3C46E8-61CC-4603-A589-7422A47A8E4A}"/>
     </a:ext>
   </a:extLst>
 </a:theme>
@@ -26171,9 +25815,11 @@
       </a:bgFillStyleLst>
     </a:fmtScheme>
   </a:themeElements>
+  <a:objectDefaults/>
+  <a:extraClrSchemeLst/>
   <a:extLst>
     <a:ext uri="{05A4C25C-085E-4340-85A3-A5531E510DB2}">
-      <thm15:themeFamily xmlns:thm15="http://schemas.microsoft.com/office/thememl/2012/main" name="Office Theme" id="{62F939B6-93AF-4DB8-9C6B-D6C7DFDC589F}" vid="{4A3C46E8-61CC-4603-A589-7422A47A8E4A}"/>
+      <thm15:themeFamily xmlns:thm15="http://schemas.microsoft.com/office/thememl/2012/main" xmlns="" name="Office Theme" id="{62F939B6-93AF-4DB8-9C6B-D6C7DFDC589F}" vid="{4A3C46E8-61CC-4603-A589-7422A47A8E4A}"/>
     </a:ext>
   </a:extLst>
 </a:theme>
